--- a/AppFinalDeProjecto.pptx
+++ b/AppFinalDeProjecto.pptx
@@ -20,6 +20,11 @@
     <p:sldId id="265" r:id="rId17"/>
     <p:sldId id="266" r:id="rId18"/>
     <p:sldId id="267" r:id="rId19"/>
+    <p:sldId id="268" r:id="rId20"/>
+    <p:sldId id="269" r:id="rId21"/>
+    <p:sldId id="270" r:id="rId22"/>
+    <p:sldId id="271" r:id="rId23"/>
+    <p:sldId id="272" r:id="rId24"/>
   </p:sldIdLst>
   <p:sldSz cx="13004800" cy="9753600"/>
   <p:notesSz cx="6858000" cy="9144000"/>
@@ -500,6 +505,270 @@
     </a:lvl9pPr>
   </p:notesStyle>
 </p:notesMaster>
+</file>
+
+<file path=ppt/notesSlides/notesSlide1.xml><?xml version="1.0" encoding="utf-8"?>
+<p:notes xmlns:a="http://schemas.openxmlformats.org/drawingml/2006/main" xmlns:r="http://schemas.openxmlformats.org/officeDocument/2006/relationships" xmlns:p="http://schemas.openxmlformats.org/presentationml/2006/main" xmlns:m="http://schemas.openxmlformats.org/officeDocument/2006/math" xmlns:a14="http://schemas.microsoft.com/office/drawing/2010/main" showMasterSp="1" showMasterPhAnim="1">
+  <p:cSld>
+    <p:spTree>
+      <p:nvGrpSpPr>
+        <p:cNvPr id="1" name=""/>
+        <p:cNvGrpSpPr/>
+        <p:nvPr/>
+      </p:nvGrpSpPr>
+      <p:grpSpPr>
+        <a:xfrm>
+          <a:off x="0" y="0"/>
+          <a:ext cx="0" cy="0"/>
+          <a:chOff x="0" y="0"/>
+          <a:chExt cx="0" cy="0"/>
+        </a:xfrm>
+      </p:grpSpPr>
+      <p:sp>
+        <p:nvSpPr>
+          <p:cNvPr id="178" name="Shape 178"/>
+          <p:cNvSpPr/>
+          <p:nvPr>
+            <p:ph type="sldImg"/>
+          </p:nvPr>
+        </p:nvSpPr>
+        <p:spPr>
+          <a:prstGeom prst="rect">
+            <a:avLst/>
+          </a:prstGeom>
+        </p:spPr>
+        <p:txBody>
+          <a:bodyPr/>
+          <a:lstStyle/>
+          <a:p>
+            <a:pPr/>
+          </a:p>
+        </p:txBody>
+      </p:sp>
+      <p:sp>
+        <p:nvSpPr>
+          <p:cNvPr id="179" name="Shape 179"/>
+          <p:cNvSpPr/>
+          <p:nvPr>
+            <p:ph type="body" sz="quarter" idx="1"/>
+          </p:nvPr>
+        </p:nvSpPr>
+        <p:spPr>
+          <a:prstGeom prst="rect">
+            <a:avLst/>
+          </a:prstGeom>
+        </p:spPr>
+        <p:txBody>
+          <a:bodyPr/>
+          <a:lstStyle/>
+          <a:p>
+            <a:pPr marL="305593" indent="-305593">
+              <a:buSzPct val="145000"/>
+              <a:buChar char="-"/>
+            </a:pPr>
+            <a:r>
+              <a:t>A aplicação Web foi implementada em AngularJS pois foi nos pedido e por ser uma framework de fácil utilização.</a:t>
+            </a:r>
+          </a:p>
+          <a:p>
+            <a:pPr marL="305593" indent="-305593">
+              <a:buSzPct val="145000"/>
+              <a:buChar char="-"/>
+            </a:pPr>
+            <a:r>
+              <a:t>Esta é a componente que contém a interface gráfica apresentada ao utilizador.</a:t>
+            </a:r>
+          </a:p>
+        </p:txBody>
+      </p:sp>
+    </p:spTree>
+  </p:cSld>
+  <p:clrMapOvr>
+    <a:masterClrMapping/>
+  </p:clrMapOvr>
+</p:notes>
+</file>
+
+<file path=ppt/notesSlides/notesSlide2.xml><?xml version="1.0" encoding="utf-8"?>
+<p:notes xmlns:a="http://schemas.openxmlformats.org/drawingml/2006/main" xmlns:r="http://schemas.openxmlformats.org/officeDocument/2006/relationships" xmlns:p="http://schemas.openxmlformats.org/presentationml/2006/main" xmlns:m="http://schemas.openxmlformats.org/officeDocument/2006/math" xmlns:a14="http://schemas.microsoft.com/office/drawing/2010/main" showMasterSp="1" showMasterPhAnim="1">
+  <p:cSld>
+    <p:spTree>
+      <p:nvGrpSpPr>
+        <p:cNvPr id="1" name=""/>
+        <p:cNvGrpSpPr/>
+        <p:nvPr/>
+      </p:nvGrpSpPr>
+      <p:grpSpPr>
+        <a:xfrm>
+          <a:off x="0" y="0"/>
+          <a:ext cx="0" cy="0"/>
+          <a:chOff x="0" y="0"/>
+          <a:chExt cx="0" cy="0"/>
+        </a:xfrm>
+      </p:grpSpPr>
+      <p:sp>
+        <p:nvSpPr>
+          <p:cNvPr id="186" name="Shape 186"/>
+          <p:cNvSpPr/>
+          <p:nvPr>
+            <p:ph type="sldImg"/>
+          </p:nvPr>
+        </p:nvSpPr>
+        <p:spPr>
+          <a:prstGeom prst="rect">
+            <a:avLst/>
+          </a:prstGeom>
+        </p:spPr>
+        <p:txBody>
+          <a:bodyPr/>
+          <a:lstStyle/>
+          <a:p>
+            <a:pPr/>
+          </a:p>
+        </p:txBody>
+      </p:sp>
+      <p:sp>
+        <p:nvSpPr>
+          <p:cNvPr id="187" name="Shape 187"/>
+          <p:cNvSpPr/>
+          <p:nvPr>
+            <p:ph type="body" sz="quarter" idx="1"/>
+          </p:nvPr>
+        </p:nvSpPr>
+        <p:spPr>
+          <a:prstGeom prst="rect">
+            <a:avLst/>
+          </a:prstGeom>
+        </p:spPr>
+        <p:txBody>
+          <a:bodyPr/>
+          <a:lstStyle/>
+          <a:p>
+            <a:pPr marL="305593" indent="-305593">
+              <a:buSzPct val="145000"/>
+              <a:buChar char="-"/>
+            </a:pPr>
+            <a:r>
+              <a:t>É essencialmente constituída por Componentes ( componentes angular ), Serviços e Interceptors.</a:t>
+            </a:r>
+          </a:p>
+          <a:p>
+            <a:pPr marL="305593" indent="-305593">
+              <a:buSzPct val="145000"/>
+              <a:buChar char="-"/>
+            </a:pPr>
+            <a:r>
+              <a:t>Cada componente representa uma página e tem associado a si um URL.</a:t>
+            </a:r>
+          </a:p>
+          <a:p>
+            <a:pPr marL="305593" indent="-305593">
+              <a:buSzPct val="145000"/>
+              <a:buChar char="-"/>
+            </a:pPr>
+            <a:r>
+              <a:t>Os dados apresentados na interface(ou seja em cada pagina) são obtidos através da comunicação com a componente servidora. Esta comunicação é feita através de chamadas aos SERVIÇOS, estes sim que são os responsáveis por fazer os requests á API.</a:t>
+            </a:r>
+          </a:p>
+          <a:p>
+            <a:pPr marL="305593" indent="-305593">
+              <a:buSzPct val="145000"/>
+              <a:buChar char="-"/>
+            </a:pPr>
+            <a:r>
+              <a:t>O HttpInterceptor intercepta qualquer chamada feita à API, neste caso adiciona ao request os cabeçalhos necessários que a API requer. Por exemplo o cabeçalho Authorization com o token do utilizador(que vem do login).</a:t>
+            </a:r>
+          </a:p>
+        </p:txBody>
+      </p:sp>
+    </p:spTree>
+  </p:cSld>
+  <p:clrMapOvr>
+    <a:masterClrMapping/>
+  </p:clrMapOvr>
+</p:notes>
+</file>
+
+<file path=ppt/notesSlides/notesSlide3.xml><?xml version="1.0" encoding="utf-8"?>
+<p:notes xmlns:a="http://schemas.openxmlformats.org/drawingml/2006/main" xmlns:r="http://schemas.openxmlformats.org/officeDocument/2006/relationships" xmlns:p="http://schemas.openxmlformats.org/presentationml/2006/main" xmlns:m="http://schemas.openxmlformats.org/officeDocument/2006/math" xmlns:a14="http://schemas.microsoft.com/office/drawing/2010/main" showMasterSp="1" showMasterPhAnim="1">
+  <p:cSld>
+    <p:spTree>
+      <p:nvGrpSpPr>
+        <p:cNvPr id="1" name=""/>
+        <p:cNvGrpSpPr/>
+        <p:nvPr/>
+      </p:nvGrpSpPr>
+      <p:grpSpPr>
+        <a:xfrm>
+          <a:off x="0" y="0"/>
+          <a:ext cx="0" cy="0"/>
+          <a:chOff x="0" y="0"/>
+          <a:chExt cx="0" cy="0"/>
+        </a:xfrm>
+      </p:grpSpPr>
+      <p:sp>
+        <p:nvSpPr>
+          <p:cNvPr id="192" name="Shape 192"/>
+          <p:cNvSpPr/>
+          <p:nvPr>
+            <p:ph type="sldImg"/>
+          </p:nvPr>
+        </p:nvSpPr>
+        <p:spPr>
+          <a:prstGeom prst="rect">
+            <a:avLst/>
+          </a:prstGeom>
+        </p:spPr>
+        <p:txBody>
+          <a:bodyPr/>
+          <a:lstStyle/>
+          <a:p>
+            <a:pPr/>
+          </a:p>
+        </p:txBody>
+      </p:sp>
+      <p:sp>
+        <p:nvSpPr>
+          <p:cNvPr id="193" name="Shape 193"/>
+          <p:cNvSpPr/>
+          <p:nvPr>
+            <p:ph type="body" sz="quarter" idx="1"/>
+          </p:nvPr>
+        </p:nvSpPr>
+        <p:spPr>
+          <a:prstGeom prst="rect">
+            <a:avLst/>
+          </a:prstGeom>
+        </p:spPr>
+        <p:txBody>
+          <a:bodyPr/>
+          <a:lstStyle/>
+          <a:p>
+            <a:pPr marL="305593" indent="-305593">
+              <a:buSzPct val="145000"/>
+              <a:buChar char="-"/>
+            </a:pPr>
+            <a:r>
+              <a:t>Exemplo de uma pagina, neste caso é a HOME PAGE</a:t>
+            </a:r>
+          </a:p>
+          <a:p>
+            <a:pPr marL="305593" indent="-305593">
+              <a:buSzPct val="145000"/>
+              <a:buChar char="-"/>
+            </a:pPr>
+            <a:r>
+              <a:t>Todos os utilizadores registados tem acesso a esta página. As OBUs que aparecem do lado esquerdo são apenas as que estão associadas ao utilizador. É possível através do mapa ( LEAFLET ) ver onde a OBU esteve e através do gráfico(ChartJS) é possivel ver neste caso a velocidade do comboio. Mais á frente na demonstração iremos mostrar as várias opções aqui permitidas.</a:t>
+            </a:r>
+          </a:p>
+        </p:txBody>
+      </p:sp>
+    </p:spTree>
+  </p:cSld>
+  <p:clrMapOvr>
+    <a:masterClrMapping/>
+  </p:clrMapOvr>
+</p:notes>
 </file>
 
 <file path=ppt/slideLayouts/slideLayout1.xml><?xml version="1.0" encoding="utf-8"?>
@@ -3352,7 +3621,7 @@
       </p:grpSpPr>
       <p:sp>
         <p:nvSpPr>
-          <p:cNvPr id="162" name="Requisitos não implementados"/>
+          <p:cNvPr id="164" name="Arquitectura do Sistema…"/>
           <p:cNvSpPr txBox="1"/>
           <p:nvPr>
             <p:ph type="title"/>
@@ -3365,8 +3634,9 @@
         </p:spPr>
         <p:txBody>
           <a:bodyPr/>
-          <a:lstStyle>
-            <a:lvl1pPr defTabSz="457200">
+          <a:lstStyle/>
+          <a:p>
+            <a:pPr defTabSz="457200">
               <a:lnSpc>
                 <a:spcPct val="115000"/>
               </a:lnSpc>
@@ -3384,61 +3654,40 @@
                 <a:cs typeface="Arial"/>
                 <a:sym typeface="Arial"/>
               </a:defRPr>
-            </a:lvl1pPr>
-          </a:lstStyle>
-          <a:p>
-            <a:pPr/>
-            <a:r>
-              <a:t>Requisitos não implementados</a:t>
-            </a:r>
-          </a:p>
-        </p:txBody>
-      </p:sp>
-      <p:sp>
-        <p:nvSpPr>
-          <p:cNvPr id="163" name="Monitorização de sondas em tempo real…"/>
-          <p:cNvSpPr txBox="1"/>
-          <p:nvPr>
-            <p:ph type="body" idx="1"/>
-          </p:nvPr>
-        </p:nvSpPr>
-        <p:spPr>
-          <a:prstGeom prst="rect">
-            <a:avLst/>
-          </a:prstGeom>
-        </p:spPr>
-        <p:txBody>
-          <a:bodyPr/>
-          <a:lstStyle/>
-          <a:p>
-            <a:pPr/>
-            <a:r>
-              <a:t>Monitorização de sondas em tempo real</a:t>
-            </a:r>
-          </a:p>
-          <a:p>
-            <a:pPr/>
-            <a:r>
-              <a:t>Melhorias na interface gráfica</a:t>
-            </a:r>
-          </a:p>
-          <a:p>
-            <a:pPr/>
-            <a:r>
-              <a:t>Testes unitários</a:t>
-            </a:r>
-          </a:p>
-          <a:p>
-            <a:pPr/>
-            <a:r>
-              <a:t>Registo da fotografia de um utilizador</a:t>
-            </a:r>
-          </a:p>
-        </p:txBody>
-      </p:sp>
-      <p:sp>
-        <p:nvSpPr>
-          <p:cNvPr id="164" name="Text"/>
+            </a:pPr>
+            <a:r>
+              <a:t>Arquitectura do Sistema</a:t>
+            </a:r>
+          </a:p>
+          <a:p>
+            <a:pPr defTabSz="457200">
+              <a:lnSpc>
+                <a:spcPct val="115000"/>
+              </a:lnSpc>
+              <a:spcBef>
+                <a:spcPts val="600"/>
+              </a:spcBef>
+              <a:defRPr sz="3700">
+                <a:uFill>
+                  <a:solidFill>
+                    <a:srgbClr val="000000"/>
+                  </a:solidFill>
+                </a:uFill>
+                <a:latin typeface="Arial"/>
+                <a:ea typeface="Arial"/>
+                <a:cs typeface="Arial"/>
+                <a:sym typeface="Arial"/>
+              </a:defRPr>
+            </a:pPr>
+            <a:r>
+              <a:t>Componente Servidora - API</a:t>
+            </a:r>
+          </a:p>
+        </p:txBody>
+      </p:sp>
+      <p:sp>
+        <p:nvSpPr>
+          <p:cNvPr id="165" name="Text"/>
           <p:cNvSpPr txBox="1"/>
           <p:nvPr/>
         </p:nvSpPr>
@@ -3476,6 +3725,51 @@
             <a:fld id="{86CB4B4D-7CA3-9044-876B-883B54F8677D}" type="slidenum"/>
             <a:r>
               <a:t>￼</a:t>
+            </a:r>
+          </a:p>
+        </p:txBody>
+      </p:sp>
+      <p:sp>
+        <p:nvSpPr>
+          <p:cNvPr id="166" name="Dispõe de um sistema de versões…"/>
+          <p:cNvSpPr txBox="1"/>
+          <p:nvPr>
+            <p:ph type="body" idx="1"/>
+          </p:nvPr>
+        </p:nvSpPr>
+        <p:spPr>
+          <a:xfrm>
+            <a:off x="952499" y="2249991"/>
+            <a:ext cx="10984741" cy="5737868"/>
+          </a:xfrm>
+          <a:prstGeom prst="rect">
+            <a:avLst/>
+          </a:prstGeom>
+        </p:spPr>
+        <p:txBody>
+          <a:bodyPr/>
+          <a:lstStyle/>
+          <a:p>
+            <a:pPr algn="just"/>
+            <a:r>
+              <a:t>Dispõe de um sistema de versões</a:t>
+            </a:r>
+          </a:p>
+          <a:p>
+            <a:pPr algn="just"/>
+            <a:r>
+              <a:t>Autenticação por </a:t>
+            </a:r>
+            <a:r>
+              <a:rPr i="1"/>
+              <a:t>Basic Authentication</a:t>
+            </a:r>
+            <a:endParaRPr i="1"/>
+          </a:p>
+          <a:p>
+            <a:pPr algn="just"/>
+            <a:r>
+              <a:t>Padronização de Respostas de Erro em Problem+Json (Content-Type: application/problem+json)</a:t>
             </a:r>
           </a:p>
         </p:txBody>
@@ -3508,7 +3802,7 @@
       </p:grpSpPr>
       <p:sp>
         <p:nvSpPr>
-          <p:cNvPr id="166" name="Conclusão"/>
+          <p:cNvPr id="168" name="Arquitectura do Sistema…"/>
           <p:cNvSpPr txBox="1"/>
           <p:nvPr>
             <p:ph type="title"/>
@@ -3521,8 +3815,9 @@
         </p:spPr>
         <p:txBody>
           <a:bodyPr/>
-          <a:lstStyle>
-            <a:lvl1pPr defTabSz="457200">
+          <a:lstStyle/>
+          <a:p>
+            <a:pPr defTabSz="457200">
               <a:lnSpc>
                 <a:spcPct val="115000"/>
               </a:lnSpc>
@@ -3540,65 +3835,40 @@
                 <a:cs typeface="Arial"/>
                 <a:sym typeface="Arial"/>
               </a:defRPr>
-            </a:lvl1pPr>
-          </a:lstStyle>
-          <a:p>
-            <a:pPr/>
-            <a:r>
-              <a:t>Conclusão</a:t>
-            </a:r>
-          </a:p>
-        </p:txBody>
-      </p:sp>
-      <p:sp>
-        <p:nvSpPr>
-          <p:cNvPr id="167" name="Objectivos propostos alcançados…"/>
-          <p:cNvSpPr txBox="1"/>
-          <p:nvPr>
-            <p:ph type="body" idx="1"/>
-          </p:nvPr>
-        </p:nvSpPr>
-        <p:spPr>
-          <a:xfrm>
-            <a:off x="952500" y="2853283"/>
-            <a:ext cx="11099800" cy="5490617"/>
-          </a:xfrm>
-          <a:prstGeom prst="rect">
-            <a:avLst/>
-          </a:prstGeom>
-        </p:spPr>
-        <p:txBody>
-          <a:bodyPr/>
-          <a:lstStyle/>
-          <a:p>
-            <a:pPr/>
-            <a:r>
-              <a:t>Objectivos propostos alcançados</a:t>
-            </a:r>
-          </a:p>
-          <a:p>
-            <a:pPr/>
-            <a:r>
-              <a:t>Principais desafios:</a:t>
-            </a:r>
-          </a:p>
-          <a:p>
-            <a:pPr lvl="1"/>
-            <a:r>
-              <a:t>//todo</a:t>
-            </a:r>
-          </a:p>
-          <a:p>
-            <a:pPr lvl="1"/>
-            <a:r>
-              <a:t>//todo</a:t>
-            </a:r>
-          </a:p>
-        </p:txBody>
-      </p:sp>
-      <p:sp>
-        <p:nvSpPr>
-          <p:cNvPr id="168" name="Text"/>
+            </a:pPr>
+            <a:r>
+              <a:t>Arquitectura do Sistema</a:t>
+            </a:r>
+          </a:p>
+          <a:p>
+            <a:pPr defTabSz="457200">
+              <a:lnSpc>
+                <a:spcPct val="115000"/>
+              </a:lnSpc>
+              <a:spcBef>
+                <a:spcPts val="600"/>
+              </a:spcBef>
+              <a:defRPr sz="3700">
+                <a:uFill>
+                  <a:solidFill>
+                    <a:srgbClr val="000000"/>
+                  </a:solidFill>
+                </a:uFill>
+                <a:latin typeface="Arial"/>
+                <a:ea typeface="Arial"/>
+                <a:cs typeface="Arial"/>
+                <a:sym typeface="Arial"/>
+              </a:defRPr>
+            </a:pPr>
+            <a:r>
+              <a:t>Componente Servidora - API</a:t>
+            </a:r>
+          </a:p>
+        </p:txBody>
+      </p:sp>
+      <p:sp>
+        <p:nvSpPr>
+          <p:cNvPr id="169" name="Text"/>
           <p:cNvSpPr txBox="1"/>
           <p:nvPr/>
         </p:nvSpPr>
@@ -3640,6 +3910,68 @@
           </a:p>
         </p:txBody>
       </p:sp>
+      <p:sp>
+        <p:nvSpPr>
+          <p:cNvPr id="170" name="A arquitectura da API segue o seguinte diagrama:"/>
+          <p:cNvSpPr txBox="1"/>
+          <p:nvPr>
+            <p:ph type="body" sz="quarter" idx="1"/>
+          </p:nvPr>
+        </p:nvSpPr>
+        <p:spPr>
+          <a:xfrm>
+            <a:off x="952499" y="2916741"/>
+            <a:ext cx="10984741" cy="1381223"/>
+          </a:xfrm>
+          <a:prstGeom prst="rect">
+            <a:avLst/>
+          </a:prstGeom>
+        </p:spPr>
+        <p:txBody>
+          <a:bodyPr/>
+          <a:lstStyle>
+            <a:lvl1pPr marL="0" indent="0" algn="just">
+              <a:buSzTx/>
+              <a:buNone/>
+            </a:lvl1pPr>
+          </a:lstStyle>
+          <a:p>
+            <a:pPr/>
+            <a:r>
+              <a:t>A arquitectura da API segue o seguinte diagrama:</a:t>
+            </a:r>
+          </a:p>
+        </p:txBody>
+      </p:sp>
+      <p:pic>
+        <p:nvPicPr>
+          <p:cNvPr id="171" name="67185599_2454633821226540_3548909503632113664_n.png" descr="67185599_2454633821226540_3548909503632113664_n.png"/>
+          <p:cNvPicPr>
+            <a:picLocks noChangeAspect="1"/>
+          </p:cNvPicPr>
+          <p:nvPr/>
+        </p:nvPicPr>
+        <p:blipFill>
+          <a:blip r:embed="rId2">
+            <a:extLst/>
+          </a:blip>
+          <a:stretch>
+            <a:fillRect/>
+          </a:stretch>
+        </p:blipFill>
+        <p:spPr>
+          <a:xfrm>
+            <a:off x="463941" y="4502546"/>
+            <a:ext cx="11961857" cy="3140314"/>
+          </a:xfrm>
+          <a:prstGeom prst="rect">
+            <a:avLst/>
+          </a:prstGeom>
+          <a:ln w="12700">
+            <a:miter lim="400000"/>
+          </a:ln>
+        </p:spPr>
+      </p:pic>
     </p:spTree>
   </p:cSld>
   <p:clrMapOvr>
@@ -3668,7 +4000,804 @@
       </p:grpSpPr>
       <p:sp>
         <p:nvSpPr>
-          <p:cNvPr id="170" name="Trabalho Futuro"/>
+          <p:cNvPr id="173" name="Arquitectura do Sistema…"/>
+          <p:cNvSpPr txBox="1"/>
+          <p:nvPr>
+            <p:ph type="title"/>
+          </p:nvPr>
+        </p:nvSpPr>
+        <p:spPr>
+          <a:prstGeom prst="rect">
+            <a:avLst/>
+          </a:prstGeom>
+        </p:spPr>
+        <p:txBody>
+          <a:bodyPr/>
+          <a:lstStyle/>
+          <a:p>
+            <a:pPr defTabSz="457200">
+              <a:lnSpc>
+                <a:spcPct val="115000"/>
+              </a:lnSpc>
+              <a:spcBef>
+                <a:spcPts val="600"/>
+              </a:spcBef>
+              <a:defRPr b="1" sz="3700">
+                <a:uFill>
+                  <a:solidFill>
+                    <a:srgbClr val="000000"/>
+                  </a:solidFill>
+                </a:uFill>
+                <a:latin typeface="Arial"/>
+                <a:ea typeface="Arial"/>
+                <a:cs typeface="Arial"/>
+                <a:sym typeface="Arial"/>
+              </a:defRPr>
+            </a:pPr>
+            <a:r>
+              <a:t>Arquitectura do Sistema</a:t>
+            </a:r>
+          </a:p>
+          <a:p>
+            <a:pPr defTabSz="457200">
+              <a:lnSpc>
+                <a:spcPct val="115000"/>
+              </a:lnSpc>
+              <a:spcBef>
+                <a:spcPts val="600"/>
+              </a:spcBef>
+              <a:defRPr sz="3700">
+                <a:uFill>
+                  <a:solidFill>
+                    <a:srgbClr val="000000"/>
+                  </a:solidFill>
+                </a:uFill>
+                <a:latin typeface="Arial"/>
+                <a:ea typeface="Arial"/>
+                <a:cs typeface="Arial"/>
+                <a:sym typeface="Arial"/>
+              </a:defRPr>
+            </a:pPr>
+            <a:r>
+              <a:t>Componente Cliente</a:t>
+            </a:r>
+          </a:p>
+        </p:txBody>
+      </p:sp>
+      <p:sp>
+        <p:nvSpPr>
+          <p:cNvPr id="174" name="Text"/>
+          <p:cNvSpPr txBox="1"/>
+          <p:nvPr/>
+        </p:nvSpPr>
+        <p:spPr>
+          <a:xfrm>
+            <a:off x="12272484" y="9169400"/>
+            <a:ext cx="340259" cy="324306"/>
+          </a:xfrm>
+          <a:prstGeom prst="rect">
+            <a:avLst/>
+          </a:prstGeom>
+          <a:ln w="12700">
+            <a:miter lim="400000"/>
+          </a:ln>
+          <a:extLst>
+            <a:ext uri="{C572A759-6A51-4108-AA02-DFA0A04FC94B}">
+              <ma14:wrappingTextBoxFlag xmlns:ma14="http://schemas.microsoft.com/office/mac/drawingml/2011/main" val="1"/>
+            </a:ext>
+          </a:extLst>
+        </p:spPr>
+        <p:txBody>
+          <a:bodyPr wrap="none" lIns="50800" tIns="50800" rIns="50800" bIns="50800">
+            <a:spAutoFit/>
+          </a:bodyPr>
+          <a:lstStyle/>
+          <a:p>
+            <a:pPr>
+              <a:defRPr b="0" sz="1600">
+                <a:latin typeface="Helvetica Neue Thin"/>
+                <a:ea typeface="Helvetica Neue Thin"/>
+                <a:cs typeface="Helvetica Neue Thin"/>
+                <a:sym typeface="Helvetica Neue Thin"/>
+              </a:defRPr>
+            </a:pPr>
+            <a:fld id="{86CB4B4D-7CA3-9044-876B-883B54F8677D}" type="slidenum"/>
+            <a:r>
+              <a:t>￼</a:t>
+            </a:r>
+          </a:p>
+        </p:txBody>
+      </p:sp>
+      <p:sp>
+        <p:nvSpPr>
+          <p:cNvPr id="175" name="Aplicação Web implementada em AngularJS"/>
+          <p:cNvSpPr txBox="1"/>
+          <p:nvPr>
+            <p:ph type="body" sz="quarter" idx="1"/>
+          </p:nvPr>
+        </p:nvSpPr>
+        <p:spPr>
+          <a:xfrm>
+            <a:off x="952500" y="2597150"/>
+            <a:ext cx="11099800" cy="1259930"/>
+          </a:xfrm>
+          <a:prstGeom prst="rect">
+            <a:avLst/>
+          </a:prstGeom>
+        </p:spPr>
+        <p:txBody>
+          <a:bodyPr/>
+          <a:lstStyle/>
+          <a:p>
+            <a:pPr/>
+            <a:r>
+              <a:t>Aplicação Web implementada em AngularJS</a:t>
+            </a:r>
+          </a:p>
+        </p:txBody>
+      </p:sp>
+      <p:pic>
+        <p:nvPicPr>
+          <p:cNvPr id="176" name="Angular_full_color_logo.svg.png" descr="Angular_full_color_logo.svg.png"/>
+          <p:cNvPicPr>
+            <a:picLocks noChangeAspect="1"/>
+          </p:cNvPicPr>
+          <p:nvPr/>
+        </p:nvPicPr>
+        <p:blipFill>
+          <a:blip r:embed="rId3">
+            <a:extLst/>
+          </a:blip>
+          <a:stretch>
+            <a:fillRect/>
+          </a:stretch>
+        </p:blipFill>
+        <p:spPr>
+          <a:xfrm>
+            <a:off x="10759802" y="2348743"/>
+            <a:ext cx="1756743" cy="1756743"/>
+          </a:xfrm>
+          <a:prstGeom prst="rect">
+            <a:avLst/>
+          </a:prstGeom>
+          <a:ln w="12700">
+            <a:miter lim="400000"/>
+          </a:ln>
+        </p:spPr>
+      </p:pic>
+      <p:pic>
+        <p:nvPicPr>
+          <p:cNvPr id="177" name="67185837_1948885438546185_3003857013940682752_n.png" descr="67185837_1948885438546185_3003857013940682752_n.png"/>
+          <p:cNvPicPr>
+            <a:picLocks noChangeAspect="1"/>
+          </p:cNvPicPr>
+          <p:nvPr/>
+        </p:nvPicPr>
+        <p:blipFill>
+          <a:blip r:embed="rId4">
+            <a:extLst/>
+          </a:blip>
+          <a:stretch>
+            <a:fillRect/>
+          </a:stretch>
+        </p:blipFill>
+        <p:spPr>
+          <a:xfrm>
+            <a:off x="2720795" y="4041229"/>
+            <a:ext cx="7563210" cy="5325021"/>
+          </a:xfrm>
+          <a:prstGeom prst="rect">
+            <a:avLst/>
+          </a:prstGeom>
+          <a:ln w="12700">
+            <a:miter lim="400000"/>
+          </a:ln>
+        </p:spPr>
+      </p:pic>
+    </p:spTree>
+  </p:cSld>
+  <p:clrMapOvr>
+    <a:masterClrMapping/>
+  </p:clrMapOvr>
+  <p:transition xmlns:p14="http://schemas.microsoft.com/office/powerpoint/2010/main" spd="med" advClick="1"/>
+</p:sld>
+</file>
+
+<file path=ppt/slides/slide13.xml><?xml version="1.0" encoding="utf-8"?>
+<p:sld xmlns:a="http://schemas.openxmlformats.org/drawingml/2006/main" xmlns:r="http://schemas.openxmlformats.org/officeDocument/2006/relationships" xmlns:p="http://schemas.openxmlformats.org/presentationml/2006/main" xmlns:m="http://schemas.openxmlformats.org/officeDocument/2006/math" xmlns:a14="http://schemas.microsoft.com/office/drawing/2010/main" showMasterSp="1" showMasterPhAnim="1">
+  <p:cSld>
+    <p:spTree>
+      <p:nvGrpSpPr>
+        <p:cNvPr id="1" name=""/>
+        <p:cNvGrpSpPr/>
+        <p:nvPr/>
+      </p:nvGrpSpPr>
+      <p:grpSpPr>
+        <a:xfrm>
+          <a:off x="0" y="0"/>
+          <a:ext cx="0" cy="0"/>
+          <a:chOff x="0" y="0"/>
+          <a:chExt cx="0" cy="0"/>
+        </a:xfrm>
+      </p:grpSpPr>
+      <p:sp>
+        <p:nvSpPr>
+          <p:cNvPr id="181" name="Arquitectura do Sistema…"/>
+          <p:cNvSpPr txBox="1"/>
+          <p:nvPr>
+            <p:ph type="title"/>
+          </p:nvPr>
+        </p:nvSpPr>
+        <p:spPr>
+          <a:prstGeom prst="rect">
+            <a:avLst/>
+          </a:prstGeom>
+        </p:spPr>
+        <p:txBody>
+          <a:bodyPr/>
+          <a:lstStyle/>
+          <a:p>
+            <a:pPr defTabSz="457200">
+              <a:lnSpc>
+                <a:spcPct val="115000"/>
+              </a:lnSpc>
+              <a:spcBef>
+                <a:spcPts val="600"/>
+              </a:spcBef>
+              <a:defRPr b="1" sz="3700">
+                <a:uFill>
+                  <a:solidFill>
+                    <a:srgbClr val="000000"/>
+                  </a:solidFill>
+                </a:uFill>
+                <a:latin typeface="Arial"/>
+                <a:ea typeface="Arial"/>
+                <a:cs typeface="Arial"/>
+                <a:sym typeface="Arial"/>
+              </a:defRPr>
+            </a:pPr>
+            <a:r>
+              <a:t>Arquitectura do Sistema</a:t>
+            </a:r>
+          </a:p>
+          <a:p>
+            <a:pPr defTabSz="457200">
+              <a:lnSpc>
+                <a:spcPct val="115000"/>
+              </a:lnSpc>
+              <a:spcBef>
+                <a:spcPts val="600"/>
+              </a:spcBef>
+              <a:defRPr sz="3700">
+                <a:uFill>
+                  <a:solidFill>
+                    <a:srgbClr val="000000"/>
+                  </a:solidFill>
+                </a:uFill>
+                <a:latin typeface="Arial"/>
+                <a:ea typeface="Arial"/>
+                <a:cs typeface="Arial"/>
+                <a:sym typeface="Arial"/>
+              </a:defRPr>
+            </a:pPr>
+            <a:r>
+              <a:t>Componente Cliente</a:t>
+            </a:r>
+          </a:p>
+        </p:txBody>
+      </p:sp>
+      <p:sp>
+        <p:nvSpPr>
+          <p:cNvPr id="182" name="Text"/>
+          <p:cNvSpPr txBox="1"/>
+          <p:nvPr/>
+        </p:nvSpPr>
+        <p:spPr>
+          <a:xfrm>
+            <a:off x="12272484" y="9169400"/>
+            <a:ext cx="340259" cy="324306"/>
+          </a:xfrm>
+          <a:prstGeom prst="rect">
+            <a:avLst/>
+          </a:prstGeom>
+          <a:ln w="12700">
+            <a:miter lim="400000"/>
+          </a:ln>
+          <a:extLst>
+            <a:ext uri="{C572A759-6A51-4108-AA02-DFA0A04FC94B}">
+              <ma14:wrappingTextBoxFlag xmlns:ma14="http://schemas.microsoft.com/office/mac/drawingml/2011/main" val="1"/>
+            </a:ext>
+          </a:extLst>
+        </p:spPr>
+        <p:txBody>
+          <a:bodyPr wrap="none" lIns="50800" tIns="50800" rIns="50800" bIns="50800">
+            <a:spAutoFit/>
+          </a:bodyPr>
+          <a:lstStyle/>
+          <a:p>
+            <a:pPr>
+              <a:defRPr b="0" sz="1600">
+                <a:latin typeface="Helvetica Neue Thin"/>
+                <a:ea typeface="Helvetica Neue Thin"/>
+                <a:cs typeface="Helvetica Neue Thin"/>
+                <a:sym typeface="Helvetica Neue Thin"/>
+              </a:defRPr>
+            </a:pPr>
+            <a:fld id="{86CB4B4D-7CA3-9044-876B-883B54F8677D}" type="slidenum"/>
+            <a:r>
+              <a:t>￼</a:t>
+            </a:r>
+          </a:p>
+        </p:txBody>
+      </p:sp>
+      <p:sp>
+        <p:nvSpPr>
+          <p:cNvPr id="183" name="Componentes…"/>
+          <p:cNvSpPr txBox="1"/>
+          <p:nvPr>
+            <p:ph type="body" sz="half" idx="1"/>
+          </p:nvPr>
+        </p:nvSpPr>
+        <p:spPr>
+          <a:xfrm>
+            <a:off x="1763981" y="2512561"/>
+            <a:ext cx="9476838" cy="4009436"/>
+          </a:xfrm>
+          <a:prstGeom prst="rect">
+            <a:avLst/>
+          </a:prstGeom>
+        </p:spPr>
+        <p:txBody>
+          <a:bodyPr/>
+          <a:lstStyle/>
+          <a:p>
+            <a:pPr/>
+            <a:r>
+              <a:t>Componentes </a:t>
+            </a:r>
+          </a:p>
+          <a:p>
+            <a:pPr/>
+            <a:r>
+              <a:t>Serviços</a:t>
+            </a:r>
+          </a:p>
+          <a:p>
+            <a:pPr/>
+            <a:r>
+              <a:t>Interceptors</a:t>
+            </a:r>
+          </a:p>
+        </p:txBody>
+      </p:sp>
+      <p:sp>
+        <p:nvSpPr>
+          <p:cNvPr id="184" name="Essencialmente constituido por:"/>
+          <p:cNvSpPr txBox="1"/>
+          <p:nvPr/>
+        </p:nvSpPr>
+        <p:spPr>
+          <a:xfrm>
+            <a:off x="924100" y="2362949"/>
+            <a:ext cx="5933136" cy="572822"/>
+          </a:xfrm>
+          <a:prstGeom prst="rect">
+            <a:avLst/>
+          </a:prstGeom>
+          <a:ln w="12700">
+            <a:miter lim="400000"/>
+          </a:ln>
+          <a:extLst>
+            <a:ext uri="{C572A759-6A51-4108-AA02-DFA0A04FC94B}">
+              <ma14:wrappingTextBoxFlag xmlns:ma14="http://schemas.microsoft.com/office/mac/drawingml/2011/main" val="1"/>
+            </a:ext>
+          </a:extLst>
+        </p:spPr>
+        <p:txBody>
+          <a:bodyPr wrap="none" lIns="50800" tIns="50800" rIns="50800" bIns="50800" anchor="ctr">
+            <a:spAutoFit/>
+          </a:bodyPr>
+          <a:lstStyle>
+            <a:lvl1pPr>
+              <a:defRPr b="0" sz="3200"/>
+            </a:lvl1pPr>
+          </a:lstStyle>
+          <a:p>
+            <a:pPr/>
+            <a:r>
+              <a:t>Essencialmente constituido por:</a:t>
+            </a:r>
+          </a:p>
+        </p:txBody>
+      </p:sp>
+      <p:pic>
+        <p:nvPicPr>
+          <p:cNvPr id="185" name="67532146_480672379404216_336486395306573824_n.png" descr="67532146_480672379404216_336486395306573824_n.png"/>
+          <p:cNvPicPr>
+            <a:picLocks noChangeAspect="1"/>
+          </p:cNvPicPr>
+          <p:nvPr/>
+        </p:nvPicPr>
+        <p:blipFill>
+          <a:blip r:embed="rId3">
+            <a:extLst/>
+          </a:blip>
+          <a:stretch>
+            <a:fillRect/>
+          </a:stretch>
+        </p:blipFill>
+        <p:spPr>
+          <a:xfrm>
+            <a:off x="1562100" y="6032372"/>
+            <a:ext cx="9880601" cy="3327401"/>
+          </a:xfrm>
+          <a:prstGeom prst="rect">
+            <a:avLst/>
+          </a:prstGeom>
+          <a:ln w="12700">
+            <a:miter lim="400000"/>
+          </a:ln>
+        </p:spPr>
+      </p:pic>
+    </p:spTree>
+  </p:cSld>
+  <p:clrMapOvr>
+    <a:masterClrMapping/>
+  </p:clrMapOvr>
+  <p:transition xmlns:p14="http://schemas.microsoft.com/office/powerpoint/2010/main" spd="med" advClick="1"/>
+</p:sld>
+</file>
+
+<file path=ppt/slides/slide14.xml><?xml version="1.0" encoding="utf-8"?>
+<p:sld xmlns:a="http://schemas.openxmlformats.org/drawingml/2006/main" xmlns:r="http://schemas.openxmlformats.org/officeDocument/2006/relationships" xmlns:p="http://schemas.openxmlformats.org/presentationml/2006/main" xmlns:m="http://schemas.openxmlformats.org/officeDocument/2006/math" xmlns:a14="http://schemas.microsoft.com/office/drawing/2010/main" showMasterSp="1" showMasterPhAnim="1">
+  <p:cSld>
+    <p:spTree>
+      <p:nvGrpSpPr>
+        <p:cNvPr id="1" name=""/>
+        <p:cNvGrpSpPr/>
+        <p:nvPr/>
+      </p:nvGrpSpPr>
+      <p:grpSpPr>
+        <a:xfrm>
+          <a:off x="0" y="0"/>
+          <a:ext cx="0" cy="0"/>
+          <a:chOff x="0" y="0"/>
+          <a:chExt cx="0" cy="0"/>
+        </a:xfrm>
+      </p:grpSpPr>
+      <p:sp>
+        <p:nvSpPr>
+          <p:cNvPr id="189" name="Arquitectura do Sistema…"/>
+          <p:cNvSpPr txBox="1"/>
+          <p:nvPr>
+            <p:ph type="title"/>
+          </p:nvPr>
+        </p:nvSpPr>
+        <p:spPr>
+          <a:prstGeom prst="rect">
+            <a:avLst/>
+          </a:prstGeom>
+        </p:spPr>
+        <p:txBody>
+          <a:bodyPr/>
+          <a:lstStyle/>
+          <a:p>
+            <a:pPr defTabSz="457200">
+              <a:lnSpc>
+                <a:spcPct val="115000"/>
+              </a:lnSpc>
+              <a:spcBef>
+                <a:spcPts val="600"/>
+              </a:spcBef>
+              <a:defRPr b="1" sz="3700">
+                <a:uFill>
+                  <a:solidFill>
+                    <a:srgbClr val="000000"/>
+                  </a:solidFill>
+                </a:uFill>
+                <a:latin typeface="Arial"/>
+                <a:ea typeface="Arial"/>
+                <a:cs typeface="Arial"/>
+                <a:sym typeface="Arial"/>
+              </a:defRPr>
+            </a:pPr>
+            <a:r>
+              <a:t>Arquitectura do Sistema</a:t>
+            </a:r>
+          </a:p>
+          <a:p>
+            <a:pPr defTabSz="457200">
+              <a:lnSpc>
+                <a:spcPct val="115000"/>
+              </a:lnSpc>
+              <a:spcBef>
+                <a:spcPts val="600"/>
+              </a:spcBef>
+              <a:defRPr sz="3700">
+                <a:uFill>
+                  <a:solidFill>
+                    <a:srgbClr val="000000"/>
+                  </a:solidFill>
+                </a:uFill>
+                <a:latin typeface="Arial"/>
+                <a:ea typeface="Arial"/>
+                <a:cs typeface="Arial"/>
+                <a:sym typeface="Arial"/>
+              </a:defRPr>
+            </a:pPr>
+            <a:r>
+              <a:t>Componente Cliente</a:t>
+            </a:r>
+          </a:p>
+        </p:txBody>
+      </p:sp>
+      <p:sp>
+        <p:nvSpPr>
+          <p:cNvPr id="190" name="Text"/>
+          <p:cNvSpPr txBox="1"/>
+          <p:nvPr/>
+        </p:nvSpPr>
+        <p:spPr>
+          <a:xfrm>
+            <a:off x="12272484" y="9169400"/>
+            <a:ext cx="340259" cy="324306"/>
+          </a:xfrm>
+          <a:prstGeom prst="rect">
+            <a:avLst/>
+          </a:prstGeom>
+          <a:ln w="12700">
+            <a:miter lim="400000"/>
+          </a:ln>
+          <a:extLst>
+            <a:ext uri="{C572A759-6A51-4108-AA02-DFA0A04FC94B}">
+              <ma14:wrappingTextBoxFlag xmlns:ma14="http://schemas.microsoft.com/office/mac/drawingml/2011/main" val="1"/>
+            </a:ext>
+          </a:extLst>
+        </p:spPr>
+        <p:txBody>
+          <a:bodyPr wrap="none" lIns="50800" tIns="50800" rIns="50800" bIns="50800">
+            <a:spAutoFit/>
+          </a:bodyPr>
+          <a:lstStyle/>
+          <a:p>
+            <a:pPr>
+              <a:defRPr b="0" sz="1600">
+                <a:latin typeface="Helvetica Neue Thin"/>
+                <a:ea typeface="Helvetica Neue Thin"/>
+                <a:cs typeface="Helvetica Neue Thin"/>
+                <a:sym typeface="Helvetica Neue Thin"/>
+              </a:defRPr>
+            </a:pPr>
+            <a:fld id="{86CB4B4D-7CA3-9044-876B-883B54F8677D}" type="slidenum"/>
+            <a:r>
+              <a:t>￼</a:t>
+            </a:r>
+          </a:p>
+        </p:txBody>
+      </p:sp>
+      <p:pic>
+        <p:nvPicPr>
+          <p:cNvPr id="191" name="Screen Shot 2019-07-18 at 18.56.17.png" descr="Screen Shot 2019-07-18 at 18.56.17.png"/>
+          <p:cNvPicPr>
+            <a:picLocks noChangeAspect="1"/>
+          </p:cNvPicPr>
+          <p:nvPr/>
+        </p:nvPicPr>
+        <p:blipFill>
+          <a:blip r:embed="rId3">
+            <a:extLst/>
+          </a:blip>
+          <a:stretch>
+            <a:fillRect/>
+          </a:stretch>
+        </p:blipFill>
+        <p:spPr>
+          <a:xfrm>
+            <a:off x="744443" y="2466014"/>
+            <a:ext cx="11515914" cy="6296803"/>
+          </a:xfrm>
+          <a:prstGeom prst="rect">
+            <a:avLst/>
+          </a:prstGeom>
+          <a:ln w="12700">
+            <a:miter lim="400000"/>
+          </a:ln>
+        </p:spPr>
+      </p:pic>
+    </p:spTree>
+  </p:cSld>
+  <p:clrMapOvr>
+    <a:masterClrMapping/>
+  </p:clrMapOvr>
+  <p:transition xmlns:p14="http://schemas.microsoft.com/office/powerpoint/2010/main" spd="med" advClick="1"/>
+</p:sld>
+</file>
+
+<file path=ppt/slides/slide15.xml><?xml version="1.0" encoding="utf-8"?>
+<p:sld xmlns:a="http://schemas.openxmlformats.org/drawingml/2006/main" xmlns:r="http://schemas.openxmlformats.org/officeDocument/2006/relationships" xmlns:p="http://schemas.openxmlformats.org/presentationml/2006/main" xmlns:m="http://schemas.openxmlformats.org/officeDocument/2006/math" xmlns:a14="http://schemas.microsoft.com/office/drawing/2010/main" showMasterSp="1" showMasterPhAnim="1">
+  <p:cSld>
+    <p:spTree>
+      <p:nvGrpSpPr>
+        <p:cNvPr id="1" name=""/>
+        <p:cNvGrpSpPr/>
+        <p:nvPr/>
+      </p:nvGrpSpPr>
+      <p:grpSpPr>
+        <a:xfrm>
+          <a:off x="0" y="0"/>
+          <a:ext cx="0" cy="0"/>
+          <a:chOff x="0" y="0"/>
+          <a:chExt cx="0" cy="0"/>
+        </a:xfrm>
+      </p:grpSpPr>
+      <p:sp>
+        <p:nvSpPr>
+          <p:cNvPr id="195" name="Arquitectura do Sistema…"/>
+          <p:cNvSpPr txBox="1"/>
+          <p:nvPr>
+            <p:ph type="title"/>
+          </p:nvPr>
+        </p:nvSpPr>
+        <p:spPr>
+          <a:prstGeom prst="rect">
+            <a:avLst/>
+          </a:prstGeom>
+        </p:spPr>
+        <p:txBody>
+          <a:bodyPr/>
+          <a:lstStyle/>
+          <a:p>
+            <a:pPr defTabSz="457200">
+              <a:lnSpc>
+                <a:spcPct val="115000"/>
+              </a:lnSpc>
+              <a:spcBef>
+                <a:spcPts val="600"/>
+              </a:spcBef>
+              <a:defRPr b="1" sz="3700">
+                <a:uFill>
+                  <a:solidFill>
+                    <a:srgbClr val="000000"/>
+                  </a:solidFill>
+                </a:uFill>
+                <a:latin typeface="Arial"/>
+                <a:ea typeface="Arial"/>
+                <a:cs typeface="Arial"/>
+                <a:sym typeface="Arial"/>
+              </a:defRPr>
+            </a:pPr>
+            <a:r>
+              <a:t>Arquitectura do Sistema</a:t>
+            </a:r>
+          </a:p>
+          <a:p>
+            <a:pPr defTabSz="457200">
+              <a:lnSpc>
+                <a:spcPct val="115000"/>
+              </a:lnSpc>
+              <a:spcBef>
+                <a:spcPts val="600"/>
+              </a:spcBef>
+              <a:defRPr sz="3700">
+                <a:uFill>
+                  <a:solidFill>
+                    <a:srgbClr val="000000"/>
+                  </a:solidFill>
+                </a:uFill>
+                <a:latin typeface="Arial"/>
+                <a:ea typeface="Arial"/>
+                <a:cs typeface="Arial"/>
+                <a:sym typeface="Arial"/>
+              </a:defRPr>
+            </a:pPr>
+            <a:r>
+              <a:t>Restrições de utilizadores</a:t>
+            </a:r>
+          </a:p>
+        </p:txBody>
+      </p:sp>
+      <p:sp>
+        <p:nvSpPr>
+          <p:cNvPr id="196" name="Text"/>
+          <p:cNvSpPr txBox="1"/>
+          <p:nvPr/>
+        </p:nvSpPr>
+        <p:spPr>
+          <a:xfrm>
+            <a:off x="12272484" y="9169400"/>
+            <a:ext cx="340259" cy="324306"/>
+          </a:xfrm>
+          <a:prstGeom prst="rect">
+            <a:avLst/>
+          </a:prstGeom>
+          <a:ln w="12700">
+            <a:miter lim="400000"/>
+          </a:ln>
+          <a:extLst>
+            <a:ext uri="{C572A759-6A51-4108-AA02-DFA0A04FC94B}">
+              <ma14:wrappingTextBoxFlag xmlns:ma14="http://schemas.microsoft.com/office/mac/drawingml/2011/main" val="1"/>
+            </a:ext>
+          </a:extLst>
+        </p:spPr>
+        <p:txBody>
+          <a:bodyPr wrap="none" lIns="50800" tIns="50800" rIns="50800" bIns="50800">
+            <a:spAutoFit/>
+          </a:bodyPr>
+          <a:lstStyle/>
+          <a:p>
+            <a:pPr>
+              <a:defRPr b="0" sz="1600">
+                <a:latin typeface="Helvetica Neue Thin"/>
+                <a:ea typeface="Helvetica Neue Thin"/>
+                <a:cs typeface="Helvetica Neue Thin"/>
+                <a:sym typeface="Helvetica Neue Thin"/>
+              </a:defRPr>
+            </a:pPr>
+            <a:fld id="{86CB4B4D-7CA3-9044-876B-883B54F8677D}" type="slidenum"/>
+            <a:r>
+              <a:t>￼</a:t>
+            </a:r>
+          </a:p>
+        </p:txBody>
+      </p:sp>
+      <p:pic>
+        <p:nvPicPr>
+          <p:cNvPr id="197" name="Screen Shot 2019-07-18 at 19.06.44.png" descr="Screen Shot 2019-07-18 at 19.06.44.png"/>
+          <p:cNvPicPr>
+            <a:picLocks noChangeAspect="1"/>
+          </p:cNvPicPr>
+          <p:nvPr/>
+        </p:nvPicPr>
+        <p:blipFill>
+          <a:blip r:embed="rId2">
+            <a:extLst/>
+          </a:blip>
+          <a:stretch>
+            <a:fillRect/>
+          </a:stretch>
+        </p:blipFill>
+        <p:spPr>
+          <a:xfrm>
+            <a:off x="2740753" y="1874054"/>
+            <a:ext cx="7523294" cy="7732692"/>
+          </a:xfrm>
+          <a:prstGeom prst="rect">
+            <a:avLst/>
+          </a:prstGeom>
+          <a:ln w="12700">
+            <a:miter lim="400000"/>
+          </a:ln>
+        </p:spPr>
+      </p:pic>
+    </p:spTree>
+  </p:cSld>
+  <p:clrMapOvr>
+    <a:masterClrMapping/>
+  </p:clrMapOvr>
+  <p:transition xmlns:p14="http://schemas.microsoft.com/office/powerpoint/2010/main" spd="med" advClick="1"/>
+</p:sld>
+</file>
+
+<file path=ppt/slides/slide16.xml><?xml version="1.0" encoding="utf-8"?>
+<p:sld xmlns:a="http://schemas.openxmlformats.org/drawingml/2006/main" xmlns:r="http://schemas.openxmlformats.org/officeDocument/2006/relationships" xmlns:p="http://schemas.openxmlformats.org/presentationml/2006/main" xmlns:m="http://schemas.openxmlformats.org/officeDocument/2006/math" xmlns:a14="http://schemas.microsoft.com/office/drawing/2010/main" showMasterSp="1" showMasterPhAnim="1">
+  <p:cSld>
+    <p:spTree>
+      <p:nvGrpSpPr>
+        <p:cNvPr id="1" name=""/>
+        <p:cNvGrpSpPr/>
+        <p:nvPr/>
+      </p:nvGrpSpPr>
+      <p:grpSpPr>
+        <a:xfrm>
+          <a:off x="0" y="0"/>
+          <a:ext cx="0" cy="0"/>
+          <a:chOff x="0" y="0"/>
+          <a:chExt cx="0" cy="0"/>
+        </a:xfrm>
+      </p:grpSpPr>
+      <p:sp>
+        <p:nvSpPr>
+          <p:cNvPr id="199" name="Conclusão"/>
           <p:cNvSpPr txBox="1"/>
           <p:nvPr>
             <p:ph type="title"/>
@@ -3705,14 +4834,14 @@
           <a:p>
             <a:pPr/>
             <a:r>
-              <a:t>Trabalho Futuro</a:t>
-            </a:r>
-          </a:p>
-        </p:txBody>
-      </p:sp>
-      <p:sp>
-        <p:nvSpPr>
-          <p:cNvPr id="171" name="Melhoria da interface gráfica na aplicação cliente…"/>
+              <a:t>Conclusão</a:t>
+            </a:r>
+          </a:p>
+        </p:txBody>
+      </p:sp>
+      <p:sp>
+        <p:nvSpPr>
+          <p:cNvPr id="200" name="Foi desenvolvida uma solução que permite:…"/>
           <p:cNvSpPr txBox="1"/>
           <p:nvPr>
             <p:ph type="body" idx="1"/>
@@ -3731,8 +4860,171 @@
           <a:bodyPr/>
           <a:lstStyle/>
           <a:p>
+            <a:pPr marL="0" indent="0">
+              <a:buSzTx/>
+              <a:buNone/>
+            </a:pPr>
+            <a:r>
+              <a:t>Foi desenvolvida uma solução que permite:</a:t>
+            </a:r>
+          </a:p>
+          <a:p>
+            <a:pPr lvl="1"/>
+            <a:r>
+              <a:t>Facilidade, conveniência e conforto para os utilizadores</a:t>
+            </a:r>
+          </a:p>
+          <a:p>
+            <a:pPr lvl="1"/>
+            <a:r>
+              <a:t>Facilitação na gestão de utilizadores, OBUs, etc.</a:t>
+            </a:r>
+          </a:p>
+          <a:p>
+            <a:pPr lvl="1"/>
+            <a:r>
+              <a:t>Maior acessibilidade de informação</a:t>
+            </a:r>
+          </a:p>
+        </p:txBody>
+      </p:sp>
+      <p:sp>
+        <p:nvSpPr>
+          <p:cNvPr id="201" name="Text"/>
+          <p:cNvSpPr txBox="1"/>
+          <p:nvPr/>
+        </p:nvSpPr>
+        <p:spPr>
+          <a:xfrm>
+            <a:off x="12272484" y="9169400"/>
+            <a:ext cx="340259" cy="324306"/>
+          </a:xfrm>
+          <a:prstGeom prst="rect">
+            <a:avLst/>
+          </a:prstGeom>
+          <a:ln w="12700">
+            <a:miter lim="400000"/>
+          </a:ln>
+          <a:extLst>
+            <a:ext uri="{C572A759-6A51-4108-AA02-DFA0A04FC94B}">
+              <ma14:wrappingTextBoxFlag xmlns:ma14="http://schemas.microsoft.com/office/mac/drawingml/2011/main" val="1"/>
+            </a:ext>
+          </a:extLst>
+        </p:spPr>
+        <p:txBody>
+          <a:bodyPr wrap="none" lIns="50800" tIns="50800" rIns="50800" bIns="50800">
+            <a:spAutoFit/>
+          </a:bodyPr>
+          <a:lstStyle/>
+          <a:p>
+            <a:pPr>
+              <a:defRPr b="0" sz="1600">
+                <a:latin typeface="Helvetica Neue Thin"/>
+                <a:ea typeface="Helvetica Neue Thin"/>
+                <a:cs typeface="Helvetica Neue Thin"/>
+                <a:sym typeface="Helvetica Neue Thin"/>
+              </a:defRPr>
+            </a:pPr>
+            <a:fld id="{86CB4B4D-7CA3-9044-876B-883B54F8677D}" type="slidenum"/>
+            <a:r>
+              <a:t>￼</a:t>
+            </a:r>
+          </a:p>
+        </p:txBody>
+      </p:sp>
+    </p:spTree>
+  </p:cSld>
+  <p:clrMapOvr>
+    <a:masterClrMapping/>
+  </p:clrMapOvr>
+  <p:transition xmlns:p14="http://schemas.microsoft.com/office/powerpoint/2010/main" spd="med" advClick="1"/>
+</p:sld>
+</file>
+
+<file path=ppt/slides/slide17.xml><?xml version="1.0" encoding="utf-8"?>
+<p:sld xmlns:a="http://schemas.openxmlformats.org/drawingml/2006/main" xmlns:r="http://schemas.openxmlformats.org/officeDocument/2006/relationships" xmlns:p="http://schemas.openxmlformats.org/presentationml/2006/main" xmlns:m="http://schemas.openxmlformats.org/officeDocument/2006/math" xmlns:a14="http://schemas.microsoft.com/office/drawing/2010/main" showMasterSp="1" showMasterPhAnim="1">
+  <p:cSld>
+    <p:spTree>
+      <p:nvGrpSpPr>
+        <p:cNvPr id="1" name=""/>
+        <p:cNvGrpSpPr/>
+        <p:nvPr/>
+      </p:nvGrpSpPr>
+      <p:grpSpPr>
+        <a:xfrm>
+          <a:off x="0" y="0"/>
+          <a:ext cx="0" cy="0"/>
+          <a:chOff x="0" y="0"/>
+          <a:chExt cx="0" cy="0"/>
+        </a:xfrm>
+      </p:grpSpPr>
+      <p:sp>
+        <p:nvSpPr>
+          <p:cNvPr id="203" name="Trabalho Futuro"/>
+          <p:cNvSpPr txBox="1"/>
+          <p:nvPr>
+            <p:ph type="title"/>
+          </p:nvPr>
+        </p:nvSpPr>
+        <p:spPr>
+          <a:prstGeom prst="rect">
+            <a:avLst/>
+          </a:prstGeom>
+        </p:spPr>
+        <p:txBody>
+          <a:bodyPr/>
+          <a:lstStyle>
+            <a:lvl1pPr defTabSz="457200">
+              <a:lnSpc>
+                <a:spcPct val="115000"/>
+              </a:lnSpc>
+              <a:spcBef>
+                <a:spcPts val="600"/>
+              </a:spcBef>
+              <a:defRPr b="1" sz="3700">
+                <a:uFill>
+                  <a:solidFill>
+                    <a:srgbClr val="000000"/>
+                  </a:solidFill>
+                </a:uFill>
+                <a:latin typeface="Arial"/>
+                <a:ea typeface="Arial"/>
+                <a:cs typeface="Arial"/>
+                <a:sym typeface="Arial"/>
+              </a:defRPr>
+            </a:lvl1pPr>
+          </a:lstStyle>
+          <a:p>
             <a:pPr/>
             <a:r>
+              <a:t>Trabalho Futuro</a:t>
+            </a:r>
+          </a:p>
+        </p:txBody>
+      </p:sp>
+      <p:sp>
+        <p:nvSpPr>
+          <p:cNvPr id="204" name="Melhoria da interface gráfica na aplicação cliente…"/>
+          <p:cNvSpPr txBox="1"/>
+          <p:nvPr>
+            <p:ph type="body" idx="1"/>
+          </p:nvPr>
+        </p:nvSpPr>
+        <p:spPr>
+          <a:xfrm>
+            <a:off x="952500" y="2853283"/>
+            <a:ext cx="11099800" cy="5490617"/>
+          </a:xfrm>
+          <a:prstGeom prst="rect">
+            <a:avLst/>
+          </a:prstGeom>
+        </p:spPr>
+        <p:txBody>
+          <a:bodyPr/>
+          <a:lstStyle/>
+          <a:p>
+            <a:pPr/>
+            <a:r>
               <a:t>Melhoria da interface gráfica na aplicação cliente</a:t>
             </a:r>
           </a:p>
@@ -3745,14 +5037,18 @@
           <a:p>
             <a:pPr/>
             <a:r>
-              <a:t>Alojamento das aplicações cliente e servidor</a:t>
-            </a:r>
-          </a:p>
-        </p:txBody>
-      </p:sp>
-      <p:sp>
-        <p:nvSpPr>
-          <p:cNvPr id="172" name="Text"/>
+              <a:rPr i="1"/>
+              <a:t>Deployment</a:t>
+            </a:r>
+            <a:r>
+              <a:t> das aplicações cliente e servidor</a:t>
+            </a:r>
+          </a:p>
+        </p:txBody>
+      </p:sp>
+      <p:sp>
+        <p:nvSpPr>
+          <p:cNvPr id="205" name="Text"/>
           <p:cNvSpPr txBox="1"/>
           <p:nvPr/>
         </p:nvSpPr>
@@ -3866,7 +5162,7 @@
       </p:sp>
       <p:sp>
         <p:nvSpPr>
-          <p:cNvPr id="127" name="Enquadramento e Objectivos…"/>
+          <p:cNvPr id="127" name="Enquadramento…"/>
           <p:cNvSpPr txBox="1"/>
           <p:nvPr>
             <p:ph type="body" idx="1"/>
@@ -3883,13 +5179,31 @@
           <a:p>
             <a:pPr/>
             <a:r>
-              <a:t>Enquadramento e Objectivos</a:t>
+              <a:t>Enquadramento</a:t>
             </a:r>
           </a:p>
           <a:p>
             <a:pPr/>
             <a:r>
+              <a:t>Objectivos</a:t>
+            </a:r>
+          </a:p>
+          <a:p>
+            <a:pPr/>
+            <a:r>
               <a:t>Arquitectura do Sistema</a:t>
+            </a:r>
+          </a:p>
+          <a:p>
+            <a:pPr/>
+            <a:r>
+              <a:t>Conclusão</a:t>
+            </a:r>
+          </a:p>
+          <a:p>
+            <a:pPr/>
+            <a:r>
+              <a:t>Trabalho Futuro</a:t>
             </a:r>
           </a:p>
         </p:txBody>
@@ -3966,7 +5280,7 @@
       </p:grpSpPr>
       <p:sp>
         <p:nvSpPr>
-          <p:cNvPr id="130" name="Enquadramento e Objectivos"/>
+          <p:cNvPr id="130" name="Enquadramento"/>
           <p:cNvSpPr txBox="1"/>
           <p:nvPr>
             <p:ph type="title"/>
@@ -4003,14 +5317,14 @@
           <a:p>
             <a:pPr/>
             <a:r>
-              <a:t>Enquadramento e Objectivos</a:t>
-            </a:r>
-          </a:p>
-        </p:txBody>
-      </p:sp>
-      <p:sp>
-        <p:nvSpPr>
-          <p:cNvPr id="131" name="Monitorização permanente da qualidade de serviço em redes de comunicações móveis ferroviárias…"/>
+              <a:t>Enquadramento</a:t>
+            </a:r>
+          </a:p>
+        </p:txBody>
+      </p:sp>
+      <p:sp>
+        <p:nvSpPr>
+          <p:cNvPr id="131" name="Os comboios são utilizadores de sistemas de comunicação móveis devido á necessidade permanente de troca de informação…"/>
           <p:cNvSpPr txBox="1"/>
           <p:nvPr>
             <p:ph type="body" idx="1"/>
@@ -4019,7 +5333,7 @@
         <p:spPr>
           <a:xfrm>
             <a:off x="952500" y="2413000"/>
-            <a:ext cx="11099800" cy="6299201"/>
+            <a:ext cx="11099800" cy="6299200"/>
           </a:xfrm>
           <a:prstGeom prst="rect">
             <a:avLst/>
@@ -4029,55 +5343,27 @@
           <a:bodyPr/>
           <a:lstStyle/>
           <a:p>
-            <a:pPr marL="391159" indent="-391159" defTabSz="514095">
-              <a:spcBef>
-                <a:spcPts val="3600"/>
-              </a:spcBef>
-              <a:defRPr sz="2816"/>
+            <a:pPr algn="just">
+              <a:defRPr sz="3000"/>
             </a:pPr>
             <a:r>
-              <a:t>Monitorização permanente da qualidade de serviço em redes de comunicações móveis ferroviárias</a:t>
-            </a:r>
-          </a:p>
-          <a:p>
-            <a:pPr marL="391159" indent="-391159" defTabSz="514095">
-              <a:spcBef>
-                <a:spcPts val="3600"/>
-              </a:spcBef>
-              <a:defRPr sz="2816"/>
+              <a:t>Os comboios são utilizadores de sistemas de comunicação móveis devido á necessidade permanente de troca de informação</a:t>
+            </a:r>
+          </a:p>
+          <a:p>
+            <a:pPr algn="just">
+              <a:defRPr sz="3000"/>
             </a:pPr>
             <a:r>
-              <a:t>Unidades embarcadas em comboios (sondas) que realizam de forma autónoma e permanente a monitorização</a:t>
-            </a:r>
-          </a:p>
-          <a:p>
-            <a:pPr marL="391159" indent="-391159" defTabSz="514095">
-              <a:spcBef>
-                <a:spcPts val="3600"/>
-              </a:spcBef>
-              <a:defRPr sz="2816"/>
+              <a:t>Atualmente estes sistemas de comunicação transportam informação de sinalização que permite efectuar o comando de controlo de circulação</a:t>
+            </a:r>
+          </a:p>
+          <a:p>
+            <a:pPr algn="just">
+              <a:defRPr sz="3000"/>
             </a:pPr>
-          </a:p>
-          <a:p>
-            <a:pPr marL="391159" indent="-391159" defTabSz="514095">
-              <a:spcBef>
-                <a:spcPts val="3600"/>
-              </a:spcBef>
-              <a:defRPr sz="2816"/>
-            </a:pPr>
-            <a:r>
-              <a:t>Desenvolvimento de um sistema de informação que permita realizar a administração de sondas e análise de dados provenientes das mesmas </a:t>
-            </a:r>
-          </a:p>
-          <a:p>
-            <a:pPr marL="391159" indent="-391159" defTabSz="514095">
-              <a:spcBef>
-                <a:spcPts val="3600"/>
-              </a:spcBef>
-              <a:defRPr sz="2816"/>
-            </a:pPr>
-            <a:r>
-              <a:t>Fácil e objectiva observação dos dados e administração do sistema</a:t>
+            <a:r>
+              <a:t>A monitorização permanente da qualidade de serviço em redes de comunicações móveis ferroviárias é fundamental</a:t>
             </a:r>
           </a:p>
         </p:txBody>
@@ -4154,7 +5440,7 @@
       </p:grpSpPr>
       <p:sp>
         <p:nvSpPr>
-          <p:cNvPr id="134" name="Arquitectura do Sistema (1)"/>
+          <p:cNvPr id="134" name="Enquadramento"/>
           <p:cNvSpPr txBox="1"/>
           <p:nvPr>
             <p:ph type="title"/>
@@ -4191,14 +5477,48 @@
           <a:p>
             <a:pPr/>
             <a:r>
-              <a:t>Arquitectura do Sistema (1)</a:t>
-            </a:r>
-          </a:p>
-        </p:txBody>
-      </p:sp>
-      <p:sp>
-        <p:nvSpPr>
-          <p:cNvPr id="135" name="Text"/>
+              <a:t>Enquadramento</a:t>
+            </a:r>
+          </a:p>
+        </p:txBody>
+      </p:sp>
+      <p:sp>
+        <p:nvSpPr>
+          <p:cNvPr id="135" name="A forma mais eficaz de monitorização de qualidade de serviço é baseada em equipamentos colocados a bordo dos comboios (sondas) que realizam a monitorização aos sistemas de comunicações móveis ferroviários."/>
+          <p:cNvSpPr txBox="1"/>
+          <p:nvPr>
+            <p:ph type="body" sz="half" idx="1"/>
+          </p:nvPr>
+        </p:nvSpPr>
+        <p:spPr>
+          <a:xfrm>
+            <a:off x="952500" y="2026493"/>
+            <a:ext cx="11099800" cy="2875707"/>
+          </a:xfrm>
+          <a:prstGeom prst="rect">
+            <a:avLst/>
+          </a:prstGeom>
+        </p:spPr>
+        <p:txBody>
+          <a:bodyPr/>
+          <a:lstStyle>
+            <a:lvl1pPr marL="0" indent="0" algn="just">
+              <a:buSzTx/>
+              <a:buNone/>
+              <a:defRPr sz="3000"/>
+            </a:lvl1pPr>
+          </a:lstStyle>
+          <a:p>
+            <a:pPr/>
+            <a:r>
+              <a:t>A forma mais eficaz de monitorização de qualidade de serviço é baseada em equipamentos colocados a bordo dos comboios (sondas) que realizam a monitorização aos sistemas de comunicações móveis ferroviários. </a:t>
+            </a:r>
+          </a:p>
+        </p:txBody>
+      </p:sp>
+      <p:sp>
+        <p:nvSpPr>
+          <p:cNvPr id="136" name="Text"/>
           <p:cNvSpPr txBox="1"/>
           <p:nvPr/>
         </p:nvSpPr>
@@ -4242,7 +5562,7 @@
       </p:sp>
       <p:pic>
         <p:nvPicPr>
-          <p:cNvPr id="136" name="66609988_1431623203645237_3132181591544037376_n.png" descr="66609988_1431623203645237_3132181591544037376_n.png"/>
+          <p:cNvPr id="137" name="Screen Shot 2019-07-18 at 14.59.30.png" descr="Screen Shot 2019-07-18 at 14.59.30.png"/>
           <p:cNvPicPr>
             <a:picLocks noChangeAspect="1"/>
           </p:cNvPicPr>
@@ -4258,8 +5578,8 @@
         </p:blipFill>
         <p:spPr>
           <a:xfrm>
-            <a:off x="2001474" y="2251967"/>
-            <a:ext cx="9001852" cy="6337926"/>
+            <a:off x="1511833" y="5412283"/>
+            <a:ext cx="9345386" cy="2159001"/>
           </a:xfrm>
           <a:prstGeom prst="rect">
             <a:avLst/>
@@ -4297,7 +5617,7 @@
       </p:grpSpPr>
       <p:sp>
         <p:nvSpPr>
-          <p:cNvPr id="138" name="Arquitectura do Sistema (2)…"/>
+          <p:cNvPr id="139" name="Objectivos"/>
           <p:cNvSpPr txBox="1"/>
           <p:nvPr>
             <p:ph type="title"/>
@@ -4310,9 +5630,8 @@
         </p:spPr>
         <p:txBody>
           <a:bodyPr/>
-          <a:lstStyle/>
-          <a:p>
-            <a:pPr defTabSz="457200">
+          <a:lstStyle>
+            <a:lvl1pPr defTabSz="457200">
               <a:lnSpc>
                 <a:spcPct val="115000"/>
               </a:lnSpc>
@@ -4330,40 +5649,59 @@
                 <a:cs typeface="Arial"/>
                 <a:sym typeface="Arial"/>
               </a:defRPr>
-            </a:pPr>
-            <a:r>
-              <a:t>Arquitectura do Sistema (2)</a:t>
-            </a:r>
-          </a:p>
-          <a:p>
-            <a:pPr defTabSz="457200">
-              <a:lnSpc>
-                <a:spcPct val="115000"/>
-              </a:lnSpc>
-              <a:spcBef>
-                <a:spcPts val="600"/>
-              </a:spcBef>
-              <a:defRPr sz="3700">
-                <a:uFill>
-                  <a:solidFill>
-                    <a:srgbClr val="000000"/>
-                  </a:solidFill>
-                </a:uFill>
-                <a:latin typeface="Arial"/>
-                <a:ea typeface="Arial"/>
-                <a:cs typeface="Arial"/>
-                <a:sym typeface="Arial"/>
-              </a:defRPr>
-            </a:pPr>
-            <a:r>
-              <a:t>Componente Servidora</a:t>
-            </a:r>
-          </a:p>
-        </p:txBody>
-      </p:sp>
-      <p:sp>
-        <p:nvSpPr>
-          <p:cNvPr id="139" name="Text"/>
+            </a:lvl1pPr>
+          </a:lstStyle>
+          <a:p>
+            <a:pPr/>
+            <a:r>
+              <a:t>Objectivos</a:t>
+            </a:r>
+          </a:p>
+        </p:txBody>
+      </p:sp>
+      <p:sp>
+        <p:nvSpPr>
+          <p:cNvPr id="140" name="Desenvolvimento de um sistema de informação que permita realizar a administração de sondas e análise de dados provenientes das mesmas…"/>
+          <p:cNvSpPr txBox="1"/>
+          <p:nvPr>
+            <p:ph type="body" idx="1"/>
+          </p:nvPr>
+        </p:nvSpPr>
+        <p:spPr>
+          <a:xfrm>
+            <a:off x="952500" y="2413000"/>
+            <a:ext cx="11099800" cy="6299200"/>
+          </a:xfrm>
+          <a:prstGeom prst="rect">
+            <a:avLst/>
+          </a:prstGeom>
+        </p:spPr>
+        <p:txBody>
+          <a:bodyPr/>
+          <a:lstStyle/>
+          <a:p>
+            <a:pPr algn="just"/>
+            <a:r>
+              <a:t>Desenvolvimento de um sistema de informação que permita realizar a administração de sondas e análise de dados provenientes das mesmas </a:t>
+            </a:r>
+          </a:p>
+          <a:p>
+            <a:pPr algn="just"/>
+            <a:r>
+              <a:t>Observação fácil e objectiva dos dados e administração do sistema</a:t>
+            </a:r>
+          </a:p>
+          <a:p>
+            <a:pPr algn="just"/>
+            <a:r>
+              <a:t>Assegurar a gestão do equipamento e de configurações</a:t>
+            </a:r>
+          </a:p>
+        </p:txBody>
+      </p:sp>
+      <p:sp>
+        <p:nvSpPr>
+          <p:cNvPr id="141" name="Text"/>
           <p:cNvSpPr txBox="1"/>
           <p:nvPr/>
         </p:nvSpPr>
@@ -4405,98 +5743,6 @@
           </a:p>
         </p:txBody>
       </p:sp>
-      <p:sp>
-        <p:nvSpPr>
-          <p:cNvPr id="140" name="API implementada em Java com base em Spring…"/>
-          <p:cNvSpPr txBox="1"/>
-          <p:nvPr>
-            <p:ph type="body" sz="half" idx="1"/>
-          </p:nvPr>
-        </p:nvSpPr>
-        <p:spPr>
-          <a:xfrm>
-            <a:off x="952500" y="2590800"/>
-            <a:ext cx="11099800" cy="2470944"/>
-          </a:xfrm>
-          <a:prstGeom prst="rect">
-            <a:avLst/>
-          </a:prstGeom>
-        </p:spPr>
-        <p:txBody>
-          <a:bodyPr/>
-          <a:lstStyle/>
-          <a:p>
-            <a:pPr/>
-            <a:r>
-              <a:t>API implementada em Java com base em Spring</a:t>
-            </a:r>
-          </a:p>
-          <a:p>
-            <a:pPr/>
-            <a:r>
-              <a:t>Fornecer, criar e atualizar recursos</a:t>
-            </a:r>
-          </a:p>
-        </p:txBody>
-      </p:sp>
-      <p:pic>
-        <p:nvPicPr>
-          <p:cNvPr id="141" name="Java.png" descr="Java.png"/>
-          <p:cNvPicPr>
-            <a:picLocks noChangeAspect="1"/>
-          </p:cNvPicPr>
-          <p:nvPr/>
-        </p:nvPicPr>
-        <p:blipFill>
-          <a:blip r:embed="rId2">
-            <a:extLst/>
-          </a:blip>
-          <a:stretch>
-            <a:fillRect/>
-          </a:stretch>
-        </p:blipFill>
-        <p:spPr>
-          <a:xfrm>
-            <a:off x="10350243" y="2235348"/>
-            <a:ext cx="2402195" cy="1351235"/>
-          </a:xfrm>
-          <a:prstGeom prst="rect">
-            <a:avLst/>
-          </a:prstGeom>
-          <a:ln w="12700">
-            <a:miter lim="400000"/>
-          </a:ln>
-        </p:spPr>
-      </p:pic>
-      <p:pic>
-        <p:nvPicPr>
-          <p:cNvPr id="142" name="spring-framework.png" descr="spring-framework.png"/>
-          <p:cNvPicPr>
-            <a:picLocks noChangeAspect="1"/>
-          </p:cNvPicPr>
-          <p:nvPr/>
-        </p:nvPicPr>
-        <p:blipFill>
-          <a:blip r:embed="rId3">
-            <a:extLst/>
-          </a:blip>
-          <a:stretch>
-            <a:fillRect/>
-          </a:stretch>
-        </p:blipFill>
-        <p:spPr>
-          <a:xfrm>
-            <a:off x="10211138" y="4046951"/>
-            <a:ext cx="2402195" cy="1659698"/>
-          </a:xfrm>
-          <a:prstGeom prst="rect">
-            <a:avLst/>
-          </a:prstGeom>
-          <a:ln w="12700">
-            <a:miter lim="400000"/>
-          </a:ln>
-        </p:spPr>
-      </p:pic>
     </p:spTree>
   </p:cSld>
   <p:clrMapOvr>
@@ -4525,7 +5771,7 @@
       </p:grpSpPr>
       <p:sp>
         <p:nvSpPr>
-          <p:cNvPr id="144" name="Arquitectura do Sistema (3)…"/>
+          <p:cNvPr id="143" name="Diagrama da Arquitectura do Sistema"/>
           <p:cNvSpPr txBox="1"/>
           <p:nvPr>
             <p:ph type="title"/>
@@ -4538,9 +5784,8 @@
         </p:spPr>
         <p:txBody>
           <a:bodyPr/>
-          <a:lstStyle/>
-          <a:p>
-            <a:pPr defTabSz="457200">
+          <a:lstStyle>
+            <a:lvl1pPr defTabSz="457200">
               <a:lnSpc>
                 <a:spcPct val="115000"/>
               </a:lnSpc>
@@ -4558,40 +5803,19 @@
                 <a:cs typeface="Arial"/>
                 <a:sym typeface="Arial"/>
               </a:defRPr>
-            </a:pPr>
-            <a:r>
-              <a:t>Arquitectura do Sistema (3)</a:t>
-            </a:r>
-          </a:p>
-          <a:p>
-            <a:pPr defTabSz="457200">
-              <a:lnSpc>
-                <a:spcPct val="115000"/>
-              </a:lnSpc>
-              <a:spcBef>
-                <a:spcPts val="600"/>
-              </a:spcBef>
-              <a:defRPr sz="3700">
-                <a:uFill>
-                  <a:solidFill>
-                    <a:srgbClr val="000000"/>
-                  </a:solidFill>
-                </a:uFill>
-                <a:latin typeface="Arial"/>
-                <a:ea typeface="Arial"/>
-                <a:cs typeface="Arial"/>
-                <a:sym typeface="Arial"/>
-              </a:defRPr>
-            </a:pPr>
-            <a:r>
-              <a:t>Componente Servidora</a:t>
-            </a:r>
-          </a:p>
-        </p:txBody>
-      </p:sp>
-      <p:sp>
-        <p:nvSpPr>
-          <p:cNvPr id="145" name="Text"/>
+            </a:lvl1pPr>
+          </a:lstStyle>
+          <a:p>
+            <a:pPr/>
+            <a:r>
+              <a:t>Diagrama da Arquitectura do Sistema</a:t>
+            </a:r>
+          </a:p>
+        </p:txBody>
+      </p:sp>
+      <p:sp>
+        <p:nvSpPr>
+          <p:cNvPr id="144" name="Text"/>
           <p:cNvSpPr txBox="1"/>
           <p:nvPr/>
         </p:nvSpPr>
@@ -4633,37 +5857,9 @@
           </a:p>
         </p:txBody>
       </p:sp>
-      <p:sp>
-        <p:nvSpPr>
-          <p:cNvPr id="146" name="Base de dados relacional implementada em PostgreSQL"/>
-          <p:cNvSpPr txBox="1"/>
-          <p:nvPr>
-            <p:ph type="body" sz="quarter" idx="1"/>
-          </p:nvPr>
-        </p:nvSpPr>
-        <p:spPr>
-          <a:xfrm>
-            <a:off x="952500" y="2590799"/>
-            <a:ext cx="9613504" cy="1609429"/>
-          </a:xfrm>
-          <a:prstGeom prst="rect">
-            <a:avLst/>
-          </a:prstGeom>
-        </p:spPr>
-        <p:txBody>
-          <a:bodyPr/>
-          <a:lstStyle/>
-          <a:p>
-            <a:pPr/>
-            <a:r>
-              <a:t>Base de dados relacional implementada em PostgreSQL</a:t>
-            </a:r>
-          </a:p>
-        </p:txBody>
-      </p:sp>
       <p:pic>
         <p:nvPicPr>
-          <p:cNvPr id="147" name="09-04-2013_postgresql-2013-01-281.jpg" descr="09-04-2013_postgresql-2013-01-281.jpg"/>
+          <p:cNvPr id="145" name="66609988_1431623203645237_3132181591544037376_n.png" descr="66609988_1431623203645237_3132181591544037376_n.png"/>
           <p:cNvPicPr>
             <a:picLocks noChangeAspect="1"/>
           </p:cNvPicPr>
@@ -4679,8 +5875,8 @@
         </p:blipFill>
         <p:spPr>
           <a:xfrm>
-            <a:off x="10563800" y="2032545"/>
-            <a:ext cx="1943101" cy="2159001"/>
+            <a:off x="2001474" y="2251967"/>
+            <a:ext cx="9001852" cy="6337926"/>
           </a:xfrm>
           <a:prstGeom prst="rect">
             <a:avLst/>
@@ -4718,7 +5914,7 @@
       </p:grpSpPr>
       <p:sp>
         <p:nvSpPr>
-          <p:cNvPr id="149" name="Arquitectura do Sistema (4)…"/>
+          <p:cNvPr id="147" name="Arquitectura do Sistema…"/>
           <p:cNvSpPr txBox="1"/>
           <p:nvPr>
             <p:ph type="title"/>
@@ -4753,7 +5949,7 @@
               </a:defRPr>
             </a:pPr>
             <a:r>
-              <a:t>Arquitectura do Sistema (4)</a:t>
+              <a:t>Arquitectura do Sistema</a:t>
             </a:r>
           </a:p>
           <a:p>
@@ -4777,14 +5973,14 @@
               </a:defRPr>
             </a:pPr>
             <a:r>
-              <a:t>Componente Cliente</a:t>
-            </a:r>
-          </a:p>
-        </p:txBody>
-      </p:sp>
-      <p:sp>
-        <p:nvSpPr>
-          <p:cNvPr id="150" name="Text"/>
+              <a:t>Componente Servidora - Base de Dados</a:t>
+            </a:r>
+          </a:p>
+        </p:txBody>
+      </p:sp>
+      <p:sp>
+        <p:nvSpPr>
+          <p:cNvPr id="148" name="Text"/>
           <p:cNvSpPr txBox="1"/>
           <p:nvPr/>
         </p:nvSpPr>
@@ -4828,7 +6024,7 @@
       </p:sp>
       <p:sp>
         <p:nvSpPr>
-          <p:cNvPr id="151" name="Aplicação Web com base em AngularJS"/>
+          <p:cNvPr id="149" name="Base de dados relacional implementada em PostgreSQL"/>
           <p:cNvSpPr txBox="1"/>
           <p:nvPr>
             <p:ph type="body" sz="quarter" idx="1"/>
@@ -4836,8 +6032,8 @@
         </p:nvSpPr>
         <p:spPr>
           <a:xfrm>
-            <a:off x="952500" y="2597150"/>
-            <a:ext cx="11099800" cy="1259930"/>
+            <a:off x="952500" y="2590800"/>
+            <a:ext cx="9613504" cy="1609428"/>
           </a:xfrm>
           <a:prstGeom prst="rect">
             <a:avLst/>
@@ -4845,18 +6041,20 @@
         </p:spPr>
         <p:txBody>
           <a:bodyPr/>
-          <a:lstStyle/>
+          <a:lstStyle>
+            <a:lvl1pPr algn="just"/>
+          </a:lstStyle>
           <a:p>
             <a:pPr/>
             <a:r>
-              <a:t>Aplicação Web com base em AngularJS</a:t>
+              <a:t>Base de dados relacional implementada em PostgreSQL</a:t>
             </a:r>
           </a:p>
         </p:txBody>
       </p:sp>
       <p:pic>
         <p:nvPicPr>
-          <p:cNvPr id="152" name="Angular_full_color_logo.svg.png" descr="Angular_full_color_logo.svg.png"/>
+          <p:cNvPr id="150" name="09-04-2013_postgresql-2013-01-281.jpg" descr="09-04-2013_postgresql-2013-01-281.jpg"/>
           <p:cNvPicPr>
             <a:picLocks noChangeAspect="1"/>
           </p:cNvPicPr>
@@ -4872,8 +6070,37 @@
         </p:blipFill>
         <p:spPr>
           <a:xfrm>
-            <a:off x="10759802" y="2348743"/>
-            <a:ext cx="1756743" cy="1756743"/>
+            <a:off x="10563800" y="2032545"/>
+            <a:ext cx="1943101" cy="2159001"/>
+          </a:xfrm>
+          <a:prstGeom prst="rect">
+            <a:avLst/>
+          </a:prstGeom>
+          <a:ln w="12700">
+            <a:miter lim="400000"/>
+          </a:ln>
+        </p:spPr>
+      </p:pic>
+      <p:pic>
+        <p:nvPicPr>
+          <p:cNvPr id="151" name="67361233_458167701642880_6245127158440656896_n.png" descr="67361233_458167701642880_6245127158440656896_n.png"/>
+          <p:cNvPicPr>
+            <a:picLocks noChangeAspect="1"/>
+          </p:cNvPicPr>
+          <p:nvPr/>
+        </p:nvPicPr>
+        <p:blipFill>
+          <a:blip r:embed="rId3">
+            <a:extLst/>
+          </a:blip>
+          <a:stretch>
+            <a:fillRect/>
+          </a:stretch>
+        </p:blipFill>
+        <p:spPr>
+          <a:xfrm>
+            <a:off x="2392849" y="3938018"/>
+            <a:ext cx="7822561" cy="5507623"/>
           </a:xfrm>
           <a:prstGeom prst="rect">
             <a:avLst/>
@@ -4911,7 +6138,7 @@
       </p:grpSpPr>
       <p:sp>
         <p:nvSpPr>
-          <p:cNvPr id="154" name="Sumário"/>
+          <p:cNvPr id="153" name="Arquitectura do Sistema…"/>
           <p:cNvSpPr txBox="1"/>
           <p:nvPr>
             <p:ph type="title"/>
@@ -4924,8 +6151,9 @@
         </p:spPr>
         <p:txBody>
           <a:bodyPr/>
-          <a:lstStyle>
-            <a:lvl1pPr defTabSz="457200">
+          <a:lstStyle/>
+          <a:p>
+            <a:pPr defTabSz="457200">
               <a:lnSpc>
                 <a:spcPct val="115000"/>
               </a:lnSpc>
@@ -4943,40 +6171,40 @@
                 <a:cs typeface="Arial"/>
                 <a:sym typeface="Arial"/>
               </a:defRPr>
-            </a:lvl1pPr>
-          </a:lstStyle>
-          <a:p>
-            <a:pPr/>
-            <a:r>
-              <a:t>Sumário</a:t>
-            </a:r>
-          </a:p>
-        </p:txBody>
-      </p:sp>
-      <p:sp>
-        <p:nvSpPr>
-          <p:cNvPr id="155" name="Body"/>
-          <p:cNvSpPr txBox="1"/>
-          <p:nvPr>
-            <p:ph type="body" idx="1"/>
-          </p:nvPr>
-        </p:nvSpPr>
-        <p:spPr>
-          <a:prstGeom prst="rect">
-            <a:avLst/>
-          </a:prstGeom>
-        </p:spPr>
-        <p:txBody>
-          <a:bodyPr/>
-          <a:lstStyle/>
-          <a:p>
-            <a:pPr/>
-          </a:p>
-        </p:txBody>
-      </p:sp>
-      <p:sp>
-        <p:nvSpPr>
-          <p:cNvPr id="156" name="Text"/>
+            </a:pPr>
+            <a:r>
+              <a:t>Arquitectura do Sistema</a:t>
+            </a:r>
+          </a:p>
+          <a:p>
+            <a:pPr defTabSz="457200">
+              <a:lnSpc>
+                <a:spcPct val="115000"/>
+              </a:lnSpc>
+              <a:spcBef>
+                <a:spcPts val="600"/>
+              </a:spcBef>
+              <a:defRPr sz="3700">
+                <a:uFill>
+                  <a:solidFill>
+                    <a:srgbClr val="000000"/>
+                  </a:solidFill>
+                </a:uFill>
+                <a:latin typeface="Arial"/>
+                <a:ea typeface="Arial"/>
+                <a:cs typeface="Arial"/>
+                <a:sym typeface="Arial"/>
+              </a:defRPr>
+            </a:pPr>
+            <a:r>
+              <a:t>Componente Servidora - Base de Dados</a:t>
+            </a:r>
+          </a:p>
+        </p:txBody>
+      </p:sp>
+      <p:sp>
+        <p:nvSpPr>
+          <p:cNvPr id="154" name="Text"/>
           <p:cNvSpPr txBox="1"/>
           <p:nvPr/>
         </p:nvSpPr>
@@ -5018,6 +6246,35 @@
           </a:p>
         </p:txBody>
       </p:sp>
+      <p:pic>
+        <p:nvPicPr>
+          <p:cNvPr id="155" name="66315599_456375555095934_5805751303980187648_n.png" descr="66315599_456375555095934_5805751303980187648_n.png"/>
+          <p:cNvPicPr>
+            <a:picLocks noChangeAspect="1"/>
+          </p:cNvPicPr>
+          <p:nvPr/>
+        </p:nvPicPr>
+        <p:blipFill>
+          <a:blip r:embed="rId2">
+            <a:extLst/>
+          </a:blip>
+          <a:stretch>
+            <a:fillRect/>
+          </a:stretch>
+        </p:blipFill>
+        <p:spPr>
+          <a:xfrm>
+            <a:off x="839800" y="2391376"/>
+            <a:ext cx="11325200" cy="6698048"/>
+          </a:xfrm>
+          <a:prstGeom prst="rect">
+            <a:avLst/>
+          </a:prstGeom>
+          <a:ln w="12700">
+            <a:miter lim="400000"/>
+          </a:ln>
+        </p:spPr>
+      </p:pic>
     </p:spTree>
   </p:cSld>
   <p:clrMapOvr>
@@ -5046,7 +6303,7 @@
       </p:grpSpPr>
       <p:sp>
         <p:nvSpPr>
-          <p:cNvPr id="158" name="Sumário"/>
+          <p:cNvPr id="157" name="Arquitectura do Sistema…"/>
           <p:cNvSpPr txBox="1"/>
           <p:nvPr>
             <p:ph type="title"/>
@@ -5059,8 +6316,9 @@
         </p:spPr>
         <p:txBody>
           <a:bodyPr/>
-          <a:lstStyle>
-            <a:lvl1pPr defTabSz="457200">
+          <a:lstStyle/>
+          <a:p>
+            <a:pPr defTabSz="457200">
               <a:lnSpc>
                 <a:spcPct val="115000"/>
               </a:lnSpc>
@@ -5078,40 +6336,40 @@
                 <a:cs typeface="Arial"/>
                 <a:sym typeface="Arial"/>
               </a:defRPr>
-            </a:lvl1pPr>
-          </a:lstStyle>
-          <a:p>
-            <a:pPr/>
-            <a:r>
-              <a:t>Sumário</a:t>
-            </a:r>
-          </a:p>
-        </p:txBody>
-      </p:sp>
-      <p:sp>
-        <p:nvSpPr>
-          <p:cNvPr id="159" name="Body"/>
-          <p:cNvSpPr txBox="1"/>
-          <p:nvPr>
-            <p:ph type="body" idx="1"/>
-          </p:nvPr>
-        </p:nvSpPr>
-        <p:spPr>
-          <a:prstGeom prst="rect">
-            <a:avLst/>
-          </a:prstGeom>
-        </p:spPr>
-        <p:txBody>
-          <a:bodyPr/>
-          <a:lstStyle/>
-          <a:p>
-            <a:pPr/>
-          </a:p>
-        </p:txBody>
-      </p:sp>
-      <p:sp>
-        <p:nvSpPr>
-          <p:cNvPr id="160" name="Text"/>
+            </a:pPr>
+            <a:r>
+              <a:t>Arquitectura do Sistema</a:t>
+            </a:r>
+          </a:p>
+          <a:p>
+            <a:pPr defTabSz="457200">
+              <a:lnSpc>
+                <a:spcPct val="115000"/>
+              </a:lnSpc>
+              <a:spcBef>
+                <a:spcPts val="600"/>
+              </a:spcBef>
+              <a:defRPr sz="3700">
+                <a:uFill>
+                  <a:solidFill>
+                    <a:srgbClr val="000000"/>
+                  </a:solidFill>
+                </a:uFill>
+                <a:latin typeface="Arial"/>
+                <a:ea typeface="Arial"/>
+                <a:cs typeface="Arial"/>
+                <a:sym typeface="Arial"/>
+              </a:defRPr>
+            </a:pPr>
+            <a:r>
+              <a:t>Componente Servidora - API</a:t>
+            </a:r>
+          </a:p>
+        </p:txBody>
+      </p:sp>
+      <p:sp>
+        <p:nvSpPr>
+          <p:cNvPr id="158" name="Text"/>
           <p:cNvSpPr txBox="1"/>
           <p:nvPr/>
         </p:nvSpPr>
@@ -5153,6 +6411,123 @@
           </a:p>
         </p:txBody>
       </p:sp>
+      <p:sp>
+        <p:nvSpPr>
+          <p:cNvPr id="159" name="API implementada em Java com base na framework Spring MVC"/>
+          <p:cNvSpPr txBox="1"/>
+          <p:nvPr>
+            <p:ph type="body" sz="quarter" idx="1"/>
+          </p:nvPr>
+        </p:nvSpPr>
+        <p:spPr>
+          <a:xfrm>
+            <a:off x="952500" y="2249992"/>
+            <a:ext cx="9405080" cy="2470944"/>
+          </a:xfrm>
+          <a:prstGeom prst="rect">
+            <a:avLst/>
+          </a:prstGeom>
+        </p:spPr>
+        <p:txBody>
+          <a:bodyPr/>
+          <a:lstStyle>
+            <a:lvl1pPr algn="just"/>
+          </a:lstStyle>
+          <a:p>
+            <a:pPr/>
+            <a:r>
+              <a:t>API implementada em Java com base na framework Spring MVC</a:t>
+            </a:r>
+          </a:p>
+        </p:txBody>
+      </p:sp>
+      <p:pic>
+        <p:nvPicPr>
+          <p:cNvPr id="160" name="Java.png" descr="Java.png"/>
+          <p:cNvPicPr>
+            <a:picLocks noChangeAspect="1"/>
+          </p:cNvPicPr>
+          <p:nvPr/>
+        </p:nvPicPr>
+        <p:blipFill>
+          <a:blip r:embed="rId2">
+            <a:extLst/>
+          </a:blip>
+          <a:stretch>
+            <a:fillRect/>
+          </a:stretch>
+        </p:blipFill>
+        <p:spPr>
+          <a:xfrm>
+            <a:off x="10350243" y="2235348"/>
+            <a:ext cx="2402195" cy="1351235"/>
+          </a:xfrm>
+          <a:prstGeom prst="rect">
+            <a:avLst/>
+          </a:prstGeom>
+          <a:ln w="12700">
+            <a:miter lim="400000"/>
+          </a:ln>
+        </p:spPr>
+      </p:pic>
+      <p:pic>
+        <p:nvPicPr>
+          <p:cNvPr id="161" name="spring-framework.png" descr="spring-framework.png"/>
+          <p:cNvPicPr>
+            <a:picLocks noChangeAspect="1"/>
+          </p:cNvPicPr>
+          <p:nvPr/>
+        </p:nvPicPr>
+        <p:blipFill>
+          <a:blip r:embed="rId3">
+            <a:extLst/>
+          </a:blip>
+          <a:stretch>
+            <a:fillRect/>
+          </a:stretch>
+        </p:blipFill>
+        <p:spPr>
+          <a:xfrm>
+            <a:off x="10211138" y="4046951"/>
+            <a:ext cx="2402195" cy="1659698"/>
+          </a:xfrm>
+          <a:prstGeom prst="rect">
+            <a:avLst/>
+          </a:prstGeom>
+          <a:ln w="12700">
+            <a:miter lim="400000"/>
+          </a:ln>
+        </p:spPr>
+      </p:pic>
+      <p:pic>
+        <p:nvPicPr>
+          <p:cNvPr id="162" name="67077916_920505688298966_5192247352101961728_n.png" descr="67077916_920505688298966_5192247352101961728_n.png"/>
+          <p:cNvPicPr>
+            <a:picLocks noChangeAspect="1"/>
+          </p:cNvPicPr>
+          <p:nvPr/>
+        </p:nvPicPr>
+        <p:blipFill>
+          <a:blip r:embed="rId4">
+            <a:extLst/>
+          </a:blip>
+          <a:stretch>
+            <a:fillRect/>
+          </a:stretch>
+        </p:blipFill>
+        <p:spPr>
+          <a:xfrm>
+            <a:off x="2491430" y="4276449"/>
+            <a:ext cx="7016477" cy="4940085"/>
+          </a:xfrm>
+          <a:prstGeom prst="rect">
+            <a:avLst/>
+          </a:prstGeom>
+          <a:ln w="12700">
+            <a:miter lim="400000"/>
+          </a:ln>
+        </p:spPr>
+      </p:pic>
     </p:spTree>
   </p:cSld>
   <p:clrMapOvr>

--- a/AppFinalDeProjecto.pptx
+++ b/AppFinalDeProjecto.pptx
@@ -1,30 +1,30 @@
 
 <file path=ppt/presentation.xml><?xml version="1.0" encoding="utf-8"?>
-<p:presentation xmlns:a="http://schemas.openxmlformats.org/drawingml/2006/main" xmlns:r="http://schemas.openxmlformats.org/officeDocument/2006/relationships" xmlns:p="http://schemas.openxmlformats.org/presentationml/2006/main" xmlns:m="http://schemas.openxmlformats.org/officeDocument/2006/math" xmlns:a14="http://schemas.microsoft.com/office/drawing/2010/main">
+<p:presentation xmlns:a="http://schemas.openxmlformats.org/drawingml/2006/main" xmlns:r="http://schemas.openxmlformats.org/officeDocument/2006/relationships" xmlns:p="http://schemas.openxmlformats.org/presentationml/2006/main">
   <p:sldMasterIdLst>
-    <p:sldMasterId id="2147483648" r:id="rId5"/>
+    <p:sldMasterId id="2147483648" r:id="rId1"/>
   </p:sldMasterIdLst>
   <p:notesMasterIdLst>
-    <p:notesMasterId r:id="rId7"/>
+    <p:notesMasterId r:id="rId19"/>
   </p:notesMasterIdLst>
   <p:sldIdLst>
-    <p:sldId id="256" r:id="rId8"/>
-    <p:sldId id="257" r:id="rId9"/>
-    <p:sldId id="258" r:id="rId10"/>
-    <p:sldId id="259" r:id="rId11"/>
-    <p:sldId id="260" r:id="rId12"/>
-    <p:sldId id="261" r:id="rId13"/>
-    <p:sldId id="262" r:id="rId14"/>
-    <p:sldId id="263" r:id="rId15"/>
-    <p:sldId id="264" r:id="rId16"/>
-    <p:sldId id="265" r:id="rId17"/>
-    <p:sldId id="266" r:id="rId18"/>
-    <p:sldId id="267" r:id="rId19"/>
-    <p:sldId id="268" r:id="rId20"/>
-    <p:sldId id="269" r:id="rId21"/>
-    <p:sldId id="270" r:id="rId22"/>
-    <p:sldId id="271" r:id="rId23"/>
-    <p:sldId id="272" r:id="rId24"/>
+    <p:sldId id="256" r:id="rId2"/>
+    <p:sldId id="257" r:id="rId3"/>
+    <p:sldId id="258" r:id="rId4"/>
+    <p:sldId id="259" r:id="rId5"/>
+    <p:sldId id="260" r:id="rId6"/>
+    <p:sldId id="261" r:id="rId7"/>
+    <p:sldId id="262" r:id="rId8"/>
+    <p:sldId id="263" r:id="rId9"/>
+    <p:sldId id="264" r:id="rId10"/>
+    <p:sldId id="265" r:id="rId11"/>
+    <p:sldId id="267" r:id="rId12"/>
+    <p:sldId id="268" r:id="rId13"/>
+    <p:sldId id="269" r:id="rId14"/>
+    <p:sldId id="270" r:id="rId15"/>
+    <p:sldId id="271" r:id="rId16"/>
+    <p:sldId id="273" r:id="rId17"/>
+    <p:sldId id="272" r:id="rId18"/>
   </p:sldIdLst>
   <p:sldSz cx="13004800" cy="9753600"/>
   <p:notesSz cx="6858000" cy="9144000"/>
@@ -44,7 +44,7 @@
       <a:buFontTx/>
       <a:buNone/>
       <a:tabLst/>
-      <a:defRPr b="0" baseline="0" cap="none" i="0" spc="0" strike="noStrike" sz="1800" u="none" kumimoji="0" normalizeH="0">
+      <a:defRPr kumimoji="0" sz="1800" b="0" i="0" u="none" strike="noStrike" cap="none" spc="0" normalizeH="0" baseline="0">
         <a:ln>
           <a:noFill/>
         </a:ln>
@@ -70,7 +70,7 @@
       <a:buFontTx/>
       <a:buNone/>
       <a:tabLst/>
-      <a:defRPr b="1" baseline="0" cap="none" i="0" spc="0" strike="noStrike" sz="2400" u="none" kumimoji="0" normalizeH="0">
+      <a:defRPr kumimoji="0" sz="2400" b="1" i="0" u="none" strike="noStrike" cap="none" spc="0" normalizeH="0" baseline="0">
         <a:ln>
           <a:noFill/>
         </a:ln>
@@ -100,7 +100,7 @@
       <a:buFontTx/>
       <a:buNone/>
       <a:tabLst/>
-      <a:defRPr b="1" baseline="0" cap="none" i="0" spc="0" strike="noStrike" sz="2400" u="none" kumimoji="0" normalizeH="0">
+      <a:defRPr kumimoji="0" sz="2400" b="1" i="0" u="none" strike="noStrike" cap="none" spc="0" normalizeH="0" baseline="0">
         <a:ln>
           <a:noFill/>
         </a:ln>
@@ -130,7 +130,7 @@
       <a:buFontTx/>
       <a:buNone/>
       <a:tabLst/>
-      <a:defRPr b="1" baseline="0" cap="none" i="0" spc="0" strike="noStrike" sz="2400" u="none" kumimoji="0" normalizeH="0">
+      <a:defRPr kumimoji="0" sz="2400" b="1" i="0" u="none" strike="noStrike" cap="none" spc="0" normalizeH="0" baseline="0">
         <a:ln>
           <a:noFill/>
         </a:ln>
@@ -160,7 +160,7 @@
       <a:buFontTx/>
       <a:buNone/>
       <a:tabLst/>
-      <a:defRPr b="1" baseline="0" cap="none" i="0" spc="0" strike="noStrike" sz="2400" u="none" kumimoji="0" normalizeH="0">
+      <a:defRPr kumimoji="0" sz="2400" b="1" i="0" u="none" strike="noStrike" cap="none" spc="0" normalizeH="0" baseline="0">
         <a:ln>
           <a:noFill/>
         </a:ln>
@@ -190,7 +190,7 @@
       <a:buFontTx/>
       <a:buNone/>
       <a:tabLst/>
-      <a:defRPr b="1" baseline="0" cap="none" i="0" spc="0" strike="noStrike" sz="2400" u="none" kumimoji="0" normalizeH="0">
+      <a:defRPr kumimoji="0" sz="2400" b="1" i="0" u="none" strike="noStrike" cap="none" spc="0" normalizeH="0" baseline="0">
         <a:ln>
           <a:noFill/>
         </a:ln>
@@ -220,7 +220,7 @@
       <a:buFontTx/>
       <a:buNone/>
       <a:tabLst/>
-      <a:defRPr b="1" baseline="0" cap="none" i="0" spc="0" strike="noStrike" sz="2400" u="none" kumimoji="0" normalizeH="0">
+      <a:defRPr kumimoji="0" sz="2400" b="1" i="0" u="none" strike="noStrike" cap="none" spc="0" normalizeH="0" baseline="0">
         <a:ln>
           <a:noFill/>
         </a:ln>
@@ -250,7 +250,7 @@
       <a:buFontTx/>
       <a:buNone/>
       <a:tabLst/>
-      <a:defRPr b="1" baseline="0" cap="none" i="0" spc="0" strike="noStrike" sz="2400" u="none" kumimoji="0" normalizeH="0">
+      <a:defRPr kumimoji="0" sz="2400" b="1" i="0" u="none" strike="noStrike" cap="none" spc="0" normalizeH="0" baseline="0">
         <a:ln>
           <a:noFill/>
         </a:ln>
@@ -280,7 +280,7 @@
       <a:buFontTx/>
       <a:buNone/>
       <a:tabLst/>
-      <a:defRPr b="1" baseline="0" cap="none" i="0" spc="0" strike="noStrike" sz="2400" u="none" kumimoji="0" normalizeH="0">
+      <a:defRPr kumimoji="0" sz="2400" b="1" i="0" u="none" strike="noStrike" cap="none" spc="0" normalizeH="0" baseline="0">
         <a:ln>
           <a:noFill/>
         </a:ln>
@@ -310,7 +310,7 @@
       <a:buFontTx/>
       <a:buNone/>
       <a:tabLst/>
-      <a:defRPr b="1" baseline="0" cap="none" i="0" spc="0" strike="noStrike" sz="2400" u="none" kumimoji="0" normalizeH="0">
+      <a:defRPr kumimoji="0" sz="2400" b="1" i="0" u="none" strike="noStrike" cap="none" spc="0" normalizeH="0" baseline="0">
         <a:ln>
           <a:noFill/>
         </a:ln>
@@ -329,13 +329,14 @@
 </p:presentation>
 </file>
 
-<file path=ppt/commentAuthors.xml><?xml version="1.0" encoding="utf-8"?>
-<p:cmAuthorLst xmlns:a="http://schemas.openxmlformats.org/drawingml/2006/main" xmlns:r="http://schemas.openxmlformats.org/officeDocument/2006/relationships" xmlns:p="http://schemas.openxmlformats.org/presentationml/2006/main" xmlns:m="http://schemas.openxmlformats.org/officeDocument/2006/math" xmlns:a14="http://schemas.microsoft.com/office/drawing/2010/main"/>
-</file>
-
 <file path=ppt/notesMasters/notesMaster1.xml><?xml version="1.0" encoding="utf-8"?>
-<p:notesMaster xmlns:a="http://schemas.openxmlformats.org/drawingml/2006/main" xmlns:r="http://schemas.openxmlformats.org/officeDocument/2006/relationships" xmlns:p="http://schemas.openxmlformats.org/presentationml/2006/main" xmlns:m="http://schemas.openxmlformats.org/officeDocument/2006/math" xmlns:a14="http://schemas.microsoft.com/office/drawing/2010/main">
+<p:notesMaster xmlns:a="http://schemas.openxmlformats.org/drawingml/2006/main" xmlns:r="http://schemas.openxmlformats.org/officeDocument/2006/relationships" xmlns:p="http://schemas.openxmlformats.org/presentationml/2006/main">
   <p:cSld>
+    <p:bg>
+      <p:bgRef idx="1001">
+        <a:schemeClr val="bg1"/>
+      </p:bgRef>
+    </p:bg>
     <p:spTree>
       <p:nvGrpSpPr>
         <p:cNvPr id="1" name=""/>
@@ -353,7 +354,9 @@
       <p:sp>
         <p:nvSpPr>
           <p:cNvPr id="116" name="Shape 116"/>
-          <p:cNvSpPr/>
+          <p:cNvSpPr>
+            <a:spLocks noGrp="1" noRot="1" noChangeAspect="1"/>
+          </p:cNvSpPr>
           <p:nvPr>
             <p:ph type="sldImg"/>
           </p:nvPr>
@@ -371,14 +374,16 @@
           <a:bodyPr/>
           <a:lstStyle/>
           <a:p>
-            <a:pPr/>
+            <a:endParaRPr/>
           </a:p>
         </p:txBody>
       </p:sp>
       <p:sp>
         <p:nvSpPr>
           <p:cNvPr id="117" name="Shape 117"/>
-          <p:cNvSpPr/>
+          <p:cNvSpPr>
+            <a:spLocks noGrp="1"/>
+          </p:cNvSpPr>
           <p:nvPr>
             <p:ph type="body" sz="quarter" idx="1"/>
           </p:nvPr>
@@ -396,7 +401,7 @@
           <a:bodyPr/>
           <a:lstStyle/>
           <a:p>
-            <a:pPr/>
+            <a:endParaRPr/>
           </a:p>
         </p:txBody>
       </p:sp>
@@ -508,7 +513,7 @@
 </file>
 
 <file path=ppt/notesSlides/notesSlide1.xml><?xml version="1.0" encoding="utf-8"?>
-<p:notes xmlns:a="http://schemas.openxmlformats.org/drawingml/2006/main" xmlns:r="http://schemas.openxmlformats.org/officeDocument/2006/relationships" xmlns:p="http://schemas.openxmlformats.org/presentationml/2006/main" xmlns:m="http://schemas.openxmlformats.org/officeDocument/2006/math" xmlns:a14="http://schemas.microsoft.com/office/drawing/2010/main" showMasterSp="1" showMasterPhAnim="1">
+<p:notes xmlns:a="http://schemas.openxmlformats.org/drawingml/2006/main" xmlns:r="http://schemas.openxmlformats.org/officeDocument/2006/relationships" xmlns:p="http://schemas.openxmlformats.org/presentationml/2006/main">
   <p:cSld>
     <p:spTree>
       <p:nvGrpSpPr>
@@ -527,7 +532,9 @@
       <p:sp>
         <p:nvSpPr>
           <p:cNvPr id="178" name="Shape 178"/>
-          <p:cNvSpPr/>
+          <p:cNvSpPr>
+            <a:spLocks noGrp="1" noRot="1" noChangeAspect="1"/>
+          </p:cNvSpPr>
           <p:nvPr>
             <p:ph type="sldImg"/>
           </p:nvPr>
@@ -541,14 +548,16 @@
           <a:bodyPr/>
           <a:lstStyle/>
           <a:p>
-            <a:pPr/>
+            <a:endParaRPr/>
           </a:p>
         </p:txBody>
       </p:sp>
       <p:sp>
         <p:nvSpPr>
           <p:cNvPr id="179" name="Shape 179"/>
-          <p:cNvSpPr/>
+          <p:cNvSpPr>
+            <a:spLocks noGrp="1"/>
+          </p:cNvSpPr>
           <p:nvPr>
             <p:ph type="body" sz="quarter" idx="1"/>
           </p:nvPr>
@@ -590,7 +599,7 @@
 </file>
 
 <file path=ppt/notesSlides/notesSlide2.xml><?xml version="1.0" encoding="utf-8"?>
-<p:notes xmlns:a="http://schemas.openxmlformats.org/drawingml/2006/main" xmlns:r="http://schemas.openxmlformats.org/officeDocument/2006/relationships" xmlns:p="http://schemas.openxmlformats.org/presentationml/2006/main" xmlns:m="http://schemas.openxmlformats.org/officeDocument/2006/math" xmlns:a14="http://schemas.microsoft.com/office/drawing/2010/main" showMasterSp="1" showMasterPhAnim="1">
+<p:notes xmlns:a="http://schemas.openxmlformats.org/drawingml/2006/main" xmlns:r="http://schemas.openxmlformats.org/officeDocument/2006/relationships" xmlns:p="http://schemas.openxmlformats.org/presentationml/2006/main">
   <p:cSld>
     <p:spTree>
       <p:nvGrpSpPr>
@@ -609,7 +618,9 @@
       <p:sp>
         <p:nvSpPr>
           <p:cNvPr id="186" name="Shape 186"/>
-          <p:cNvSpPr/>
+          <p:cNvSpPr>
+            <a:spLocks noGrp="1" noRot="1" noChangeAspect="1"/>
+          </p:cNvSpPr>
           <p:nvPr>
             <p:ph type="sldImg"/>
           </p:nvPr>
@@ -623,14 +634,16 @@
           <a:bodyPr/>
           <a:lstStyle/>
           <a:p>
-            <a:pPr/>
+            <a:endParaRPr/>
           </a:p>
         </p:txBody>
       </p:sp>
       <p:sp>
         <p:nvSpPr>
           <p:cNvPr id="187" name="Shape 187"/>
-          <p:cNvSpPr/>
+          <p:cNvSpPr>
+            <a:spLocks noGrp="1"/>
+          </p:cNvSpPr>
           <p:nvPr>
             <p:ph type="body" sz="quarter" idx="1"/>
           </p:nvPr>
@@ -690,7 +703,7 @@
 </file>
 
 <file path=ppt/notesSlides/notesSlide3.xml><?xml version="1.0" encoding="utf-8"?>
-<p:notes xmlns:a="http://schemas.openxmlformats.org/drawingml/2006/main" xmlns:r="http://schemas.openxmlformats.org/officeDocument/2006/relationships" xmlns:p="http://schemas.openxmlformats.org/presentationml/2006/main" xmlns:m="http://schemas.openxmlformats.org/officeDocument/2006/math" xmlns:a14="http://schemas.microsoft.com/office/drawing/2010/main" showMasterSp="1" showMasterPhAnim="1">
+<p:notes xmlns:a="http://schemas.openxmlformats.org/drawingml/2006/main" xmlns:r="http://schemas.openxmlformats.org/officeDocument/2006/relationships" xmlns:p="http://schemas.openxmlformats.org/presentationml/2006/main">
   <p:cSld>
     <p:spTree>
       <p:nvGrpSpPr>
@@ -709,7 +722,9 @@
       <p:sp>
         <p:nvSpPr>
           <p:cNvPr id="192" name="Shape 192"/>
-          <p:cNvSpPr/>
+          <p:cNvSpPr>
+            <a:spLocks noGrp="1" noRot="1" noChangeAspect="1"/>
+          </p:cNvSpPr>
           <p:nvPr>
             <p:ph type="sldImg"/>
           </p:nvPr>
@@ -723,14 +738,16 @@
           <a:bodyPr/>
           <a:lstStyle/>
           <a:p>
-            <a:pPr/>
+            <a:endParaRPr/>
           </a:p>
         </p:txBody>
       </p:sp>
       <p:sp>
         <p:nvSpPr>
           <p:cNvPr id="193" name="Shape 193"/>
-          <p:cNvSpPr/>
+          <p:cNvSpPr>
+            <a:spLocks noGrp="1"/>
+          </p:cNvSpPr>
           <p:nvPr>
             <p:ph type="body" sz="quarter" idx="1"/>
           </p:nvPr>
@@ -772,7 +789,7 @@
 </file>
 
 <file path=ppt/slideLayouts/slideLayout1.xml><?xml version="1.0" encoding="utf-8"?>
-<p:sldLayout xmlns:a="http://schemas.openxmlformats.org/drawingml/2006/main" xmlns:r="http://schemas.openxmlformats.org/officeDocument/2006/relationships" xmlns:p="http://schemas.openxmlformats.org/presentationml/2006/main" xmlns:m="http://schemas.openxmlformats.org/officeDocument/2006/math" xmlns:a14="http://schemas.microsoft.com/office/drawing/2010/main" type="title" showMasterSp="1" showMasterPhAnim="1">
+<p:sldLayout xmlns:a="http://schemas.openxmlformats.org/drawingml/2006/main" xmlns:r="http://schemas.openxmlformats.org/officeDocument/2006/relationships" xmlns:p="http://schemas.openxmlformats.org/presentationml/2006/main" type="title">
   <p:cSld name="Title &amp; Subtitle">
     <p:spTree>
       <p:nvGrpSpPr>
@@ -791,7 +808,9 @@
       <p:sp>
         <p:nvSpPr>
           <p:cNvPr id="11" name="Title Text"/>
-          <p:cNvSpPr txBox="1"/>
+          <p:cNvSpPr txBox="1">
+            <a:spLocks noGrp="1"/>
+          </p:cNvSpPr>
           <p:nvPr>
             <p:ph type="title"/>
           </p:nvPr>
@@ -809,7 +828,6 @@
           <a:bodyPr anchor="b"/>
           <a:lstStyle/>
           <a:p>
-            <a:pPr/>
             <a:r>
               <a:t>Title Text</a:t>
             </a:r>
@@ -819,7 +837,9 @@
       <p:sp>
         <p:nvSpPr>
           <p:cNvPr id="12" name="Body Level One…"/>
-          <p:cNvSpPr txBox="1"/>
+          <p:cNvSpPr txBox="1">
+            <a:spLocks noGrp="1"/>
+          </p:cNvSpPr>
           <p:nvPr>
             <p:ph type="body" sz="quarter" idx="1"/>
           </p:nvPr>
@@ -878,7 +898,6 @@
             </a:lvl5pPr>
           </a:lstStyle>
           <a:p>
-            <a:pPr/>
             <a:r>
               <a:t>Body Level One</a:t>
             </a:r>
@@ -912,7 +931,9 @@
       <p:sp>
         <p:nvSpPr>
           <p:cNvPr id="13" name="Slide Number"/>
-          <p:cNvSpPr txBox="1"/>
+          <p:cNvSpPr txBox="1">
+            <a:spLocks noGrp="1"/>
+          </p:cNvSpPr>
           <p:nvPr>
             <p:ph type="sldNum" sz="quarter" idx="2"/>
           </p:nvPr>
@@ -935,8 +956,10 @@
             </a:lvl1pPr>
           </a:lstStyle>
           <a:p>
-            <a:pPr/>
-            <a:fld id="{86CB4B4D-7CA3-9044-876B-883B54F8677D}" type="slidenum"/>
+            <a:fld id="{86CB4B4D-7CA3-9044-876B-883B54F8677D}" type="slidenum">
+              <a:t>‹nº›</a:t>
+            </a:fld>
+            <a:endParaRPr/>
           </a:p>
         </p:txBody>
       </p:sp>
@@ -945,12 +968,12 @@
   <p:clrMapOvr>
     <a:masterClrMapping/>
   </p:clrMapOvr>
-  <p:transition xmlns:p14="http://schemas.microsoft.com/office/powerpoint/2010/main" spd="med" advClick="1"/>
+  <p:transition spd="med"/>
 </p:sldLayout>
 </file>
 
 <file path=ppt/slideLayouts/slideLayout10.xml><?xml version="1.0" encoding="utf-8"?>
-<p:sldLayout xmlns:a="http://schemas.openxmlformats.org/drawingml/2006/main" xmlns:r="http://schemas.openxmlformats.org/officeDocument/2006/relationships" xmlns:p="http://schemas.openxmlformats.org/presentationml/2006/main" xmlns:m="http://schemas.openxmlformats.org/officeDocument/2006/math" xmlns:a14="http://schemas.microsoft.com/office/drawing/2010/main" type="tx" showMasterSp="1" showMasterPhAnim="1">
+<p:sldLayout xmlns:a="http://schemas.openxmlformats.org/drawingml/2006/main" xmlns:r="http://schemas.openxmlformats.org/officeDocument/2006/relationships" xmlns:p="http://schemas.openxmlformats.org/presentationml/2006/main" type="tx">
   <p:cSld name="Quote">
     <p:spTree>
       <p:nvGrpSpPr>
@@ -969,7 +992,9 @@
       <p:sp>
         <p:nvSpPr>
           <p:cNvPr id="93" name="–Johnny Appleseed"/>
-          <p:cNvSpPr txBox="1"/>
+          <p:cNvSpPr txBox="1">
+            <a:spLocks noGrp="1"/>
+          </p:cNvSpPr>
           <p:nvPr>
             <p:ph type="body" sz="quarter" idx="13"/>
           </p:nvPr>
@@ -994,11 +1019,10 @@
               </a:spcBef>
               <a:buSzTx/>
               <a:buNone/>
-              <a:defRPr i="1" sz="2400"/>
+              <a:defRPr sz="2400" i="1"/>
             </a:lvl1pPr>
           </a:lstStyle>
           <a:p>
-            <a:pPr/>
             <a:r>
               <a:t>–Johnny Appleseed</a:t>
             </a:r>
@@ -1008,7 +1032,9 @@
       <p:sp>
         <p:nvSpPr>
           <p:cNvPr id="94" name="“Type a quote here.”"/>
-          <p:cNvSpPr txBox="1"/>
+          <p:cNvSpPr txBox="1">
+            <a:spLocks noGrp="1"/>
+          </p:cNvSpPr>
           <p:nvPr>
             <p:ph type="body" sz="quarter" idx="14"/>
           </p:nvPr>
@@ -1042,7 +1068,6 @@
             </a:lvl1pPr>
           </a:lstStyle>
           <a:p>
-            <a:pPr/>
             <a:r>
               <a:t>“Type a quote here.” </a:t>
             </a:r>
@@ -1052,7 +1077,9 @@
       <p:sp>
         <p:nvSpPr>
           <p:cNvPr id="95" name="Slide Number"/>
-          <p:cNvSpPr txBox="1"/>
+          <p:cNvSpPr txBox="1">
+            <a:spLocks noGrp="1"/>
+          </p:cNvSpPr>
           <p:nvPr>
             <p:ph type="sldNum" sz="quarter" idx="2"/>
           </p:nvPr>
@@ -1066,8 +1093,10 @@
           <a:bodyPr/>
           <a:lstStyle/>
           <a:p>
-            <a:pPr/>
-            <a:fld id="{86CB4B4D-7CA3-9044-876B-883B54F8677D}" type="slidenum"/>
+            <a:fld id="{86CB4B4D-7CA3-9044-876B-883B54F8677D}" type="slidenum">
+              <a:t>‹nº›</a:t>
+            </a:fld>
+            <a:endParaRPr/>
           </a:p>
         </p:txBody>
       </p:sp>
@@ -1076,12 +1105,12 @@
   <p:clrMapOvr>
     <a:masterClrMapping/>
   </p:clrMapOvr>
-  <p:transition xmlns:p14="http://schemas.microsoft.com/office/powerpoint/2010/main" spd="med" advClick="1"/>
+  <p:transition spd="med"/>
 </p:sldLayout>
 </file>
 
 <file path=ppt/slideLayouts/slideLayout11.xml><?xml version="1.0" encoding="utf-8"?>
-<p:sldLayout xmlns:a="http://schemas.openxmlformats.org/drawingml/2006/main" xmlns:r="http://schemas.openxmlformats.org/officeDocument/2006/relationships" xmlns:p="http://schemas.openxmlformats.org/presentationml/2006/main" xmlns:m="http://schemas.openxmlformats.org/officeDocument/2006/math" xmlns:a14="http://schemas.microsoft.com/office/drawing/2010/main" type="tx" showMasterSp="1" showMasterPhAnim="1">
+<p:sldLayout xmlns:a="http://schemas.openxmlformats.org/drawingml/2006/main" xmlns:r="http://schemas.openxmlformats.org/officeDocument/2006/relationships" xmlns:p="http://schemas.openxmlformats.org/presentationml/2006/main" type="tx">
   <p:cSld name="Photo">
     <p:spTree>
       <p:nvGrpSpPr>
@@ -1100,7 +1129,9 @@
       <p:sp>
         <p:nvSpPr>
           <p:cNvPr id="102" name="Image"/>
-          <p:cNvSpPr/>
+          <p:cNvSpPr>
+            <a:spLocks noGrp="1"/>
+          </p:cNvSpPr>
           <p:nvPr>
             <p:ph type="pic" idx="13"/>
           </p:nvPr>
@@ -1120,14 +1151,16 @@
           </a:bodyPr>
           <a:lstStyle/>
           <a:p>
-            <a:pPr/>
+            <a:endParaRPr/>
           </a:p>
         </p:txBody>
       </p:sp>
       <p:sp>
         <p:nvSpPr>
           <p:cNvPr id="103" name="Slide Number"/>
-          <p:cNvSpPr txBox="1"/>
+          <p:cNvSpPr txBox="1">
+            <a:spLocks noGrp="1"/>
+          </p:cNvSpPr>
           <p:nvPr>
             <p:ph type="sldNum" sz="quarter" idx="2"/>
           </p:nvPr>
@@ -1141,8 +1174,10 @@
           <a:bodyPr/>
           <a:lstStyle/>
           <a:p>
-            <a:pPr/>
-            <a:fld id="{86CB4B4D-7CA3-9044-876B-883B54F8677D}" type="slidenum"/>
+            <a:fld id="{86CB4B4D-7CA3-9044-876B-883B54F8677D}" type="slidenum">
+              <a:t>‹nº›</a:t>
+            </a:fld>
+            <a:endParaRPr/>
           </a:p>
         </p:txBody>
       </p:sp>
@@ -1151,12 +1186,12 @@
   <p:clrMapOvr>
     <a:masterClrMapping/>
   </p:clrMapOvr>
-  <p:transition xmlns:p14="http://schemas.microsoft.com/office/powerpoint/2010/main" spd="med" advClick="1"/>
+  <p:transition spd="med"/>
 </p:sldLayout>
 </file>
 
 <file path=ppt/slideLayouts/slideLayout12.xml><?xml version="1.0" encoding="utf-8"?>
-<p:sldLayout xmlns:a="http://schemas.openxmlformats.org/drawingml/2006/main" xmlns:r="http://schemas.openxmlformats.org/officeDocument/2006/relationships" xmlns:p="http://schemas.openxmlformats.org/presentationml/2006/main" xmlns:m="http://schemas.openxmlformats.org/officeDocument/2006/math" xmlns:a14="http://schemas.microsoft.com/office/drawing/2010/main" type="tx" showMasterSp="1" showMasterPhAnim="1">
+<p:sldLayout xmlns:a="http://schemas.openxmlformats.org/drawingml/2006/main" xmlns:r="http://schemas.openxmlformats.org/officeDocument/2006/relationships" xmlns:p="http://schemas.openxmlformats.org/presentationml/2006/main" type="tx">
   <p:cSld name="Blank">
     <p:spTree>
       <p:nvGrpSpPr>
@@ -1175,7 +1210,9 @@
       <p:sp>
         <p:nvSpPr>
           <p:cNvPr id="110" name="Slide Number"/>
-          <p:cNvSpPr txBox="1"/>
+          <p:cNvSpPr txBox="1">
+            <a:spLocks noGrp="1"/>
+          </p:cNvSpPr>
           <p:nvPr>
             <p:ph type="sldNum" sz="quarter" idx="2"/>
           </p:nvPr>
@@ -1189,8 +1226,10 @@
           <a:bodyPr/>
           <a:lstStyle/>
           <a:p>
-            <a:pPr/>
-            <a:fld id="{86CB4B4D-7CA3-9044-876B-883B54F8677D}" type="slidenum"/>
+            <a:fld id="{86CB4B4D-7CA3-9044-876B-883B54F8677D}" type="slidenum">
+              <a:t>‹nº›</a:t>
+            </a:fld>
+            <a:endParaRPr/>
           </a:p>
         </p:txBody>
       </p:sp>
@@ -1199,12 +1238,12 @@
   <p:clrMapOvr>
     <a:masterClrMapping/>
   </p:clrMapOvr>
-  <p:transition xmlns:p14="http://schemas.microsoft.com/office/powerpoint/2010/main" spd="med" advClick="1"/>
+  <p:transition spd="med"/>
 </p:sldLayout>
 </file>
 
 <file path=ppt/slideLayouts/slideLayout2.xml><?xml version="1.0" encoding="utf-8"?>
-<p:sldLayout xmlns:a="http://schemas.openxmlformats.org/drawingml/2006/main" xmlns:r="http://schemas.openxmlformats.org/officeDocument/2006/relationships" xmlns:p="http://schemas.openxmlformats.org/presentationml/2006/main" xmlns:m="http://schemas.openxmlformats.org/officeDocument/2006/math" xmlns:a14="http://schemas.microsoft.com/office/drawing/2010/main" type="tx" showMasterSp="1" showMasterPhAnim="1">
+<p:sldLayout xmlns:a="http://schemas.openxmlformats.org/drawingml/2006/main" xmlns:r="http://schemas.openxmlformats.org/officeDocument/2006/relationships" xmlns:p="http://schemas.openxmlformats.org/presentationml/2006/main" type="tx">
   <p:cSld name="Photo - Horizontal">
     <p:spTree>
       <p:nvGrpSpPr>
@@ -1223,7 +1262,9 @@
       <p:sp>
         <p:nvSpPr>
           <p:cNvPr id="20" name="Image"/>
-          <p:cNvSpPr/>
+          <p:cNvSpPr>
+            <a:spLocks noGrp="1"/>
+          </p:cNvSpPr>
           <p:nvPr>
             <p:ph type="pic" idx="13"/>
           </p:nvPr>
@@ -1243,14 +1284,16 @@
           </a:bodyPr>
           <a:lstStyle/>
           <a:p>
-            <a:pPr/>
+            <a:endParaRPr/>
           </a:p>
         </p:txBody>
       </p:sp>
       <p:sp>
         <p:nvSpPr>
           <p:cNvPr id="21" name="Title Text"/>
-          <p:cNvSpPr txBox="1"/>
+          <p:cNvSpPr txBox="1">
+            <a:spLocks noGrp="1"/>
+          </p:cNvSpPr>
           <p:nvPr>
             <p:ph type="title"/>
           </p:nvPr>
@@ -1268,7 +1311,6 @@
           <a:bodyPr anchor="b"/>
           <a:lstStyle/>
           <a:p>
-            <a:pPr/>
             <a:r>
               <a:t>Title Text</a:t>
             </a:r>
@@ -1278,7 +1320,9 @@
       <p:sp>
         <p:nvSpPr>
           <p:cNvPr id="22" name="Body Level One…"/>
-          <p:cNvSpPr txBox="1"/>
+          <p:cNvSpPr txBox="1">
+            <a:spLocks noGrp="1"/>
+          </p:cNvSpPr>
           <p:nvPr>
             <p:ph type="body" sz="quarter" idx="1"/>
           </p:nvPr>
@@ -1337,7 +1381,6 @@
             </a:lvl5pPr>
           </a:lstStyle>
           <a:p>
-            <a:pPr/>
             <a:r>
               <a:t>Body Level One</a:t>
             </a:r>
@@ -1371,7 +1414,9 @@
       <p:sp>
         <p:nvSpPr>
           <p:cNvPr id="23" name="Slide Number"/>
-          <p:cNvSpPr txBox="1"/>
+          <p:cNvSpPr txBox="1">
+            <a:spLocks noGrp="1"/>
+          </p:cNvSpPr>
           <p:nvPr>
             <p:ph type="sldNum" sz="quarter" idx="2"/>
           </p:nvPr>
@@ -1385,8 +1430,10 @@
           <a:bodyPr/>
           <a:lstStyle/>
           <a:p>
-            <a:pPr/>
-            <a:fld id="{86CB4B4D-7CA3-9044-876B-883B54F8677D}" type="slidenum"/>
+            <a:fld id="{86CB4B4D-7CA3-9044-876B-883B54F8677D}" type="slidenum">
+              <a:t>‹nº›</a:t>
+            </a:fld>
+            <a:endParaRPr/>
           </a:p>
         </p:txBody>
       </p:sp>
@@ -1395,12 +1442,12 @@
   <p:clrMapOvr>
     <a:masterClrMapping/>
   </p:clrMapOvr>
-  <p:transition xmlns:p14="http://schemas.microsoft.com/office/powerpoint/2010/main" spd="med" advClick="1"/>
+  <p:transition spd="med"/>
 </p:sldLayout>
 </file>
 
 <file path=ppt/slideLayouts/slideLayout3.xml><?xml version="1.0" encoding="utf-8"?>
-<p:sldLayout xmlns:a="http://schemas.openxmlformats.org/drawingml/2006/main" xmlns:r="http://schemas.openxmlformats.org/officeDocument/2006/relationships" xmlns:p="http://schemas.openxmlformats.org/presentationml/2006/main" xmlns:m="http://schemas.openxmlformats.org/officeDocument/2006/math" xmlns:a14="http://schemas.microsoft.com/office/drawing/2010/main" type="tx" showMasterSp="1" showMasterPhAnim="1">
+<p:sldLayout xmlns:a="http://schemas.openxmlformats.org/drawingml/2006/main" xmlns:r="http://schemas.openxmlformats.org/officeDocument/2006/relationships" xmlns:p="http://schemas.openxmlformats.org/presentationml/2006/main" type="tx">
   <p:cSld name="Title - Centre">
     <p:spTree>
       <p:nvGrpSpPr>
@@ -1419,7 +1466,9 @@
       <p:sp>
         <p:nvSpPr>
           <p:cNvPr id="30" name="Title Text"/>
-          <p:cNvSpPr txBox="1"/>
+          <p:cNvSpPr txBox="1">
+            <a:spLocks noGrp="1"/>
+          </p:cNvSpPr>
           <p:nvPr>
             <p:ph type="title"/>
           </p:nvPr>
@@ -1437,7 +1486,6 @@
           <a:bodyPr/>
           <a:lstStyle/>
           <a:p>
-            <a:pPr/>
             <a:r>
               <a:t>Title Text</a:t>
             </a:r>
@@ -1447,7 +1495,9 @@
       <p:sp>
         <p:nvSpPr>
           <p:cNvPr id="31" name="Slide Number"/>
-          <p:cNvSpPr txBox="1"/>
+          <p:cNvSpPr txBox="1">
+            <a:spLocks noGrp="1"/>
+          </p:cNvSpPr>
           <p:nvPr>
             <p:ph type="sldNum" sz="quarter" idx="2"/>
           </p:nvPr>
@@ -1461,8 +1511,10 @@
           <a:bodyPr/>
           <a:lstStyle/>
           <a:p>
-            <a:pPr/>
-            <a:fld id="{86CB4B4D-7CA3-9044-876B-883B54F8677D}" type="slidenum"/>
+            <a:fld id="{86CB4B4D-7CA3-9044-876B-883B54F8677D}" type="slidenum">
+              <a:t>‹nº›</a:t>
+            </a:fld>
+            <a:endParaRPr/>
           </a:p>
         </p:txBody>
       </p:sp>
@@ -1471,12 +1523,12 @@
   <p:clrMapOvr>
     <a:masterClrMapping/>
   </p:clrMapOvr>
-  <p:transition xmlns:p14="http://schemas.microsoft.com/office/powerpoint/2010/main" spd="med" advClick="1"/>
+  <p:transition spd="med"/>
 </p:sldLayout>
 </file>
 
 <file path=ppt/slideLayouts/slideLayout4.xml><?xml version="1.0" encoding="utf-8"?>
-<p:sldLayout xmlns:a="http://schemas.openxmlformats.org/drawingml/2006/main" xmlns:r="http://schemas.openxmlformats.org/officeDocument/2006/relationships" xmlns:p="http://schemas.openxmlformats.org/presentationml/2006/main" xmlns:m="http://schemas.openxmlformats.org/officeDocument/2006/math" xmlns:a14="http://schemas.microsoft.com/office/drawing/2010/main" type="tx" showMasterSp="1" showMasterPhAnim="1">
+<p:sldLayout xmlns:a="http://schemas.openxmlformats.org/drawingml/2006/main" xmlns:r="http://schemas.openxmlformats.org/officeDocument/2006/relationships" xmlns:p="http://schemas.openxmlformats.org/presentationml/2006/main" type="tx">
   <p:cSld name="Photo - Vertical">
     <p:spTree>
       <p:nvGrpSpPr>
@@ -1495,7 +1547,9 @@
       <p:sp>
         <p:nvSpPr>
           <p:cNvPr id="38" name="Image"/>
-          <p:cNvSpPr/>
+          <p:cNvSpPr>
+            <a:spLocks noGrp="1"/>
+          </p:cNvSpPr>
           <p:nvPr>
             <p:ph type="pic" sz="half" idx="13"/>
           </p:nvPr>
@@ -1515,14 +1569,16 @@
           </a:bodyPr>
           <a:lstStyle/>
           <a:p>
-            <a:pPr/>
+            <a:endParaRPr/>
           </a:p>
         </p:txBody>
       </p:sp>
       <p:sp>
         <p:nvSpPr>
           <p:cNvPr id="39" name="Title Text"/>
-          <p:cNvSpPr txBox="1"/>
+          <p:cNvSpPr txBox="1">
+            <a:spLocks noGrp="1"/>
+          </p:cNvSpPr>
           <p:nvPr>
             <p:ph type="title"/>
           </p:nvPr>
@@ -1544,7 +1600,6 @@
             </a:lvl1pPr>
           </a:lstStyle>
           <a:p>
-            <a:pPr/>
             <a:r>
               <a:t>Title Text</a:t>
             </a:r>
@@ -1554,7 +1609,9 @@
       <p:sp>
         <p:nvSpPr>
           <p:cNvPr id="40" name="Body Level One…"/>
-          <p:cNvSpPr txBox="1"/>
+          <p:cNvSpPr txBox="1">
+            <a:spLocks noGrp="1"/>
+          </p:cNvSpPr>
           <p:nvPr>
             <p:ph type="body" sz="quarter" idx="1"/>
           </p:nvPr>
@@ -1613,7 +1670,6 @@
             </a:lvl5pPr>
           </a:lstStyle>
           <a:p>
-            <a:pPr/>
             <a:r>
               <a:t>Body Level One</a:t>
             </a:r>
@@ -1647,7 +1703,9 @@
       <p:sp>
         <p:nvSpPr>
           <p:cNvPr id="41" name="Slide Number"/>
-          <p:cNvSpPr txBox="1"/>
+          <p:cNvSpPr txBox="1">
+            <a:spLocks noGrp="1"/>
+          </p:cNvSpPr>
           <p:nvPr>
             <p:ph type="sldNum" sz="quarter" idx="2"/>
           </p:nvPr>
@@ -1661,8 +1719,10 @@
           <a:bodyPr/>
           <a:lstStyle/>
           <a:p>
-            <a:pPr/>
-            <a:fld id="{86CB4B4D-7CA3-9044-876B-883B54F8677D}" type="slidenum"/>
+            <a:fld id="{86CB4B4D-7CA3-9044-876B-883B54F8677D}" type="slidenum">
+              <a:t>‹nº›</a:t>
+            </a:fld>
+            <a:endParaRPr/>
           </a:p>
         </p:txBody>
       </p:sp>
@@ -1671,12 +1731,12 @@
   <p:clrMapOvr>
     <a:masterClrMapping/>
   </p:clrMapOvr>
-  <p:transition xmlns:p14="http://schemas.microsoft.com/office/powerpoint/2010/main" spd="med" advClick="1"/>
+  <p:transition spd="med"/>
 </p:sldLayout>
 </file>
 
 <file path=ppt/slideLayouts/slideLayout5.xml><?xml version="1.0" encoding="utf-8"?>
-<p:sldLayout xmlns:a="http://schemas.openxmlformats.org/drawingml/2006/main" xmlns:r="http://schemas.openxmlformats.org/officeDocument/2006/relationships" xmlns:p="http://schemas.openxmlformats.org/presentationml/2006/main" xmlns:m="http://schemas.openxmlformats.org/officeDocument/2006/math" xmlns:a14="http://schemas.microsoft.com/office/drawing/2010/main" type="tx" showMasterSp="1" showMasterPhAnim="1">
+<p:sldLayout xmlns:a="http://schemas.openxmlformats.org/drawingml/2006/main" xmlns:r="http://schemas.openxmlformats.org/officeDocument/2006/relationships" xmlns:p="http://schemas.openxmlformats.org/presentationml/2006/main" type="tx">
   <p:cSld name="Title - Top">
     <p:spTree>
       <p:nvGrpSpPr>
@@ -1695,7 +1755,9 @@
       <p:sp>
         <p:nvSpPr>
           <p:cNvPr id="48" name="Title Text"/>
-          <p:cNvSpPr txBox="1"/>
+          <p:cNvSpPr txBox="1">
+            <a:spLocks noGrp="1"/>
+          </p:cNvSpPr>
           <p:nvPr>
             <p:ph type="title"/>
           </p:nvPr>
@@ -1709,7 +1771,6 @@
           <a:bodyPr/>
           <a:lstStyle/>
           <a:p>
-            <a:pPr/>
             <a:r>
               <a:t>Title Text</a:t>
             </a:r>
@@ -1719,7 +1780,9 @@
       <p:sp>
         <p:nvSpPr>
           <p:cNvPr id="49" name="Slide Number"/>
-          <p:cNvSpPr txBox="1"/>
+          <p:cNvSpPr txBox="1">
+            <a:spLocks noGrp="1"/>
+          </p:cNvSpPr>
           <p:nvPr>
             <p:ph type="sldNum" sz="quarter" idx="2"/>
           </p:nvPr>
@@ -1733,8 +1796,10 @@
           <a:bodyPr/>
           <a:lstStyle/>
           <a:p>
-            <a:pPr/>
-            <a:fld id="{86CB4B4D-7CA3-9044-876B-883B54F8677D}" type="slidenum"/>
+            <a:fld id="{86CB4B4D-7CA3-9044-876B-883B54F8677D}" type="slidenum">
+              <a:t>‹nº›</a:t>
+            </a:fld>
+            <a:endParaRPr/>
           </a:p>
         </p:txBody>
       </p:sp>
@@ -1743,12 +1808,12 @@
   <p:clrMapOvr>
     <a:masterClrMapping/>
   </p:clrMapOvr>
-  <p:transition xmlns:p14="http://schemas.microsoft.com/office/powerpoint/2010/main" spd="med" advClick="1"/>
+  <p:transition spd="med"/>
 </p:sldLayout>
 </file>
 
 <file path=ppt/slideLayouts/slideLayout6.xml><?xml version="1.0" encoding="utf-8"?>
-<p:sldLayout xmlns:a="http://schemas.openxmlformats.org/drawingml/2006/main" xmlns:r="http://schemas.openxmlformats.org/officeDocument/2006/relationships" xmlns:p="http://schemas.openxmlformats.org/presentationml/2006/main" xmlns:m="http://schemas.openxmlformats.org/officeDocument/2006/math" xmlns:a14="http://schemas.microsoft.com/office/drawing/2010/main" type="tx" showMasterSp="1" showMasterPhAnim="1">
+<p:sldLayout xmlns:a="http://schemas.openxmlformats.org/drawingml/2006/main" xmlns:r="http://schemas.openxmlformats.org/officeDocument/2006/relationships" xmlns:p="http://schemas.openxmlformats.org/presentationml/2006/main" type="tx">
   <p:cSld name="Title &amp; Bullets">
     <p:spTree>
       <p:nvGrpSpPr>
@@ -1767,7 +1832,9 @@
       <p:sp>
         <p:nvSpPr>
           <p:cNvPr id="56" name="Title Text"/>
-          <p:cNvSpPr txBox="1"/>
+          <p:cNvSpPr txBox="1">
+            <a:spLocks noGrp="1"/>
+          </p:cNvSpPr>
           <p:nvPr>
             <p:ph type="title"/>
           </p:nvPr>
@@ -1781,7 +1848,6 @@
           <a:bodyPr/>
           <a:lstStyle/>
           <a:p>
-            <a:pPr/>
             <a:r>
               <a:t>Title Text</a:t>
             </a:r>
@@ -1791,7 +1857,9 @@
       <p:sp>
         <p:nvSpPr>
           <p:cNvPr id="57" name="Body Level One…"/>
-          <p:cNvSpPr txBox="1"/>
+          <p:cNvSpPr txBox="1">
+            <a:spLocks noGrp="1"/>
+          </p:cNvSpPr>
           <p:nvPr>
             <p:ph type="body" idx="1"/>
           </p:nvPr>
@@ -1805,7 +1873,6 @@
           <a:bodyPr/>
           <a:lstStyle/>
           <a:p>
-            <a:pPr/>
             <a:r>
               <a:t>Body Level One</a:t>
             </a:r>
@@ -1839,7 +1906,9 @@
       <p:sp>
         <p:nvSpPr>
           <p:cNvPr id="58" name="Slide Number"/>
-          <p:cNvSpPr txBox="1"/>
+          <p:cNvSpPr txBox="1">
+            <a:spLocks noGrp="1"/>
+          </p:cNvSpPr>
           <p:nvPr>
             <p:ph type="sldNum" sz="quarter" idx="2"/>
           </p:nvPr>
@@ -1853,8 +1922,10 @@
           <a:bodyPr/>
           <a:lstStyle/>
           <a:p>
-            <a:pPr/>
-            <a:fld id="{86CB4B4D-7CA3-9044-876B-883B54F8677D}" type="slidenum"/>
+            <a:fld id="{86CB4B4D-7CA3-9044-876B-883B54F8677D}" type="slidenum">
+              <a:t>‹nº›</a:t>
+            </a:fld>
+            <a:endParaRPr/>
           </a:p>
         </p:txBody>
       </p:sp>
@@ -1863,12 +1934,12 @@
   <p:clrMapOvr>
     <a:masterClrMapping/>
   </p:clrMapOvr>
-  <p:transition xmlns:p14="http://schemas.microsoft.com/office/powerpoint/2010/main" spd="med" advClick="1"/>
+  <p:transition spd="med"/>
 </p:sldLayout>
 </file>
 
 <file path=ppt/slideLayouts/slideLayout7.xml><?xml version="1.0" encoding="utf-8"?>
-<p:sldLayout xmlns:a="http://schemas.openxmlformats.org/drawingml/2006/main" xmlns:r="http://schemas.openxmlformats.org/officeDocument/2006/relationships" xmlns:p="http://schemas.openxmlformats.org/presentationml/2006/main" xmlns:m="http://schemas.openxmlformats.org/officeDocument/2006/math" xmlns:a14="http://schemas.microsoft.com/office/drawing/2010/main" type="tx" showMasterSp="1" showMasterPhAnim="1">
+<p:sldLayout xmlns:a="http://schemas.openxmlformats.org/drawingml/2006/main" xmlns:r="http://schemas.openxmlformats.org/officeDocument/2006/relationships" xmlns:p="http://schemas.openxmlformats.org/presentationml/2006/main" type="tx">
   <p:cSld name="Title, Bullets &amp; Photo">
     <p:spTree>
       <p:nvGrpSpPr>
@@ -1887,7 +1958,9 @@
       <p:sp>
         <p:nvSpPr>
           <p:cNvPr id="65" name="Image"/>
-          <p:cNvSpPr/>
+          <p:cNvSpPr>
+            <a:spLocks noGrp="1"/>
+          </p:cNvSpPr>
           <p:nvPr>
             <p:ph type="pic" sz="half" idx="13"/>
           </p:nvPr>
@@ -1907,14 +1980,16 @@
           </a:bodyPr>
           <a:lstStyle/>
           <a:p>
-            <a:pPr/>
+            <a:endParaRPr/>
           </a:p>
         </p:txBody>
       </p:sp>
       <p:sp>
         <p:nvSpPr>
           <p:cNvPr id="66" name="Title Text"/>
-          <p:cNvSpPr txBox="1"/>
+          <p:cNvSpPr txBox="1">
+            <a:spLocks noGrp="1"/>
+          </p:cNvSpPr>
           <p:nvPr>
             <p:ph type="title"/>
           </p:nvPr>
@@ -1928,7 +2003,6 @@
           <a:bodyPr/>
           <a:lstStyle/>
           <a:p>
-            <a:pPr/>
             <a:r>
               <a:t>Title Text</a:t>
             </a:r>
@@ -1938,7 +2012,9 @@
       <p:sp>
         <p:nvSpPr>
           <p:cNvPr id="67" name="Body Level One…"/>
-          <p:cNvSpPr txBox="1"/>
+          <p:cNvSpPr txBox="1">
+            <a:spLocks noGrp="1"/>
+          </p:cNvSpPr>
           <p:nvPr>
             <p:ph type="body" sz="half" idx="1"/>
           </p:nvPr>
@@ -1987,7 +2063,6 @@
             </a:lvl5pPr>
           </a:lstStyle>
           <a:p>
-            <a:pPr/>
             <a:r>
               <a:t>Body Level One</a:t>
             </a:r>
@@ -2021,7 +2096,9 @@
       <p:sp>
         <p:nvSpPr>
           <p:cNvPr id="68" name="Slide Number"/>
-          <p:cNvSpPr txBox="1"/>
+          <p:cNvSpPr txBox="1">
+            <a:spLocks noGrp="1"/>
+          </p:cNvSpPr>
           <p:nvPr>
             <p:ph type="sldNum" sz="quarter" idx="2"/>
           </p:nvPr>
@@ -2048,8 +2125,10 @@
             </a:lvl1pPr>
           </a:lstStyle>
           <a:p>
-            <a:pPr/>
-            <a:fld id="{86CB4B4D-7CA3-9044-876B-883B54F8677D}" type="slidenum"/>
+            <a:fld id="{86CB4B4D-7CA3-9044-876B-883B54F8677D}" type="slidenum">
+              <a:t>‹nº›</a:t>
+            </a:fld>
+            <a:endParaRPr/>
           </a:p>
         </p:txBody>
       </p:sp>
@@ -2058,12 +2137,12 @@
   <p:clrMapOvr>
     <a:masterClrMapping/>
   </p:clrMapOvr>
-  <p:transition xmlns:p14="http://schemas.microsoft.com/office/powerpoint/2010/main" spd="med" advClick="1"/>
+  <p:transition spd="med"/>
 </p:sldLayout>
 </file>
 
 <file path=ppt/slideLayouts/slideLayout8.xml><?xml version="1.0" encoding="utf-8"?>
-<p:sldLayout xmlns:a="http://schemas.openxmlformats.org/drawingml/2006/main" xmlns:r="http://schemas.openxmlformats.org/officeDocument/2006/relationships" xmlns:p="http://schemas.openxmlformats.org/presentationml/2006/main" xmlns:m="http://schemas.openxmlformats.org/officeDocument/2006/math" xmlns:a14="http://schemas.microsoft.com/office/drawing/2010/main" type="tx" showMasterSp="1" showMasterPhAnim="1">
+<p:sldLayout xmlns:a="http://schemas.openxmlformats.org/drawingml/2006/main" xmlns:r="http://schemas.openxmlformats.org/officeDocument/2006/relationships" xmlns:p="http://schemas.openxmlformats.org/presentationml/2006/main" type="tx">
   <p:cSld name="Bullets">
     <p:spTree>
       <p:nvGrpSpPr>
@@ -2082,7 +2161,9 @@
       <p:sp>
         <p:nvSpPr>
           <p:cNvPr id="75" name="Body Level One…"/>
-          <p:cNvSpPr txBox="1"/>
+          <p:cNvSpPr txBox="1">
+            <a:spLocks noGrp="1"/>
+          </p:cNvSpPr>
           <p:nvPr>
             <p:ph type="body" idx="1"/>
           </p:nvPr>
@@ -2100,7 +2181,6 @@
           <a:bodyPr/>
           <a:lstStyle/>
           <a:p>
-            <a:pPr/>
             <a:r>
               <a:t>Body Level One</a:t>
             </a:r>
@@ -2134,7 +2214,9 @@
       <p:sp>
         <p:nvSpPr>
           <p:cNvPr id="76" name="Slide Number"/>
-          <p:cNvSpPr txBox="1"/>
+          <p:cNvSpPr txBox="1">
+            <a:spLocks noGrp="1"/>
+          </p:cNvSpPr>
           <p:nvPr>
             <p:ph type="sldNum" sz="quarter" idx="2"/>
           </p:nvPr>
@@ -2148,8 +2230,10 @@
           <a:bodyPr/>
           <a:lstStyle/>
           <a:p>
-            <a:pPr/>
-            <a:fld id="{86CB4B4D-7CA3-9044-876B-883B54F8677D}" type="slidenum"/>
+            <a:fld id="{86CB4B4D-7CA3-9044-876B-883B54F8677D}" type="slidenum">
+              <a:t>‹nº›</a:t>
+            </a:fld>
+            <a:endParaRPr/>
           </a:p>
         </p:txBody>
       </p:sp>
@@ -2158,12 +2242,12 @@
   <p:clrMapOvr>
     <a:masterClrMapping/>
   </p:clrMapOvr>
-  <p:transition xmlns:p14="http://schemas.microsoft.com/office/powerpoint/2010/main" spd="med" advClick="1"/>
+  <p:transition spd="med"/>
 </p:sldLayout>
 </file>
 
 <file path=ppt/slideLayouts/slideLayout9.xml><?xml version="1.0" encoding="utf-8"?>
-<p:sldLayout xmlns:a="http://schemas.openxmlformats.org/drawingml/2006/main" xmlns:r="http://schemas.openxmlformats.org/officeDocument/2006/relationships" xmlns:p="http://schemas.openxmlformats.org/presentationml/2006/main" xmlns:m="http://schemas.openxmlformats.org/officeDocument/2006/math" xmlns:a14="http://schemas.microsoft.com/office/drawing/2010/main" type="tx" showMasterSp="1" showMasterPhAnim="1">
+<p:sldLayout xmlns:a="http://schemas.openxmlformats.org/drawingml/2006/main" xmlns:r="http://schemas.openxmlformats.org/officeDocument/2006/relationships" xmlns:p="http://schemas.openxmlformats.org/presentationml/2006/main" type="tx">
   <p:cSld name="Photo - 3 Up">
     <p:spTree>
       <p:nvGrpSpPr>
@@ -2182,7 +2266,9 @@
       <p:sp>
         <p:nvSpPr>
           <p:cNvPr id="83" name="Image"/>
-          <p:cNvSpPr/>
+          <p:cNvSpPr>
+            <a:spLocks noGrp="1"/>
+          </p:cNvSpPr>
           <p:nvPr>
             <p:ph type="pic" sz="quarter" idx="13"/>
           </p:nvPr>
@@ -2202,14 +2288,16 @@
           </a:bodyPr>
           <a:lstStyle/>
           <a:p>
-            <a:pPr/>
+            <a:endParaRPr/>
           </a:p>
         </p:txBody>
       </p:sp>
       <p:sp>
         <p:nvSpPr>
           <p:cNvPr id="84" name="Image"/>
-          <p:cNvSpPr/>
+          <p:cNvSpPr>
+            <a:spLocks noGrp="1"/>
+          </p:cNvSpPr>
           <p:nvPr>
             <p:ph type="pic" sz="quarter" idx="14"/>
           </p:nvPr>
@@ -2229,14 +2317,16 @@
           </a:bodyPr>
           <a:lstStyle/>
           <a:p>
-            <a:pPr/>
+            <a:endParaRPr/>
           </a:p>
         </p:txBody>
       </p:sp>
       <p:sp>
         <p:nvSpPr>
           <p:cNvPr id="85" name="Image"/>
-          <p:cNvSpPr/>
+          <p:cNvSpPr>
+            <a:spLocks noGrp="1"/>
+          </p:cNvSpPr>
           <p:nvPr>
             <p:ph type="pic" sz="half" idx="15"/>
           </p:nvPr>
@@ -2256,14 +2346,16 @@
           </a:bodyPr>
           <a:lstStyle/>
           <a:p>
-            <a:pPr/>
+            <a:endParaRPr/>
           </a:p>
         </p:txBody>
       </p:sp>
       <p:sp>
         <p:nvSpPr>
           <p:cNvPr id="86" name="Slide Number"/>
-          <p:cNvSpPr txBox="1"/>
+          <p:cNvSpPr txBox="1">
+            <a:spLocks noGrp="1"/>
+          </p:cNvSpPr>
           <p:nvPr>
             <p:ph type="sldNum" sz="quarter" idx="2"/>
           </p:nvPr>
@@ -2277,8 +2369,10 @@
           <a:bodyPr/>
           <a:lstStyle/>
           <a:p>
-            <a:pPr/>
-            <a:fld id="{86CB4B4D-7CA3-9044-876B-883B54F8677D}" type="slidenum"/>
+            <a:fld id="{86CB4B4D-7CA3-9044-876B-883B54F8677D}" type="slidenum">
+              <a:t>‹nº›</a:t>
+            </a:fld>
+            <a:endParaRPr/>
           </a:p>
         </p:txBody>
       </p:sp>
@@ -2287,18 +2381,19 @@
   <p:clrMapOvr>
     <a:masterClrMapping/>
   </p:clrMapOvr>
-  <p:transition xmlns:p14="http://schemas.microsoft.com/office/powerpoint/2010/main" spd="med" advClick="1"/>
+  <p:transition spd="med"/>
 </p:sldLayout>
 </file>
 
 <file path=ppt/slideMasters/slideMaster1.xml><?xml version="1.0" encoding="utf-8"?>
-<p:sldMaster xmlns:a="http://schemas.openxmlformats.org/drawingml/2006/main" xmlns:r="http://schemas.openxmlformats.org/officeDocument/2006/relationships" xmlns:p="http://schemas.openxmlformats.org/presentationml/2006/main" xmlns:m="http://schemas.openxmlformats.org/officeDocument/2006/math" xmlns:a14="http://schemas.microsoft.com/office/drawing/2010/main">
+<p:sldMaster xmlns:a="http://schemas.openxmlformats.org/drawingml/2006/main" xmlns:r="http://schemas.openxmlformats.org/officeDocument/2006/relationships" xmlns:p="http://schemas.openxmlformats.org/presentationml/2006/main">
   <p:cSld>
     <p:bg>
       <p:bgPr>
         <a:solidFill>
           <a:srgbClr val="FFFFFF"/>
         </a:solidFill>
+        <a:effectLst/>
       </p:bgPr>
     </p:bg>
     <p:spTree>
@@ -2318,7 +2413,9 @@
       <p:sp>
         <p:nvSpPr>
           <p:cNvPr id="2" name="Title Text"/>
-          <p:cNvSpPr txBox="1"/>
+          <p:cNvSpPr txBox="1">
+            <a:spLocks noGrp="1"/>
+          </p:cNvSpPr>
           <p:nvPr>
             <p:ph type="title"/>
           </p:nvPr>
@@ -2336,17 +2433,16 @@
           </a:ln>
           <a:extLst>
             <a:ext uri="{C572A759-6A51-4108-AA02-DFA0A04FC94B}">
-              <ma14:wrappingTextBoxFlag xmlns:ma14="http://schemas.microsoft.com/office/mac/drawingml/2011/main" val="1"/>
+              <ma14:wrappingTextBoxFlag xmlns:ma14="http://schemas.microsoft.com/office/mac/drawingml/2011/main" xmlns:a14="http://schemas.microsoft.com/office/drawing/2010/main" xmlns:m="http://schemas.openxmlformats.org/officeDocument/2006/math" xmlns="" val="1"/>
             </a:ext>
           </a:extLst>
         </p:spPr>
         <p:txBody>
           <a:bodyPr lIns="50800" tIns="50800" rIns="50800" bIns="50800" anchor="ctr">
-            <a:normAutofit fontScale="100000" lnSpcReduction="0"/>
+            <a:normAutofit/>
           </a:bodyPr>
           <a:lstStyle/>
           <a:p>
-            <a:pPr/>
             <a:r>
               <a:t>Title Text</a:t>
             </a:r>
@@ -2356,7 +2452,9 @@
       <p:sp>
         <p:nvSpPr>
           <p:cNvPr id="3" name="Body Level One…"/>
-          <p:cNvSpPr txBox="1"/>
+          <p:cNvSpPr txBox="1">
+            <a:spLocks noGrp="1"/>
+          </p:cNvSpPr>
           <p:nvPr>
             <p:ph type="body" idx="1"/>
           </p:nvPr>
@@ -2374,17 +2472,16 @@
           </a:ln>
           <a:extLst>
             <a:ext uri="{C572A759-6A51-4108-AA02-DFA0A04FC94B}">
-              <ma14:wrappingTextBoxFlag xmlns:ma14="http://schemas.microsoft.com/office/mac/drawingml/2011/main" val="1"/>
+              <ma14:wrappingTextBoxFlag xmlns:ma14="http://schemas.microsoft.com/office/mac/drawingml/2011/main" xmlns:a14="http://schemas.microsoft.com/office/drawing/2010/main" xmlns:m="http://schemas.openxmlformats.org/officeDocument/2006/math" xmlns="" val="1"/>
             </a:ext>
           </a:extLst>
         </p:spPr>
         <p:txBody>
           <a:bodyPr lIns="50800" tIns="50800" rIns="50800" bIns="50800" anchor="ctr">
-            <a:normAutofit fontScale="100000" lnSpcReduction="0"/>
+            <a:normAutofit/>
           </a:bodyPr>
           <a:lstStyle/>
           <a:p>
-            <a:pPr/>
             <a:r>
               <a:t>Body Level One</a:t>
             </a:r>
@@ -2418,7 +2515,9 @@
       <p:sp>
         <p:nvSpPr>
           <p:cNvPr id="4" name="Slide Number"/>
-          <p:cNvSpPr txBox="1"/>
+          <p:cNvSpPr txBox="1">
+            <a:spLocks noGrp="1"/>
+          </p:cNvSpPr>
           <p:nvPr>
             <p:ph type="sldNum" sz="quarter" idx="2"/>
           </p:nvPr>
@@ -2441,7 +2540,7 @@
           </a:bodyPr>
           <a:lstStyle>
             <a:lvl1pPr>
-              <a:defRPr b="0" sz="1600">
+              <a:defRPr sz="1600" b="0">
                 <a:latin typeface="Helvetica Neue Light"/>
                 <a:ea typeface="Helvetica Neue Light"/>
                 <a:cs typeface="Helvetica Neue Light"/>
@@ -2450,8 +2549,10 @@
             </a:lvl1pPr>
           </a:lstStyle>
           <a:p>
-            <a:pPr/>
-            <a:fld id="{86CB4B4D-7CA3-9044-876B-883B54F8677D}" type="slidenum"/>
+            <a:fld id="{86CB4B4D-7CA3-9044-876B-883B54F8677D}" type="slidenum">
+              <a:t>‹nº›</a:t>
+            </a:fld>
+            <a:endParaRPr/>
           </a:p>
         </p:txBody>
       </p:sp>
@@ -2459,20 +2560,20 @@
   </p:cSld>
   <p:clrMap bg1="lt1" tx1="dk1" bg2="lt2" tx2="dk2" accent1="accent1" accent2="accent2" accent3="accent3" accent4="accent4" accent5="accent5" accent6="accent6" hlink="hlink" folHlink="folHlink"/>
   <p:sldLayoutIdLst>
-    <p:sldLayoutId id="2147483649" r:id="rId2"/>
-    <p:sldLayoutId id="2147483650" r:id="rId3"/>
-    <p:sldLayoutId id="2147483651" r:id="rId4"/>
-    <p:sldLayoutId id="2147483652" r:id="rId5"/>
-    <p:sldLayoutId id="2147483653" r:id="rId6"/>
-    <p:sldLayoutId id="2147483654" r:id="rId7"/>
-    <p:sldLayoutId id="2147483655" r:id="rId8"/>
-    <p:sldLayoutId id="2147483656" r:id="rId9"/>
-    <p:sldLayoutId id="2147483657" r:id="rId10"/>
-    <p:sldLayoutId id="2147483658" r:id="rId11"/>
-    <p:sldLayoutId id="2147483659" r:id="rId12"/>
-    <p:sldLayoutId id="2147483660" r:id="rId13"/>
+    <p:sldLayoutId id="2147483649" r:id="rId1"/>
+    <p:sldLayoutId id="2147483650" r:id="rId2"/>
+    <p:sldLayoutId id="2147483651" r:id="rId3"/>
+    <p:sldLayoutId id="2147483652" r:id="rId4"/>
+    <p:sldLayoutId id="2147483653" r:id="rId5"/>
+    <p:sldLayoutId id="2147483654" r:id="rId6"/>
+    <p:sldLayoutId id="2147483655" r:id="rId7"/>
+    <p:sldLayoutId id="2147483656" r:id="rId8"/>
+    <p:sldLayoutId id="2147483657" r:id="rId9"/>
+    <p:sldLayoutId id="2147483658" r:id="rId10"/>
+    <p:sldLayoutId id="2147483659" r:id="rId11"/>
+    <p:sldLayoutId id="2147483660" r:id="rId12"/>
   </p:sldLayoutIdLst>
-  <p:transition xmlns:p14="http://schemas.microsoft.com/office/powerpoint/2010/main" spd="med" advClick="1"/>
+  <p:transition spd="med"/>
   <p:txStyles>
     <p:titleStyle>
       <a:lvl1pPr marL="0" marR="0" indent="0" algn="ctr" defTabSz="584200" rtl="0" latinLnBrk="0">
@@ -2490,7 +2591,7 @@
         <a:buFontTx/>
         <a:buNone/>
         <a:tabLst/>
-        <a:defRPr b="0" baseline="0" cap="none" i="0" spc="0" strike="noStrike" sz="8000" u="none">
+        <a:defRPr sz="8000" b="0" i="0" u="none" strike="noStrike" cap="none" spc="0" baseline="0">
           <a:ln>
             <a:noFill/>
           </a:ln>
@@ -2519,7 +2620,7 @@
         <a:buFontTx/>
         <a:buNone/>
         <a:tabLst/>
-        <a:defRPr b="0" baseline="0" cap="none" i="0" spc="0" strike="noStrike" sz="8000" u="none">
+        <a:defRPr sz="8000" b="0" i="0" u="none" strike="noStrike" cap="none" spc="0" baseline="0">
           <a:ln>
             <a:noFill/>
           </a:ln>
@@ -2548,7 +2649,7 @@
         <a:buFontTx/>
         <a:buNone/>
         <a:tabLst/>
-        <a:defRPr b="0" baseline="0" cap="none" i="0" spc="0" strike="noStrike" sz="8000" u="none">
+        <a:defRPr sz="8000" b="0" i="0" u="none" strike="noStrike" cap="none" spc="0" baseline="0">
           <a:ln>
             <a:noFill/>
           </a:ln>
@@ -2577,7 +2678,7 @@
         <a:buFontTx/>
         <a:buNone/>
         <a:tabLst/>
-        <a:defRPr b="0" baseline="0" cap="none" i="0" spc="0" strike="noStrike" sz="8000" u="none">
+        <a:defRPr sz="8000" b="0" i="0" u="none" strike="noStrike" cap="none" spc="0" baseline="0">
           <a:ln>
             <a:noFill/>
           </a:ln>
@@ -2606,7 +2707,7 @@
         <a:buFontTx/>
         <a:buNone/>
         <a:tabLst/>
-        <a:defRPr b="0" baseline="0" cap="none" i="0" spc="0" strike="noStrike" sz="8000" u="none">
+        <a:defRPr sz="8000" b="0" i="0" u="none" strike="noStrike" cap="none" spc="0" baseline="0">
           <a:ln>
             <a:noFill/>
           </a:ln>
@@ -2635,7 +2736,7 @@
         <a:buFontTx/>
         <a:buNone/>
         <a:tabLst/>
-        <a:defRPr b="0" baseline="0" cap="none" i="0" spc="0" strike="noStrike" sz="8000" u="none">
+        <a:defRPr sz="8000" b="0" i="0" u="none" strike="noStrike" cap="none" spc="0" baseline="0">
           <a:ln>
             <a:noFill/>
           </a:ln>
@@ -2664,7 +2765,7 @@
         <a:buFontTx/>
         <a:buNone/>
         <a:tabLst/>
-        <a:defRPr b="0" baseline="0" cap="none" i="0" spc="0" strike="noStrike" sz="8000" u="none">
+        <a:defRPr sz="8000" b="0" i="0" u="none" strike="noStrike" cap="none" spc="0" baseline="0">
           <a:ln>
             <a:noFill/>
           </a:ln>
@@ -2693,7 +2794,7 @@
         <a:buFontTx/>
         <a:buNone/>
         <a:tabLst/>
-        <a:defRPr b="0" baseline="0" cap="none" i="0" spc="0" strike="noStrike" sz="8000" u="none">
+        <a:defRPr sz="8000" b="0" i="0" u="none" strike="noStrike" cap="none" spc="0" baseline="0">
           <a:ln>
             <a:noFill/>
           </a:ln>
@@ -2722,7 +2823,7 @@
         <a:buFontTx/>
         <a:buNone/>
         <a:tabLst/>
-        <a:defRPr b="0" baseline="0" cap="none" i="0" spc="0" strike="noStrike" sz="8000" u="none">
+        <a:defRPr sz="8000" b="0" i="0" u="none" strike="noStrike" cap="none" spc="0" baseline="0">
           <a:ln>
             <a:noFill/>
           </a:ln>
@@ -2753,7 +2854,7 @@
         <a:buFontTx/>
         <a:buChar char="•"/>
         <a:tabLst/>
-        <a:defRPr b="0" baseline="0" cap="none" i="0" spc="0" strike="noStrike" sz="3200" u="none">
+        <a:defRPr sz="3200" b="0" i="0" u="none" strike="noStrike" cap="none" spc="0" baseline="0">
           <a:ln>
             <a:noFill/>
           </a:ln>
@@ -2782,7 +2883,7 @@
         <a:buFontTx/>
         <a:buChar char="•"/>
         <a:tabLst/>
-        <a:defRPr b="0" baseline="0" cap="none" i="0" spc="0" strike="noStrike" sz="3200" u="none">
+        <a:defRPr sz="3200" b="0" i="0" u="none" strike="noStrike" cap="none" spc="0" baseline="0">
           <a:ln>
             <a:noFill/>
           </a:ln>
@@ -2811,7 +2912,7 @@
         <a:buFontTx/>
         <a:buChar char="•"/>
         <a:tabLst/>
-        <a:defRPr b="0" baseline="0" cap="none" i="0" spc="0" strike="noStrike" sz="3200" u="none">
+        <a:defRPr sz="3200" b="0" i="0" u="none" strike="noStrike" cap="none" spc="0" baseline="0">
           <a:ln>
             <a:noFill/>
           </a:ln>
@@ -2840,7 +2941,7 @@
         <a:buFontTx/>
         <a:buChar char="•"/>
         <a:tabLst/>
-        <a:defRPr b="0" baseline="0" cap="none" i="0" spc="0" strike="noStrike" sz="3200" u="none">
+        <a:defRPr sz="3200" b="0" i="0" u="none" strike="noStrike" cap="none" spc="0" baseline="0">
           <a:ln>
             <a:noFill/>
           </a:ln>
@@ -2869,7 +2970,7 @@
         <a:buFontTx/>
         <a:buChar char="•"/>
         <a:tabLst/>
-        <a:defRPr b="0" baseline="0" cap="none" i="0" spc="0" strike="noStrike" sz="3200" u="none">
+        <a:defRPr sz="3200" b="0" i="0" u="none" strike="noStrike" cap="none" spc="0" baseline="0">
           <a:ln>
             <a:noFill/>
           </a:ln>
@@ -2898,7 +2999,7 @@
         <a:buFontTx/>
         <a:buChar char="•"/>
         <a:tabLst/>
-        <a:defRPr b="0" baseline="0" cap="none" i="0" spc="0" strike="noStrike" sz="3200" u="none">
+        <a:defRPr sz="3200" b="0" i="0" u="none" strike="noStrike" cap="none" spc="0" baseline="0">
           <a:ln>
             <a:noFill/>
           </a:ln>
@@ -2927,7 +3028,7 @@
         <a:buFontTx/>
         <a:buChar char="•"/>
         <a:tabLst/>
-        <a:defRPr b="0" baseline="0" cap="none" i="0" spc="0" strike="noStrike" sz="3200" u="none">
+        <a:defRPr sz="3200" b="0" i="0" u="none" strike="noStrike" cap="none" spc="0" baseline="0">
           <a:ln>
             <a:noFill/>
           </a:ln>
@@ -2956,7 +3057,7 @@
         <a:buFontTx/>
         <a:buChar char="•"/>
         <a:tabLst/>
-        <a:defRPr b="0" baseline="0" cap="none" i="0" spc="0" strike="noStrike" sz="3200" u="none">
+        <a:defRPr sz="3200" b="0" i="0" u="none" strike="noStrike" cap="none" spc="0" baseline="0">
           <a:ln>
             <a:noFill/>
           </a:ln>
@@ -2985,7 +3086,7 @@
         <a:buFontTx/>
         <a:buChar char="•"/>
         <a:tabLst/>
-        <a:defRPr b="0" baseline="0" cap="none" i="0" spc="0" strike="noStrike" sz="3200" u="none">
+        <a:defRPr sz="3200" b="0" i="0" u="none" strike="noStrike" cap="none" spc="0" baseline="0">
           <a:ln>
             <a:noFill/>
           </a:ln>
@@ -3016,7 +3117,7 @@
         <a:buFontTx/>
         <a:buNone/>
         <a:tabLst/>
-        <a:defRPr b="0" baseline="0" cap="none" i="0" spc="0" strike="noStrike" sz="1600" u="none">
+        <a:defRPr sz="1600" b="0" i="0" u="none" strike="noStrike" cap="none" spc="0" baseline="0">
           <a:ln>
             <a:noFill/>
           </a:ln>
@@ -3045,7 +3146,7 @@
         <a:buFontTx/>
         <a:buNone/>
         <a:tabLst/>
-        <a:defRPr b="0" baseline="0" cap="none" i="0" spc="0" strike="noStrike" sz="1600" u="none">
+        <a:defRPr sz="1600" b="0" i="0" u="none" strike="noStrike" cap="none" spc="0" baseline="0">
           <a:ln>
             <a:noFill/>
           </a:ln>
@@ -3074,7 +3175,7 @@
         <a:buFontTx/>
         <a:buNone/>
         <a:tabLst/>
-        <a:defRPr b="0" baseline="0" cap="none" i="0" spc="0" strike="noStrike" sz="1600" u="none">
+        <a:defRPr sz="1600" b="0" i="0" u="none" strike="noStrike" cap="none" spc="0" baseline="0">
           <a:ln>
             <a:noFill/>
           </a:ln>
@@ -3103,7 +3204,7 @@
         <a:buFontTx/>
         <a:buNone/>
         <a:tabLst/>
-        <a:defRPr b="0" baseline="0" cap="none" i="0" spc="0" strike="noStrike" sz="1600" u="none">
+        <a:defRPr sz="1600" b="0" i="0" u="none" strike="noStrike" cap="none" spc="0" baseline="0">
           <a:ln>
             <a:noFill/>
           </a:ln>
@@ -3132,7 +3233,7 @@
         <a:buFontTx/>
         <a:buNone/>
         <a:tabLst/>
-        <a:defRPr b="0" baseline="0" cap="none" i="0" spc="0" strike="noStrike" sz="1600" u="none">
+        <a:defRPr sz="1600" b="0" i="0" u="none" strike="noStrike" cap="none" spc="0" baseline="0">
           <a:ln>
             <a:noFill/>
           </a:ln>
@@ -3161,7 +3262,7 @@
         <a:buFontTx/>
         <a:buNone/>
         <a:tabLst/>
-        <a:defRPr b="0" baseline="0" cap="none" i="0" spc="0" strike="noStrike" sz="1600" u="none">
+        <a:defRPr sz="1600" b="0" i="0" u="none" strike="noStrike" cap="none" spc="0" baseline="0">
           <a:ln>
             <a:noFill/>
           </a:ln>
@@ -3190,7 +3291,7 @@
         <a:buFontTx/>
         <a:buNone/>
         <a:tabLst/>
-        <a:defRPr b="0" baseline="0" cap="none" i="0" spc="0" strike="noStrike" sz="1600" u="none">
+        <a:defRPr sz="1600" b="0" i="0" u="none" strike="noStrike" cap="none" spc="0" baseline="0">
           <a:ln>
             <a:noFill/>
           </a:ln>
@@ -3219,7 +3320,7 @@
         <a:buFontTx/>
         <a:buNone/>
         <a:tabLst/>
-        <a:defRPr b="0" baseline="0" cap="none" i="0" spc="0" strike="noStrike" sz="1600" u="none">
+        <a:defRPr sz="1600" b="0" i="0" u="none" strike="noStrike" cap="none" spc="0" baseline="0">
           <a:ln>
             <a:noFill/>
           </a:ln>
@@ -3248,7 +3349,7 @@
         <a:buFontTx/>
         <a:buNone/>
         <a:tabLst/>
-        <a:defRPr b="0" baseline="0" cap="none" i="0" spc="0" strike="noStrike" sz="1600" u="none">
+        <a:defRPr sz="1600" b="0" i="0" u="none" strike="noStrike" cap="none" spc="0" baseline="0">
           <a:ln>
             <a:noFill/>
           </a:ln>
@@ -3268,7 +3369,7 @@
 </file>
 
 <file path=ppt/slides/slide1.xml><?xml version="1.0" encoding="utf-8"?>
-<p:sld xmlns:a="http://schemas.openxmlformats.org/drawingml/2006/main" xmlns:r="http://schemas.openxmlformats.org/officeDocument/2006/relationships" xmlns:p="http://schemas.openxmlformats.org/presentationml/2006/main" xmlns:m="http://schemas.openxmlformats.org/officeDocument/2006/math" xmlns:a14="http://schemas.microsoft.com/office/drawing/2010/main" showMasterSp="1" showMasterPhAnim="1">
+<p:sld xmlns:a="http://schemas.openxmlformats.org/drawingml/2006/main" xmlns:r="http://schemas.openxmlformats.org/officeDocument/2006/relationships" xmlns:p="http://schemas.openxmlformats.org/presentationml/2006/main">
   <p:cSld>
     <p:spTree>
       <p:nvGrpSpPr>
@@ -3287,7 +3388,9 @@
       <p:sp>
         <p:nvSpPr>
           <p:cNvPr id="119" name="Monitorização de qualidade de serviço em…"/>
-          <p:cNvSpPr txBox="1"/>
+          <p:cNvSpPr txBox="1">
+            <a:spLocks noGrp="1"/>
+          </p:cNvSpPr>
           <p:nvPr>
             <p:ph type="ctrTitle"/>
           </p:nvPr>
@@ -3312,7 +3415,7 @@
               <a:spcBef>
                 <a:spcPts val="600"/>
               </a:spcBef>
-              <a:defRPr b="1" sz="3700">
+              <a:defRPr sz="3700" b="1">
                 <a:uFill>
                   <a:solidFill>
                     <a:srgbClr val="000000"/>
@@ -3336,7 +3439,7 @@
               <a:spcBef>
                 <a:spcPts val="600"/>
               </a:spcBef>
-              <a:defRPr b="1" sz="3700">
+              <a:defRPr sz="3700" b="1">
                 <a:uFill>
                   <a:solidFill>
                     <a:srgbClr val="000000"/>
@@ -3357,7 +3460,9 @@
       <p:sp>
         <p:nvSpPr>
           <p:cNvPr id="120" name="João Vaz - 41920…"/>
-          <p:cNvSpPr txBox="1"/>
+          <p:cNvSpPr txBox="1">
+            <a:spLocks noGrp="1"/>
+          </p:cNvSpPr>
           <p:nvPr>
             <p:ph type="subTitle" sz="quarter" idx="1"/>
           </p:nvPr>
@@ -3411,7 +3516,7 @@
           </a:ln>
           <a:extLst>
             <a:ext uri="{C572A759-6A51-4108-AA02-DFA0A04FC94B}">
-              <ma14:wrappingTextBoxFlag xmlns:ma14="http://schemas.microsoft.com/office/mac/drawingml/2011/main" val="1"/>
+              <ma14:wrappingTextBoxFlag xmlns:ma14="http://schemas.microsoft.com/office/mac/drawingml/2011/main" xmlns:a14="http://schemas.microsoft.com/office/drawing/2010/main" xmlns:m="http://schemas.openxmlformats.org/officeDocument/2006/math" xmlns="" val="1"/>
             </a:ext>
           </a:extLst>
         </p:spPr>
@@ -3479,9 +3584,7 @@
           <p:nvPr/>
         </p:nvPicPr>
         <p:blipFill>
-          <a:blip r:embed="rId2">
-            <a:extLst/>
-          </a:blip>
+          <a:blip r:embed="rId2"/>
           <a:stretch>
             <a:fillRect/>
           </a:stretch>
@@ -3502,7 +3605,9 @@
       <p:sp>
         <p:nvSpPr>
           <p:cNvPr id="123" name="Slide Number"/>
-          <p:cNvSpPr txBox="1"/>
+          <p:cNvSpPr txBox="1">
+            <a:spLocks noGrp="1"/>
+          </p:cNvSpPr>
           <p:nvPr>
             <p:ph type="sldNum" sz="quarter" idx="4294967295"/>
           </p:nvPr>
@@ -3517,7 +3622,7 @@
           </a:prstGeom>
           <a:extLst>
             <a:ext uri="{C572A759-6A51-4108-AA02-DFA0A04FC94B}">
-              <ma14:wrappingTextBoxFlag xmlns:ma14="http://schemas.microsoft.com/office/mac/drawingml/2011/main" val="1"/>
+              <ma14:wrappingTextBoxFlag xmlns:ma14="http://schemas.microsoft.com/office/mac/drawingml/2011/main" xmlns:a14="http://schemas.microsoft.com/office/drawing/2010/main" xmlns:m="http://schemas.openxmlformats.org/officeDocument/2006/math" xmlns="" val="1"/>
             </a:ext>
           </a:extLst>
         </p:spPr>
@@ -3534,8 +3639,10 @@
             </a:lvl1pPr>
           </a:lstStyle>
           <a:p>
-            <a:pPr/>
-            <a:fld id="{86CB4B4D-7CA3-9044-876B-883B54F8677D}" type="slidenum"/>
+            <a:fld id="{86CB4B4D-7CA3-9044-876B-883B54F8677D}" type="slidenum">
+              <a:t>1</a:t>
+            </a:fld>
+            <a:endParaRPr/>
           </a:p>
         </p:txBody>
       </p:sp>
@@ -3558,13 +3665,13 @@
           </a:ln>
           <a:extLst>
             <a:ext uri="{C572A759-6A51-4108-AA02-DFA0A04FC94B}">
-              <ma14:wrappingTextBoxFlag xmlns:ma14="http://schemas.microsoft.com/office/mac/drawingml/2011/main" val="1"/>
+              <ma14:wrappingTextBoxFlag xmlns:ma14="http://schemas.microsoft.com/office/mac/drawingml/2011/main" xmlns:a14="http://schemas.microsoft.com/office/drawing/2010/main" xmlns:m="http://schemas.openxmlformats.org/officeDocument/2006/math" xmlns="" val="1"/>
             </a:ext>
           </a:extLst>
         </p:spPr>
         <p:txBody>
           <a:bodyPr lIns="50800" tIns="50800" rIns="50800" bIns="50800">
-            <a:normAutofit fontScale="100000" lnSpcReduction="0"/>
+            <a:normAutofit/>
           </a:bodyPr>
           <a:lstStyle/>
           <a:p>
@@ -3577,7 +3684,7 @@
           </a:p>
           <a:p>
             <a:pPr defTabSz="531622">
-              <a:defRPr b="0" sz="2184"/>
+              <a:defRPr sz="2184" b="0"/>
             </a:pPr>
             <a:r>
               <a:t>Nuno Cota</a:t>
@@ -3585,7 +3692,7 @@
           </a:p>
           <a:p>
             <a:pPr defTabSz="531622">
-              <a:defRPr b="0" sz="2184"/>
+              <a:defRPr sz="2184" b="0"/>
             </a:pPr>
             <a:r>
               <a:t>Ana Beire</a:t>
@@ -3598,12 +3705,12 @@
   <p:clrMapOvr>
     <a:masterClrMapping/>
   </p:clrMapOvr>
-  <p:transition xmlns:p14="http://schemas.microsoft.com/office/powerpoint/2010/main" spd="med" advClick="1"/>
+  <p:transition spd="med"/>
 </p:sld>
 </file>
 
 <file path=ppt/slides/slide10.xml><?xml version="1.0" encoding="utf-8"?>
-<p:sld xmlns:a="http://schemas.openxmlformats.org/drawingml/2006/main" xmlns:r="http://schemas.openxmlformats.org/officeDocument/2006/relationships" xmlns:p="http://schemas.openxmlformats.org/presentationml/2006/main" xmlns:m="http://schemas.openxmlformats.org/officeDocument/2006/math" xmlns:a14="http://schemas.microsoft.com/office/drawing/2010/main" showMasterSp="1" showMasterPhAnim="1">
+<p:sld xmlns:a="http://schemas.openxmlformats.org/drawingml/2006/main" xmlns:r="http://schemas.openxmlformats.org/officeDocument/2006/relationships" xmlns:p="http://schemas.openxmlformats.org/presentationml/2006/main">
   <p:cSld>
     <p:spTree>
       <p:nvGrpSpPr>
@@ -3622,7 +3729,9 @@
       <p:sp>
         <p:nvSpPr>
           <p:cNvPr id="164" name="Arquitectura do Sistema…"/>
-          <p:cNvSpPr txBox="1"/>
+          <p:cNvSpPr txBox="1">
+            <a:spLocks noGrp="1"/>
+          </p:cNvSpPr>
           <p:nvPr>
             <p:ph type="title"/>
           </p:nvPr>
@@ -3643,7 +3752,7 @@
               <a:spcBef>
                 <a:spcPts val="600"/>
               </a:spcBef>
-              <a:defRPr b="1" sz="3700">
+              <a:defRPr sz="3700" b="1">
                 <a:uFill>
                   <a:solidFill>
                     <a:srgbClr val="000000"/>
@@ -3704,7 +3813,7 @@
           </a:ln>
           <a:extLst>
             <a:ext uri="{C572A759-6A51-4108-AA02-DFA0A04FC94B}">
-              <ma14:wrappingTextBoxFlag xmlns:ma14="http://schemas.microsoft.com/office/mac/drawingml/2011/main" val="1"/>
+              <ma14:wrappingTextBoxFlag xmlns:ma14="http://schemas.microsoft.com/office/mac/drawingml/2011/main" xmlns:a14="http://schemas.microsoft.com/office/drawing/2010/main" xmlns:m="http://schemas.openxmlformats.org/officeDocument/2006/math" xmlns="" val="1"/>
             </a:ext>
           </a:extLst>
         </p:spPr>
@@ -3715,14 +3824,16 @@
           <a:lstStyle/>
           <a:p>
             <a:pPr>
-              <a:defRPr b="0" sz="1600">
+              <a:defRPr sz="1600" b="0">
                 <a:latin typeface="Helvetica Neue Thin"/>
                 <a:ea typeface="Helvetica Neue Thin"/>
                 <a:cs typeface="Helvetica Neue Thin"/>
                 <a:sym typeface="Helvetica Neue Thin"/>
               </a:defRPr>
             </a:pPr>
-            <a:fld id="{86CB4B4D-7CA3-9044-876B-883B54F8677D}" type="slidenum"/>
+            <a:fld id="{86CB4B4D-7CA3-9044-876B-883B54F8677D}" type="slidenum">
+              <a:t>10</a:t>
+            </a:fld>
             <a:r>
               <a:t>￼</a:t>
             </a:r>
@@ -3732,7 +3843,9 @@
       <p:sp>
         <p:nvSpPr>
           <p:cNvPr id="166" name="Dispõe de um sistema de versões…"/>
-          <p:cNvSpPr txBox="1"/>
+          <p:cNvSpPr txBox="1">
+            <a:spLocks noGrp="1"/>
+          </p:cNvSpPr>
           <p:nvPr>
             <p:ph type="body" idx="1"/>
           </p:nvPr>
@@ -3740,51 +3853,139 @@
         <p:spPr>
           <a:xfrm>
             <a:off x="952499" y="2249991"/>
-            <a:ext cx="10984741" cy="5737868"/>
+            <a:ext cx="10984741" cy="3579309"/>
           </a:xfrm>
           <a:prstGeom prst="rect">
             <a:avLst/>
           </a:prstGeom>
         </p:spPr>
         <p:txBody>
-          <a:bodyPr/>
+          <a:bodyPr>
+            <a:normAutofit/>
+          </a:bodyPr>
           <a:lstStyle/>
           <a:p>
             <a:pPr algn="just"/>
             <a:r>
-              <a:t>Dispõe de um sistema de versões</a:t>
+              <a:rPr dirty="0" err="1"/>
+              <a:t>Autenticação</a:t>
+            </a:r>
+            <a:r>
+              <a:rPr dirty="0"/>
+              <a:t> por </a:t>
+            </a:r>
+            <a:r>
+              <a:rPr i="1" dirty="0"/>
+              <a:t>Basic Authentication</a:t>
             </a:r>
           </a:p>
           <a:p>
             <a:pPr algn="just"/>
             <a:r>
-              <a:t>Autenticação por </a:t>
-            </a:r>
-            <a:r>
-              <a:rPr i="1"/>
-              <a:t>Basic Authentication</a:t>
-            </a:r>
-            <a:endParaRPr i="1"/>
-          </a:p>
-          <a:p>
-            <a:pPr algn="just"/>
-            <a:r>
-              <a:t>Padronização de Respostas de Erro em Problem+Json (Content-Type: application/problem+json)</a:t>
-            </a:r>
-          </a:p>
-        </p:txBody>
-      </p:sp>
+              <a:rPr dirty="0" err="1"/>
+              <a:t>Respostas</a:t>
+            </a:r>
+            <a:r>
+              <a:rPr dirty="0"/>
+              <a:t> de </a:t>
+            </a:r>
+            <a:r>
+              <a:rPr lang="pt-PT" dirty="0"/>
+              <a:t>e</a:t>
+            </a:r>
+            <a:r>
+              <a:rPr dirty="0" err="1"/>
+              <a:t>rro</a:t>
+            </a:r>
+            <a:r>
+              <a:rPr dirty="0"/>
+              <a:t> </a:t>
+            </a:r>
+            <a:r>
+              <a:rPr dirty="0" err="1"/>
+              <a:t>em</a:t>
+            </a:r>
+            <a:r>
+              <a:rPr dirty="0"/>
+              <a:t> </a:t>
+            </a:r>
+            <a:r>
+              <a:rPr dirty="0" err="1"/>
+              <a:t>Problem+J</a:t>
+            </a:r>
+            <a:r>
+              <a:rPr lang="pt-PT" dirty="0"/>
+              <a:t>SON</a:t>
+            </a:r>
+            <a:r>
+              <a:rPr dirty="0"/>
+              <a:t> (Content-Type: application/</a:t>
+            </a:r>
+            <a:r>
+              <a:rPr dirty="0" err="1"/>
+              <a:t>problem+json</a:t>
+            </a:r>
+            <a:r>
+              <a:rPr dirty="0"/>
+              <a:t>)</a:t>
+            </a:r>
+            <a:endParaRPr lang="pt-PT" dirty="0"/>
+          </a:p>
+          <a:p>
+            <a:pPr marL="0" indent="0" algn="just">
+              <a:buNone/>
+            </a:pPr>
+            <a:r>
+              <a:rPr lang="pt-PT" dirty="0"/>
+              <a:t>A arquitetura da API segue o seguinte diagrama:</a:t>
+            </a:r>
+          </a:p>
+        </p:txBody>
+      </p:sp>
+      <p:pic>
+        <p:nvPicPr>
+          <p:cNvPr id="5" name="67185599_2454633821226540_3548909503632113664_n.png" descr="67185599_2454633821226540_3548909503632113664_n.png">
+            <a:extLst>
+              <a:ext uri="{FF2B5EF4-FFF2-40B4-BE49-F238E27FC236}">
+                <a16:creationId xmlns:a16="http://schemas.microsoft.com/office/drawing/2014/main" id="{79BF9403-7193-4D84-9227-4F1391E007C7}"/>
+              </a:ext>
+            </a:extLst>
+          </p:cNvPr>
+          <p:cNvPicPr>
+            <a:picLocks noChangeAspect="1"/>
+          </p:cNvPicPr>
+          <p:nvPr/>
+        </p:nvPicPr>
+        <p:blipFill>
+          <a:blip r:embed="rId2"/>
+          <a:stretch>
+            <a:fillRect/>
+          </a:stretch>
+        </p:blipFill>
+        <p:spPr>
+          <a:xfrm>
+            <a:off x="463940" y="5829300"/>
+            <a:ext cx="11961857" cy="3140314"/>
+          </a:xfrm>
+          <a:prstGeom prst="rect">
+            <a:avLst/>
+          </a:prstGeom>
+          <a:ln w="12700">
+            <a:miter lim="400000"/>
+          </a:ln>
+        </p:spPr>
+      </p:pic>
     </p:spTree>
   </p:cSld>
   <p:clrMapOvr>
     <a:masterClrMapping/>
   </p:clrMapOvr>
-  <p:transition xmlns:p14="http://schemas.microsoft.com/office/powerpoint/2010/main" spd="med" advClick="1"/>
+  <p:transition spd="med"/>
 </p:sld>
 </file>
 
 <file path=ppt/slides/slide11.xml><?xml version="1.0" encoding="utf-8"?>
-<p:sld xmlns:a="http://schemas.openxmlformats.org/drawingml/2006/main" xmlns:r="http://schemas.openxmlformats.org/officeDocument/2006/relationships" xmlns:p="http://schemas.openxmlformats.org/presentationml/2006/main" xmlns:m="http://schemas.openxmlformats.org/officeDocument/2006/math" xmlns:a14="http://schemas.microsoft.com/office/drawing/2010/main" showMasterSp="1" showMasterPhAnim="1">
+<p:sld xmlns:a="http://schemas.openxmlformats.org/drawingml/2006/main" xmlns:r="http://schemas.openxmlformats.org/officeDocument/2006/relationships" xmlns:p="http://schemas.openxmlformats.org/presentationml/2006/main">
   <p:cSld>
     <p:spTree>
       <p:nvGrpSpPr>
@@ -3802,8 +4003,10 @@
       </p:grpSpPr>
       <p:sp>
         <p:nvSpPr>
-          <p:cNvPr id="168" name="Arquitectura do Sistema…"/>
-          <p:cNvSpPr txBox="1"/>
+          <p:cNvPr id="173" name="Arquitectura do Sistema…"/>
+          <p:cNvSpPr txBox="1">
+            <a:spLocks noGrp="1"/>
+          </p:cNvSpPr>
           <p:nvPr>
             <p:ph type="title"/>
           </p:nvPr>
@@ -3824,7 +4027,7 @@
               <a:spcBef>
                 <a:spcPts val="600"/>
               </a:spcBef>
-              <a:defRPr b="1" sz="3700">
+              <a:defRPr sz="3700" b="1">
                 <a:uFill>
                   <a:solidFill>
                     <a:srgbClr val="000000"/>
@@ -3861,14 +4064,14 @@
               </a:defRPr>
             </a:pPr>
             <a:r>
-              <a:t>Componente Servidora - API</a:t>
-            </a:r>
-          </a:p>
-        </p:txBody>
-      </p:sp>
-      <p:sp>
-        <p:nvSpPr>
-          <p:cNvPr id="169" name="Text"/>
+              <a:t>Componente Cliente</a:t>
+            </a:r>
+          </a:p>
+        </p:txBody>
+      </p:sp>
+      <p:sp>
+        <p:nvSpPr>
+          <p:cNvPr id="174" name="Text"/>
           <p:cNvSpPr txBox="1"/>
           <p:nvPr/>
         </p:nvSpPr>
@@ -3885,7 +4088,7 @@
           </a:ln>
           <a:extLst>
             <a:ext uri="{C572A759-6A51-4108-AA02-DFA0A04FC94B}">
-              <ma14:wrappingTextBoxFlag xmlns:ma14="http://schemas.microsoft.com/office/mac/drawingml/2011/main" val="1"/>
+              <ma14:wrappingTextBoxFlag xmlns:ma14="http://schemas.microsoft.com/office/mac/drawingml/2011/main" xmlns:a14="http://schemas.microsoft.com/office/drawing/2010/main" xmlns:m="http://schemas.openxmlformats.org/officeDocument/2006/math" xmlns="" val="1"/>
             </a:ext>
           </a:extLst>
         </p:spPr>
@@ -3896,14 +4099,16 @@
           <a:lstStyle/>
           <a:p>
             <a:pPr>
-              <a:defRPr b="0" sz="1600">
+              <a:defRPr sz="1600" b="0">
                 <a:latin typeface="Helvetica Neue Thin"/>
                 <a:ea typeface="Helvetica Neue Thin"/>
                 <a:cs typeface="Helvetica Neue Thin"/>
                 <a:sym typeface="Helvetica Neue Thin"/>
               </a:defRPr>
             </a:pPr>
-            <a:fld id="{86CB4B4D-7CA3-9044-876B-883B54F8677D}" type="slidenum"/>
+            <a:fld id="{86CB4B4D-7CA3-9044-876B-883B54F8677D}" type="slidenum">
+              <a:t>11</a:t>
+            </a:fld>
             <a:r>
               <a:t>￼</a:t>
             </a:r>
@@ -3912,16 +4117,18 @@
       </p:sp>
       <p:sp>
         <p:nvSpPr>
-          <p:cNvPr id="170" name="A arquitectura da API segue o seguinte diagrama:"/>
-          <p:cNvSpPr txBox="1"/>
+          <p:cNvPr id="175" name="Aplicação Web implementada em AngularJS"/>
+          <p:cNvSpPr txBox="1">
+            <a:spLocks noGrp="1"/>
+          </p:cNvSpPr>
           <p:nvPr>
             <p:ph type="body" sz="quarter" idx="1"/>
           </p:nvPr>
         </p:nvSpPr>
         <p:spPr>
           <a:xfrm>
-            <a:off x="952499" y="2916741"/>
-            <a:ext cx="10984741" cy="1381223"/>
+            <a:off x="952500" y="2597150"/>
+            <a:ext cx="11099800" cy="1259930"/>
           </a:xfrm>
           <a:prstGeom prst="rect">
             <a:avLst/>
@@ -3929,40 +4136,59 @@
         </p:spPr>
         <p:txBody>
           <a:bodyPr/>
-          <a:lstStyle>
-            <a:lvl1pPr marL="0" indent="0" algn="just">
-              <a:buSzTx/>
-              <a:buNone/>
-            </a:lvl1pPr>
-          </a:lstStyle>
-          <a:p>
-            <a:pPr/>
-            <a:r>
-              <a:t>A arquitectura da API segue o seguinte diagrama:</a:t>
+          <a:lstStyle/>
+          <a:p>
+            <a:r>
+              <a:t>Aplicação Web implementada em AngularJS</a:t>
             </a:r>
           </a:p>
         </p:txBody>
       </p:sp>
       <p:pic>
         <p:nvPicPr>
-          <p:cNvPr id="171" name="67185599_2454633821226540_3548909503632113664_n.png" descr="67185599_2454633821226540_3548909503632113664_n.png"/>
+          <p:cNvPr id="176" name="Angular_full_color_logo.svg.png" descr="Angular_full_color_logo.svg.png"/>
           <p:cNvPicPr>
             <a:picLocks noChangeAspect="1"/>
           </p:cNvPicPr>
           <p:nvPr/>
         </p:nvPicPr>
         <p:blipFill>
-          <a:blip r:embed="rId2">
-            <a:extLst/>
-          </a:blip>
+          <a:blip r:embed="rId3"/>
           <a:stretch>
             <a:fillRect/>
           </a:stretch>
         </p:blipFill>
         <p:spPr>
           <a:xfrm>
-            <a:off x="463941" y="4502546"/>
-            <a:ext cx="11961857" cy="3140314"/>
+            <a:off x="10759802" y="2348743"/>
+            <a:ext cx="1756743" cy="1756743"/>
+          </a:xfrm>
+          <a:prstGeom prst="rect">
+            <a:avLst/>
+          </a:prstGeom>
+          <a:ln w="12700">
+            <a:miter lim="400000"/>
+          </a:ln>
+        </p:spPr>
+      </p:pic>
+      <p:pic>
+        <p:nvPicPr>
+          <p:cNvPr id="177" name="67185837_1948885438546185_3003857013940682752_n.png" descr="67185837_1948885438546185_3003857013940682752_n.png"/>
+          <p:cNvPicPr>
+            <a:picLocks noChangeAspect="1"/>
+          </p:cNvPicPr>
+          <p:nvPr/>
+        </p:nvPicPr>
+        <p:blipFill>
+          <a:blip r:embed="rId4"/>
+          <a:stretch>
+            <a:fillRect/>
+          </a:stretch>
+        </p:blipFill>
+        <p:spPr>
+          <a:xfrm>
+            <a:off x="2720795" y="4041229"/>
+            <a:ext cx="7563210" cy="5325021"/>
           </a:xfrm>
           <a:prstGeom prst="rect">
             <a:avLst/>
@@ -3977,12 +4203,12 @@
   <p:clrMapOvr>
     <a:masterClrMapping/>
   </p:clrMapOvr>
-  <p:transition xmlns:p14="http://schemas.microsoft.com/office/powerpoint/2010/main" spd="med" advClick="1"/>
+  <p:transition spd="med"/>
 </p:sld>
 </file>
 
 <file path=ppt/slides/slide12.xml><?xml version="1.0" encoding="utf-8"?>
-<p:sld xmlns:a="http://schemas.openxmlformats.org/drawingml/2006/main" xmlns:r="http://schemas.openxmlformats.org/officeDocument/2006/relationships" xmlns:p="http://schemas.openxmlformats.org/presentationml/2006/main" xmlns:m="http://schemas.openxmlformats.org/officeDocument/2006/math" xmlns:a14="http://schemas.microsoft.com/office/drawing/2010/main" showMasterSp="1" showMasterPhAnim="1">
+<p:sld xmlns:a="http://schemas.openxmlformats.org/drawingml/2006/main" xmlns:r="http://schemas.openxmlformats.org/officeDocument/2006/relationships" xmlns:p="http://schemas.openxmlformats.org/presentationml/2006/main">
   <p:cSld>
     <p:spTree>
       <p:nvGrpSpPr>
@@ -4000,8 +4226,10 @@
       </p:grpSpPr>
       <p:sp>
         <p:nvSpPr>
-          <p:cNvPr id="173" name="Arquitectura do Sistema…"/>
-          <p:cNvSpPr txBox="1"/>
+          <p:cNvPr id="181" name="Arquitectura do Sistema…"/>
+          <p:cNvSpPr txBox="1">
+            <a:spLocks noGrp="1"/>
+          </p:cNvSpPr>
           <p:nvPr>
             <p:ph type="title"/>
           </p:nvPr>
@@ -4022,7 +4250,7 @@
               <a:spcBef>
                 <a:spcPts val="600"/>
               </a:spcBef>
-              <a:defRPr b="1" sz="3700">
+              <a:defRPr sz="3700" b="1">
                 <a:uFill>
                   <a:solidFill>
                     <a:srgbClr val="000000"/>
@@ -4066,7 +4294,7 @@
       </p:sp>
       <p:sp>
         <p:nvSpPr>
-          <p:cNvPr id="174" name="Text"/>
+          <p:cNvPr id="182" name="Text"/>
           <p:cNvSpPr txBox="1"/>
           <p:nvPr/>
         </p:nvSpPr>
@@ -4083,7 +4311,7 @@
           </a:ln>
           <a:extLst>
             <a:ext uri="{C572A759-6A51-4108-AA02-DFA0A04FC94B}">
-              <ma14:wrappingTextBoxFlag xmlns:ma14="http://schemas.microsoft.com/office/mac/drawingml/2011/main" val="1"/>
+              <ma14:wrappingTextBoxFlag xmlns:ma14="http://schemas.microsoft.com/office/mac/drawingml/2011/main" xmlns:a14="http://schemas.microsoft.com/office/drawing/2010/main" xmlns:m="http://schemas.openxmlformats.org/officeDocument/2006/math" xmlns="" val="1"/>
             </a:ext>
           </a:extLst>
         </p:spPr>
@@ -4094,14 +4322,16 @@
           <a:lstStyle/>
           <a:p>
             <a:pPr>
-              <a:defRPr b="0" sz="1600">
+              <a:defRPr sz="1600" b="0">
                 <a:latin typeface="Helvetica Neue Thin"/>
                 <a:ea typeface="Helvetica Neue Thin"/>
                 <a:cs typeface="Helvetica Neue Thin"/>
                 <a:sym typeface="Helvetica Neue Thin"/>
               </a:defRPr>
             </a:pPr>
-            <a:fld id="{86CB4B4D-7CA3-9044-876B-883B54F8677D}" type="slidenum"/>
+            <a:fld id="{86CB4B4D-7CA3-9044-876B-883B54F8677D}" type="slidenum">
+              <a:t>12</a:t>
+            </a:fld>
             <a:r>
               <a:t>￼</a:t>
             </a:r>
@@ -4110,16 +4340,18 @@
       </p:sp>
       <p:sp>
         <p:nvSpPr>
-          <p:cNvPr id="175" name="Aplicação Web implementada em AngularJS"/>
-          <p:cNvSpPr txBox="1"/>
+          <p:cNvPr id="183" name="Componentes…"/>
+          <p:cNvSpPr txBox="1">
+            <a:spLocks noGrp="1"/>
+          </p:cNvSpPr>
           <p:nvPr>
-            <p:ph type="body" sz="quarter" idx="1"/>
+            <p:ph type="body" sz="half" idx="1"/>
           </p:nvPr>
         </p:nvSpPr>
         <p:spPr>
           <a:xfrm>
-            <a:off x="952500" y="2597150"/>
-            <a:ext cx="11099800" cy="1259930"/>
+            <a:off x="1763981" y="2512561"/>
+            <a:ext cx="9476838" cy="4009436"/>
           </a:xfrm>
           <a:prstGeom prst="rect">
             <a:avLst/>
@@ -4129,62 +4361,79 @@
           <a:bodyPr/>
           <a:lstStyle/>
           <a:p>
-            <a:pPr/>
-            <a:r>
-              <a:t>Aplicação Web implementada em AngularJS</a:t>
+            <a:r>
+              <a:t>Componentes </a:t>
+            </a:r>
+          </a:p>
+          <a:p>
+            <a:r>
+              <a:t>Serviços</a:t>
+            </a:r>
+          </a:p>
+          <a:p>
+            <a:r>
+              <a:t>Interceptors</a:t>
+            </a:r>
+          </a:p>
+        </p:txBody>
+      </p:sp>
+      <p:sp>
+        <p:nvSpPr>
+          <p:cNvPr id="184" name="Essencialmente constituido por:"/>
+          <p:cNvSpPr txBox="1"/>
+          <p:nvPr/>
+        </p:nvSpPr>
+        <p:spPr>
+          <a:xfrm>
+            <a:off x="924100" y="2362949"/>
+            <a:ext cx="5933136" cy="572822"/>
+          </a:xfrm>
+          <a:prstGeom prst="rect">
+            <a:avLst/>
+          </a:prstGeom>
+          <a:ln w="12700">
+            <a:miter lim="400000"/>
+          </a:ln>
+          <a:extLst>
+            <a:ext uri="{C572A759-6A51-4108-AA02-DFA0A04FC94B}">
+              <ma14:wrappingTextBoxFlag xmlns:ma14="http://schemas.microsoft.com/office/mac/drawingml/2011/main" xmlns:a14="http://schemas.microsoft.com/office/drawing/2010/main" xmlns:m="http://schemas.openxmlformats.org/officeDocument/2006/math" xmlns="" val="1"/>
+            </a:ext>
+          </a:extLst>
+        </p:spPr>
+        <p:txBody>
+          <a:bodyPr wrap="none" lIns="50800" tIns="50800" rIns="50800" bIns="50800" anchor="ctr">
+            <a:spAutoFit/>
+          </a:bodyPr>
+          <a:lstStyle>
+            <a:lvl1pPr>
+              <a:defRPr sz="3200" b="0"/>
+            </a:lvl1pPr>
+          </a:lstStyle>
+          <a:p>
+            <a:r>
+              <a:t>Essencialmente constituido por:</a:t>
             </a:r>
           </a:p>
         </p:txBody>
       </p:sp>
       <p:pic>
         <p:nvPicPr>
-          <p:cNvPr id="176" name="Angular_full_color_logo.svg.png" descr="Angular_full_color_logo.svg.png"/>
+          <p:cNvPr id="185" name="67532146_480672379404216_336486395306573824_n.png" descr="67532146_480672379404216_336486395306573824_n.png"/>
           <p:cNvPicPr>
             <a:picLocks noChangeAspect="1"/>
           </p:cNvPicPr>
           <p:nvPr/>
         </p:nvPicPr>
         <p:blipFill>
-          <a:blip r:embed="rId3">
-            <a:extLst/>
-          </a:blip>
+          <a:blip r:embed="rId3"/>
           <a:stretch>
             <a:fillRect/>
           </a:stretch>
         </p:blipFill>
         <p:spPr>
           <a:xfrm>
-            <a:off x="10759802" y="2348743"/>
-            <a:ext cx="1756743" cy="1756743"/>
-          </a:xfrm>
-          <a:prstGeom prst="rect">
-            <a:avLst/>
-          </a:prstGeom>
-          <a:ln w="12700">
-            <a:miter lim="400000"/>
-          </a:ln>
-        </p:spPr>
-      </p:pic>
-      <p:pic>
-        <p:nvPicPr>
-          <p:cNvPr id="177" name="67185837_1948885438546185_3003857013940682752_n.png" descr="67185837_1948885438546185_3003857013940682752_n.png"/>
-          <p:cNvPicPr>
-            <a:picLocks noChangeAspect="1"/>
-          </p:cNvPicPr>
-          <p:nvPr/>
-        </p:nvPicPr>
-        <p:blipFill>
-          <a:blip r:embed="rId4">
-            <a:extLst/>
-          </a:blip>
-          <a:stretch>
-            <a:fillRect/>
-          </a:stretch>
-        </p:blipFill>
-        <p:spPr>
-          <a:xfrm>
-            <a:off x="2720795" y="4041229"/>
-            <a:ext cx="7563210" cy="5325021"/>
+            <a:off x="1562100" y="6032372"/>
+            <a:ext cx="9880601" cy="3327401"/>
           </a:xfrm>
           <a:prstGeom prst="rect">
             <a:avLst/>
@@ -4199,12 +4448,12 @@
   <p:clrMapOvr>
     <a:masterClrMapping/>
   </p:clrMapOvr>
-  <p:transition xmlns:p14="http://schemas.microsoft.com/office/powerpoint/2010/main" spd="med" advClick="1"/>
+  <p:transition spd="med"/>
 </p:sld>
 </file>
 
 <file path=ppt/slides/slide13.xml><?xml version="1.0" encoding="utf-8"?>
-<p:sld xmlns:a="http://schemas.openxmlformats.org/drawingml/2006/main" xmlns:r="http://schemas.openxmlformats.org/officeDocument/2006/relationships" xmlns:p="http://schemas.openxmlformats.org/presentationml/2006/main" xmlns:m="http://schemas.openxmlformats.org/officeDocument/2006/math" xmlns:a14="http://schemas.microsoft.com/office/drawing/2010/main" showMasterSp="1" showMasterPhAnim="1">
+<p:sld xmlns:a="http://schemas.openxmlformats.org/drawingml/2006/main" xmlns:r="http://schemas.openxmlformats.org/officeDocument/2006/relationships" xmlns:p="http://schemas.openxmlformats.org/presentationml/2006/main">
   <p:cSld>
     <p:spTree>
       <p:nvGrpSpPr>
@@ -4222,8 +4471,10 @@
       </p:grpSpPr>
       <p:sp>
         <p:nvSpPr>
-          <p:cNvPr id="181" name="Arquitectura do Sistema…"/>
-          <p:cNvSpPr txBox="1"/>
+          <p:cNvPr id="189" name="Arquitectura do Sistema…"/>
+          <p:cNvSpPr txBox="1">
+            <a:spLocks noGrp="1"/>
+          </p:cNvSpPr>
           <p:nvPr>
             <p:ph type="title"/>
           </p:nvPr>
@@ -4244,7 +4495,7 @@
               <a:spcBef>
                 <a:spcPts val="600"/>
               </a:spcBef>
-              <a:defRPr b="1" sz="3700">
+              <a:defRPr sz="3700" b="1">
                 <a:uFill>
                   <a:solidFill>
                     <a:srgbClr val="000000"/>
@@ -4288,7 +4539,7 @@
       </p:sp>
       <p:sp>
         <p:nvSpPr>
-          <p:cNvPr id="182" name="Text"/>
+          <p:cNvPr id="190" name="Text"/>
           <p:cNvSpPr txBox="1"/>
           <p:nvPr/>
         </p:nvSpPr>
@@ -4305,7 +4556,7 @@
           </a:ln>
           <a:extLst>
             <a:ext uri="{C572A759-6A51-4108-AA02-DFA0A04FC94B}">
-              <ma14:wrappingTextBoxFlag xmlns:ma14="http://schemas.microsoft.com/office/mac/drawingml/2011/main" val="1"/>
+              <ma14:wrappingTextBoxFlag xmlns:ma14="http://schemas.microsoft.com/office/mac/drawingml/2011/main" xmlns:a14="http://schemas.microsoft.com/office/drawing/2010/main" xmlns:m="http://schemas.openxmlformats.org/officeDocument/2006/math" xmlns="" val="1"/>
             </a:ext>
           </a:extLst>
         </p:spPr>
@@ -4316,120 +4567,40 @@
           <a:lstStyle/>
           <a:p>
             <a:pPr>
-              <a:defRPr b="0" sz="1600">
+              <a:defRPr sz="1600" b="0">
                 <a:latin typeface="Helvetica Neue Thin"/>
                 <a:ea typeface="Helvetica Neue Thin"/>
                 <a:cs typeface="Helvetica Neue Thin"/>
                 <a:sym typeface="Helvetica Neue Thin"/>
               </a:defRPr>
             </a:pPr>
-            <a:fld id="{86CB4B4D-7CA3-9044-876B-883B54F8677D}" type="slidenum"/>
+            <a:fld id="{86CB4B4D-7CA3-9044-876B-883B54F8677D}" type="slidenum">
+              <a:t>13</a:t>
+            </a:fld>
             <a:r>
               <a:t>￼</a:t>
-            </a:r>
-          </a:p>
-        </p:txBody>
-      </p:sp>
-      <p:sp>
-        <p:nvSpPr>
-          <p:cNvPr id="183" name="Componentes…"/>
-          <p:cNvSpPr txBox="1"/>
-          <p:nvPr>
-            <p:ph type="body" sz="half" idx="1"/>
-          </p:nvPr>
-        </p:nvSpPr>
-        <p:spPr>
-          <a:xfrm>
-            <a:off x="1763981" y="2512561"/>
-            <a:ext cx="9476838" cy="4009436"/>
-          </a:xfrm>
-          <a:prstGeom prst="rect">
-            <a:avLst/>
-          </a:prstGeom>
-        </p:spPr>
-        <p:txBody>
-          <a:bodyPr/>
-          <a:lstStyle/>
-          <a:p>
-            <a:pPr/>
-            <a:r>
-              <a:t>Componentes </a:t>
-            </a:r>
-          </a:p>
-          <a:p>
-            <a:pPr/>
-            <a:r>
-              <a:t>Serviços</a:t>
-            </a:r>
-          </a:p>
-          <a:p>
-            <a:pPr/>
-            <a:r>
-              <a:t>Interceptors</a:t>
-            </a:r>
-          </a:p>
-        </p:txBody>
-      </p:sp>
-      <p:sp>
-        <p:nvSpPr>
-          <p:cNvPr id="184" name="Essencialmente constituido por:"/>
-          <p:cNvSpPr txBox="1"/>
-          <p:nvPr/>
-        </p:nvSpPr>
-        <p:spPr>
-          <a:xfrm>
-            <a:off x="924100" y="2362949"/>
-            <a:ext cx="5933136" cy="572822"/>
-          </a:xfrm>
-          <a:prstGeom prst="rect">
-            <a:avLst/>
-          </a:prstGeom>
-          <a:ln w="12700">
-            <a:miter lim="400000"/>
-          </a:ln>
-          <a:extLst>
-            <a:ext uri="{C572A759-6A51-4108-AA02-DFA0A04FC94B}">
-              <ma14:wrappingTextBoxFlag xmlns:ma14="http://schemas.microsoft.com/office/mac/drawingml/2011/main" val="1"/>
-            </a:ext>
-          </a:extLst>
-        </p:spPr>
-        <p:txBody>
-          <a:bodyPr wrap="none" lIns="50800" tIns="50800" rIns="50800" bIns="50800" anchor="ctr">
-            <a:spAutoFit/>
-          </a:bodyPr>
-          <a:lstStyle>
-            <a:lvl1pPr>
-              <a:defRPr b="0" sz="3200"/>
-            </a:lvl1pPr>
-          </a:lstStyle>
-          <a:p>
-            <a:pPr/>
-            <a:r>
-              <a:t>Essencialmente constituido por:</a:t>
             </a:r>
           </a:p>
         </p:txBody>
       </p:sp>
       <p:pic>
         <p:nvPicPr>
-          <p:cNvPr id="185" name="67532146_480672379404216_336486395306573824_n.png" descr="67532146_480672379404216_336486395306573824_n.png"/>
+          <p:cNvPr id="191" name="Screen Shot 2019-07-18 at 18.56.17.png" descr="Screen Shot 2019-07-18 at 18.56.17.png"/>
           <p:cNvPicPr>
             <a:picLocks noChangeAspect="1"/>
           </p:cNvPicPr>
           <p:nvPr/>
         </p:nvPicPr>
         <p:blipFill>
-          <a:blip r:embed="rId3">
-            <a:extLst/>
-          </a:blip>
+          <a:blip r:embed="rId3"/>
           <a:stretch>
             <a:fillRect/>
           </a:stretch>
         </p:blipFill>
         <p:spPr>
           <a:xfrm>
-            <a:off x="1562100" y="6032372"/>
-            <a:ext cx="9880601" cy="3327401"/>
+            <a:off x="744443" y="2466014"/>
+            <a:ext cx="11515914" cy="6296803"/>
           </a:xfrm>
           <a:prstGeom prst="rect">
             <a:avLst/>
@@ -4444,12 +4615,12 @@
   <p:clrMapOvr>
     <a:masterClrMapping/>
   </p:clrMapOvr>
-  <p:transition xmlns:p14="http://schemas.microsoft.com/office/powerpoint/2010/main" spd="med" advClick="1"/>
+  <p:transition spd="med"/>
 </p:sld>
 </file>
 
 <file path=ppt/slides/slide14.xml><?xml version="1.0" encoding="utf-8"?>
-<p:sld xmlns:a="http://schemas.openxmlformats.org/drawingml/2006/main" xmlns:r="http://schemas.openxmlformats.org/officeDocument/2006/relationships" xmlns:p="http://schemas.openxmlformats.org/presentationml/2006/main" xmlns:m="http://schemas.openxmlformats.org/officeDocument/2006/math" xmlns:a14="http://schemas.microsoft.com/office/drawing/2010/main" showMasterSp="1" showMasterPhAnim="1">
+<p:sld xmlns:a="http://schemas.openxmlformats.org/drawingml/2006/main" xmlns:r="http://schemas.openxmlformats.org/officeDocument/2006/relationships" xmlns:p="http://schemas.openxmlformats.org/presentationml/2006/main">
   <p:cSld>
     <p:spTree>
       <p:nvGrpSpPr>
@@ -4467,8 +4638,10 @@
       </p:grpSpPr>
       <p:sp>
         <p:nvSpPr>
-          <p:cNvPr id="189" name="Arquitectura do Sistema…"/>
-          <p:cNvSpPr txBox="1"/>
+          <p:cNvPr id="195" name="Arquitectura do Sistema…"/>
+          <p:cNvSpPr txBox="1">
+            <a:spLocks noGrp="1"/>
+          </p:cNvSpPr>
           <p:nvPr>
             <p:ph type="title"/>
           </p:nvPr>
@@ -4489,7 +4662,7 @@
               <a:spcBef>
                 <a:spcPts val="600"/>
               </a:spcBef>
-              <a:defRPr b="1" sz="3700">
+              <a:defRPr sz="3700" b="1">
                 <a:uFill>
                   <a:solidFill>
                     <a:srgbClr val="000000"/>
@@ -4526,14 +4699,14 @@
               </a:defRPr>
             </a:pPr>
             <a:r>
-              <a:t>Componente Cliente</a:t>
-            </a:r>
-          </a:p>
-        </p:txBody>
-      </p:sp>
-      <p:sp>
-        <p:nvSpPr>
-          <p:cNvPr id="190" name="Text"/>
+              <a:t>Restrições de utilizadores</a:t>
+            </a:r>
+          </a:p>
+        </p:txBody>
+      </p:sp>
+      <p:sp>
+        <p:nvSpPr>
+          <p:cNvPr id="196" name="Text"/>
           <p:cNvSpPr txBox="1"/>
           <p:nvPr/>
         </p:nvSpPr>
@@ -4550,7 +4723,7 @@
           </a:ln>
           <a:extLst>
             <a:ext uri="{C572A759-6A51-4108-AA02-DFA0A04FC94B}">
-              <ma14:wrappingTextBoxFlag xmlns:ma14="http://schemas.microsoft.com/office/mac/drawingml/2011/main" val="1"/>
+              <ma14:wrappingTextBoxFlag xmlns:ma14="http://schemas.microsoft.com/office/mac/drawingml/2011/main" xmlns:a14="http://schemas.microsoft.com/office/drawing/2010/main" xmlns:m="http://schemas.openxmlformats.org/officeDocument/2006/math" xmlns="" val="1"/>
             </a:ext>
           </a:extLst>
         </p:spPr>
@@ -4561,14 +4734,16 @@
           <a:lstStyle/>
           <a:p>
             <a:pPr>
-              <a:defRPr b="0" sz="1600">
+              <a:defRPr sz="1600" b="0">
                 <a:latin typeface="Helvetica Neue Thin"/>
                 <a:ea typeface="Helvetica Neue Thin"/>
                 <a:cs typeface="Helvetica Neue Thin"/>
                 <a:sym typeface="Helvetica Neue Thin"/>
               </a:defRPr>
             </a:pPr>
-            <a:fld id="{86CB4B4D-7CA3-9044-876B-883B54F8677D}" type="slidenum"/>
+            <a:fld id="{86CB4B4D-7CA3-9044-876B-883B54F8677D}" type="slidenum">
+              <a:t>14</a:t>
+            </a:fld>
             <a:r>
               <a:t>￼</a:t>
             </a:r>
@@ -4577,24 +4752,22 @@
       </p:sp>
       <p:pic>
         <p:nvPicPr>
-          <p:cNvPr id="191" name="Screen Shot 2019-07-18 at 18.56.17.png" descr="Screen Shot 2019-07-18 at 18.56.17.png"/>
+          <p:cNvPr id="197" name="Screen Shot 2019-07-18 at 19.06.44.png" descr="Screen Shot 2019-07-18 at 19.06.44.png"/>
           <p:cNvPicPr>
             <a:picLocks noChangeAspect="1"/>
           </p:cNvPicPr>
           <p:nvPr/>
         </p:nvPicPr>
         <p:blipFill>
-          <a:blip r:embed="rId3">
-            <a:extLst/>
-          </a:blip>
+          <a:blip r:embed="rId2"/>
           <a:stretch>
             <a:fillRect/>
           </a:stretch>
         </p:blipFill>
         <p:spPr>
           <a:xfrm>
-            <a:off x="744443" y="2466014"/>
-            <a:ext cx="11515914" cy="6296803"/>
+            <a:off x="2740753" y="1874054"/>
+            <a:ext cx="7523294" cy="7732692"/>
           </a:xfrm>
           <a:prstGeom prst="rect">
             <a:avLst/>
@@ -4609,12 +4782,12 @@
   <p:clrMapOvr>
     <a:masterClrMapping/>
   </p:clrMapOvr>
-  <p:transition xmlns:p14="http://schemas.microsoft.com/office/powerpoint/2010/main" spd="med" advClick="1"/>
+  <p:transition spd="med"/>
 </p:sld>
 </file>
 
 <file path=ppt/slides/slide15.xml><?xml version="1.0" encoding="utf-8"?>
-<p:sld xmlns:a="http://schemas.openxmlformats.org/drawingml/2006/main" xmlns:r="http://schemas.openxmlformats.org/officeDocument/2006/relationships" xmlns:p="http://schemas.openxmlformats.org/presentationml/2006/main" xmlns:m="http://schemas.openxmlformats.org/officeDocument/2006/math" xmlns:a14="http://schemas.microsoft.com/office/drawing/2010/main" showMasterSp="1" showMasterPhAnim="1">
+<p:sld xmlns:a="http://schemas.openxmlformats.org/drawingml/2006/main" xmlns:r="http://schemas.openxmlformats.org/officeDocument/2006/relationships" xmlns:p="http://schemas.openxmlformats.org/presentationml/2006/main">
   <p:cSld>
     <p:spTree>
       <p:nvGrpSpPr>
@@ -4632,8 +4805,1640 @@
       </p:grpSpPr>
       <p:sp>
         <p:nvSpPr>
-          <p:cNvPr id="195" name="Arquitectura do Sistema…"/>
+          <p:cNvPr id="199" name="Conclusão"/>
+          <p:cNvSpPr txBox="1">
+            <a:spLocks noGrp="1"/>
+          </p:cNvSpPr>
+          <p:nvPr>
+            <p:ph type="title"/>
+          </p:nvPr>
+        </p:nvSpPr>
+        <p:spPr>
+          <a:prstGeom prst="rect">
+            <a:avLst/>
+          </a:prstGeom>
+        </p:spPr>
+        <p:txBody>
+          <a:bodyPr/>
+          <a:lstStyle>
+            <a:lvl1pPr defTabSz="457200">
+              <a:lnSpc>
+                <a:spcPct val="115000"/>
+              </a:lnSpc>
+              <a:spcBef>
+                <a:spcPts val="600"/>
+              </a:spcBef>
+              <a:defRPr sz="3700" b="1">
+                <a:uFill>
+                  <a:solidFill>
+                    <a:srgbClr val="000000"/>
+                  </a:solidFill>
+                </a:uFill>
+                <a:latin typeface="Arial"/>
+                <a:ea typeface="Arial"/>
+                <a:cs typeface="Arial"/>
+                <a:sym typeface="Arial"/>
+              </a:defRPr>
+            </a:lvl1pPr>
+          </a:lstStyle>
+          <a:p>
+            <a:r>
+              <a:t>Conclusão</a:t>
+            </a:r>
+          </a:p>
+        </p:txBody>
+      </p:sp>
+      <p:sp>
+        <p:nvSpPr>
+          <p:cNvPr id="200" name="Foi desenvolvida uma solução que permite:…"/>
+          <p:cNvSpPr txBox="1">
+            <a:spLocks noGrp="1"/>
+          </p:cNvSpPr>
+          <p:nvPr>
+            <p:ph type="body" idx="1"/>
+          </p:nvPr>
+        </p:nvSpPr>
+        <p:spPr>
+          <a:xfrm>
+            <a:off x="952500" y="2209800"/>
+            <a:ext cx="11099800" cy="6578599"/>
+          </a:xfrm>
+          <a:prstGeom prst="rect">
+            <a:avLst/>
+          </a:prstGeom>
+        </p:spPr>
+        <p:txBody>
+          <a:bodyPr>
+            <a:normAutofit fontScale="85000" lnSpcReduction="20000"/>
+          </a:bodyPr>
+          <a:lstStyle/>
+          <a:p>
+            <a:pPr marL="0" indent="0">
+              <a:buSzTx/>
+              <a:buNone/>
+            </a:pPr>
+            <a:r>
+              <a:rPr lang="pt-PT" dirty="0"/>
+              <a:t>O que foi desenvolvido:</a:t>
+            </a:r>
+            <a:endParaRPr dirty="0"/>
+          </a:p>
+          <a:p>
+            <a:pPr lvl="1" algn="just"/>
+            <a:r>
+              <a:rPr lang="pt-PT" dirty="0"/>
+              <a:t>Componente Servidora constituída por uma Base de Dados e uma API</a:t>
+            </a:r>
+          </a:p>
+          <a:p>
+            <a:pPr lvl="1" algn="just"/>
+            <a:r>
+              <a:rPr lang="pt-PT" dirty="0"/>
+              <a:t>Base de Dados evoluída a partir do modelo de dados disponibilizado pelos orientadores</a:t>
+            </a:r>
+          </a:p>
+          <a:p>
+            <a:pPr lvl="1" algn="just"/>
+            <a:r>
+              <a:rPr lang="pt-PT" dirty="0"/>
+              <a:t>API evoluída a partir de uma API base disponibilizada pelos orientadores</a:t>
+            </a:r>
+          </a:p>
+          <a:p>
+            <a:pPr lvl="1" algn="just"/>
+            <a:r>
+              <a:rPr lang="pt-PT" dirty="0"/>
+              <a:t>Acrescentadas Restrições de Integridade e Lógica de Negócio</a:t>
+            </a:r>
+          </a:p>
+          <a:p>
+            <a:pPr lvl="1" algn="just"/>
+            <a:r>
+              <a:rPr lang="pt-PT" dirty="0"/>
+              <a:t>Implementação de raiz da Componente Cliente (Aplicação Web </a:t>
+            </a:r>
+            <a:r>
+              <a:rPr lang="pt-PT" i="1" dirty="0"/>
+              <a:t>Single-</a:t>
+            </a:r>
+            <a:r>
+              <a:rPr lang="pt-PT" i="1" dirty="0" err="1"/>
+              <a:t>Page</a:t>
+            </a:r>
+            <a:r>
+              <a:rPr lang="pt-PT" dirty="0"/>
+              <a:t>) para gestão de </a:t>
+            </a:r>
+            <a:r>
+              <a:rPr lang="pt-PT" dirty="0" err="1"/>
+              <a:t>OBUs</a:t>
+            </a:r>
+            <a:r>
+              <a:rPr lang="pt-PT" dirty="0"/>
+              <a:t> e utilizadores e apresentação de dados com integração de mapa e gráfico.</a:t>
+            </a:r>
+          </a:p>
+        </p:txBody>
+      </p:sp>
+      <p:sp>
+        <p:nvSpPr>
+          <p:cNvPr id="201" name="Text"/>
           <p:cNvSpPr txBox="1"/>
+          <p:nvPr/>
+        </p:nvSpPr>
+        <p:spPr>
+          <a:xfrm>
+            <a:off x="12272484" y="9169400"/>
+            <a:ext cx="340259" cy="324306"/>
+          </a:xfrm>
+          <a:prstGeom prst="rect">
+            <a:avLst/>
+          </a:prstGeom>
+          <a:ln w="12700">
+            <a:miter lim="400000"/>
+          </a:ln>
+          <a:extLst>
+            <a:ext uri="{C572A759-6A51-4108-AA02-DFA0A04FC94B}">
+              <ma14:wrappingTextBoxFlag xmlns:ma14="http://schemas.microsoft.com/office/mac/drawingml/2011/main" xmlns:a14="http://schemas.microsoft.com/office/drawing/2010/main" xmlns:m="http://schemas.openxmlformats.org/officeDocument/2006/math" xmlns="" val="1"/>
+            </a:ext>
+          </a:extLst>
+        </p:spPr>
+        <p:txBody>
+          <a:bodyPr wrap="none" lIns="50800" tIns="50800" rIns="50800" bIns="50800">
+            <a:spAutoFit/>
+          </a:bodyPr>
+          <a:lstStyle/>
+          <a:p>
+            <a:pPr>
+              <a:defRPr sz="1600" b="0">
+                <a:latin typeface="Helvetica Neue Thin"/>
+                <a:ea typeface="Helvetica Neue Thin"/>
+                <a:cs typeface="Helvetica Neue Thin"/>
+                <a:sym typeface="Helvetica Neue Thin"/>
+              </a:defRPr>
+            </a:pPr>
+            <a:fld id="{86CB4B4D-7CA3-9044-876B-883B54F8677D}" type="slidenum">
+              <a:t>15</a:t>
+            </a:fld>
+            <a:r>
+              <a:t>￼</a:t>
+            </a:r>
+          </a:p>
+        </p:txBody>
+      </p:sp>
+    </p:spTree>
+  </p:cSld>
+  <p:clrMapOvr>
+    <a:masterClrMapping/>
+  </p:clrMapOvr>
+  <p:transition spd="med"/>
+</p:sld>
+</file>
+
+<file path=ppt/slides/slide16.xml><?xml version="1.0" encoding="utf-8"?>
+<p:sld xmlns:a="http://schemas.openxmlformats.org/drawingml/2006/main" xmlns:r="http://schemas.openxmlformats.org/officeDocument/2006/relationships" xmlns:p="http://schemas.openxmlformats.org/presentationml/2006/main">
+  <p:cSld>
+    <p:spTree>
+      <p:nvGrpSpPr>
+        <p:cNvPr id="1" name=""/>
+        <p:cNvGrpSpPr/>
+        <p:nvPr/>
+      </p:nvGrpSpPr>
+      <p:grpSpPr>
+        <a:xfrm>
+          <a:off x="0" y="0"/>
+          <a:ext cx="0" cy="0"/>
+          <a:chOff x="0" y="0"/>
+          <a:chExt cx="0" cy="0"/>
+        </a:xfrm>
+      </p:grpSpPr>
+      <p:sp>
+        <p:nvSpPr>
+          <p:cNvPr id="199" name="Conclusão"/>
+          <p:cNvSpPr txBox="1">
+            <a:spLocks noGrp="1"/>
+          </p:cNvSpPr>
+          <p:nvPr>
+            <p:ph type="title"/>
+          </p:nvPr>
+        </p:nvSpPr>
+        <p:spPr>
+          <a:prstGeom prst="rect">
+            <a:avLst/>
+          </a:prstGeom>
+        </p:spPr>
+        <p:txBody>
+          <a:bodyPr/>
+          <a:lstStyle>
+            <a:lvl1pPr defTabSz="457200">
+              <a:lnSpc>
+                <a:spcPct val="115000"/>
+              </a:lnSpc>
+              <a:spcBef>
+                <a:spcPts val="600"/>
+              </a:spcBef>
+              <a:defRPr sz="3700" b="1">
+                <a:uFill>
+                  <a:solidFill>
+                    <a:srgbClr val="000000"/>
+                  </a:solidFill>
+                </a:uFill>
+                <a:latin typeface="Arial"/>
+                <a:ea typeface="Arial"/>
+                <a:cs typeface="Arial"/>
+                <a:sym typeface="Arial"/>
+              </a:defRPr>
+            </a:lvl1pPr>
+          </a:lstStyle>
+          <a:p>
+            <a:r>
+              <a:rPr lang="pt-PT" dirty="0"/>
+              <a:t>Conclusões Finais</a:t>
+            </a:r>
+            <a:endParaRPr dirty="0"/>
+          </a:p>
+        </p:txBody>
+      </p:sp>
+      <p:sp>
+        <p:nvSpPr>
+          <p:cNvPr id="200" name="Foi desenvolvida uma solução que permite:…"/>
+          <p:cNvSpPr txBox="1">
+            <a:spLocks noGrp="1"/>
+          </p:cNvSpPr>
+          <p:nvPr>
+            <p:ph type="body" idx="1"/>
+          </p:nvPr>
+        </p:nvSpPr>
+        <p:spPr>
+          <a:xfrm>
+            <a:off x="952500" y="2184400"/>
+            <a:ext cx="11099800" cy="6603999"/>
+          </a:xfrm>
+          <a:prstGeom prst="rect">
+            <a:avLst/>
+          </a:prstGeom>
+        </p:spPr>
+        <p:txBody>
+          <a:bodyPr>
+            <a:normAutofit/>
+          </a:bodyPr>
+          <a:lstStyle/>
+          <a:p>
+            <a:pPr marL="0" indent="0" algn="just">
+              <a:buSzTx/>
+              <a:buNone/>
+            </a:pPr>
+            <a:r>
+              <a:rPr lang="pt-PT" dirty="0"/>
+              <a:t>O resultado final foi devidamente validado:</a:t>
+            </a:r>
+          </a:p>
+          <a:p>
+            <a:pPr lvl="1" algn="just"/>
+            <a:r>
+              <a:rPr lang="pt-PT" dirty="0"/>
+              <a:t>Aplicação Cliente Web, testada nos </a:t>
+            </a:r>
+            <a:r>
+              <a:rPr lang="pt-PT" i="1" dirty="0"/>
+              <a:t>browsers</a:t>
+            </a:r>
+            <a:r>
+              <a:rPr lang="pt-PT" dirty="0"/>
+              <a:t> Chrome e Safari </a:t>
+            </a:r>
+          </a:p>
+          <a:p>
+            <a:pPr lvl="1" algn="just"/>
+            <a:r>
+              <a:rPr lang="pt-PT" dirty="0"/>
+              <a:t>API e Base de Dados, testados em Windows e </a:t>
+            </a:r>
+            <a:r>
+              <a:rPr lang="pt-PT" dirty="0" err="1"/>
+              <a:t>MacOS</a:t>
+            </a:r>
+            <a:r>
+              <a:rPr lang="pt-PT" dirty="0"/>
+              <a:t> </a:t>
+            </a:r>
+          </a:p>
+          <a:p>
+            <a:pPr marL="0" indent="0" algn="just">
+              <a:buNone/>
+            </a:pPr>
+            <a:r>
+              <a:rPr lang="pt-PT" dirty="0"/>
+              <a:t>Considera-se que foram atingidos globalmente os objetivos propostos.</a:t>
+            </a:r>
+          </a:p>
+        </p:txBody>
+      </p:sp>
+      <p:sp>
+        <p:nvSpPr>
+          <p:cNvPr id="201" name="Text"/>
+          <p:cNvSpPr txBox="1"/>
+          <p:nvPr/>
+        </p:nvSpPr>
+        <p:spPr>
+          <a:xfrm>
+            <a:off x="12272484" y="9169400"/>
+            <a:ext cx="340259" cy="324306"/>
+          </a:xfrm>
+          <a:prstGeom prst="rect">
+            <a:avLst/>
+          </a:prstGeom>
+          <a:ln w="12700">
+            <a:miter lim="400000"/>
+          </a:ln>
+          <a:extLst>
+            <a:ext uri="{C572A759-6A51-4108-AA02-DFA0A04FC94B}">
+              <ma14:wrappingTextBoxFlag xmlns:ma14="http://schemas.microsoft.com/office/mac/drawingml/2011/main" xmlns:a14="http://schemas.microsoft.com/office/drawing/2010/main" xmlns:m="http://schemas.openxmlformats.org/officeDocument/2006/math" xmlns="" val="1"/>
+            </a:ext>
+          </a:extLst>
+        </p:spPr>
+        <p:txBody>
+          <a:bodyPr wrap="none" lIns="50800" tIns="50800" rIns="50800" bIns="50800">
+            <a:spAutoFit/>
+          </a:bodyPr>
+          <a:lstStyle/>
+          <a:p>
+            <a:pPr>
+              <a:defRPr sz="1600" b="0">
+                <a:latin typeface="Helvetica Neue Thin"/>
+                <a:ea typeface="Helvetica Neue Thin"/>
+                <a:cs typeface="Helvetica Neue Thin"/>
+                <a:sym typeface="Helvetica Neue Thin"/>
+              </a:defRPr>
+            </a:pPr>
+            <a:fld id="{86CB4B4D-7CA3-9044-876B-883B54F8677D}" type="slidenum">
+              <a:t>16</a:t>
+            </a:fld>
+            <a:r>
+              <a:t>￼</a:t>
+            </a:r>
+          </a:p>
+        </p:txBody>
+      </p:sp>
+    </p:spTree>
+    <p:extLst>
+      <p:ext uri="{BB962C8B-B14F-4D97-AF65-F5344CB8AC3E}">
+        <p14:creationId xmlns:p14="http://schemas.microsoft.com/office/powerpoint/2010/main" val="4236370469"/>
+      </p:ext>
+    </p:extLst>
+  </p:cSld>
+  <p:clrMapOvr>
+    <a:masterClrMapping/>
+  </p:clrMapOvr>
+  <p:transition spd="med"/>
+</p:sld>
+</file>
+
+<file path=ppt/slides/slide17.xml><?xml version="1.0" encoding="utf-8"?>
+<p:sld xmlns:a="http://schemas.openxmlformats.org/drawingml/2006/main" xmlns:r="http://schemas.openxmlformats.org/officeDocument/2006/relationships" xmlns:p="http://schemas.openxmlformats.org/presentationml/2006/main">
+  <p:cSld>
+    <p:spTree>
+      <p:nvGrpSpPr>
+        <p:cNvPr id="1" name=""/>
+        <p:cNvGrpSpPr/>
+        <p:nvPr/>
+      </p:nvGrpSpPr>
+      <p:grpSpPr>
+        <a:xfrm>
+          <a:off x="0" y="0"/>
+          <a:ext cx="0" cy="0"/>
+          <a:chOff x="0" y="0"/>
+          <a:chExt cx="0" cy="0"/>
+        </a:xfrm>
+      </p:grpSpPr>
+      <p:sp>
+        <p:nvSpPr>
+          <p:cNvPr id="203" name="Trabalho Futuro"/>
+          <p:cNvSpPr txBox="1">
+            <a:spLocks noGrp="1"/>
+          </p:cNvSpPr>
+          <p:nvPr>
+            <p:ph type="title"/>
+          </p:nvPr>
+        </p:nvSpPr>
+        <p:spPr>
+          <a:prstGeom prst="rect">
+            <a:avLst/>
+          </a:prstGeom>
+        </p:spPr>
+        <p:txBody>
+          <a:bodyPr/>
+          <a:lstStyle>
+            <a:lvl1pPr defTabSz="457200">
+              <a:lnSpc>
+                <a:spcPct val="115000"/>
+              </a:lnSpc>
+              <a:spcBef>
+                <a:spcPts val="600"/>
+              </a:spcBef>
+              <a:defRPr sz="3700" b="1">
+                <a:uFill>
+                  <a:solidFill>
+                    <a:srgbClr val="000000"/>
+                  </a:solidFill>
+                </a:uFill>
+                <a:latin typeface="Arial"/>
+                <a:ea typeface="Arial"/>
+                <a:cs typeface="Arial"/>
+                <a:sym typeface="Arial"/>
+              </a:defRPr>
+            </a:lvl1pPr>
+          </a:lstStyle>
+          <a:p>
+            <a:r>
+              <a:t>Trabalho Futuro</a:t>
+            </a:r>
+          </a:p>
+        </p:txBody>
+      </p:sp>
+      <p:sp>
+        <p:nvSpPr>
+          <p:cNvPr id="204" name="Melhoria da interface gráfica na aplicação cliente…"/>
+          <p:cNvSpPr txBox="1">
+            <a:spLocks noGrp="1"/>
+          </p:cNvSpPr>
+          <p:nvPr>
+            <p:ph type="body" idx="1"/>
+          </p:nvPr>
+        </p:nvSpPr>
+        <p:spPr>
+          <a:xfrm>
+            <a:off x="952500" y="2853283"/>
+            <a:ext cx="11099800" cy="5490617"/>
+          </a:xfrm>
+          <a:prstGeom prst="rect">
+            <a:avLst/>
+          </a:prstGeom>
+        </p:spPr>
+        <p:txBody>
+          <a:bodyPr/>
+          <a:lstStyle/>
+          <a:p>
+            <a:r>
+              <a:t>Melhoria da interface gráfica na aplicação cliente</a:t>
+            </a:r>
+          </a:p>
+          <a:p>
+            <a:r>
+              <a:t>Melhoria do tratamento de erros na aplicação cliente</a:t>
+            </a:r>
+          </a:p>
+          <a:p>
+            <a:r>
+              <a:rPr i="1"/>
+              <a:t>Deployment</a:t>
+            </a:r>
+            <a:r>
+              <a:t> das aplicações cliente e servidor</a:t>
+            </a:r>
+          </a:p>
+        </p:txBody>
+      </p:sp>
+      <p:sp>
+        <p:nvSpPr>
+          <p:cNvPr id="205" name="Text"/>
+          <p:cNvSpPr txBox="1"/>
+          <p:nvPr/>
+        </p:nvSpPr>
+        <p:spPr>
+          <a:xfrm>
+            <a:off x="12272484" y="9169400"/>
+            <a:ext cx="340259" cy="324306"/>
+          </a:xfrm>
+          <a:prstGeom prst="rect">
+            <a:avLst/>
+          </a:prstGeom>
+          <a:ln w="12700">
+            <a:miter lim="400000"/>
+          </a:ln>
+          <a:extLst>
+            <a:ext uri="{C572A759-6A51-4108-AA02-DFA0A04FC94B}">
+              <ma14:wrappingTextBoxFlag xmlns:ma14="http://schemas.microsoft.com/office/mac/drawingml/2011/main" xmlns:a14="http://schemas.microsoft.com/office/drawing/2010/main" xmlns:m="http://schemas.openxmlformats.org/officeDocument/2006/math" xmlns="" val="1"/>
+            </a:ext>
+          </a:extLst>
+        </p:spPr>
+        <p:txBody>
+          <a:bodyPr wrap="none" lIns="50800" tIns="50800" rIns="50800" bIns="50800">
+            <a:spAutoFit/>
+          </a:bodyPr>
+          <a:lstStyle/>
+          <a:p>
+            <a:pPr>
+              <a:defRPr sz="1600" b="0">
+                <a:latin typeface="Helvetica Neue Thin"/>
+                <a:ea typeface="Helvetica Neue Thin"/>
+                <a:cs typeface="Helvetica Neue Thin"/>
+                <a:sym typeface="Helvetica Neue Thin"/>
+              </a:defRPr>
+            </a:pPr>
+            <a:fld id="{86CB4B4D-7CA3-9044-876B-883B54F8677D}" type="slidenum">
+              <a:t>17</a:t>
+            </a:fld>
+            <a:r>
+              <a:t>￼</a:t>
+            </a:r>
+          </a:p>
+        </p:txBody>
+      </p:sp>
+    </p:spTree>
+  </p:cSld>
+  <p:clrMapOvr>
+    <a:masterClrMapping/>
+  </p:clrMapOvr>
+  <p:transition spd="med"/>
+</p:sld>
+</file>
+
+<file path=ppt/slides/slide2.xml><?xml version="1.0" encoding="utf-8"?>
+<p:sld xmlns:a="http://schemas.openxmlformats.org/drawingml/2006/main" xmlns:r="http://schemas.openxmlformats.org/officeDocument/2006/relationships" xmlns:p="http://schemas.openxmlformats.org/presentationml/2006/main">
+  <p:cSld>
+    <p:spTree>
+      <p:nvGrpSpPr>
+        <p:cNvPr id="1" name=""/>
+        <p:cNvGrpSpPr/>
+        <p:nvPr/>
+      </p:nvGrpSpPr>
+      <p:grpSpPr>
+        <a:xfrm>
+          <a:off x="0" y="0"/>
+          <a:ext cx="0" cy="0"/>
+          <a:chOff x="0" y="0"/>
+          <a:chExt cx="0" cy="0"/>
+        </a:xfrm>
+      </p:grpSpPr>
+      <p:sp>
+        <p:nvSpPr>
+          <p:cNvPr id="126" name="Sumário"/>
+          <p:cNvSpPr txBox="1">
+            <a:spLocks noGrp="1"/>
+          </p:cNvSpPr>
+          <p:nvPr>
+            <p:ph type="title"/>
+          </p:nvPr>
+        </p:nvSpPr>
+        <p:spPr>
+          <a:prstGeom prst="rect">
+            <a:avLst/>
+          </a:prstGeom>
+        </p:spPr>
+        <p:txBody>
+          <a:bodyPr/>
+          <a:lstStyle>
+            <a:lvl1pPr defTabSz="457200">
+              <a:lnSpc>
+                <a:spcPct val="115000"/>
+              </a:lnSpc>
+              <a:spcBef>
+                <a:spcPts val="600"/>
+              </a:spcBef>
+              <a:defRPr sz="3700" b="1">
+                <a:uFill>
+                  <a:solidFill>
+                    <a:srgbClr val="000000"/>
+                  </a:solidFill>
+                </a:uFill>
+                <a:latin typeface="Arial"/>
+                <a:ea typeface="Arial"/>
+                <a:cs typeface="Arial"/>
+                <a:sym typeface="Arial"/>
+              </a:defRPr>
+            </a:lvl1pPr>
+          </a:lstStyle>
+          <a:p>
+            <a:r>
+              <a:t>Sumário</a:t>
+            </a:r>
+          </a:p>
+        </p:txBody>
+      </p:sp>
+      <p:sp>
+        <p:nvSpPr>
+          <p:cNvPr id="127" name="Enquadramento…"/>
+          <p:cNvSpPr txBox="1">
+            <a:spLocks noGrp="1"/>
+          </p:cNvSpPr>
+          <p:nvPr>
+            <p:ph type="body" idx="1"/>
+          </p:nvPr>
+        </p:nvSpPr>
+        <p:spPr>
+          <a:prstGeom prst="rect">
+            <a:avLst/>
+          </a:prstGeom>
+        </p:spPr>
+        <p:txBody>
+          <a:bodyPr/>
+          <a:lstStyle/>
+          <a:p>
+            <a:r>
+              <a:t>Enquadramento</a:t>
+            </a:r>
+          </a:p>
+          <a:p>
+            <a:r>
+              <a:t>Objectivos</a:t>
+            </a:r>
+          </a:p>
+          <a:p>
+            <a:r>
+              <a:t>Arquitectura do Sistema</a:t>
+            </a:r>
+          </a:p>
+          <a:p>
+            <a:r>
+              <a:t>Conclusão</a:t>
+            </a:r>
+          </a:p>
+          <a:p>
+            <a:r>
+              <a:t>Trabalho Futuro</a:t>
+            </a:r>
+          </a:p>
+        </p:txBody>
+      </p:sp>
+      <p:sp>
+        <p:nvSpPr>
+          <p:cNvPr id="128" name="Text"/>
+          <p:cNvSpPr txBox="1"/>
+          <p:nvPr/>
+        </p:nvSpPr>
+        <p:spPr>
+          <a:xfrm>
+            <a:off x="12328973" y="9169400"/>
+            <a:ext cx="227280" cy="324306"/>
+          </a:xfrm>
+          <a:prstGeom prst="rect">
+            <a:avLst/>
+          </a:prstGeom>
+          <a:ln w="12700">
+            <a:miter lim="400000"/>
+          </a:ln>
+          <a:extLst>
+            <a:ext uri="{C572A759-6A51-4108-AA02-DFA0A04FC94B}">
+              <ma14:wrappingTextBoxFlag xmlns:ma14="http://schemas.microsoft.com/office/mac/drawingml/2011/main" xmlns:a14="http://schemas.microsoft.com/office/drawing/2010/main" xmlns:m="http://schemas.openxmlformats.org/officeDocument/2006/math" xmlns="" val="1"/>
+            </a:ext>
+          </a:extLst>
+        </p:spPr>
+        <p:txBody>
+          <a:bodyPr wrap="none" lIns="50800" tIns="50800" rIns="50800" bIns="50800">
+            <a:spAutoFit/>
+          </a:bodyPr>
+          <a:lstStyle/>
+          <a:p>
+            <a:pPr>
+              <a:defRPr sz="1600" b="0">
+                <a:latin typeface="Helvetica Neue Thin"/>
+                <a:ea typeface="Helvetica Neue Thin"/>
+                <a:cs typeface="Helvetica Neue Thin"/>
+                <a:sym typeface="Helvetica Neue Thin"/>
+              </a:defRPr>
+            </a:pPr>
+            <a:fld id="{86CB4B4D-7CA3-9044-876B-883B54F8677D}" type="slidenum">
+              <a:t>2</a:t>
+            </a:fld>
+            <a:r>
+              <a:t>￼</a:t>
+            </a:r>
+          </a:p>
+        </p:txBody>
+      </p:sp>
+    </p:spTree>
+  </p:cSld>
+  <p:clrMapOvr>
+    <a:masterClrMapping/>
+  </p:clrMapOvr>
+  <p:transition spd="med"/>
+</p:sld>
+</file>
+
+<file path=ppt/slides/slide3.xml><?xml version="1.0" encoding="utf-8"?>
+<p:sld xmlns:a="http://schemas.openxmlformats.org/drawingml/2006/main" xmlns:r="http://schemas.openxmlformats.org/officeDocument/2006/relationships" xmlns:p="http://schemas.openxmlformats.org/presentationml/2006/main">
+  <p:cSld>
+    <p:spTree>
+      <p:nvGrpSpPr>
+        <p:cNvPr id="1" name=""/>
+        <p:cNvGrpSpPr/>
+        <p:nvPr/>
+      </p:nvGrpSpPr>
+      <p:grpSpPr>
+        <a:xfrm>
+          <a:off x="0" y="0"/>
+          <a:ext cx="0" cy="0"/>
+          <a:chOff x="0" y="0"/>
+          <a:chExt cx="0" cy="0"/>
+        </a:xfrm>
+      </p:grpSpPr>
+      <p:sp>
+        <p:nvSpPr>
+          <p:cNvPr id="130" name="Enquadramento"/>
+          <p:cNvSpPr txBox="1">
+            <a:spLocks noGrp="1"/>
+          </p:cNvSpPr>
+          <p:nvPr>
+            <p:ph type="title"/>
+          </p:nvPr>
+        </p:nvSpPr>
+        <p:spPr>
+          <a:prstGeom prst="rect">
+            <a:avLst/>
+          </a:prstGeom>
+        </p:spPr>
+        <p:txBody>
+          <a:bodyPr/>
+          <a:lstStyle>
+            <a:lvl1pPr defTabSz="457200">
+              <a:lnSpc>
+                <a:spcPct val="115000"/>
+              </a:lnSpc>
+              <a:spcBef>
+                <a:spcPts val="600"/>
+              </a:spcBef>
+              <a:defRPr sz="3700" b="1">
+                <a:uFill>
+                  <a:solidFill>
+                    <a:srgbClr val="000000"/>
+                  </a:solidFill>
+                </a:uFill>
+                <a:latin typeface="Arial"/>
+                <a:ea typeface="Arial"/>
+                <a:cs typeface="Arial"/>
+                <a:sym typeface="Arial"/>
+              </a:defRPr>
+            </a:lvl1pPr>
+          </a:lstStyle>
+          <a:p>
+            <a:r>
+              <a:t>Enquadramento</a:t>
+            </a:r>
+          </a:p>
+        </p:txBody>
+      </p:sp>
+      <p:sp>
+        <p:nvSpPr>
+          <p:cNvPr id="131" name="Os comboios são utilizadores de sistemas de comunicação móveis devido á necessidade permanente de troca de informação…"/>
+          <p:cNvSpPr txBox="1">
+            <a:spLocks noGrp="1"/>
+          </p:cNvSpPr>
+          <p:nvPr>
+            <p:ph type="body" idx="1"/>
+          </p:nvPr>
+        </p:nvSpPr>
+        <p:spPr>
+          <a:xfrm>
+            <a:off x="952500" y="2413000"/>
+            <a:ext cx="11099800" cy="6299200"/>
+          </a:xfrm>
+          <a:prstGeom prst="rect">
+            <a:avLst/>
+          </a:prstGeom>
+        </p:spPr>
+        <p:txBody>
+          <a:bodyPr/>
+          <a:lstStyle/>
+          <a:p>
+            <a:pPr algn="just">
+              <a:defRPr sz="3000"/>
+            </a:pPr>
+            <a:r>
+              <a:rPr dirty="0" err="1"/>
+              <a:t>Os</a:t>
+            </a:r>
+            <a:r>
+              <a:rPr dirty="0"/>
+              <a:t> </a:t>
+            </a:r>
+            <a:r>
+              <a:rPr dirty="0" err="1"/>
+              <a:t>comboios</a:t>
+            </a:r>
+            <a:r>
+              <a:rPr dirty="0"/>
+              <a:t> </a:t>
+            </a:r>
+            <a:r>
+              <a:rPr dirty="0" err="1"/>
+              <a:t>são</a:t>
+            </a:r>
+            <a:r>
+              <a:rPr dirty="0"/>
+              <a:t> </a:t>
+            </a:r>
+            <a:r>
+              <a:rPr dirty="0" err="1"/>
+              <a:t>utilizadores</a:t>
+            </a:r>
+            <a:r>
+              <a:rPr dirty="0"/>
+              <a:t> de </a:t>
+            </a:r>
+            <a:r>
+              <a:rPr dirty="0" err="1"/>
+              <a:t>sistemas</a:t>
+            </a:r>
+            <a:r>
+              <a:rPr dirty="0"/>
+              <a:t> de </a:t>
+            </a:r>
+            <a:r>
+              <a:rPr dirty="0" err="1"/>
+              <a:t>comunicação</a:t>
+            </a:r>
+            <a:r>
+              <a:rPr dirty="0"/>
+              <a:t> </a:t>
+            </a:r>
+            <a:r>
+              <a:rPr dirty="0" err="1"/>
+              <a:t>móveis</a:t>
+            </a:r>
+            <a:r>
+              <a:rPr dirty="0"/>
+              <a:t> </a:t>
+            </a:r>
+            <a:r>
+              <a:rPr dirty="0" err="1"/>
+              <a:t>devido</a:t>
+            </a:r>
+            <a:r>
+              <a:rPr dirty="0"/>
+              <a:t> </a:t>
+            </a:r>
+            <a:r>
+              <a:rPr lang="pt-PT" dirty="0"/>
+              <a:t>à</a:t>
+            </a:r>
+            <a:r>
+              <a:rPr dirty="0"/>
+              <a:t> </a:t>
+            </a:r>
+            <a:r>
+              <a:rPr dirty="0" err="1"/>
+              <a:t>necessidade</a:t>
+            </a:r>
+            <a:r>
+              <a:rPr dirty="0"/>
+              <a:t> </a:t>
+            </a:r>
+            <a:r>
+              <a:rPr dirty="0" err="1"/>
+              <a:t>permanente</a:t>
+            </a:r>
+            <a:r>
+              <a:rPr dirty="0"/>
+              <a:t> de </a:t>
+            </a:r>
+            <a:r>
+              <a:rPr dirty="0" err="1"/>
+              <a:t>troca</a:t>
+            </a:r>
+            <a:r>
+              <a:rPr dirty="0"/>
+              <a:t> de </a:t>
+            </a:r>
+            <a:r>
+              <a:rPr dirty="0" err="1"/>
+              <a:t>informação</a:t>
+            </a:r>
+            <a:endParaRPr dirty="0"/>
+          </a:p>
+          <a:p>
+            <a:pPr algn="just">
+              <a:defRPr sz="3000"/>
+            </a:pPr>
+            <a:r>
+              <a:rPr dirty="0" err="1"/>
+              <a:t>Atualmente</a:t>
+            </a:r>
+            <a:r>
+              <a:rPr dirty="0"/>
+              <a:t> </a:t>
+            </a:r>
+            <a:r>
+              <a:rPr dirty="0" err="1"/>
+              <a:t>estes</a:t>
+            </a:r>
+            <a:r>
+              <a:rPr dirty="0"/>
+              <a:t> </a:t>
+            </a:r>
+            <a:r>
+              <a:rPr dirty="0" err="1"/>
+              <a:t>sistemas</a:t>
+            </a:r>
+            <a:r>
+              <a:rPr dirty="0"/>
+              <a:t> de </a:t>
+            </a:r>
+            <a:r>
+              <a:rPr dirty="0" err="1"/>
+              <a:t>comunicação</a:t>
+            </a:r>
+            <a:r>
+              <a:rPr dirty="0"/>
+              <a:t> </a:t>
+            </a:r>
+            <a:r>
+              <a:rPr dirty="0" err="1"/>
+              <a:t>transportam</a:t>
+            </a:r>
+            <a:r>
+              <a:rPr dirty="0"/>
+              <a:t> </a:t>
+            </a:r>
+            <a:r>
+              <a:rPr dirty="0" err="1"/>
+              <a:t>informação</a:t>
+            </a:r>
+            <a:r>
+              <a:rPr dirty="0"/>
+              <a:t> de </a:t>
+            </a:r>
+            <a:r>
+              <a:rPr dirty="0" err="1"/>
+              <a:t>sinalização</a:t>
+            </a:r>
+            <a:r>
+              <a:rPr dirty="0"/>
+              <a:t> que </a:t>
+            </a:r>
+            <a:r>
+              <a:rPr dirty="0" err="1"/>
+              <a:t>permite</a:t>
+            </a:r>
+            <a:r>
+              <a:rPr dirty="0"/>
+              <a:t> </a:t>
+            </a:r>
+            <a:r>
+              <a:rPr dirty="0" err="1"/>
+              <a:t>efectuar</a:t>
+            </a:r>
+            <a:r>
+              <a:rPr dirty="0"/>
+              <a:t> o </a:t>
+            </a:r>
+            <a:r>
+              <a:rPr dirty="0" err="1"/>
+              <a:t>comando</a:t>
+            </a:r>
+            <a:r>
+              <a:rPr dirty="0"/>
+              <a:t> de </a:t>
+            </a:r>
+            <a:r>
+              <a:rPr dirty="0" err="1"/>
+              <a:t>controlo</a:t>
+            </a:r>
+            <a:r>
+              <a:rPr dirty="0"/>
+              <a:t> de </a:t>
+            </a:r>
+            <a:r>
+              <a:rPr dirty="0" err="1"/>
+              <a:t>circulação</a:t>
+            </a:r>
+            <a:endParaRPr dirty="0"/>
+          </a:p>
+          <a:p>
+            <a:pPr algn="just">
+              <a:defRPr sz="3000"/>
+            </a:pPr>
+            <a:r>
+              <a:rPr dirty="0"/>
+              <a:t>A </a:t>
+            </a:r>
+            <a:r>
+              <a:rPr dirty="0" err="1"/>
+              <a:t>monitorização</a:t>
+            </a:r>
+            <a:r>
+              <a:rPr dirty="0"/>
+              <a:t> </a:t>
+            </a:r>
+            <a:r>
+              <a:rPr dirty="0" err="1"/>
+              <a:t>permanente</a:t>
+            </a:r>
+            <a:r>
+              <a:rPr dirty="0"/>
+              <a:t> da </a:t>
+            </a:r>
+            <a:r>
+              <a:rPr dirty="0" err="1"/>
+              <a:t>qualidade</a:t>
+            </a:r>
+            <a:r>
+              <a:rPr dirty="0"/>
+              <a:t> de </a:t>
+            </a:r>
+            <a:r>
+              <a:rPr dirty="0" err="1"/>
+              <a:t>serviço</a:t>
+            </a:r>
+            <a:r>
+              <a:rPr dirty="0"/>
+              <a:t> </a:t>
+            </a:r>
+            <a:r>
+              <a:rPr dirty="0" err="1"/>
+              <a:t>em</a:t>
+            </a:r>
+            <a:r>
+              <a:rPr dirty="0"/>
+              <a:t> redes de </a:t>
+            </a:r>
+            <a:r>
+              <a:rPr dirty="0" err="1"/>
+              <a:t>comunicações</a:t>
+            </a:r>
+            <a:r>
+              <a:rPr dirty="0"/>
+              <a:t> </a:t>
+            </a:r>
+            <a:r>
+              <a:rPr dirty="0" err="1"/>
+              <a:t>móveis</a:t>
+            </a:r>
+            <a:r>
+              <a:rPr dirty="0"/>
+              <a:t> </a:t>
+            </a:r>
+            <a:r>
+              <a:rPr dirty="0" err="1"/>
+              <a:t>ferroviárias</a:t>
+            </a:r>
+            <a:r>
+              <a:rPr dirty="0"/>
+              <a:t> é fundamental</a:t>
+            </a:r>
+          </a:p>
+        </p:txBody>
+      </p:sp>
+      <p:sp>
+        <p:nvSpPr>
+          <p:cNvPr id="132" name="Text"/>
+          <p:cNvSpPr txBox="1"/>
+          <p:nvPr/>
+        </p:nvSpPr>
+        <p:spPr>
+          <a:xfrm>
+            <a:off x="12328973" y="9169400"/>
+            <a:ext cx="227280" cy="324306"/>
+          </a:xfrm>
+          <a:prstGeom prst="rect">
+            <a:avLst/>
+          </a:prstGeom>
+          <a:ln w="12700">
+            <a:miter lim="400000"/>
+          </a:ln>
+          <a:extLst>
+            <a:ext uri="{C572A759-6A51-4108-AA02-DFA0A04FC94B}">
+              <ma14:wrappingTextBoxFlag xmlns:ma14="http://schemas.microsoft.com/office/mac/drawingml/2011/main" xmlns:a14="http://schemas.microsoft.com/office/drawing/2010/main" xmlns:m="http://schemas.openxmlformats.org/officeDocument/2006/math" xmlns="" val="1"/>
+            </a:ext>
+          </a:extLst>
+        </p:spPr>
+        <p:txBody>
+          <a:bodyPr wrap="none" lIns="50800" tIns="50800" rIns="50800" bIns="50800">
+            <a:spAutoFit/>
+          </a:bodyPr>
+          <a:lstStyle/>
+          <a:p>
+            <a:pPr>
+              <a:defRPr sz="1600" b="0">
+                <a:latin typeface="Helvetica Neue Thin"/>
+                <a:ea typeface="Helvetica Neue Thin"/>
+                <a:cs typeface="Helvetica Neue Thin"/>
+                <a:sym typeface="Helvetica Neue Thin"/>
+              </a:defRPr>
+            </a:pPr>
+            <a:fld id="{86CB4B4D-7CA3-9044-876B-883B54F8677D}" type="slidenum">
+              <a:t>3</a:t>
+            </a:fld>
+            <a:r>
+              <a:t>￼</a:t>
+            </a:r>
+          </a:p>
+        </p:txBody>
+      </p:sp>
+    </p:spTree>
+  </p:cSld>
+  <p:clrMapOvr>
+    <a:masterClrMapping/>
+  </p:clrMapOvr>
+  <p:transition spd="med"/>
+</p:sld>
+</file>
+
+<file path=ppt/slides/slide4.xml><?xml version="1.0" encoding="utf-8"?>
+<p:sld xmlns:a="http://schemas.openxmlformats.org/drawingml/2006/main" xmlns:r="http://schemas.openxmlformats.org/officeDocument/2006/relationships" xmlns:p="http://schemas.openxmlformats.org/presentationml/2006/main">
+  <p:cSld>
+    <p:spTree>
+      <p:nvGrpSpPr>
+        <p:cNvPr id="1" name=""/>
+        <p:cNvGrpSpPr/>
+        <p:nvPr/>
+      </p:nvGrpSpPr>
+      <p:grpSpPr>
+        <a:xfrm>
+          <a:off x="0" y="0"/>
+          <a:ext cx="0" cy="0"/>
+          <a:chOff x="0" y="0"/>
+          <a:chExt cx="0" cy="0"/>
+        </a:xfrm>
+      </p:grpSpPr>
+      <p:sp>
+        <p:nvSpPr>
+          <p:cNvPr id="134" name="Enquadramento"/>
+          <p:cNvSpPr txBox="1">
+            <a:spLocks noGrp="1"/>
+          </p:cNvSpPr>
+          <p:nvPr>
+            <p:ph type="title"/>
+          </p:nvPr>
+        </p:nvSpPr>
+        <p:spPr>
+          <a:prstGeom prst="rect">
+            <a:avLst/>
+          </a:prstGeom>
+        </p:spPr>
+        <p:txBody>
+          <a:bodyPr/>
+          <a:lstStyle>
+            <a:lvl1pPr defTabSz="457200">
+              <a:lnSpc>
+                <a:spcPct val="115000"/>
+              </a:lnSpc>
+              <a:spcBef>
+                <a:spcPts val="600"/>
+              </a:spcBef>
+              <a:defRPr sz="3700" b="1">
+                <a:uFill>
+                  <a:solidFill>
+                    <a:srgbClr val="000000"/>
+                  </a:solidFill>
+                </a:uFill>
+                <a:latin typeface="Arial"/>
+                <a:ea typeface="Arial"/>
+                <a:cs typeface="Arial"/>
+                <a:sym typeface="Arial"/>
+              </a:defRPr>
+            </a:lvl1pPr>
+          </a:lstStyle>
+          <a:p>
+            <a:r>
+              <a:t>Enquadramento</a:t>
+            </a:r>
+          </a:p>
+        </p:txBody>
+      </p:sp>
+      <p:sp>
+        <p:nvSpPr>
+          <p:cNvPr id="135" name="A forma mais eficaz de monitorização de qualidade de serviço é baseada em equipamentos colocados a bordo dos comboios (sondas) que realizam a monitorização aos sistemas de comunicações móveis ferroviários."/>
+          <p:cNvSpPr txBox="1">
+            <a:spLocks noGrp="1"/>
+          </p:cNvSpPr>
+          <p:nvPr>
+            <p:ph type="body" sz="half" idx="1"/>
+          </p:nvPr>
+        </p:nvSpPr>
+        <p:spPr>
+          <a:xfrm>
+            <a:off x="952500" y="2026493"/>
+            <a:ext cx="11099800" cy="2875707"/>
+          </a:xfrm>
+          <a:prstGeom prst="rect">
+            <a:avLst/>
+          </a:prstGeom>
+        </p:spPr>
+        <p:txBody>
+          <a:bodyPr/>
+          <a:lstStyle>
+            <a:lvl1pPr marL="0" indent="0" algn="just">
+              <a:buSzTx/>
+              <a:buNone/>
+              <a:defRPr sz="3000"/>
+            </a:lvl1pPr>
+          </a:lstStyle>
+          <a:p>
+            <a:r>
+              <a:t>A forma mais eficaz de monitorização de qualidade de serviço é baseada em equipamentos colocados a bordo dos comboios (sondas) que realizam a monitorização aos sistemas de comunicações móveis ferroviários. </a:t>
+            </a:r>
+          </a:p>
+        </p:txBody>
+      </p:sp>
+      <p:sp>
+        <p:nvSpPr>
+          <p:cNvPr id="136" name="Text"/>
+          <p:cNvSpPr txBox="1"/>
+          <p:nvPr/>
+        </p:nvSpPr>
+        <p:spPr>
+          <a:xfrm>
+            <a:off x="12328973" y="9169400"/>
+            <a:ext cx="227280" cy="324306"/>
+          </a:xfrm>
+          <a:prstGeom prst="rect">
+            <a:avLst/>
+          </a:prstGeom>
+          <a:ln w="12700">
+            <a:miter lim="400000"/>
+          </a:ln>
+          <a:extLst>
+            <a:ext uri="{C572A759-6A51-4108-AA02-DFA0A04FC94B}">
+              <ma14:wrappingTextBoxFlag xmlns:ma14="http://schemas.microsoft.com/office/mac/drawingml/2011/main" xmlns:a14="http://schemas.microsoft.com/office/drawing/2010/main" xmlns:m="http://schemas.openxmlformats.org/officeDocument/2006/math" xmlns="" val="1"/>
+            </a:ext>
+          </a:extLst>
+        </p:spPr>
+        <p:txBody>
+          <a:bodyPr wrap="none" lIns="50800" tIns="50800" rIns="50800" bIns="50800">
+            <a:spAutoFit/>
+          </a:bodyPr>
+          <a:lstStyle/>
+          <a:p>
+            <a:pPr>
+              <a:defRPr sz="1600" b="0">
+                <a:latin typeface="Helvetica Neue Thin"/>
+                <a:ea typeface="Helvetica Neue Thin"/>
+                <a:cs typeface="Helvetica Neue Thin"/>
+                <a:sym typeface="Helvetica Neue Thin"/>
+              </a:defRPr>
+            </a:pPr>
+            <a:fld id="{86CB4B4D-7CA3-9044-876B-883B54F8677D}" type="slidenum">
+              <a:t>4</a:t>
+            </a:fld>
+            <a:r>
+              <a:t>￼</a:t>
+            </a:r>
+          </a:p>
+        </p:txBody>
+      </p:sp>
+      <p:pic>
+        <p:nvPicPr>
+          <p:cNvPr id="137" name="Screen Shot 2019-07-18 at 14.59.30.png" descr="Screen Shot 2019-07-18 at 14.59.30.png"/>
+          <p:cNvPicPr>
+            <a:picLocks noChangeAspect="1"/>
+          </p:cNvPicPr>
+          <p:nvPr/>
+        </p:nvPicPr>
+        <p:blipFill>
+          <a:blip r:embed="rId2"/>
+          <a:stretch>
+            <a:fillRect/>
+          </a:stretch>
+        </p:blipFill>
+        <p:spPr>
+          <a:xfrm>
+            <a:off x="1511833" y="5412283"/>
+            <a:ext cx="9345386" cy="2159001"/>
+          </a:xfrm>
+          <a:prstGeom prst="rect">
+            <a:avLst/>
+          </a:prstGeom>
+          <a:ln w="12700">
+            <a:miter lim="400000"/>
+          </a:ln>
+        </p:spPr>
+      </p:pic>
+    </p:spTree>
+  </p:cSld>
+  <p:clrMapOvr>
+    <a:masterClrMapping/>
+  </p:clrMapOvr>
+  <p:transition spd="med"/>
+</p:sld>
+</file>
+
+<file path=ppt/slides/slide5.xml><?xml version="1.0" encoding="utf-8"?>
+<p:sld xmlns:a="http://schemas.openxmlformats.org/drawingml/2006/main" xmlns:r="http://schemas.openxmlformats.org/officeDocument/2006/relationships" xmlns:p="http://schemas.openxmlformats.org/presentationml/2006/main">
+  <p:cSld>
+    <p:spTree>
+      <p:nvGrpSpPr>
+        <p:cNvPr id="1" name=""/>
+        <p:cNvGrpSpPr/>
+        <p:nvPr/>
+      </p:nvGrpSpPr>
+      <p:grpSpPr>
+        <a:xfrm>
+          <a:off x="0" y="0"/>
+          <a:ext cx="0" cy="0"/>
+          <a:chOff x="0" y="0"/>
+          <a:chExt cx="0" cy="0"/>
+        </a:xfrm>
+      </p:grpSpPr>
+      <p:sp>
+        <p:nvSpPr>
+          <p:cNvPr id="139" name="Objectivos"/>
+          <p:cNvSpPr txBox="1">
+            <a:spLocks noGrp="1"/>
+          </p:cNvSpPr>
+          <p:nvPr>
+            <p:ph type="title"/>
+          </p:nvPr>
+        </p:nvSpPr>
+        <p:spPr>
+          <a:prstGeom prst="rect">
+            <a:avLst/>
+          </a:prstGeom>
+        </p:spPr>
+        <p:txBody>
+          <a:bodyPr/>
+          <a:lstStyle>
+            <a:lvl1pPr defTabSz="457200">
+              <a:lnSpc>
+                <a:spcPct val="115000"/>
+              </a:lnSpc>
+              <a:spcBef>
+                <a:spcPts val="600"/>
+              </a:spcBef>
+              <a:defRPr sz="3700" b="1">
+                <a:uFill>
+                  <a:solidFill>
+                    <a:srgbClr val="000000"/>
+                  </a:solidFill>
+                </a:uFill>
+                <a:latin typeface="Arial"/>
+                <a:ea typeface="Arial"/>
+                <a:cs typeface="Arial"/>
+                <a:sym typeface="Arial"/>
+              </a:defRPr>
+            </a:lvl1pPr>
+          </a:lstStyle>
+          <a:p>
+            <a:r>
+              <a:t>Objectivos</a:t>
+            </a:r>
+          </a:p>
+        </p:txBody>
+      </p:sp>
+      <p:sp>
+        <p:nvSpPr>
+          <p:cNvPr id="140" name="Desenvolvimento de um sistema de informação que permita realizar a administração de sondas e análise de dados provenientes das mesmas…"/>
+          <p:cNvSpPr txBox="1">
+            <a:spLocks noGrp="1"/>
+          </p:cNvSpPr>
+          <p:nvPr>
+            <p:ph type="body" idx="1"/>
+          </p:nvPr>
+        </p:nvSpPr>
+        <p:spPr>
+          <a:xfrm>
+            <a:off x="952500" y="2413000"/>
+            <a:ext cx="11099800" cy="6299200"/>
+          </a:xfrm>
+          <a:prstGeom prst="rect">
+            <a:avLst/>
+          </a:prstGeom>
+        </p:spPr>
+        <p:txBody>
+          <a:bodyPr/>
+          <a:lstStyle/>
+          <a:p>
+            <a:pPr algn="just"/>
+            <a:r>
+              <a:t>Desenvolvimento de um sistema de informação que permita realizar a administração de sondas e análise de dados provenientes das mesmas </a:t>
+            </a:r>
+          </a:p>
+          <a:p>
+            <a:pPr algn="just"/>
+            <a:r>
+              <a:t>Observação fácil e objectiva dos dados e administração do sistema</a:t>
+            </a:r>
+          </a:p>
+          <a:p>
+            <a:pPr algn="just"/>
+            <a:r>
+              <a:t>Assegurar a gestão do equipamento e de configurações</a:t>
+            </a:r>
+          </a:p>
+        </p:txBody>
+      </p:sp>
+      <p:sp>
+        <p:nvSpPr>
+          <p:cNvPr id="141" name="Text"/>
+          <p:cNvSpPr txBox="1"/>
+          <p:nvPr/>
+        </p:nvSpPr>
+        <p:spPr>
+          <a:xfrm>
+            <a:off x="12328973" y="9169400"/>
+            <a:ext cx="227280" cy="324306"/>
+          </a:xfrm>
+          <a:prstGeom prst="rect">
+            <a:avLst/>
+          </a:prstGeom>
+          <a:ln w="12700">
+            <a:miter lim="400000"/>
+          </a:ln>
+          <a:extLst>
+            <a:ext uri="{C572A759-6A51-4108-AA02-DFA0A04FC94B}">
+              <ma14:wrappingTextBoxFlag xmlns:ma14="http://schemas.microsoft.com/office/mac/drawingml/2011/main" xmlns:a14="http://schemas.microsoft.com/office/drawing/2010/main" xmlns:m="http://schemas.openxmlformats.org/officeDocument/2006/math" xmlns="" val="1"/>
+            </a:ext>
+          </a:extLst>
+        </p:spPr>
+        <p:txBody>
+          <a:bodyPr wrap="none" lIns="50800" tIns="50800" rIns="50800" bIns="50800">
+            <a:spAutoFit/>
+          </a:bodyPr>
+          <a:lstStyle/>
+          <a:p>
+            <a:pPr>
+              <a:defRPr sz="1600" b="0">
+                <a:latin typeface="Helvetica Neue Thin"/>
+                <a:ea typeface="Helvetica Neue Thin"/>
+                <a:cs typeface="Helvetica Neue Thin"/>
+                <a:sym typeface="Helvetica Neue Thin"/>
+              </a:defRPr>
+            </a:pPr>
+            <a:fld id="{86CB4B4D-7CA3-9044-876B-883B54F8677D}" type="slidenum">
+              <a:t>5</a:t>
+            </a:fld>
+            <a:r>
+              <a:t>￼</a:t>
+            </a:r>
+          </a:p>
+        </p:txBody>
+      </p:sp>
+    </p:spTree>
+  </p:cSld>
+  <p:clrMapOvr>
+    <a:masterClrMapping/>
+  </p:clrMapOvr>
+  <p:transition spd="med"/>
+</p:sld>
+</file>
+
+<file path=ppt/slides/slide6.xml><?xml version="1.0" encoding="utf-8"?>
+<p:sld xmlns:a="http://schemas.openxmlformats.org/drawingml/2006/main" xmlns:r="http://schemas.openxmlformats.org/officeDocument/2006/relationships" xmlns:p="http://schemas.openxmlformats.org/presentationml/2006/main">
+  <p:cSld>
+    <p:spTree>
+      <p:nvGrpSpPr>
+        <p:cNvPr id="1" name=""/>
+        <p:cNvGrpSpPr/>
+        <p:nvPr/>
+      </p:nvGrpSpPr>
+      <p:grpSpPr>
+        <a:xfrm>
+          <a:off x="0" y="0"/>
+          <a:ext cx="0" cy="0"/>
+          <a:chOff x="0" y="0"/>
+          <a:chExt cx="0" cy="0"/>
+        </a:xfrm>
+      </p:grpSpPr>
+      <p:sp>
+        <p:nvSpPr>
+          <p:cNvPr id="143" name="Diagrama da Arquitectura do Sistema"/>
+          <p:cNvSpPr txBox="1">
+            <a:spLocks noGrp="1"/>
+          </p:cNvSpPr>
+          <p:nvPr>
+            <p:ph type="title"/>
+          </p:nvPr>
+        </p:nvSpPr>
+        <p:spPr>
+          <a:prstGeom prst="rect">
+            <a:avLst/>
+          </a:prstGeom>
+        </p:spPr>
+        <p:txBody>
+          <a:bodyPr/>
+          <a:lstStyle>
+            <a:lvl1pPr defTabSz="457200">
+              <a:lnSpc>
+                <a:spcPct val="115000"/>
+              </a:lnSpc>
+              <a:spcBef>
+                <a:spcPts val="600"/>
+              </a:spcBef>
+              <a:defRPr sz="3700" b="1">
+                <a:uFill>
+                  <a:solidFill>
+                    <a:srgbClr val="000000"/>
+                  </a:solidFill>
+                </a:uFill>
+                <a:latin typeface="Arial"/>
+                <a:ea typeface="Arial"/>
+                <a:cs typeface="Arial"/>
+                <a:sym typeface="Arial"/>
+              </a:defRPr>
+            </a:lvl1pPr>
+          </a:lstStyle>
+          <a:p>
+            <a:r>
+              <a:t>Diagrama da Arquitectura do Sistema</a:t>
+            </a:r>
+          </a:p>
+        </p:txBody>
+      </p:sp>
+      <p:sp>
+        <p:nvSpPr>
+          <p:cNvPr id="144" name="Text"/>
+          <p:cNvSpPr txBox="1"/>
+          <p:nvPr/>
+        </p:nvSpPr>
+        <p:spPr>
+          <a:xfrm>
+            <a:off x="12328973" y="9169400"/>
+            <a:ext cx="227280" cy="324306"/>
+          </a:xfrm>
+          <a:prstGeom prst="rect">
+            <a:avLst/>
+          </a:prstGeom>
+          <a:ln w="12700">
+            <a:miter lim="400000"/>
+          </a:ln>
+          <a:extLst>
+            <a:ext uri="{C572A759-6A51-4108-AA02-DFA0A04FC94B}">
+              <ma14:wrappingTextBoxFlag xmlns:ma14="http://schemas.microsoft.com/office/mac/drawingml/2011/main" xmlns:a14="http://schemas.microsoft.com/office/drawing/2010/main" xmlns:m="http://schemas.openxmlformats.org/officeDocument/2006/math" xmlns="" val="1"/>
+            </a:ext>
+          </a:extLst>
+        </p:spPr>
+        <p:txBody>
+          <a:bodyPr wrap="none" lIns="50800" tIns="50800" rIns="50800" bIns="50800">
+            <a:spAutoFit/>
+          </a:bodyPr>
+          <a:lstStyle/>
+          <a:p>
+            <a:pPr>
+              <a:defRPr sz="1600" b="0">
+                <a:latin typeface="Helvetica Neue Thin"/>
+                <a:ea typeface="Helvetica Neue Thin"/>
+                <a:cs typeface="Helvetica Neue Thin"/>
+                <a:sym typeface="Helvetica Neue Thin"/>
+              </a:defRPr>
+            </a:pPr>
+            <a:fld id="{86CB4B4D-7CA3-9044-876B-883B54F8677D}" type="slidenum">
+              <a:t>6</a:t>
+            </a:fld>
+            <a:r>
+              <a:t>￼</a:t>
+            </a:r>
+          </a:p>
+        </p:txBody>
+      </p:sp>
+      <p:pic>
+        <p:nvPicPr>
+          <p:cNvPr id="145" name="66609988_1431623203645237_3132181591544037376_n.png" descr="66609988_1431623203645237_3132181591544037376_n.png"/>
+          <p:cNvPicPr>
+            <a:picLocks noChangeAspect="1"/>
+          </p:cNvPicPr>
+          <p:nvPr/>
+        </p:nvPicPr>
+        <p:blipFill>
+          <a:blip r:embed="rId2"/>
+          <a:stretch>
+            <a:fillRect/>
+          </a:stretch>
+        </p:blipFill>
+        <p:spPr>
+          <a:xfrm>
+            <a:off x="2001474" y="2251967"/>
+            <a:ext cx="9001852" cy="6337926"/>
+          </a:xfrm>
+          <a:prstGeom prst="rect">
+            <a:avLst/>
+          </a:prstGeom>
+          <a:ln w="12700">
+            <a:miter lim="400000"/>
+          </a:ln>
+        </p:spPr>
+      </p:pic>
+    </p:spTree>
+  </p:cSld>
+  <p:clrMapOvr>
+    <a:masterClrMapping/>
+  </p:clrMapOvr>
+  <p:transition spd="med"/>
+</p:sld>
+</file>
+
+<file path=ppt/slides/slide7.xml><?xml version="1.0" encoding="utf-8"?>
+<p:sld xmlns:a="http://schemas.openxmlformats.org/drawingml/2006/main" xmlns:r="http://schemas.openxmlformats.org/officeDocument/2006/relationships" xmlns:p="http://schemas.openxmlformats.org/presentationml/2006/main">
+  <p:cSld>
+    <p:spTree>
+      <p:nvGrpSpPr>
+        <p:cNvPr id="1" name=""/>
+        <p:cNvGrpSpPr/>
+        <p:nvPr/>
+      </p:nvGrpSpPr>
+      <p:grpSpPr>
+        <a:xfrm>
+          <a:off x="0" y="0"/>
+          <a:ext cx="0" cy="0"/>
+          <a:chOff x="0" y="0"/>
+          <a:chExt cx="0" cy="0"/>
+        </a:xfrm>
+      </p:grpSpPr>
+      <p:sp>
+        <p:nvSpPr>
+          <p:cNvPr id="147" name="Arquitectura do Sistema…"/>
+          <p:cNvSpPr txBox="1">
+            <a:spLocks noGrp="1"/>
+          </p:cNvSpPr>
           <p:nvPr>
             <p:ph type="title"/>
           </p:nvPr>
@@ -4654,7 +6459,7 @@
               <a:spcBef>
                 <a:spcPts val="600"/>
               </a:spcBef>
-              <a:defRPr b="1" sz="3700">
+              <a:defRPr sz="3700" b="1">
                 <a:uFill>
                   <a:solidFill>
                     <a:srgbClr val="000000"/>
@@ -4691,21 +6496,21 @@
               </a:defRPr>
             </a:pPr>
             <a:r>
-              <a:t>Restrições de utilizadores</a:t>
-            </a:r>
-          </a:p>
-        </p:txBody>
-      </p:sp>
-      <p:sp>
-        <p:nvSpPr>
-          <p:cNvPr id="196" name="Text"/>
+              <a:t>Componente Servidora - Base de Dados</a:t>
+            </a:r>
+          </a:p>
+        </p:txBody>
+      </p:sp>
+      <p:sp>
+        <p:nvSpPr>
+          <p:cNvPr id="148" name="Text"/>
           <p:cNvSpPr txBox="1"/>
           <p:nvPr/>
         </p:nvSpPr>
         <p:spPr>
           <a:xfrm>
-            <a:off x="12272484" y="9169400"/>
-            <a:ext cx="340259" cy="324306"/>
+            <a:off x="12328973" y="9169400"/>
+            <a:ext cx="227280" cy="324306"/>
           </a:xfrm>
           <a:prstGeom prst="rect">
             <a:avLst/>
@@ -4715,7 +6520,7 @@
           </a:ln>
           <a:extLst>
             <a:ext uri="{C572A759-6A51-4108-AA02-DFA0A04FC94B}">
-              <ma14:wrappingTextBoxFlag xmlns:ma14="http://schemas.microsoft.com/office/mac/drawingml/2011/main" val="1"/>
+              <ma14:wrappingTextBoxFlag xmlns:ma14="http://schemas.microsoft.com/office/mac/drawingml/2011/main" xmlns:a14="http://schemas.microsoft.com/office/drawing/2010/main" xmlns:m="http://schemas.openxmlformats.org/officeDocument/2006/math" xmlns="" val="1"/>
             </a:ext>
           </a:extLst>
         </p:spPr>
@@ -4726,40 +6531,98 @@
           <a:lstStyle/>
           <a:p>
             <a:pPr>
-              <a:defRPr b="0" sz="1600">
+              <a:defRPr sz="1600" b="0">
                 <a:latin typeface="Helvetica Neue Thin"/>
                 <a:ea typeface="Helvetica Neue Thin"/>
                 <a:cs typeface="Helvetica Neue Thin"/>
                 <a:sym typeface="Helvetica Neue Thin"/>
               </a:defRPr>
             </a:pPr>
-            <a:fld id="{86CB4B4D-7CA3-9044-876B-883B54F8677D}" type="slidenum"/>
+            <a:fld id="{86CB4B4D-7CA3-9044-876B-883B54F8677D}" type="slidenum">
+              <a:t>7</a:t>
+            </a:fld>
             <a:r>
               <a:t>￼</a:t>
+            </a:r>
+          </a:p>
+        </p:txBody>
+      </p:sp>
+      <p:sp>
+        <p:nvSpPr>
+          <p:cNvPr id="149" name="Base de dados relacional implementada em PostgreSQL"/>
+          <p:cNvSpPr txBox="1">
+            <a:spLocks noGrp="1"/>
+          </p:cNvSpPr>
+          <p:nvPr>
+            <p:ph type="body" sz="quarter" idx="1"/>
+          </p:nvPr>
+        </p:nvSpPr>
+        <p:spPr>
+          <a:xfrm>
+            <a:off x="952500" y="2590800"/>
+            <a:ext cx="9613504" cy="1609428"/>
+          </a:xfrm>
+          <a:prstGeom prst="rect">
+            <a:avLst/>
+          </a:prstGeom>
+        </p:spPr>
+        <p:txBody>
+          <a:bodyPr/>
+          <a:lstStyle>
+            <a:lvl1pPr algn="just"/>
+          </a:lstStyle>
+          <a:p>
+            <a:r>
+              <a:t>Base de dados relacional implementada em PostgreSQL</a:t>
             </a:r>
           </a:p>
         </p:txBody>
       </p:sp>
       <p:pic>
         <p:nvPicPr>
-          <p:cNvPr id="197" name="Screen Shot 2019-07-18 at 19.06.44.png" descr="Screen Shot 2019-07-18 at 19.06.44.png"/>
+          <p:cNvPr id="150" name="09-04-2013_postgresql-2013-01-281.jpg" descr="09-04-2013_postgresql-2013-01-281.jpg"/>
           <p:cNvPicPr>
             <a:picLocks noChangeAspect="1"/>
           </p:cNvPicPr>
           <p:nvPr/>
         </p:nvPicPr>
         <p:blipFill>
-          <a:blip r:embed="rId2">
-            <a:extLst/>
-          </a:blip>
+          <a:blip r:embed="rId2"/>
           <a:stretch>
             <a:fillRect/>
           </a:stretch>
         </p:blipFill>
         <p:spPr>
           <a:xfrm>
-            <a:off x="2740753" y="1874054"/>
-            <a:ext cx="7523294" cy="7732692"/>
+            <a:off x="10563800" y="2032545"/>
+            <a:ext cx="1943101" cy="2159001"/>
+          </a:xfrm>
+          <a:prstGeom prst="rect">
+            <a:avLst/>
+          </a:prstGeom>
+          <a:ln w="12700">
+            <a:miter lim="400000"/>
+          </a:ln>
+        </p:spPr>
+      </p:pic>
+      <p:pic>
+        <p:nvPicPr>
+          <p:cNvPr id="151" name="67361233_458167701642880_6245127158440656896_n.png" descr="67361233_458167701642880_6245127158440656896_n.png"/>
+          <p:cNvPicPr>
+            <a:picLocks noChangeAspect="1"/>
+          </p:cNvPicPr>
+          <p:nvPr/>
+        </p:nvPicPr>
+        <p:blipFill>
+          <a:blip r:embed="rId3"/>
+          <a:stretch>
+            <a:fillRect/>
+          </a:stretch>
+        </p:blipFill>
+        <p:spPr>
+          <a:xfrm>
+            <a:off x="2392849" y="3938018"/>
+            <a:ext cx="7822561" cy="5507623"/>
           </a:xfrm>
           <a:prstGeom prst="rect">
             <a:avLst/>
@@ -4774,12 +6637,12 @@
   <p:clrMapOvr>
     <a:masterClrMapping/>
   </p:clrMapOvr>
-  <p:transition xmlns:p14="http://schemas.microsoft.com/office/powerpoint/2010/main" spd="med" advClick="1"/>
+  <p:transition spd="med"/>
 </p:sld>
 </file>
 
-<file path=ppt/slides/slide16.xml><?xml version="1.0" encoding="utf-8"?>
-<p:sld xmlns:a="http://schemas.openxmlformats.org/drawingml/2006/main" xmlns:r="http://schemas.openxmlformats.org/officeDocument/2006/relationships" xmlns:p="http://schemas.openxmlformats.org/presentationml/2006/main" xmlns:m="http://schemas.openxmlformats.org/officeDocument/2006/math" xmlns:a14="http://schemas.microsoft.com/office/drawing/2010/main" showMasterSp="1" showMasterPhAnim="1">
+<file path=ppt/slides/slide8.xml><?xml version="1.0" encoding="utf-8"?>
+<p:sld xmlns:a="http://schemas.openxmlformats.org/drawingml/2006/main" xmlns:r="http://schemas.openxmlformats.org/officeDocument/2006/relationships" xmlns:p="http://schemas.openxmlformats.org/presentationml/2006/main">
   <p:cSld>
     <p:spTree>
       <p:nvGrpSpPr>
@@ -4797,1125 +6660,10 @@
       </p:grpSpPr>
       <p:sp>
         <p:nvSpPr>
-          <p:cNvPr id="199" name="Conclusão"/>
-          <p:cNvSpPr txBox="1"/>
-          <p:nvPr>
-            <p:ph type="title"/>
-          </p:nvPr>
-        </p:nvSpPr>
-        <p:spPr>
-          <a:prstGeom prst="rect">
-            <a:avLst/>
-          </a:prstGeom>
-        </p:spPr>
-        <p:txBody>
-          <a:bodyPr/>
-          <a:lstStyle>
-            <a:lvl1pPr defTabSz="457200">
-              <a:lnSpc>
-                <a:spcPct val="115000"/>
-              </a:lnSpc>
-              <a:spcBef>
-                <a:spcPts val="600"/>
-              </a:spcBef>
-              <a:defRPr b="1" sz="3700">
-                <a:uFill>
-                  <a:solidFill>
-                    <a:srgbClr val="000000"/>
-                  </a:solidFill>
-                </a:uFill>
-                <a:latin typeface="Arial"/>
-                <a:ea typeface="Arial"/>
-                <a:cs typeface="Arial"/>
-                <a:sym typeface="Arial"/>
-              </a:defRPr>
-            </a:lvl1pPr>
-          </a:lstStyle>
-          <a:p>
-            <a:pPr/>
-            <a:r>
-              <a:t>Conclusão</a:t>
-            </a:r>
-          </a:p>
-        </p:txBody>
-      </p:sp>
-      <p:sp>
-        <p:nvSpPr>
-          <p:cNvPr id="200" name="Foi desenvolvida uma solução que permite:…"/>
-          <p:cNvSpPr txBox="1"/>
-          <p:nvPr>
-            <p:ph type="body" idx="1"/>
-          </p:nvPr>
-        </p:nvSpPr>
-        <p:spPr>
-          <a:xfrm>
-            <a:off x="952500" y="2853283"/>
-            <a:ext cx="11099800" cy="5490617"/>
-          </a:xfrm>
-          <a:prstGeom prst="rect">
-            <a:avLst/>
-          </a:prstGeom>
-        </p:spPr>
-        <p:txBody>
-          <a:bodyPr/>
-          <a:lstStyle/>
-          <a:p>
-            <a:pPr marL="0" indent="0">
-              <a:buSzTx/>
-              <a:buNone/>
-            </a:pPr>
-            <a:r>
-              <a:t>Foi desenvolvida uma solução que permite:</a:t>
-            </a:r>
-          </a:p>
-          <a:p>
-            <a:pPr lvl="1"/>
-            <a:r>
-              <a:t>Facilidade, conveniência e conforto para os utilizadores</a:t>
-            </a:r>
-          </a:p>
-          <a:p>
-            <a:pPr lvl="1"/>
-            <a:r>
-              <a:t>Facilitação na gestão de utilizadores, OBUs, etc.</a:t>
-            </a:r>
-          </a:p>
-          <a:p>
-            <a:pPr lvl="1"/>
-            <a:r>
-              <a:t>Maior acessibilidade de informação</a:t>
-            </a:r>
-          </a:p>
-        </p:txBody>
-      </p:sp>
-      <p:sp>
-        <p:nvSpPr>
-          <p:cNvPr id="201" name="Text"/>
-          <p:cNvSpPr txBox="1"/>
-          <p:nvPr/>
-        </p:nvSpPr>
-        <p:spPr>
-          <a:xfrm>
-            <a:off x="12272484" y="9169400"/>
-            <a:ext cx="340259" cy="324306"/>
-          </a:xfrm>
-          <a:prstGeom prst="rect">
-            <a:avLst/>
-          </a:prstGeom>
-          <a:ln w="12700">
-            <a:miter lim="400000"/>
-          </a:ln>
-          <a:extLst>
-            <a:ext uri="{C572A759-6A51-4108-AA02-DFA0A04FC94B}">
-              <ma14:wrappingTextBoxFlag xmlns:ma14="http://schemas.microsoft.com/office/mac/drawingml/2011/main" val="1"/>
-            </a:ext>
-          </a:extLst>
-        </p:spPr>
-        <p:txBody>
-          <a:bodyPr wrap="none" lIns="50800" tIns="50800" rIns="50800" bIns="50800">
-            <a:spAutoFit/>
-          </a:bodyPr>
-          <a:lstStyle/>
-          <a:p>
-            <a:pPr>
-              <a:defRPr b="0" sz="1600">
-                <a:latin typeface="Helvetica Neue Thin"/>
-                <a:ea typeface="Helvetica Neue Thin"/>
-                <a:cs typeface="Helvetica Neue Thin"/>
-                <a:sym typeface="Helvetica Neue Thin"/>
-              </a:defRPr>
-            </a:pPr>
-            <a:fld id="{86CB4B4D-7CA3-9044-876B-883B54F8677D}" type="slidenum"/>
-            <a:r>
-              <a:t>￼</a:t>
-            </a:r>
-          </a:p>
-        </p:txBody>
-      </p:sp>
-    </p:spTree>
-  </p:cSld>
-  <p:clrMapOvr>
-    <a:masterClrMapping/>
-  </p:clrMapOvr>
-  <p:transition xmlns:p14="http://schemas.microsoft.com/office/powerpoint/2010/main" spd="med" advClick="1"/>
-</p:sld>
-</file>
-
-<file path=ppt/slides/slide17.xml><?xml version="1.0" encoding="utf-8"?>
-<p:sld xmlns:a="http://schemas.openxmlformats.org/drawingml/2006/main" xmlns:r="http://schemas.openxmlformats.org/officeDocument/2006/relationships" xmlns:p="http://schemas.openxmlformats.org/presentationml/2006/main" xmlns:m="http://schemas.openxmlformats.org/officeDocument/2006/math" xmlns:a14="http://schemas.microsoft.com/office/drawing/2010/main" showMasterSp="1" showMasterPhAnim="1">
-  <p:cSld>
-    <p:spTree>
-      <p:nvGrpSpPr>
-        <p:cNvPr id="1" name=""/>
-        <p:cNvGrpSpPr/>
-        <p:nvPr/>
-      </p:nvGrpSpPr>
-      <p:grpSpPr>
-        <a:xfrm>
-          <a:off x="0" y="0"/>
-          <a:ext cx="0" cy="0"/>
-          <a:chOff x="0" y="0"/>
-          <a:chExt cx="0" cy="0"/>
-        </a:xfrm>
-      </p:grpSpPr>
-      <p:sp>
-        <p:nvSpPr>
-          <p:cNvPr id="203" name="Trabalho Futuro"/>
-          <p:cNvSpPr txBox="1"/>
-          <p:nvPr>
-            <p:ph type="title"/>
-          </p:nvPr>
-        </p:nvSpPr>
-        <p:spPr>
-          <a:prstGeom prst="rect">
-            <a:avLst/>
-          </a:prstGeom>
-        </p:spPr>
-        <p:txBody>
-          <a:bodyPr/>
-          <a:lstStyle>
-            <a:lvl1pPr defTabSz="457200">
-              <a:lnSpc>
-                <a:spcPct val="115000"/>
-              </a:lnSpc>
-              <a:spcBef>
-                <a:spcPts val="600"/>
-              </a:spcBef>
-              <a:defRPr b="1" sz="3700">
-                <a:uFill>
-                  <a:solidFill>
-                    <a:srgbClr val="000000"/>
-                  </a:solidFill>
-                </a:uFill>
-                <a:latin typeface="Arial"/>
-                <a:ea typeface="Arial"/>
-                <a:cs typeface="Arial"/>
-                <a:sym typeface="Arial"/>
-              </a:defRPr>
-            </a:lvl1pPr>
-          </a:lstStyle>
-          <a:p>
-            <a:pPr/>
-            <a:r>
-              <a:t>Trabalho Futuro</a:t>
-            </a:r>
-          </a:p>
-        </p:txBody>
-      </p:sp>
-      <p:sp>
-        <p:nvSpPr>
-          <p:cNvPr id="204" name="Melhoria da interface gráfica na aplicação cliente…"/>
-          <p:cNvSpPr txBox="1"/>
-          <p:nvPr>
-            <p:ph type="body" idx="1"/>
-          </p:nvPr>
-        </p:nvSpPr>
-        <p:spPr>
-          <a:xfrm>
-            <a:off x="952500" y="2853283"/>
-            <a:ext cx="11099800" cy="5490617"/>
-          </a:xfrm>
-          <a:prstGeom prst="rect">
-            <a:avLst/>
-          </a:prstGeom>
-        </p:spPr>
-        <p:txBody>
-          <a:bodyPr/>
-          <a:lstStyle/>
-          <a:p>
-            <a:pPr/>
-            <a:r>
-              <a:t>Melhoria da interface gráfica na aplicação cliente</a:t>
-            </a:r>
-          </a:p>
-          <a:p>
-            <a:pPr/>
-            <a:r>
-              <a:t>Melhoria do tratamento de erros na aplicação cliente</a:t>
-            </a:r>
-          </a:p>
-          <a:p>
-            <a:pPr/>
-            <a:r>
-              <a:rPr i="1"/>
-              <a:t>Deployment</a:t>
-            </a:r>
-            <a:r>
-              <a:t> das aplicações cliente e servidor</a:t>
-            </a:r>
-          </a:p>
-        </p:txBody>
-      </p:sp>
-      <p:sp>
-        <p:nvSpPr>
-          <p:cNvPr id="205" name="Text"/>
-          <p:cNvSpPr txBox="1"/>
-          <p:nvPr/>
-        </p:nvSpPr>
-        <p:spPr>
-          <a:xfrm>
-            <a:off x="12272484" y="9169400"/>
-            <a:ext cx="340259" cy="324306"/>
-          </a:xfrm>
-          <a:prstGeom prst="rect">
-            <a:avLst/>
-          </a:prstGeom>
-          <a:ln w="12700">
-            <a:miter lim="400000"/>
-          </a:ln>
-          <a:extLst>
-            <a:ext uri="{C572A759-6A51-4108-AA02-DFA0A04FC94B}">
-              <ma14:wrappingTextBoxFlag xmlns:ma14="http://schemas.microsoft.com/office/mac/drawingml/2011/main" val="1"/>
-            </a:ext>
-          </a:extLst>
-        </p:spPr>
-        <p:txBody>
-          <a:bodyPr wrap="none" lIns="50800" tIns="50800" rIns="50800" bIns="50800">
-            <a:spAutoFit/>
-          </a:bodyPr>
-          <a:lstStyle/>
-          <a:p>
-            <a:pPr>
-              <a:defRPr b="0" sz="1600">
-                <a:latin typeface="Helvetica Neue Thin"/>
-                <a:ea typeface="Helvetica Neue Thin"/>
-                <a:cs typeface="Helvetica Neue Thin"/>
-                <a:sym typeface="Helvetica Neue Thin"/>
-              </a:defRPr>
-            </a:pPr>
-            <a:fld id="{86CB4B4D-7CA3-9044-876B-883B54F8677D}" type="slidenum"/>
-            <a:r>
-              <a:t>￼</a:t>
-            </a:r>
-          </a:p>
-        </p:txBody>
-      </p:sp>
-    </p:spTree>
-  </p:cSld>
-  <p:clrMapOvr>
-    <a:masterClrMapping/>
-  </p:clrMapOvr>
-  <p:transition xmlns:p14="http://schemas.microsoft.com/office/powerpoint/2010/main" spd="med" advClick="1"/>
-</p:sld>
-</file>
-
-<file path=ppt/slides/slide2.xml><?xml version="1.0" encoding="utf-8"?>
-<p:sld xmlns:a="http://schemas.openxmlformats.org/drawingml/2006/main" xmlns:r="http://schemas.openxmlformats.org/officeDocument/2006/relationships" xmlns:p="http://schemas.openxmlformats.org/presentationml/2006/main" xmlns:m="http://schemas.openxmlformats.org/officeDocument/2006/math" xmlns:a14="http://schemas.microsoft.com/office/drawing/2010/main" showMasterSp="1" showMasterPhAnim="1">
-  <p:cSld>
-    <p:spTree>
-      <p:nvGrpSpPr>
-        <p:cNvPr id="1" name=""/>
-        <p:cNvGrpSpPr/>
-        <p:nvPr/>
-      </p:nvGrpSpPr>
-      <p:grpSpPr>
-        <a:xfrm>
-          <a:off x="0" y="0"/>
-          <a:ext cx="0" cy="0"/>
-          <a:chOff x="0" y="0"/>
-          <a:chExt cx="0" cy="0"/>
-        </a:xfrm>
-      </p:grpSpPr>
-      <p:sp>
-        <p:nvSpPr>
-          <p:cNvPr id="126" name="Sumário"/>
-          <p:cNvSpPr txBox="1"/>
-          <p:nvPr>
-            <p:ph type="title"/>
-          </p:nvPr>
-        </p:nvSpPr>
-        <p:spPr>
-          <a:prstGeom prst="rect">
-            <a:avLst/>
-          </a:prstGeom>
-        </p:spPr>
-        <p:txBody>
-          <a:bodyPr/>
-          <a:lstStyle>
-            <a:lvl1pPr defTabSz="457200">
-              <a:lnSpc>
-                <a:spcPct val="115000"/>
-              </a:lnSpc>
-              <a:spcBef>
-                <a:spcPts val="600"/>
-              </a:spcBef>
-              <a:defRPr b="1" sz="3700">
-                <a:uFill>
-                  <a:solidFill>
-                    <a:srgbClr val="000000"/>
-                  </a:solidFill>
-                </a:uFill>
-                <a:latin typeface="Arial"/>
-                <a:ea typeface="Arial"/>
-                <a:cs typeface="Arial"/>
-                <a:sym typeface="Arial"/>
-              </a:defRPr>
-            </a:lvl1pPr>
-          </a:lstStyle>
-          <a:p>
-            <a:pPr/>
-            <a:r>
-              <a:t>Sumário</a:t>
-            </a:r>
-          </a:p>
-        </p:txBody>
-      </p:sp>
-      <p:sp>
-        <p:nvSpPr>
-          <p:cNvPr id="127" name="Enquadramento…"/>
-          <p:cNvSpPr txBox="1"/>
-          <p:nvPr>
-            <p:ph type="body" idx="1"/>
-          </p:nvPr>
-        </p:nvSpPr>
-        <p:spPr>
-          <a:prstGeom prst="rect">
-            <a:avLst/>
-          </a:prstGeom>
-        </p:spPr>
-        <p:txBody>
-          <a:bodyPr/>
-          <a:lstStyle/>
-          <a:p>
-            <a:pPr/>
-            <a:r>
-              <a:t>Enquadramento</a:t>
-            </a:r>
-          </a:p>
-          <a:p>
-            <a:pPr/>
-            <a:r>
-              <a:t>Objectivos</a:t>
-            </a:r>
-          </a:p>
-          <a:p>
-            <a:pPr/>
-            <a:r>
-              <a:t>Arquitectura do Sistema</a:t>
-            </a:r>
-          </a:p>
-          <a:p>
-            <a:pPr/>
-            <a:r>
-              <a:t>Conclusão</a:t>
-            </a:r>
-          </a:p>
-          <a:p>
-            <a:pPr/>
-            <a:r>
-              <a:t>Trabalho Futuro</a:t>
-            </a:r>
-          </a:p>
-        </p:txBody>
-      </p:sp>
-      <p:sp>
-        <p:nvSpPr>
-          <p:cNvPr id="128" name="Text"/>
-          <p:cNvSpPr txBox="1"/>
-          <p:nvPr/>
-        </p:nvSpPr>
-        <p:spPr>
-          <a:xfrm>
-            <a:off x="12328973" y="9169400"/>
-            <a:ext cx="227280" cy="324306"/>
-          </a:xfrm>
-          <a:prstGeom prst="rect">
-            <a:avLst/>
-          </a:prstGeom>
-          <a:ln w="12700">
-            <a:miter lim="400000"/>
-          </a:ln>
-          <a:extLst>
-            <a:ext uri="{C572A759-6A51-4108-AA02-DFA0A04FC94B}">
-              <ma14:wrappingTextBoxFlag xmlns:ma14="http://schemas.microsoft.com/office/mac/drawingml/2011/main" val="1"/>
-            </a:ext>
-          </a:extLst>
-        </p:spPr>
-        <p:txBody>
-          <a:bodyPr wrap="none" lIns="50800" tIns="50800" rIns="50800" bIns="50800">
-            <a:spAutoFit/>
-          </a:bodyPr>
-          <a:lstStyle/>
-          <a:p>
-            <a:pPr>
-              <a:defRPr b="0" sz="1600">
-                <a:latin typeface="Helvetica Neue Thin"/>
-                <a:ea typeface="Helvetica Neue Thin"/>
-                <a:cs typeface="Helvetica Neue Thin"/>
-                <a:sym typeface="Helvetica Neue Thin"/>
-              </a:defRPr>
-            </a:pPr>
-            <a:fld id="{86CB4B4D-7CA3-9044-876B-883B54F8677D}" type="slidenum"/>
-            <a:r>
-              <a:t>￼</a:t>
-            </a:r>
-          </a:p>
-        </p:txBody>
-      </p:sp>
-    </p:spTree>
-  </p:cSld>
-  <p:clrMapOvr>
-    <a:masterClrMapping/>
-  </p:clrMapOvr>
-  <p:transition xmlns:p14="http://schemas.microsoft.com/office/powerpoint/2010/main" spd="med" advClick="1"/>
-</p:sld>
-</file>
-
-<file path=ppt/slides/slide3.xml><?xml version="1.0" encoding="utf-8"?>
-<p:sld xmlns:a="http://schemas.openxmlformats.org/drawingml/2006/main" xmlns:r="http://schemas.openxmlformats.org/officeDocument/2006/relationships" xmlns:p="http://schemas.openxmlformats.org/presentationml/2006/main" xmlns:m="http://schemas.openxmlformats.org/officeDocument/2006/math" xmlns:a14="http://schemas.microsoft.com/office/drawing/2010/main" showMasterSp="1" showMasterPhAnim="1">
-  <p:cSld>
-    <p:spTree>
-      <p:nvGrpSpPr>
-        <p:cNvPr id="1" name=""/>
-        <p:cNvGrpSpPr/>
-        <p:nvPr/>
-      </p:nvGrpSpPr>
-      <p:grpSpPr>
-        <a:xfrm>
-          <a:off x="0" y="0"/>
-          <a:ext cx="0" cy="0"/>
-          <a:chOff x="0" y="0"/>
-          <a:chExt cx="0" cy="0"/>
-        </a:xfrm>
-      </p:grpSpPr>
-      <p:sp>
-        <p:nvSpPr>
-          <p:cNvPr id="130" name="Enquadramento"/>
-          <p:cNvSpPr txBox="1"/>
-          <p:nvPr>
-            <p:ph type="title"/>
-          </p:nvPr>
-        </p:nvSpPr>
-        <p:spPr>
-          <a:prstGeom prst="rect">
-            <a:avLst/>
-          </a:prstGeom>
-        </p:spPr>
-        <p:txBody>
-          <a:bodyPr/>
-          <a:lstStyle>
-            <a:lvl1pPr defTabSz="457200">
-              <a:lnSpc>
-                <a:spcPct val="115000"/>
-              </a:lnSpc>
-              <a:spcBef>
-                <a:spcPts val="600"/>
-              </a:spcBef>
-              <a:defRPr b="1" sz="3700">
-                <a:uFill>
-                  <a:solidFill>
-                    <a:srgbClr val="000000"/>
-                  </a:solidFill>
-                </a:uFill>
-                <a:latin typeface="Arial"/>
-                <a:ea typeface="Arial"/>
-                <a:cs typeface="Arial"/>
-                <a:sym typeface="Arial"/>
-              </a:defRPr>
-            </a:lvl1pPr>
-          </a:lstStyle>
-          <a:p>
-            <a:pPr/>
-            <a:r>
-              <a:t>Enquadramento</a:t>
-            </a:r>
-          </a:p>
-        </p:txBody>
-      </p:sp>
-      <p:sp>
-        <p:nvSpPr>
-          <p:cNvPr id="131" name="Os comboios são utilizadores de sistemas de comunicação móveis devido á necessidade permanente de troca de informação…"/>
-          <p:cNvSpPr txBox="1"/>
-          <p:nvPr>
-            <p:ph type="body" idx="1"/>
-          </p:nvPr>
-        </p:nvSpPr>
-        <p:spPr>
-          <a:xfrm>
-            <a:off x="952500" y="2413000"/>
-            <a:ext cx="11099800" cy="6299200"/>
-          </a:xfrm>
-          <a:prstGeom prst="rect">
-            <a:avLst/>
-          </a:prstGeom>
-        </p:spPr>
-        <p:txBody>
-          <a:bodyPr/>
-          <a:lstStyle/>
-          <a:p>
-            <a:pPr algn="just">
-              <a:defRPr sz="3000"/>
-            </a:pPr>
-            <a:r>
-              <a:t>Os comboios são utilizadores de sistemas de comunicação móveis devido á necessidade permanente de troca de informação</a:t>
-            </a:r>
-          </a:p>
-          <a:p>
-            <a:pPr algn="just">
-              <a:defRPr sz="3000"/>
-            </a:pPr>
-            <a:r>
-              <a:t>Atualmente estes sistemas de comunicação transportam informação de sinalização que permite efectuar o comando de controlo de circulação</a:t>
-            </a:r>
-          </a:p>
-          <a:p>
-            <a:pPr algn="just">
-              <a:defRPr sz="3000"/>
-            </a:pPr>
-            <a:r>
-              <a:t>A monitorização permanente da qualidade de serviço em redes de comunicações móveis ferroviárias é fundamental</a:t>
-            </a:r>
-          </a:p>
-        </p:txBody>
-      </p:sp>
-      <p:sp>
-        <p:nvSpPr>
-          <p:cNvPr id="132" name="Text"/>
-          <p:cNvSpPr txBox="1"/>
-          <p:nvPr/>
-        </p:nvSpPr>
-        <p:spPr>
-          <a:xfrm>
-            <a:off x="12328973" y="9169400"/>
-            <a:ext cx="227280" cy="324306"/>
-          </a:xfrm>
-          <a:prstGeom prst="rect">
-            <a:avLst/>
-          </a:prstGeom>
-          <a:ln w="12700">
-            <a:miter lim="400000"/>
-          </a:ln>
-          <a:extLst>
-            <a:ext uri="{C572A759-6A51-4108-AA02-DFA0A04FC94B}">
-              <ma14:wrappingTextBoxFlag xmlns:ma14="http://schemas.microsoft.com/office/mac/drawingml/2011/main" val="1"/>
-            </a:ext>
-          </a:extLst>
-        </p:spPr>
-        <p:txBody>
-          <a:bodyPr wrap="none" lIns="50800" tIns="50800" rIns="50800" bIns="50800">
-            <a:spAutoFit/>
-          </a:bodyPr>
-          <a:lstStyle/>
-          <a:p>
-            <a:pPr>
-              <a:defRPr b="0" sz="1600">
-                <a:latin typeface="Helvetica Neue Thin"/>
-                <a:ea typeface="Helvetica Neue Thin"/>
-                <a:cs typeface="Helvetica Neue Thin"/>
-                <a:sym typeface="Helvetica Neue Thin"/>
-              </a:defRPr>
-            </a:pPr>
-            <a:fld id="{86CB4B4D-7CA3-9044-876B-883B54F8677D}" type="slidenum"/>
-            <a:r>
-              <a:t>￼</a:t>
-            </a:r>
-          </a:p>
-        </p:txBody>
-      </p:sp>
-    </p:spTree>
-  </p:cSld>
-  <p:clrMapOvr>
-    <a:masterClrMapping/>
-  </p:clrMapOvr>
-  <p:transition xmlns:p14="http://schemas.microsoft.com/office/powerpoint/2010/main" spd="med" advClick="1"/>
-</p:sld>
-</file>
-
-<file path=ppt/slides/slide4.xml><?xml version="1.0" encoding="utf-8"?>
-<p:sld xmlns:a="http://schemas.openxmlformats.org/drawingml/2006/main" xmlns:r="http://schemas.openxmlformats.org/officeDocument/2006/relationships" xmlns:p="http://schemas.openxmlformats.org/presentationml/2006/main" xmlns:m="http://schemas.openxmlformats.org/officeDocument/2006/math" xmlns:a14="http://schemas.microsoft.com/office/drawing/2010/main" showMasterSp="1" showMasterPhAnim="1">
-  <p:cSld>
-    <p:spTree>
-      <p:nvGrpSpPr>
-        <p:cNvPr id="1" name=""/>
-        <p:cNvGrpSpPr/>
-        <p:nvPr/>
-      </p:nvGrpSpPr>
-      <p:grpSpPr>
-        <a:xfrm>
-          <a:off x="0" y="0"/>
-          <a:ext cx="0" cy="0"/>
-          <a:chOff x="0" y="0"/>
-          <a:chExt cx="0" cy="0"/>
-        </a:xfrm>
-      </p:grpSpPr>
-      <p:sp>
-        <p:nvSpPr>
-          <p:cNvPr id="134" name="Enquadramento"/>
-          <p:cNvSpPr txBox="1"/>
-          <p:nvPr>
-            <p:ph type="title"/>
-          </p:nvPr>
-        </p:nvSpPr>
-        <p:spPr>
-          <a:prstGeom prst="rect">
-            <a:avLst/>
-          </a:prstGeom>
-        </p:spPr>
-        <p:txBody>
-          <a:bodyPr/>
-          <a:lstStyle>
-            <a:lvl1pPr defTabSz="457200">
-              <a:lnSpc>
-                <a:spcPct val="115000"/>
-              </a:lnSpc>
-              <a:spcBef>
-                <a:spcPts val="600"/>
-              </a:spcBef>
-              <a:defRPr b="1" sz="3700">
-                <a:uFill>
-                  <a:solidFill>
-                    <a:srgbClr val="000000"/>
-                  </a:solidFill>
-                </a:uFill>
-                <a:latin typeface="Arial"/>
-                <a:ea typeface="Arial"/>
-                <a:cs typeface="Arial"/>
-                <a:sym typeface="Arial"/>
-              </a:defRPr>
-            </a:lvl1pPr>
-          </a:lstStyle>
-          <a:p>
-            <a:pPr/>
-            <a:r>
-              <a:t>Enquadramento</a:t>
-            </a:r>
-          </a:p>
-        </p:txBody>
-      </p:sp>
-      <p:sp>
-        <p:nvSpPr>
-          <p:cNvPr id="135" name="A forma mais eficaz de monitorização de qualidade de serviço é baseada em equipamentos colocados a bordo dos comboios (sondas) que realizam a monitorização aos sistemas de comunicações móveis ferroviários."/>
-          <p:cNvSpPr txBox="1"/>
-          <p:nvPr>
-            <p:ph type="body" sz="half" idx="1"/>
-          </p:nvPr>
-        </p:nvSpPr>
-        <p:spPr>
-          <a:xfrm>
-            <a:off x="952500" y="2026493"/>
-            <a:ext cx="11099800" cy="2875707"/>
-          </a:xfrm>
-          <a:prstGeom prst="rect">
-            <a:avLst/>
-          </a:prstGeom>
-        </p:spPr>
-        <p:txBody>
-          <a:bodyPr/>
-          <a:lstStyle>
-            <a:lvl1pPr marL="0" indent="0" algn="just">
-              <a:buSzTx/>
-              <a:buNone/>
-              <a:defRPr sz="3000"/>
-            </a:lvl1pPr>
-          </a:lstStyle>
-          <a:p>
-            <a:pPr/>
-            <a:r>
-              <a:t>A forma mais eficaz de monitorização de qualidade de serviço é baseada em equipamentos colocados a bordo dos comboios (sondas) que realizam a monitorização aos sistemas de comunicações móveis ferroviários. </a:t>
-            </a:r>
-          </a:p>
-        </p:txBody>
-      </p:sp>
-      <p:sp>
-        <p:nvSpPr>
-          <p:cNvPr id="136" name="Text"/>
-          <p:cNvSpPr txBox="1"/>
-          <p:nvPr/>
-        </p:nvSpPr>
-        <p:spPr>
-          <a:xfrm>
-            <a:off x="12328973" y="9169400"/>
-            <a:ext cx="227280" cy="324306"/>
-          </a:xfrm>
-          <a:prstGeom prst="rect">
-            <a:avLst/>
-          </a:prstGeom>
-          <a:ln w="12700">
-            <a:miter lim="400000"/>
-          </a:ln>
-          <a:extLst>
-            <a:ext uri="{C572A759-6A51-4108-AA02-DFA0A04FC94B}">
-              <ma14:wrappingTextBoxFlag xmlns:ma14="http://schemas.microsoft.com/office/mac/drawingml/2011/main" val="1"/>
-            </a:ext>
-          </a:extLst>
-        </p:spPr>
-        <p:txBody>
-          <a:bodyPr wrap="none" lIns="50800" tIns="50800" rIns="50800" bIns="50800">
-            <a:spAutoFit/>
-          </a:bodyPr>
-          <a:lstStyle/>
-          <a:p>
-            <a:pPr>
-              <a:defRPr b="0" sz="1600">
-                <a:latin typeface="Helvetica Neue Thin"/>
-                <a:ea typeface="Helvetica Neue Thin"/>
-                <a:cs typeface="Helvetica Neue Thin"/>
-                <a:sym typeface="Helvetica Neue Thin"/>
-              </a:defRPr>
-            </a:pPr>
-            <a:fld id="{86CB4B4D-7CA3-9044-876B-883B54F8677D}" type="slidenum"/>
-            <a:r>
-              <a:t>￼</a:t>
-            </a:r>
-          </a:p>
-        </p:txBody>
-      </p:sp>
-      <p:pic>
-        <p:nvPicPr>
-          <p:cNvPr id="137" name="Screen Shot 2019-07-18 at 14.59.30.png" descr="Screen Shot 2019-07-18 at 14.59.30.png"/>
-          <p:cNvPicPr>
-            <a:picLocks noChangeAspect="1"/>
-          </p:cNvPicPr>
-          <p:nvPr/>
-        </p:nvPicPr>
-        <p:blipFill>
-          <a:blip r:embed="rId2">
-            <a:extLst/>
-          </a:blip>
-          <a:stretch>
-            <a:fillRect/>
-          </a:stretch>
-        </p:blipFill>
-        <p:spPr>
-          <a:xfrm>
-            <a:off x="1511833" y="5412283"/>
-            <a:ext cx="9345386" cy="2159001"/>
-          </a:xfrm>
-          <a:prstGeom prst="rect">
-            <a:avLst/>
-          </a:prstGeom>
-          <a:ln w="12700">
-            <a:miter lim="400000"/>
-          </a:ln>
-        </p:spPr>
-      </p:pic>
-    </p:spTree>
-  </p:cSld>
-  <p:clrMapOvr>
-    <a:masterClrMapping/>
-  </p:clrMapOvr>
-  <p:transition xmlns:p14="http://schemas.microsoft.com/office/powerpoint/2010/main" spd="med" advClick="1"/>
-</p:sld>
-</file>
-
-<file path=ppt/slides/slide5.xml><?xml version="1.0" encoding="utf-8"?>
-<p:sld xmlns:a="http://schemas.openxmlformats.org/drawingml/2006/main" xmlns:r="http://schemas.openxmlformats.org/officeDocument/2006/relationships" xmlns:p="http://schemas.openxmlformats.org/presentationml/2006/main" xmlns:m="http://schemas.openxmlformats.org/officeDocument/2006/math" xmlns:a14="http://schemas.microsoft.com/office/drawing/2010/main" showMasterSp="1" showMasterPhAnim="1">
-  <p:cSld>
-    <p:spTree>
-      <p:nvGrpSpPr>
-        <p:cNvPr id="1" name=""/>
-        <p:cNvGrpSpPr/>
-        <p:nvPr/>
-      </p:nvGrpSpPr>
-      <p:grpSpPr>
-        <a:xfrm>
-          <a:off x="0" y="0"/>
-          <a:ext cx="0" cy="0"/>
-          <a:chOff x="0" y="0"/>
-          <a:chExt cx="0" cy="0"/>
-        </a:xfrm>
-      </p:grpSpPr>
-      <p:sp>
-        <p:nvSpPr>
-          <p:cNvPr id="139" name="Objectivos"/>
-          <p:cNvSpPr txBox="1"/>
-          <p:nvPr>
-            <p:ph type="title"/>
-          </p:nvPr>
-        </p:nvSpPr>
-        <p:spPr>
-          <a:prstGeom prst="rect">
-            <a:avLst/>
-          </a:prstGeom>
-        </p:spPr>
-        <p:txBody>
-          <a:bodyPr/>
-          <a:lstStyle>
-            <a:lvl1pPr defTabSz="457200">
-              <a:lnSpc>
-                <a:spcPct val="115000"/>
-              </a:lnSpc>
-              <a:spcBef>
-                <a:spcPts val="600"/>
-              </a:spcBef>
-              <a:defRPr b="1" sz="3700">
-                <a:uFill>
-                  <a:solidFill>
-                    <a:srgbClr val="000000"/>
-                  </a:solidFill>
-                </a:uFill>
-                <a:latin typeface="Arial"/>
-                <a:ea typeface="Arial"/>
-                <a:cs typeface="Arial"/>
-                <a:sym typeface="Arial"/>
-              </a:defRPr>
-            </a:lvl1pPr>
-          </a:lstStyle>
-          <a:p>
-            <a:pPr/>
-            <a:r>
-              <a:t>Objectivos</a:t>
-            </a:r>
-          </a:p>
-        </p:txBody>
-      </p:sp>
-      <p:sp>
-        <p:nvSpPr>
-          <p:cNvPr id="140" name="Desenvolvimento de um sistema de informação que permita realizar a administração de sondas e análise de dados provenientes das mesmas…"/>
-          <p:cNvSpPr txBox="1"/>
-          <p:nvPr>
-            <p:ph type="body" idx="1"/>
-          </p:nvPr>
-        </p:nvSpPr>
-        <p:spPr>
-          <a:xfrm>
-            <a:off x="952500" y="2413000"/>
-            <a:ext cx="11099800" cy="6299200"/>
-          </a:xfrm>
-          <a:prstGeom prst="rect">
-            <a:avLst/>
-          </a:prstGeom>
-        </p:spPr>
-        <p:txBody>
-          <a:bodyPr/>
-          <a:lstStyle/>
-          <a:p>
-            <a:pPr algn="just"/>
-            <a:r>
-              <a:t>Desenvolvimento de um sistema de informação que permita realizar a administração de sondas e análise de dados provenientes das mesmas </a:t>
-            </a:r>
-          </a:p>
-          <a:p>
-            <a:pPr algn="just"/>
-            <a:r>
-              <a:t>Observação fácil e objectiva dos dados e administração do sistema</a:t>
-            </a:r>
-          </a:p>
-          <a:p>
-            <a:pPr algn="just"/>
-            <a:r>
-              <a:t>Assegurar a gestão do equipamento e de configurações</a:t>
-            </a:r>
-          </a:p>
-        </p:txBody>
-      </p:sp>
-      <p:sp>
-        <p:nvSpPr>
-          <p:cNvPr id="141" name="Text"/>
-          <p:cNvSpPr txBox="1"/>
-          <p:nvPr/>
-        </p:nvSpPr>
-        <p:spPr>
-          <a:xfrm>
-            <a:off x="12328973" y="9169400"/>
-            <a:ext cx="227280" cy="324306"/>
-          </a:xfrm>
-          <a:prstGeom prst="rect">
-            <a:avLst/>
-          </a:prstGeom>
-          <a:ln w="12700">
-            <a:miter lim="400000"/>
-          </a:ln>
-          <a:extLst>
-            <a:ext uri="{C572A759-6A51-4108-AA02-DFA0A04FC94B}">
-              <ma14:wrappingTextBoxFlag xmlns:ma14="http://schemas.microsoft.com/office/mac/drawingml/2011/main" val="1"/>
-            </a:ext>
-          </a:extLst>
-        </p:spPr>
-        <p:txBody>
-          <a:bodyPr wrap="none" lIns="50800" tIns="50800" rIns="50800" bIns="50800">
-            <a:spAutoFit/>
-          </a:bodyPr>
-          <a:lstStyle/>
-          <a:p>
-            <a:pPr>
-              <a:defRPr b="0" sz="1600">
-                <a:latin typeface="Helvetica Neue Thin"/>
-                <a:ea typeface="Helvetica Neue Thin"/>
-                <a:cs typeface="Helvetica Neue Thin"/>
-                <a:sym typeface="Helvetica Neue Thin"/>
-              </a:defRPr>
-            </a:pPr>
-            <a:fld id="{86CB4B4D-7CA3-9044-876B-883B54F8677D}" type="slidenum"/>
-            <a:r>
-              <a:t>￼</a:t>
-            </a:r>
-          </a:p>
-        </p:txBody>
-      </p:sp>
-    </p:spTree>
-  </p:cSld>
-  <p:clrMapOvr>
-    <a:masterClrMapping/>
-  </p:clrMapOvr>
-  <p:transition xmlns:p14="http://schemas.microsoft.com/office/powerpoint/2010/main" spd="med" advClick="1"/>
-</p:sld>
-</file>
-
-<file path=ppt/slides/slide6.xml><?xml version="1.0" encoding="utf-8"?>
-<p:sld xmlns:a="http://schemas.openxmlformats.org/drawingml/2006/main" xmlns:r="http://schemas.openxmlformats.org/officeDocument/2006/relationships" xmlns:p="http://schemas.openxmlformats.org/presentationml/2006/main" xmlns:m="http://schemas.openxmlformats.org/officeDocument/2006/math" xmlns:a14="http://schemas.microsoft.com/office/drawing/2010/main" showMasterSp="1" showMasterPhAnim="1">
-  <p:cSld>
-    <p:spTree>
-      <p:nvGrpSpPr>
-        <p:cNvPr id="1" name=""/>
-        <p:cNvGrpSpPr/>
-        <p:nvPr/>
-      </p:nvGrpSpPr>
-      <p:grpSpPr>
-        <a:xfrm>
-          <a:off x="0" y="0"/>
-          <a:ext cx="0" cy="0"/>
-          <a:chOff x="0" y="0"/>
-          <a:chExt cx="0" cy="0"/>
-        </a:xfrm>
-      </p:grpSpPr>
-      <p:sp>
-        <p:nvSpPr>
-          <p:cNvPr id="143" name="Diagrama da Arquitectura do Sistema"/>
-          <p:cNvSpPr txBox="1"/>
-          <p:nvPr>
-            <p:ph type="title"/>
-          </p:nvPr>
-        </p:nvSpPr>
-        <p:spPr>
-          <a:prstGeom prst="rect">
-            <a:avLst/>
-          </a:prstGeom>
-        </p:spPr>
-        <p:txBody>
-          <a:bodyPr/>
-          <a:lstStyle>
-            <a:lvl1pPr defTabSz="457200">
-              <a:lnSpc>
-                <a:spcPct val="115000"/>
-              </a:lnSpc>
-              <a:spcBef>
-                <a:spcPts val="600"/>
-              </a:spcBef>
-              <a:defRPr b="1" sz="3700">
-                <a:uFill>
-                  <a:solidFill>
-                    <a:srgbClr val="000000"/>
-                  </a:solidFill>
-                </a:uFill>
-                <a:latin typeface="Arial"/>
-                <a:ea typeface="Arial"/>
-                <a:cs typeface="Arial"/>
-                <a:sym typeface="Arial"/>
-              </a:defRPr>
-            </a:lvl1pPr>
-          </a:lstStyle>
-          <a:p>
-            <a:pPr/>
-            <a:r>
-              <a:t>Diagrama da Arquitectura do Sistema</a:t>
-            </a:r>
-          </a:p>
-        </p:txBody>
-      </p:sp>
-      <p:sp>
-        <p:nvSpPr>
-          <p:cNvPr id="144" name="Text"/>
-          <p:cNvSpPr txBox="1"/>
-          <p:nvPr/>
-        </p:nvSpPr>
-        <p:spPr>
-          <a:xfrm>
-            <a:off x="12328973" y="9169400"/>
-            <a:ext cx="227280" cy="324306"/>
-          </a:xfrm>
-          <a:prstGeom prst="rect">
-            <a:avLst/>
-          </a:prstGeom>
-          <a:ln w="12700">
-            <a:miter lim="400000"/>
-          </a:ln>
-          <a:extLst>
-            <a:ext uri="{C572A759-6A51-4108-AA02-DFA0A04FC94B}">
-              <ma14:wrappingTextBoxFlag xmlns:ma14="http://schemas.microsoft.com/office/mac/drawingml/2011/main" val="1"/>
-            </a:ext>
-          </a:extLst>
-        </p:spPr>
-        <p:txBody>
-          <a:bodyPr wrap="none" lIns="50800" tIns="50800" rIns="50800" bIns="50800">
-            <a:spAutoFit/>
-          </a:bodyPr>
-          <a:lstStyle/>
-          <a:p>
-            <a:pPr>
-              <a:defRPr b="0" sz="1600">
-                <a:latin typeface="Helvetica Neue Thin"/>
-                <a:ea typeface="Helvetica Neue Thin"/>
-                <a:cs typeface="Helvetica Neue Thin"/>
-                <a:sym typeface="Helvetica Neue Thin"/>
-              </a:defRPr>
-            </a:pPr>
-            <a:fld id="{86CB4B4D-7CA3-9044-876B-883B54F8677D}" type="slidenum"/>
-            <a:r>
-              <a:t>￼</a:t>
-            </a:r>
-          </a:p>
-        </p:txBody>
-      </p:sp>
-      <p:pic>
-        <p:nvPicPr>
-          <p:cNvPr id="145" name="66609988_1431623203645237_3132181591544037376_n.png" descr="66609988_1431623203645237_3132181591544037376_n.png"/>
-          <p:cNvPicPr>
-            <a:picLocks noChangeAspect="1"/>
-          </p:cNvPicPr>
-          <p:nvPr/>
-        </p:nvPicPr>
-        <p:blipFill>
-          <a:blip r:embed="rId2">
-            <a:extLst/>
-          </a:blip>
-          <a:stretch>
-            <a:fillRect/>
-          </a:stretch>
-        </p:blipFill>
-        <p:spPr>
-          <a:xfrm>
-            <a:off x="2001474" y="2251967"/>
-            <a:ext cx="9001852" cy="6337926"/>
-          </a:xfrm>
-          <a:prstGeom prst="rect">
-            <a:avLst/>
-          </a:prstGeom>
-          <a:ln w="12700">
-            <a:miter lim="400000"/>
-          </a:ln>
-        </p:spPr>
-      </p:pic>
-    </p:spTree>
-  </p:cSld>
-  <p:clrMapOvr>
-    <a:masterClrMapping/>
-  </p:clrMapOvr>
-  <p:transition xmlns:p14="http://schemas.microsoft.com/office/powerpoint/2010/main" spd="med" advClick="1"/>
-</p:sld>
-</file>
-
-<file path=ppt/slides/slide7.xml><?xml version="1.0" encoding="utf-8"?>
-<p:sld xmlns:a="http://schemas.openxmlformats.org/drawingml/2006/main" xmlns:r="http://schemas.openxmlformats.org/officeDocument/2006/relationships" xmlns:p="http://schemas.openxmlformats.org/presentationml/2006/main" xmlns:m="http://schemas.openxmlformats.org/officeDocument/2006/math" xmlns:a14="http://schemas.microsoft.com/office/drawing/2010/main" showMasterSp="1" showMasterPhAnim="1">
-  <p:cSld>
-    <p:spTree>
-      <p:nvGrpSpPr>
-        <p:cNvPr id="1" name=""/>
-        <p:cNvGrpSpPr/>
-        <p:nvPr/>
-      </p:nvGrpSpPr>
-      <p:grpSpPr>
-        <a:xfrm>
-          <a:off x="0" y="0"/>
-          <a:ext cx="0" cy="0"/>
-          <a:chOff x="0" y="0"/>
-          <a:chExt cx="0" cy="0"/>
-        </a:xfrm>
-      </p:grpSpPr>
-      <p:sp>
-        <p:nvSpPr>
-          <p:cNvPr id="147" name="Arquitectura do Sistema…"/>
-          <p:cNvSpPr txBox="1"/>
+          <p:cNvPr id="153" name="Arquitectura do Sistema…"/>
+          <p:cNvSpPr txBox="1">
+            <a:spLocks noGrp="1"/>
+          </p:cNvSpPr>
           <p:nvPr>
             <p:ph type="title"/>
           </p:nvPr>
@@ -5936,7 +6684,7 @@
               <a:spcBef>
                 <a:spcPts val="600"/>
               </a:spcBef>
-              <a:defRPr b="1" sz="3700">
+              <a:defRPr sz="3700" b="1">
                 <a:uFill>
                   <a:solidFill>
                     <a:srgbClr val="000000"/>
@@ -5980,7 +6728,7 @@
       </p:sp>
       <p:sp>
         <p:nvSpPr>
-          <p:cNvPr id="148" name="Text"/>
+          <p:cNvPr id="154" name="Text"/>
           <p:cNvSpPr txBox="1"/>
           <p:nvPr/>
         </p:nvSpPr>
@@ -5997,7 +6745,7 @@
           </a:ln>
           <a:extLst>
             <a:ext uri="{C572A759-6A51-4108-AA02-DFA0A04FC94B}">
-              <ma14:wrappingTextBoxFlag xmlns:ma14="http://schemas.microsoft.com/office/mac/drawingml/2011/main" val="1"/>
+              <ma14:wrappingTextBoxFlag xmlns:ma14="http://schemas.microsoft.com/office/mac/drawingml/2011/main" xmlns:a14="http://schemas.microsoft.com/office/drawing/2010/main" xmlns:m="http://schemas.openxmlformats.org/officeDocument/2006/math" xmlns="" val="1"/>
             </a:ext>
           </a:extLst>
         </p:spPr>
@@ -6008,99 +6756,40 @@
           <a:lstStyle/>
           <a:p>
             <a:pPr>
-              <a:defRPr b="0" sz="1600">
+              <a:defRPr sz="1600" b="0">
                 <a:latin typeface="Helvetica Neue Thin"/>
                 <a:ea typeface="Helvetica Neue Thin"/>
                 <a:cs typeface="Helvetica Neue Thin"/>
                 <a:sym typeface="Helvetica Neue Thin"/>
               </a:defRPr>
             </a:pPr>
-            <a:fld id="{86CB4B4D-7CA3-9044-876B-883B54F8677D}" type="slidenum"/>
+            <a:fld id="{86CB4B4D-7CA3-9044-876B-883B54F8677D}" type="slidenum">
+              <a:t>8</a:t>
+            </a:fld>
             <a:r>
               <a:t>￼</a:t>
-            </a:r>
-          </a:p>
-        </p:txBody>
-      </p:sp>
-      <p:sp>
-        <p:nvSpPr>
-          <p:cNvPr id="149" name="Base de dados relacional implementada em PostgreSQL"/>
-          <p:cNvSpPr txBox="1"/>
-          <p:nvPr>
-            <p:ph type="body" sz="quarter" idx="1"/>
-          </p:nvPr>
-        </p:nvSpPr>
-        <p:spPr>
-          <a:xfrm>
-            <a:off x="952500" y="2590800"/>
-            <a:ext cx="9613504" cy="1609428"/>
-          </a:xfrm>
-          <a:prstGeom prst="rect">
-            <a:avLst/>
-          </a:prstGeom>
-        </p:spPr>
-        <p:txBody>
-          <a:bodyPr/>
-          <a:lstStyle>
-            <a:lvl1pPr algn="just"/>
-          </a:lstStyle>
-          <a:p>
-            <a:pPr/>
-            <a:r>
-              <a:t>Base de dados relacional implementada em PostgreSQL</a:t>
             </a:r>
           </a:p>
         </p:txBody>
       </p:sp>
       <p:pic>
         <p:nvPicPr>
-          <p:cNvPr id="150" name="09-04-2013_postgresql-2013-01-281.jpg" descr="09-04-2013_postgresql-2013-01-281.jpg"/>
+          <p:cNvPr id="155" name="66315599_456375555095934_5805751303980187648_n.png" descr="66315599_456375555095934_5805751303980187648_n.png"/>
           <p:cNvPicPr>
             <a:picLocks noChangeAspect="1"/>
           </p:cNvPicPr>
           <p:nvPr/>
         </p:nvPicPr>
         <p:blipFill>
-          <a:blip r:embed="rId2">
-            <a:extLst/>
-          </a:blip>
+          <a:blip r:embed="rId2"/>
           <a:stretch>
             <a:fillRect/>
           </a:stretch>
         </p:blipFill>
         <p:spPr>
           <a:xfrm>
-            <a:off x="10563800" y="2032545"/>
-            <a:ext cx="1943101" cy="2159001"/>
-          </a:xfrm>
-          <a:prstGeom prst="rect">
-            <a:avLst/>
-          </a:prstGeom>
-          <a:ln w="12700">
-            <a:miter lim="400000"/>
-          </a:ln>
-        </p:spPr>
-      </p:pic>
-      <p:pic>
-        <p:nvPicPr>
-          <p:cNvPr id="151" name="67361233_458167701642880_6245127158440656896_n.png" descr="67361233_458167701642880_6245127158440656896_n.png"/>
-          <p:cNvPicPr>
-            <a:picLocks noChangeAspect="1"/>
-          </p:cNvPicPr>
-          <p:nvPr/>
-        </p:nvPicPr>
-        <p:blipFill>
-          <a:blip r:embed="rId3">
-            <a:extLst/>
-          </a:blip>
-          <a:stretch>
-            <a:fillRect/>
-          </a:stretch>
-        </p:blipFill>
-        <p:spPr>
-          <a:xfrm>
-            <a:off x="2392849" y="3938018"/>
-            <a:ext cx="7822561" cy="5507623"/>
+            <a:off x="839800" y="2391376"/>
+            <a:ext cx="11325200" cy="6698048"/>
           </a:xfrm>
           <a:prstGeom prst="rect">
             <a:avLst/>
@@ -6115,12 +6804,12 @@
   <p:clrMapOvr>
     <a:masterClrMapping/>
   </p:clrMapOvr>
-  <p:transition xmlns:p14="http://schemas.microsoft.com/office/powerpoint/2010/main" spd="med" advClick="1"/>
+  <p:transition spd="med"/>
 </p:sld>
 </file>
 
-<file path=ppt/slides/slide8.xml><?xml version="1.0" encoding="utf-8"?>
-<p:sld xmlns:a="http://schemas.openxmlformats.org/drawingml/2006/main" xmlns:r="http://schemas.openxmlformats.org/officeDocument/2006/relationships" xmlns:p="http://schemas.openxmlformats.org/presentationml/2006/main" xmlns:m="http://schemas.openxmlformats.org/officeDocument/2006/math" xmlns:a14="http://schemas.microsoft.com/office/drawing/2010/main" showMasterSp="1" showMasterPhAnim="1">
+<file path=ppt/slides/slide9.xml><?xml version="1.0" encoding="utf-8"?>
+<p:sld xmlns:a="http://schemas.openxmlformats.org/drawingml/2006/main" xmlns:r="http://schemas.openxmlformats.org/officeDocument/2006/relationships" xmlns:p="http://schemas.openxmlformats.org/presentationml/2006/main">
   <p:cSld>
     <p:spTree>
       <p:nvGrpSpPr>
@@ -6138,8 +6827,10 @@
       </p:grpSpPr>
       <p:sp>
         <p:nvSpPr>
-          <p:cNvPr id="153" name="Arquitectura do Sistema…"/>
-          <p:cNvSpPr txBox="1"/>
+          <p:cNvPr id="157" name="Arquitectura do Sistema…"/>
+          <p:cNvSpPr txBox="1">
+            <a:spLocks noGrp="1"/>
+          </p:cNvSpPr>
           <p:nvPr>
             <p:ph type="title"/>
           </p:nvPr>
@@ -6160,7 +6851,7 @@
               <a:spcBef>
                 <a:spcPts val="600"/>
               </a:spcBef>
-              <a:defRPr b="1" sz="3700">
+              <a:defRPr sz="3700" b="1">
                 <a:uFill>
                   <a:solidFill>
                     <a:srgbClr val="000000"/>
@@ -6197,14 +6888,14 @@
               </a:defRPr>
             </a:pPr>
             <a:r>
-              <a:t>Componente Servidora - Base de Dados</a:t>
-            </a:r>
-          </a:p>
-        </p:txBody>
-      </p:sp>
-      <p:sp>
-        <p:nvSpPr>
-          <p:cNvPr id="154" name="Text"/>
+              <a:t>Componente Servidora - API</a:t>
+            </a:r>
+          </a:p>
+        </p:txBody>
+      </p:sp>
+      <p:sp>
+        <p:nvSpPr>
+          <p:cNvPr id="158" name="Text"/>
           <p:cNvSpPr txBox="1"/>
           <p:nvPr/>
         </p:nvSpPr>
@@ -6221,7 +6912,7 @@
           </a:ln>
           <a:extLst>
             <a:ext uri="{C572A759-6A51-4108-AA02-DFA0A04FC94B}">
-              <ma14:wrappingTextBoxFlag xmlns:ma14="http://schemas.microsoft.com/office/mac/drawingml/2011/main" val="1"/>
+              <ma14:wrappingTextBoxFlag xmlns:ma14="http://schemas.microsoft.com/office/mac/drawingml/2011/main" xmlns:a14="http://schemas.microsoft.com/office/drawing/2010/main" xmlns:m="http://schemas.openxmlformats.org/officeDocument/2006/math" xmlns="" val="1"/>
             </a:ext>
           </a:extLst>
         </p:spPr>
@@ -6232,189 +6923,28 @@
           <a:lstStyle/>
           <a:p>
             <a:pPr>
-              <a:defRPr b="0" sz="1600">
+              <a:defRPr sz="1600" b="0">
                 <a:latin typeface="Helvetica Neue Thin"/>
                 <a:ea typeface="Helvetica Neue Thin"/>
                 <a:cs typeface="Helvetica Neue Thin"/>
                 <a:sym typeface="Helvetica Neue Thin"/>
               </a:defRPr>
             </a:pPr>
-            <a:fld id="{86CB4B4D-7CA3-9044-876B-883B54F8677D}" type="slidenum"/>
+            <a:fld id="{86CB4B4D-7CA3-9044-876B-883B54F8677D}" type="slidenum">
+              <a:t>9</a:t>
+            </a:fld>
             <a:r>
               <a:t>￼</a:t>
             </a:r>
           </a:p>
         </p:txBody>
       </p:sp>
-      <p:pic>
-        <p:nvPicPr>
-          <p:cNvPr id="155" name="66315599_456375555095934_5805751303980187648_n.png" descr="66315599_456375555095934_5805751303980187648_n.png"/>
-          <p:cNvPicPr>
-            <a:picLocks noChangeAspect="1"/>
-          </p:cNvPicPr>
-          <p:nvPr/>
-        </p:nvPicPr>
-        <p:blipFill>
-          <a:blip r:embed="rId2">
-            <a:extLst/>
-          </a:blip>
-          <a:stretch>
-            <a:fillRect/>
-          </a:stretch>
-        </p:blipFill>
-        <p:spPr>
-          <a:xfrm>
-            <a:off x="839800" y="2391376"/>
-            <a:ext cx="11325200" cy="6698048"/>
-          </a:xfrm>
-          <a:prstGeom prst="rect">
-            <a:avLst/>
-          </a:prstGeom>
-          <a:ln w="12700">
-            <a:miter lim="400000"/>
-          </a:ln>
-        </p:spPr>
-      </p:pic>
-    </p:spTree>
-  </p:cSld>
-  <p:clrMapOvr>
-    <a:masterClrMapping/>
-  </p:clrMapOvr>
-  <p:transition xmlns:p14="http://schemas.microsoft.com/office/powerpoint/2010/main" spd="med" advClick="1"/>
-</p:sld>
-</file>
-
-<file path=ppt/slides/slide9.xml><?xml version="1.0" encoding="utf-8"?>
-<p:sld xmlns:a="http://schemas.openxmlformats.org/drawingml/2006/main" xmlns:r="http://schemas.openxmlformats.org/officeDocument/2006/relationships" xmlns:p="http://schemas.openxmlformats.org/presentationml/2006/main" xmlns:m="http://schemas.openxmlformats.org/officeDocument/2006/math" xmlns:a14="http://schemas.microsoft.com/office/drawing/2010/main" showMasterSp="1" showMasterPhAnim="1">
-  <p:cSld>
-    <p:spTree>
-      <p:nvGrpSpPr>
-        <p:cNvPr id="1" name=""/>
-        <p:cNvGrpSpPr/>
-        <p:nvPr/>
-      </p:nvGrpSpPr>
-      <p:grpSpPr>
-        <a:xfrm>
-          <a:off x="0" y="0"/>
-          <a:ext cx="0" cy="0"/>
-          <a:chOff x="0" y="0"/>
-          <a:chExt cx="0" cy="0"/>
-        </a:xfrm>
-      </p:grpSpPr>
-      <p:sp>
-        <p:nvSpPr>
-          <p:cNvPr id="157" name="Arquitectura do Sistema…"/>
-          <p:cNvSpPr txBox="1"/>
-          <p:nvPr>
-            <p:ph type="title"/>
-          </p:nvPr>
-        </p:nvSpPr>
-        <p:spPr>
-          <a:prstGeom prst="rect">
-            <a:avLst/>
-          </a:prstGeom>
-        </p:spPr>
-        <p:txBody>
-          <a:bodyPr/>
-          <a:lstStyle/>
-          <a:p>
-            <a:pPr defTabSz="457200">
-              <a:lnSpc>
-                <a:spcPct val="115000"/>
-              </a:lnSpc>
-              <a:spcBef>
-                <a:spcPts val="600"/>
-              </a:spcBef>
-              <a:defRPr b="1" sz="3700">
-                <a:uFill>
-                  <a:solidFill>
-                    <a:srgbClr val="000000"/>
-                  </a:solidFill>
-                </a:uFill>
-                <a:latin typeface="Arial"/>
-                <a:ea typeface="Arial"/>
-                <a:cs typeface="Arial"/>
-                <a:sym typeface="Arial"/>
-              </a:defRPr>
-            </a:pPr>
-            <a:r>
-              <a:t>Arquitectura do Sistema</a:t>
-            </a:r>
-          </a:p>
-          <a:p>
-            <a:pPr defTabSz="457200">
-              <a:lnSpc>
-                <a:spcPct val="115000"/>
-              </a:lnSpc>
-              <a:spcBef>
-                <a:spcPts val="600"/>
-              </a:spcBef>
-              <a:defRPr sz="3700">
-                <a:uFill>
-                  <a:solidFill>
-                    <a:srgbClr val="000000"/>
-                  </a:solidFill>
-                </a:uFill>
-                <a:latin typeface="Arial"/>
-                <a:ea typeface="Arial"/>
-                <a:cs typeface="Arial"/>
-                <a:sym typeface="Arial"/>
-              </a:defRPr>
-            </a:pPr>
-            <a:r>
-              <a:t>Componente Servidora - API</a:t>
-            </a:r>
-          </a:p>
-        </p:txBody>
-      </p:sp>
-      <p:sp>
-        <p:nvSpPr>
-          <p:cNvPr id="158" name="Text"/>
-          <p:cNvSpPr txBox="1"/>
-          <p:nvPr/>
-        </p:nvSpPr>
-        <p:spPr>
-          <a:xfrm>
-            <a:off x="12328973" y="9169400"/>
-            <a:ext cx="227280" cy="324306"/>
-          </a:xfrm>
-          <a:prstGeom prst="rect">
-            <a:avLst/>
-          </a:prstGeom>
-          <a:ln w="12700">
-            <a:miter lim="400000"/>
-          </a:ln>
-          <a:extLst>
-            <a:ext uri="{C572A759-6A51-4108-AA02-DFA0A04FC94B}">
-              <ma14:wrappingTextBoxFlag xmlns:ma14="http://schemas.microsoft.com/office/mac/drawingml/2011/main" val="1"/>
-            </a:ext>
-          </a:extLst>
-        </p:spPr>
-        <p:txBody>
-          <a:bodyPr wrap="none" lIns="50800" tIns="50800" rIns="50800" bIns="50800">
-            <a:spAutoFit/>
-          </a:bodyPr>
-          <a:lstStyle/>
-          <a:p>
-            <a:pPr>
-              <a:defRPr b="0" sz="1600">
-                <a:latin typeface="Helvetica Neue Thin"/>
-                <a:ea typeface="Helvetica Neue Thin"/>
-                <a:cs typeface="Helvetica Neue Thin"/>
-                <a:sym typeface="Helvetica Neue Thin"/>
-              </a:defRPr>
-            </a:pPr>
-            <a:fld id="{86CB4B4D-7CA3-9044-876B-883B54F8677D}" type="slidenum"/>
-            <a:r>
-              <a:t>￼</a:t>
-            </a:r>
-          </a:p>
-        </p:txBody>
-      </p:sp>
       <p:sp>
         <p:nvSpPr>
           <p:cNvPr id="159" name="API implementada em Java com base na framework Spring MVC"/>
-          <p:cNvSpPr txBox="1"/>
+          <p:cNvSpPr txBox="1">
+            <a:spLocks noGrp="1"/>
+          </p:cNvSpPr>
           <p:nvPr>
             <p:ph type="body" sz="quarter" idx="1"/>
           </p:nvPr>
@@ -6434,7 +6964,6 @@
             <a:lvl1pPr algn="just"/>
           </a:lstStyle>
           <a:p>
-            <a:pPr/>
             <a:r>
               <a:t>API implementada em Java com base na framework Spring MVC</a:t>
             </a:r>
@@ -6450,9 +6979,7 @@
           <p:nvPr/>
         </p:nvPicPr>
         <p:blipFill>
-          <a:blip r:embed="rId2">
-            <a:extLst/>
-          </a:blip>
+          <a:blip r:embed="rId2"/>
           <a:stretch>
             <a:fillRect/>
           </a:stretch>
@@ -6479,9 +7006,7 @@
           <p:nvPr/>
         </p:nvPicPr>
         <p:blipFill>
-          <a:blip r:embed="rId3">
-            <a:extLst/>
-          </a:blip>
+          <a:blip r:embed="rId3"/>
           <a:stretch>
             <a:fillRect/>
           </a:stretch>
@@ -6508,9 +7033,7 @@
           <p:nvPr/>
         </p:nvPicPr>
         <p:blipFill>
-          <a:blip r:embed="rId4">
-            <a:extLst/>
-          </a:blip>
+          <a:blip r:embed="rId4"/>
           <a:stretch>
             <a:fillRect/>
           </a:stretch>
@@ -6533,12 +7056,12 @@
   <p:clrMapOvr>
     <a:masterClrMapping/>
   </p:clrMapOvr>
-  <p:transition xmlns:p14="http://schemas.microsoft.com/office/powerpoint/2010/main" spd="med" advClick="1"/>
+  <p:transition spd="med"/>
 </p:sld>
 </file>
 
 <file path=ppt/theme/theme1.xml><?xml version="1.0" encoding="utf-8"?>
-<a:theme xmlns:a="http://schemas.openxmlformats.org/drawingml/2006/main" xmlns:r="http://schemas.openxmlformats.org/officeDocument/2006/relationships" name="White">
+<a:theme xmlns:a="http://schemas.openxmlformats.org/drawingml/2006/main" name="White">
   <a:themeElements>
     <a:clrScheme name="White">
       <a:dk1>
@@ -6737,7 +7260,7 @@
         <a:effectLst/>
         <a:sp3d/>
       </a:spPr>
-      <a:bodyPr rot="0" spcFirstLastPara="1" vertOverflow="overflow" horzOverflow="overflow" vert="horz" wrap="square" lIns="50800" tIns="50800" rIns="50800" bIns="50800" numCol="1" spcCol="38100" rtlCol="0" anchor="ctr" upright="0">
+      <a:bodyPr rot="0" spcFirstLastPara="1" vertOverflow="overflow" horzOverflow="overflow" vert="horz" wrap="square" lIns="50800" tIns="50800" rIns="50800" bIns="50800" numCol="1" spcCol="38100" rtlCol="0" anchor="ctr">
         <a:spAutoFit/>
       </a:bodyPr>
       <a:lstStyle>
@@ -6756,7 +7279,7 @@
           <a:buFontTx/>
           <a:buNone/>
           <a:tabLst/>
-          <a:defRPr b="0" baseline="0" cap="none" i="0" spc="0" strike="noStrike" sz="2200" u="none" kumimoji="0" normalizeH="0">
+          <a:defRPr kumimoji="0" sz="2200" b="0" i="0" u="none" strike="noStrike" cap="none" spc="0" normalizeH="0" baseline="0">
             <a:ln>
               <a:noFill/>
             </a:ln>
@@ -6786,7 +7309,7 @@
           <a:buFontTx/>
           <a:buNone/>
           <a:tabLst/>
-          <a:defRPr b="0" baseline="0" cap="none" i="0" spc="0" strike="noStrike" sz="1800" u="none" kumimoji="0" normalizeH="0">
+          <a:defRPr kumimoji="0" sz="1800" b="0" i="0" u="none" strike="noStrike" cap="none" spc="0" normalizeH="0" baseline="0">
             <a:ln>
               <a:noFill/>
             </a:ln>
@@ -6812,7 +7335,7 @@
           <a:buFontTx/>
           <a:buNone/>
           <a:tabLst/>
-          <a:defRPr b="0" baseline="0" cap="none" i="0" spc="0" strike="noStrike" sz="1800" u="none" kumimoji="0" normalizeH="0">
+          <a:defRPr kumimoji="0" sz="1800" b="0" i="0" u="none" strike="noStrike" cap="none" spc="0" normalizeH="0" baseline="0">
             <a:ln>
               <a:noFill/>
             </a:ln>
@@ -6838,7 +7361,7 @@
           <a:buFontTx/>
           <a:buNone/>
           <a:tabLst/>
-          <a:defRPr b="0" baseline="0" cap="none" i="0" spc="0" strike="noStrike" sz="1800" u="none" kumimoji="0" normalizeH="0">
+          <a:defRPr kumimoji="0" sz="1800" b="0" i="0" u="none" strike="noStrike" cap="none" spc="0" normalizeH="0" baseline="0">
             <a:ln>
               <a:noFill/>
             </a:ln>
@@ -6864,7 +7387,7 @@
           <a:buFontTx/>
           <a:buNone/>
           <a:tabLst/>
-          <a:defRPr b="0" baseline="0" cap="none" i="0" spc="0" strike="noStrike" sz="1800" u="none" kumimoji="0" normalizeH="0">
+          <a:defRPr kumimoji="0" sz="1800" b="0" i="0" u="none" strike="noStrike" cap="none" spc="0" normalizeH="0" baseline="0">
             <a:ln>
               <a:noFill/>
             </a:ln>
@@ -6890,7 +7413,7 @@
           <a:buFontTx/>
           <a:buNone/>
           <a:tabLst/>
-          <a:defRPr b="0" baseline="0" cap="none" i="0" spc="0" strike="noStrike" sz="1800" u="none" kumimoji="0" normalizeH="0">
+          <a:defRPr kumimoji="0" sz="1800" b="0" i="0" u="none" strike="noStrike" cap="none" spc="0" normalizeH="0" baseline="0">
             <a:ln>
               <a:noFill/>
             </a:ln>
@@ -6916,7 +7439,7 @@
           <a:buFontTx/>
           <a:buNone/>
           <a:tabLst/>
-          <a:defRPr b="0" baseline="0" cap="none" i="0" spc="0" strike="noStrike" sz="1800" u="none" kumimoji="0" normalizeH="0">
+          <a:defRPr kumimoji="0" sz="1800" b="0" i="0" u="none" strike="noStrike" cap="none" spc="0" normalizeH="0" baseline="0">
             <a:ln>
               <a:noFill/>
             </a:ln>
@@ -6942,7 +7465,7 @@
           <a:buFontTx/>
           <a:buNone/>
           <a:tabLst/>
-          <a:defRPr b="0" baseline="0" cap="none" i="0" spc="0" strike="noStrike" sz="1800" u="none" kumimoji="0" normalizeH="0">
+          <a:defRPr kumimoji="0" sz="1800" b="0" i="0" u="none" strike="noStrike" cap="none" spc="0" normalizeH="0" baseline="0">
             <a:ln>
               <a:noFill/>
             </a:ln>
@@ -6968,7 +7491,7 @@
           <a:buFontTx/>
           <a:buNone/>
           <a:tabLst/>
-          <a:defRPr b="0" baseline="0" cap="none" i="0" spc="0" strike="noStrike" sz="1800" u="none" kumimoji="0" normalizeH="0">
+          <a:defRPr kumimoji="0" sz="1800" b="0" i="0" u="none" strike="noStrike" cap="none" spc="0" normalizeH="0" baseline="0">
             <a:ln>
               <a:noFill/>
             </a:ln>
@@ -6994,7 +7517,7 @@
           <a:buFontTx/>
           <a:buNone/>
           <a:tabLst/>
-          <a:defRPr b="0" baseline="0" cap="none" i="0" spc="0" strike="noStrike" sz="1800" u="none" kumimoji="0" normalizeH="0">
+          <a:defRPr kumimoji="0" sz="1800" b="0" i="0" u="none" strike="noStrike" cap="none" spc="0" normalizeH="0" baseline="0">
             <a:ln>
               <a:noFill/>
             </a:ln>
@@ -7007,9 +7530,15 @@
         </a:lvl9pPr>
       </a:lstStyle>
       <a:style>
-        <a:lnRef idx="0"/>
-        <a:fillRef idx="0"/>
-        <a:effectRef idx="0"/>
+        <a:lnRef idx="0">
+          <a:scrgbClr r="0" g="0" b="0"/>
+        </a:lnRef>
+        <a:fillRef idx="0">
+          <a:scrgbClr r="0" g="0" b="0"/>
+        </a:fillRef>
+        <a:effectRef idx="0">
+          <a:scrgbClr r="0" g="0" b="0"/>
+        </a:effectRef>
         <a:fontRef idx="none"/>
       </a:style>
     </a:spDef>
@@ -7026,7 +7555,7 @@
         <a:effectLst/>
         <a:sp3d/>
       </a:spPr>
-      <a:bodyPr rot="0" spcFirstLastPara="1" vertOverflow="overflow" horzOverflow="overflow" vert="horz" wrap="square" lIns="91439" tIns="45719" rIns="91439" bIns="45719" numCol="1" spcCol="38100" rtlCol="0" anchor="t" upright="0">
+      <a:bodyPr rot="0" spcFirstLastPara="1" vertOverflow="overflow" horzOverflow="overflow" vert="horz" wrap="square" lIns="91439" tIns="45719" rIns="91439" bIns="45719" numCol="1" spcCol="38100" rtlCol="0" anchor="t">
         <a:noAutofit/>
       </a:bodyPr>
       <a:lstStyle>
@@ -7045,7 +7574,7 @@
           <a:buFontTx/>
           <a:buNone/>
           <a:tabLst/>
-          <a:defRPr b="0" baseline="0" cap="none" i="0" spc="0" strike="noStrike" sz="1800" u="none" kumimoji="0" normalizeH="0">
+          <a:defRPr kumimoji="0" sz="1800" b="0" i="0" u="none" strike="noStrike" cap="none" spc="0" normalizeH="0" baseline="0">
             <a:ln>
               <a:noFill/>
             </a:ln>
@@ -7071,7 +7600,7 @@
           <a:buFontTx/>
           <a:buNone/>
           <a:tabLst/>
-          <a:defRPr b="0" baseline="0" cap="none" i="0" spc="0" strike="noStrike" sz="1800" u="none" kumimoji="0" normalizeH="0">
+          <a:defRPr kumimoji="0" sz="1800" b="0" i="0" u="none" strike="noStrike" cap="none" spc="0" normalizeH="0" baseline="0">
             <a:ln>
               <a:noFill/>
             </a:ln>
@@ -7097,7 +7626,7 @@
           <a:buFontTx/>
           <a:buNone/>
           <a:tabLst/>
-          <a:defRPr b="0" baseline="0" cap="none" i="0" spc="0" strike="noStrike" sz="1800" u="none" kumimoji="0" normalizeH="0">
+          <a:defRPr kumimoji="0" sz="1800" b="0" i="0" u="none" strike="noStrike" cap="none" spc="0" normalizeH="0" baseline="0">
             <a:ln>
               <a:noFill/>
             </a:ln>
@@ -7123,7 +7652,7 @@
           <a:buFontTx/>
           <a:buNone/>
           <a:tabLst/>
-          <a:defRPr b="0" baseline="0" cap="none" i="0" spc="0" strike="noStrike" sz="1800" u="none" kumimoji="0" normalizeH="0">
+          <a:defRPr kumimoji="0" sz="1800" b="0" i="0" u="none" strike="noStrike" cap="none" spc="0" normalizeH="0" baseline="0">
             <a:ln>
               <a:noFill/>
             </a:ln>
@@ -7149,7 +7678,7 @@
           <a:buFontTx/>
           <a:buNone/>
           <a:tabLst/>
-          <a:defRPr b="0" baseline="0" cap="none" i="0" spc="0" strike="noStrike" sz="1800" u="none" kumimoji="0" normalizeH="0">
+          <a:defRPr kumimoji="0" sz="1800" b="0" i="0" u="none" strike="noStrike" cap="none" spc="0" normalizeH="0" baseline="0">
             <a:ln>
               <a:noFill/>
             </a:ln>
@@ -7175,7 +7704,7 @@
           <a:buFontTx/>
           <a:buNone/>
           <a:tabLst/>
-          <a:defRPr b="0" baseline="0" cap="none" i="0" spc="0" strike="noStrike" sz="1800" u="none" kumimoji="0" normalizeH="0">
+          <a:defRPr kumimoji="0" sz="1800" b="0" i="0" u="none" strike="noStrike" cap="none" spc="0" normalizeH="0" baseline="0">
             <a:ln>
               <a:noFill/>
             </a:ln>
@@ -7201,7 +7730,7 @@
           <a:buFontTx/>
           <a:buNone/>
           <a:tabLst/>
-          <a:defRPr b="0" baseline="0" cap="none" i="0" spc="0" strike="noStrike" sz="1800" u="none" kumimoji="0" normalizeH="0">
+          <a:defRPr kumimoji="0" sz="1800" b="0" i="0" u="none" strike="noStrike" cap="none" spc="0" normalizeH="0" baseline="0">
             <a:ln>
               <a:noFill/>
             </a:ln>
@@ -7227,7 +7756,7 @@
           <a:buFontTx/>
           <a:buNone/>
           <a:tabLst/>
-          <a:defRPr b="0" baseline="0" cap="none" i="0" spc="0" strike="noStrike" sz="1800" u="none" kumimoji="0" normalizeH="0">
+          <a:defRPr kumimoji="0" sz="1800" b="0" i="0" u="none" strike="noStrike" cap="none" spc="0" normalizeH="0" baseline="0">
             <a:ln>
               <a:noFill/>
             </a:ln>
@@ -7253,7 +7782,7 @@
           <a:buFontTx/>
           <a:buNone/>
           <a:tabLst/>
-          <a:defRPr b="0" baseline="0" cap="none" i="0" spc="0" strike="noStrike" sz="1800" u="none" kumimoji="0" normalizeH="0">
+          <a:defRPr kumimoji="0" sz="1800" b="0" i="0" u="none" strike="noStrike" cap="none" spc="0" normalizeH="0" baseline="0">
             <a:ln>
               <a:noFill/>
             </a:ln>
@@ -7279,7 +7808,7 @@
           <a:buFontTx/>
           <a:buNone/>
           <a:tabLst/>
-          <a:defRPr b="0" baseline="0" cap="none" i="0" spc="0" strike="noStrike" sz="1800" u="none" kumimoji="0" normalizeH="0">
+          <a:defRPr kumimoji="0" sz="1800" b="0" i="0" u="none" strike="noStrike" cap="none" spc="0" normalizeH="0" baseline="0">
             <a:ln>
               <a:noFill/>
             </a:ln>
@@ -7292,9 +7821,15 @@
         </a:lvl9pPr>
       </a:lstStyle>
       <a:style>
-        <a:lnRef idx="0"/>
-        <a:fillRef idx="0"/>
-        <a:effectRef idx="0"/>
+        <a:lnRef idx="0">
+          <a:scrgbClr r="0" g="0" b="0"/>
+        </a:lnRef>
+        <a:fillRef idx="0">
+          <a:scrgbClr r="0" g="0" b="0"/>
+        </a:fillRef>
+        <a:effectRef idx="0">
+          <a:scrgbClr r="0" g="0" b="0"/>
+        </a:effectRef>
         <a:fontRef idx="none"/>
       </a:style>
     </a:lnDef>
@@ -7308,7 +7843,7 @@
         <a:effectLst/>
         <a:sp3d/>
       </a:spPr>
-      <a:bodyPr rot="0" spcFirstLastPara="1" vertOverflow="overflow" horzOverflow="overflow" vert="horz" wrap="square" lIns="50800" tIns="50800" rIns="50800" bIns="50800" numCol="1" spcCol="38100" rtlCol="0" anchor="ctr" upright="0">
+      <a:bodyPr rot="0" spcFirstLastPara="1" vertOverflow="overflow" horzOverflow="overflow" vert="horz" wrap="square" lIns="50800" tIns="50800" rIns="50800" bIns="50800" numCol="1" spcCol="38100" rtlCol="0" anchor="ctr">
         <a:spAutoFit/>
       </a:bodyPr>
       <a:lstStyle>
@@ -7327,7 +7862,7 @@
           <a:buFontTx/>
           <a:buNone/>
           <a:tabLst/>
-          <a:defRPr b="1" baseline="0" cap="none" i="0" spc="0" strike="noStrike" sz="2400" u="none" kumimoji="0" normalizeH="0">
+          <a:defRPr kumimoji="0" sz="2400" b="1" i="0" u="none" strike="noStrike" cap="none" spc="0" normalizeH="0" baseline="0">
             <a:ln>
               <a:noFill/>
             </a:ln>
@@ -7357,7 +7892,7 @@
           <a:buFontTx/>
           <a:buNone/>
           <a:tabLst/>
-          <a:defRPr b="0" baseline="0" cap="none" i="0" spc="0" strike="noStrike" sz="1800" u="none" kumimoji="0" normalizeH="0">
+          <a:defRPr kumimoji="0" sz="1800" b="0" i="0" u="none" strike="noStrike" cap="none" spc="0" normalizeH="0" baseline="0">
             <a:ln>
               <a:noFill/>
             </a:ln>
@@ -7383,7 +7918,7 @@
           <a:buFontTx/>
           <a:buNone/>
           <a:tabLst/>
-          <a:defRPr b="0" baseline="0" cap="none" i="0" spc="0" strike="noStrike" sz="1800" u="none" kumimoji="0" normalizeH="0">
+          <a:defRPr kumimoji="0" sz="1800" b="0" i="0" u="none" strike="noStrike" cap="none" spc="0" normalizeH="0" baseline="0">
             <a:ln>
               <a:noFill/>
             </a:ln>
@@ -7409,7 +7944,7 @@
           <a:buFontTx/>
           <a:buNone/>
           <a:tabLst/>
-          <a:defRPr b="0" baseline="0" cap="none" i="0" spc="0" strike="noStrike" sz="1800" u="none" kumimoji="0" normalizeH="0">
+          <a:defRPr kumimoji="0" sz="1800" b="0" i="0" u="none" strike="noStrike" cap="none" spc="0" normalizeH="0" baseline="0">
             <a:ln>
               <a:noFill/>
             </a:ln>
@@ -7435,7 +7970,7 @@
           <a:buFontTx/>
           <a:buNone/>
           <a:tabLst/>
-          <a:defRPr b="0" baseline="0" cap="none" i="0" spc="0" strike="noStrike" sz="1800" u="none" kumimoji="0" normalizeH="0">
+          <a:defRPr kumimoji="0" sz="1800" b="0" i="0" u="none" strike="noStrike" cap="none" spc="0" normalizeH="0" baseline="0">
             <a:ln>
               <a:noFill/>
             </a:ln>
@@ -7461,7 +7996,7 @@
           <a:buFontTx/>
           <a:buNone/>
           <a:tabLst/>
-          <a:defRPr b="0" baseline="0" cap="none" i="0" spc="0" strike="noStrike" sz="1800" u="none" kumimoji="0" normalizeH="0">
+          <a:defRPr kumimoji="0" sz="1800" b="0" i="0" u="none" strike="noStrike" cap="none" spc="0" normalizeH="0" baseline="0">
             <a:ln>
               <a:noFill/>
             </a:ln>
@@ -7487,7 +8022,7 @@
           <a:buFontTx/>
           <a:buNone/>
           <a:tabLst/>
-          <a:defRPr b="0" baseline="0" cap="none" i="0" spc="0" strike="noStrike" sz="1800" u="none" kumimoji="0" normalizeH="0">
+          <a:defRPr kumimoji="0" sz="1800" b="0" i="0" u="none" strike="noStrike" cap="none" spc="0" normalizeH="0" baseline="0">
             <a:ln>
               <a:noFill/>
             </a:ln>
@@ -7513,7 +8048,7 @@
           <a:buFontTx/>
           <a:buNone/>
           <a:tabLst/>
-          <a:defRPr b="0" baseline="0" cap="none" i="0" spc="0" strike="noStrike" sz="1800" u="none" kumimoji="0" normalizeH="0">
+          <a:defRPr kumimoji="0" sz="1800" b="0" i="0" u="none" strike="noStrike" cap="none" spc="0" normalizeH="0" baseline="0">
             <a:ln>
               <a:noFill/>
             </a:ln>
@@ -7539,7 +8074,7 @@
           <a:buFontTx/>
           <a:buNone/>
           <a:tabLst/>
-          <a:defRPr b="0" baseline="0" cap="none" i="0" spc="0" strike="noStrike" sz="1800" u="none" kumimoji="0" normalizeH="0">
+          <a:defRPr kumimoji="0" sz="1800" b="0" i="0" u="none" strike="noStrike" cap="none" spc="0" normalizeH="0" baseline="0">
             <a:ln>
               <a:noFill/>
             </a:ln>
@@ -7565,7 +8100,7 @@
           <a:buFontTx/>
           <a:buNone/>
           <a:tabLst/>
-          <a:defRPr b="0" baseline="0" cap="none" i="0" spc="0" strike="noStrike" sz="1800" u="none" kumimoji="0" normalizeH="0">
+          <a:defRPr kumimoji="0" sz="1800" b="0" i="0" u="none" strike="noStrike" cap="none" spc="0" normalizeH="0" baseline="0">
             <a:ln>
               <a:noFill/>
             </a:ln>
@@ -7578,18 +8113,25 @@
         </a:lvl9pPr>
       </a:lstStyle>
       <a:style>
-        <a:lnRef idx="0"/>
-        <a:fillRef idx="0"/>
-        <a:effectRef idx="0"/>
+        <a:lnRef idx="0">
+          <a:scrgbClr r="0" g="0" b="0"/>
+        </a:lnRef>
+        <a:fillRef idx="0">
+          <a:scrgbClr r="0" g="0" b="0"/>
+        </a:fillRef>
+        <a:effectRef idx="0">
+          <a:scrgbClr r="0" g="0" b="0"/>
+        </a:effectRef>
         <a:fontRef idx="none"/>
       </a:style>
     </a:txDef>
   </a:objectDefaults>
+  <a:extraClrSchemeLst/>
 </a:theme>
 </file>
 
 <file path=ppt/theme/theme2.xml><?xml version="1.0" encoding="utf-8"?>
-<a:theme xmlns:a="http://schemas.openxmlformats.org/drawingml/2006/main" xmlns:r="http://schemas.openxmlformats.org/officeDocument/2006/relationships" name="White">
+<a:theme xmlns:a="http://schemas.openxmlformats.org/drawingml/2006/main" name="White">
   <a:themeElements>
     <a:clrScheme name="White">
       <a:dk1>
@@ -7788,7 +8330,7 @@
         <a:effectLst/>
         <a:sp3d/>
       </a:spPr>
-      <a:bodyPr rot="0" spcFirstLastPara="1" vertOverflow="overflow" horzOverflow="overflow" vert="horz" wrap="square" lIns="50800" tIns="50800" rIns="50800" bIns="50800" numCol="1" spcCol="38100" rtlCol="0" anchor="ctr" upright="0">
+      <a:bodyPr rot="0" spcFirstLastPara="1" vertOverflow="overflow" horzOverflow="overflow" vert="horz" wrap="square" lIns="50800" tIns="50800" rIns="50800" bIns="50800" numCol="1" spcCol="38100" rtlCol="0" anchor="ctr">
         <a:spAutoFit/>
       </a:bodyPr>
       <a:lstStyle>
@@ -7807,7 +8349,7 @@
           <a:buFontTx/>
           <a:buNone/>
           <a:tabLst/>
-          <a:defRPr b="0" baseline="0" cap="none" i="0" spc="0" strike="noStrike" sz="2200" u="none" kumimoji="0" normalizeH="0">
+          <a:defRPr kumimoji="0" sz="2200" b="0" i="0" u="none" strike="noStrike" cap="none" spc="0" normalizeH="0" baseline="0">
             <a:ln>
               <a:noFill/>
             </a:ln>
@@ -7837,7 +8379,7 @@
           <a:buFontTx/>
           <a:buNone/>
           <a:tabLst/>
-          <a:defRPr b="0" baseline="0" cap="none" i="0" spc="0" strike="noStrike" sz="1800" u="none" kumimoji="0" normalizeH="0">
+          <a:defRPr kumimoji="0" sz="1800" b="0" i="0" u="none" strike="noStrike" cap="none" spc="0" normalizeH="0" baseline="0">
             <a:ln>
               <a:noFill/>
             </a:ln>
@@ -7863,7 +8405,7 @@
           <a:buFontTx/>
           <a:buNone/>
           <a:tabLst/>
-          <a:defRPr b="0" baseline="0" cap="none" i="0" spc="0" strike="noStrike" sz="1800" u="none" kumimoji="0" normalizeH="0">
+          <a:defRPr kumimoji="0" sz="1800" b="0" i="0" u="none" strike="noStrike" cap="none" spc="0" normalizeH="0" baseline="0">
             <a:ln>
               <a:noFill/>
             </a:ln>
@@ -7889,7 +8431,7 @@
           <a:buFontTx/>
           <a:buNone/>
           <a:tabLst/>
-          <a:defRPr b="0" baseline="0" cap="none" i="0" spc="0" strike="noStrike" sz="1800" u="none" kumimoji="0" normalizeH="0">
+          <a:defRPr kumimoji="0" sz="1800" b="0" i="0" u="none" strike="noStrike" cap="none" spc="0" normalizeH="0" baseline="0">
             <a:ln>
               <a:noFill/>
             </a:ln>
@@ -7915,7 +8457,7 @@
           <a:buFontTx/>
           <a:buNone/>
           <a:tabLst/>
-          <a:defRPr b="0" baseline="0" cap="none" i="0" spc="0" strike="noStrike" sz="1800" u="none" kumimoji="0" normalizeH="0">
+          <a:defRPr kumimoji="0" sz="1800" b="0" i="0" u="none" strike="noStrike" cap="none" spc="0" normalizeH="0" baseline="0">
             <a:ln>
               <a:noFill/>
             </a:ln>
@@ -7941,7 +8483,7 @@
           <a:buFontTx/>
           <a:buNone/>
           <a:tabLst/>
-          <a:defRPr b="0" baseline="0" cap="none" i="0" spc="0" strike="noStrike" sz="1800" u="none" kumimoji="0" normalizeH="0">
+          <a:defRPr kumimoji="0" sz="1800" b="0" i="0" u="none" strike="noStrike" cap="none" spc="0" normalizeH="0" baseline="0">
             <a:ln>
               <a:noFill/>
             </a:ln>
@@ -7967,7 +8509,7 @@
           <a:buFontTx/>
           <a:buNone/>
           <a:tabLst/>
-          <a:defRPr b="0" baseline="0" cap="none" i="0" spc="0" strike="noStrike" sz="1800" u="none" kumimoji="0" normalizeH="0">
+          <a:defRPr kumimoji="0" sz="1800" b="0" i="0" u="none" strike="noStrike" cap="none" spc="0" normalizeH="0" baseline="0">
             <a:ln>
               <a:noFill/>
             </a:ln>
@@ -7993,7 +8535,7 @@
           <a:buFontTx/>
           <a:buNone/>
           <a:tabLst/>
-          <a:defRPr b="0" baseline="0" cap="none" i="0" spc="0" strike="noStrike" sz="1800" u="none" kumimoji="0" normalizeH="0">
+          <a:defRPr kumimoji="0" sz="1800" b="0" i="0" u="none" strike="noStrike" cap="none" spc="0" normalizeH="0" baseline="0">
             <a:ln>
               <a:noFill/>
             </a:ln>
@@ -8019,7 +8561,7 @@
           <a:buFontTx/>
           <a:buNone/>
           <a:tabLst/>
-          <a:defRPr b="0" baseline="0" cap="none" i="0" spc="0" strike="noStrike" sz="1800" u="none" kumimoji="0" normalizeH="0">
+          <a:defRPr kumimoji="0" sz="1800" b="0" i="0" u="none" strike="noStrike" cap="none" spc="0" normalizeH="0" baseline="0">
             <a:ln>
               <a:noFill/>
             </a:ln>
@@ -8045,7 +8587,7 @@
           <a:buFontTx/>
           <a:buNone/>
           <a:tabLst/>
-          <a:defRPr b="0" baseline="0" cap="none" i="0" spc="0" strike="noStrike" sz="1800" u="none" kumimoji="0" normalizeH="0">
+          <a:defRPr kumimoji="0" sz="1800" b="0" i="0" u="none" strike="noStrike" cap="none" spc="0" normalizeH="0" baseline="0">
             <a:ln>
               <a:noFill/>
             </a:ln>
@@ -8058,9 +8600,15 @@
         </a:lvl9pPr>
       </a:lstStyle>
       <a:style>
-        <a:lnRef idx="0"/>
-        <a:fillRef idx="0"/>
-        <a:effectRef idx="0"/>
+        <a:lnRef idx="0">
+          <a:scrgbClr r="0" g="0" b="0"/>
+        </a:lnRef>
+        <a:fillRef idx="0">
+          <a:scrgbClr r="0" g="0" b="0"/>
+        </a:fillRef>
+        <a:effectRef idx="0">
+          <a:scrgbClr r="0" g="0" b="0"/>
+        </a:effectRef>
         <a:fontRef idx="none"/>
       </a:style>
     </a:spDef>
@@ -8077,7 +8625,7 @@
         <a:effectLst/>
         <a:sp3d/>
       </a:spPr>
-      <a:bodyPr rot="0" spcFirstLastPara="1" vertOverflow="overflow" horzOverflow="overflow" vert="horz" wrap="square" lIns="91439" tIns="45719" rIns="91439" bIns="45719" numCol="1" spcCol="38100" rtlCol="0" anchor="t" upright="0">
+      <a:bodyPr rot="0" spcFirstLastPara="1" vertOverflow="overflow" horzOverflow="overflow" vert="horz" wrap="square" lIns="91439" tIns="45719" rIns="91439" bIns="45719" numCol="1" spcCol="38100" rtlCol="0" anchor="t">
         <a:noAutofit/>
       </a:bodyPr>
       <a:lstStyle>
@@ -8096,7 +8644,7 @@
           <a:buFontTx/>
           <a:buNone/>
           <a:tabLst/>
-          <a:defRPr b="0" baseline="0" cap="none" i="0" spc="0" strike="noStrike" sz="1800" u="none" kumimoji="0" normalizeH="0">
+          <a:defRPr kumimoji="0" sz="1800" b="0" i="0" u="none" strike="noStrike" cap="none" spc="0" normalizeH="0" baseline="0">
             <a:ln>
               <a:noFill/>
             </a:ln>
@@ -8122,7 +8670,7 @@
           <a:buFontTx/>
           <a:buNone/>
           <a:tabLst/>
-          <a:defRPr b="0" baseline="0" cap="none" i="0" spc="0" strike="noStrike" sz="1800" u="none" kumimoji="0" normalizeH="0">
+          <a:defRPr kumimoji="0" sz="1800" b="0" i="0" u="none" strike="noStrike" cap="none" spc="0" normalizeH="0" baseline="0">
             <a:ln>
               <a:noFill/>
             </a:ln>
@@ -8148,7 +8696,7 @@
           <a:buFontTx/>
           <a:buNone/>
           <a:tabLst/>
-          <a:defRPr b="0" baseline="0" cap="none" i="0" spc="0" strike="noStrike" sz="1800" u="none" kumimoji="0" normalizeH="0">
+          <a:defRPr kumimoji="0" sz="1800" b="0" i="0" u="none" strike="noStrike" cap="none" spc="0" normalizeH="0" baseline="0">
             <a:ln>
               <a:noFill/>
             </a:ln>
@@ -8174,7 +8722,7 @@
           <a:buFontTx/>
           <a:buNone/>
           <a:tabLst/>
-          <a:defRPr b="0" baseline="0" cap="none" i="0" spc="0" strike="noStrike" sz="1800" u="none" kumimoji="0" normalizeH="0">
+          <a:defRPr kumimoji="0" sz="1800" b="0" i="0" u="none" strike="noStrike" cap="none" spc="0" normalizeH="0" baseline="0">
             <a:ln>
               <a:noFill/>
             </a:ln>
@@ -8200,7 +8748,7 @@
           <a:buFontTx/>
           <a:buNone/>
           <a:tabLst/>
-          <a:defRPr b="0" baseline="0" cap="none" i="0" spc="0" strike="noStrike" sz="1800" u="none" kumimoji="0" normalizeH="0">
+          <a:defRPr kumimoji="0" sz="1800" b="0" i="0" u="none" strike="noStrike" cap="none" spc="0" normalizeH="0" baseline="0">
             <a:ln>
               <a:noFill/>
             </a:ln>
@@ -8226,7 +8774,7 @@
           <a:buFontTx/>
           <a:buNone/>
           <a:tabLst/>
-          <a:defRPr b="0" baseline="0" cap="none" i="0" spc="0" strike="noStrike" sz="1800" u="none" kumimoji="0" normalizeH="0">
+          <a:defRPr kumimoji="0" sz="1800" b="0" i="0" u="none" strike="noStrike" cap="none" spc="0" normalizeH="0" baseline="0">
             <a:ln>
               <a:noFill/>
             </a:ln>
@@ -8252,7 +8800,7 @@
           <a:buFontTx/>
           <a:buNone/>
           <a:tabLst/>
-          <a:defRPr b="0" baseline="0" cap="none" i="0" spc="0" strike="noStrike" sz="1800" u="none" kumimoji="0" normalizeH="0">
+          <a:defRPr kumimoji="0" sz="1800" b="0" i="0" u="none" strike="noStrike" cap="none" spc="0" normalizeH="0" baseline="0">
             <a:ln>
               <a:noFill/>
             </a:ln>
@@ -8278,7 +8826,7 @@
           <a:buFontTx/>
           <a:buNone/>
           <a:tabLst/>
-          <a:defRPr b="0" baseline="0" cap="none" i="0" spc="0" strike="noStrike" sz="1800" u="none" kumimoji="0" normalizeH="0">
+          <a:defRPr kumimoji="0" sz="1800" b="0" i="0" u="none" strike="noStrike" cap="none" spc="0" normalizeH="0" baseline="0">
             <a:ln>
               <a:noFill/>
             </a:ln>
@@ -8304,7 +8852,7 @@
           <a:buFontTx/>
           <a:buNone/>
           <a:tabLst/>
-          <a:defRPr b="0" baseline="0" cap="none" i="0" spc="0" strike="noStrike" sz="1800" u="none" kumimoji="0" normalizeH="0">
+          <a:defRPr kumimoji="0" sz="1800" b="0" i="0" u="none" strike="noStrike" cap="none" spc="0" normalizeH="0" baseline="0">
             <a:ln>
               <a:noFill/>
             </a:ln>
@@ -8330,7 +8878,7 @@
           <a:buFontTx/>
           <a:buNone/>
           <a:tabLst/>
-          <a:defRPr b="0" baseline="0" cap="none" i="0" spc="0" strike="noStrike" sz="1800" u="none" kumimoji="0" normalizeH="0">
+          <a:defRPr kumimoji="0" sz="1800" b="0" i="0" u="none" strike="noStrike" cap="none" spc="0" normalizeH="0" baseline="0">
             <a:ln>
               <a:noFill/>
             </a:ln>
@@ -8343,9 +8891,15 @@
         </a:lvl9pPr>
       </a:lstStyle>
       <a:style>
-        <a:lnRef idx="0"/>
-        <a:fillRef idx="0"/>
-        <a:effectRef idx="0"/>
+        <a:lnRef idx="0">
+          <a:scrgbClr r="0" g="0" b="0"/>
+        </a:lnRef>
+        <a:fillRef idx="0">
+          <a:scrgbClr r="0" g="0" b="0"/>
+        </a:fillRef>
+        <a:effectRef idx="0">
+          <a:scrgbClr r="0" g="0" b="0"/>
+        </a:effectRef>
         <a:fontRef idx="none"/>
       </a:style>
     </a:lnDef>
@@ -8359,7 +8913,7 @@
         <a:effectLst/>
         <a:sp3d/>
       </a:spPr>
-      <a:bodyPr rot="0" spcFirstLastPara="1" vertOverflow="overflow" horzOverflow="overflow" vert="horz" wrap="square" lIns="50800" tIns="50800" rIns="50800" bIns="50800" numCol="1" spcCol="38100" rtlCol="0" anchor="ctr" upright="0">
+      <a:bodyPr rot="0" spcFirstLastPara="1" vertOverflow="overflow" horzOverflow="overflow" vert="horz" wrap="square" lIns="50800" tIns="50800" rIns="50800" bIns="50800" numCol="1" spcCol="38100" rtlCol="0" anchor="ctr">
         <a:spAutoFit/>
       </a:bodyPr>
       <a:lstStyle>
@@ -8378,7 +8932,7 @@
           <a:buFontTx/>
           <a:buNone/>
           <a:tabLst/>
-          <a:defRPr b="1" baseline="0" cap="none" i="0" spc="0" strike="noStrike" sz="2400" u="none" kumimoji="0" normalizeH="0">
+          <a:defRPr kumimoji="0" sz="2400" b="1" i="0" u="none" strike="noStrike" cap="none" spc="0" normalizeH="0" baseline="0">
             <a:ln>
               <a:noFill/>
             </a:ln>
@@ -8408,7 +8962,7 @@
           <a:buFontTx/>
           <a:buNone/>
           <a:tabLst/>
-          <a:defRPr b="0" baseline="0" cap="none" i="0" spc="0" strike="noStrike" sz="1800" u="none" kumimoji="0" normalizeH="0">
+          <a:defRPr kumimoji="0" sz="1800" b="0" i="0" u="none" strike="noStrike" cap="none" spc="0" normalizeH="0" baseline="0">
             <a:ln>
               <a:noFill/>
             </a:ln>
@@ -8434,7 +8988,7 @@
           <a:buFontTx/>
           <a:buNone/>
           <a:tabLst/>
-          <a:defRPr b="0" baseline="0" cap="none" i="0" spc="0" strike="noStrike" sz="1800" u="none" kumimoji="0" normalizeH="0">
+          <a:defRPr kumimoji="0" sz="1800" b="0" i="0" u="none" strike="noStrike" cap="none" spc="0" normalizeH="0" baseline="0">
             <a:ln>
               <a:noFill/>
             </a:ln>
@@ -8460,7 +9014,7 @@
           <a:buFontTx/>
           <a:buNone/>
           <a:tabLst/>
-          <a:defRPr b="0" baseline="0" cap="none" i="0" spc="0" strike="noStrike" sz="1800" u="none" kumimoji="0" normalizeH="0">
+          <a:defRPr kumimoji="0" sz="1800" b="0" i="0" u="none" strike="noStrike" cap="none" spc="0" normalizeH="0" baseline="0">
             <a:ln>
               <a:noFill/>
             </a:ln>
@@ -8486,7 +9040,7 @@
           <a:buFontTx/>
           <a:buNone/>
           <a:tabLst/>
-          <a:defRPr b="0" baseline="0" cap="none" i="0" spc="0" strike="noStrike" sz="1800" u="none" kumimoji="0" normalizeH="0">
+          <a:defRPr kumimoji="0" sz="1800" b="0" i="0" u="none" strike="noStrike" cap="none" spc="0" normalizeH="0" baseline="0">
             <a:ln>
               <a:noFill/>
             </a:ln>
@@ -8512,7 +9066,7 @@
           <a:buFontTx/>
           <a:buNone/>
           <a:tabLst/>
-          <a:defRPr b="0" baseline="0" cap="none" i="0" spc="0" strike="noStrike" sz="1800" u="none" kumimoji="0" normalizeH="0">
+          <a:defRPr kumimoji="0" sz="1800" b="0" i="0" u="none" strike="noStrike" cap="none" spc="0" normalizeH="0" baseline="0">
             <a:ln>
               <a:noFill/>
             </a:ln>
@@ -8538,7 +9092,7 @@
           <a:buFontTx/>
           <a:buNone/>
           <a:tabLst/>
-          <a:defRPr b="0" baseline="0" cap="none" i="0" spc="0" strike="noStrike" sz="1800" u="none" kumimoji="0" normalizeH="0">
+          <a:defRPr kumimoji="0" sz="1800" b="0" i="0" u="none" strike="noStrike" cap="none" spc="0" normalizeH="0" baseline="0">
             <a:ln>
               <a:noFill/>
             </a:ln>
@@ -8564,7 +9118,7 @@
           <a:buFontTx/>
           <a:buNone/>
           <a:tabLst/>
-          <a:defRPr b="0" baseline="0" cap="none" i="0" spc="0" strike="noStrike" sz="1800" u="none" kumimoji="0" normalizeH="0">
+          <a:defRPr kumimoji="0" sz="1800" b="0" i="0" u="none" strike="noStrike" cap="none" spc="0" normalizeH="0" baseline="0">
             <a:ln>
               <a:noFill/>
             </a:ln>
@@ -8590,7 +9144,7 @@
           <a:buFontTx/>
           <a:buNone/>
           <a:tabLst/>
-          <a:defRPr b="0" baseline="0" cap="none" i="0" spc="0" strike="noStrike" sz="1800" u="none" kumimoji="0" normalizeH="0">
+          <a:defRPr kumimoji="0" sz="1800" b="0" i="0" u="none" strike="noStrike" cap="none" spc="0" normalizeH="0" baseline="0">
             <a:ln>
               <a:noFill/>
             </a:ln>
@@ -8616,7 +9170,7 @@
           <a:buFontTx/>
           <a:buNone/>
           <a:tabLst/>
-          <a:defRPr b="0" baseline="0" cap="none" i="0" spc="0" strike="noStrike" sz="1800" u="none" kumimoji="0" normalizeH="0">
+          <a:defRPr kumimoji="0" sz="1800" b="0" i="0" u="none" strike="noStrike" cap="none" spc="0" normalizeH="0" baseline="0">
             <a:ln>
               <a:noFill/>
             </a:ln>
@@ -8629,12 +9183,19 @@
         </a:lvl9pPr>
       </a:lstStyle>
       <a:style>
-        <a:lnRef idx="0"/>
-        <a:fillRef idx="0"/>
-        <a:effectRef idx="0"/>
+        <a:lnRef idx="0">
+          <a:scrgbClr r="0" g="0" b="0"/>
+        </a:lnRef>
+        <a:fillRef idx="0">
+          <a:scrgbClr r="0" g="0" b="0"/>
+        </a:fillRef>
+        <a:effectRef idx="0">
+          <a:scrgbClr r="0" g="0" b="0"/>
+        </a:effectRef>
         <a:fontRef idx="none"/>
       </a:style>
     </a:txDef>
   </a:objectDefaults>
+  <a:extraClrSchemeLst/>
 </a:theme>
 </file>
--- a/AppFinalDeProjecto.pptx
+++ b/AppFinalDeProjecto.pptx
@@ -326,6 +326,11 @@
       </a:defRPr>
     </a:lvl9pPr>
   </p:defaultTextStyle>
+  <p:extLst>
+    <p:ext uri="{EFAFB233-063F-42B5-8137-9DF3F51BA10A}">
+      <p15:sldGuideLst xmlns:p15="http://schemas.microsoft.com/office/powerpoint/2012/main"/>
+    </p:ext>
+  </p:extLst>
 </p:presentation>
 </file>
 
@@ -2433,7 +2438,7 @@
           </a:ln>
           <a:extLst>
             <a:ext uri="{C572A759-6A51-4108-AA02-DFA0A04FC94B}">
-              <ma14:wrappingTextBoxFlag xmlns:ma14="http://schemas.microsoft.com/office/mac/drawingml/2011/main" xmlns:a14="http://schemas.microsoft.com/office/drawing/2010/main" xmlns:m="http://schemas.openxmlformats.org/officeDocument/2006/math" xmlns="" val="1"/>
+              <ma14:wrappingTextBoxFlag xmlns="" xmlns:m="http://schemas.openxmlformats.org/officeDocument/2006/math" xmlns:a14="http://schemas.microsoft.com/office/drawing/2010/main" xmlns:ma14="http://schemas.microsoft.com/office/mac/drawingml/2011/main" val="1"/>
             </a:ext>
           </a:extLst>
         </p:spPr>
@@ -2472,7 +2477,7 @@
           </a:ln>
           <a:extLst>
             <a:ext uri="{C572A759-6A51-4108-AA02-DFA0A04FC94B}">
-              <ma14:wrappingTextBoxFlag xmlns:ma14="http://schemas.microsoft.com/office/mac/drawingml/2011/main" xmlns:a14="http://schemas.microsoft.com/office/drawing/2010/main" xmlns:m="http://schemas.openxmlformats.org/officeDocument/2006/math" xmlns="" val="1"/>
+              <ma14:wrappingTextBoxFlag xmlns="" xmlns:m="http://schemas.openxmlformats.org/officeDocument/2006/math" xmlns:a14="http://schemas.microsoft.com/office/drawing/2010/main" xmlns:ma14="http://schemas.microsoft.com/office/mac/drawingml/2011/main" val="1"/>
             </a:ext>
           </a:extLst>
         </p:spPr>
@@ -3516,7 +3521,7 @@
           </a:ln>
           <a:extLst>
             <a:ext uri="{C572A759-6A51-4108-AA02-DFA0A04FC94B}">
-              <ma14:wrappingTextBoxFlag xmlns:ma14="http://schemas.microsoft.com/office/mac/drawingml/2011/main" xmlns:a14="http://schemas.microsoft.com/office/drawing/2010/main" xmlns:m="http://schemas.openxmlformats.org/officeDocument/2006/math" xmlns="" val="1"/>
+              <ma14:wrappingTextBoxFlag xmlns="" xmlns:m="http://schemas.openxmlformats.org/officeDocument/2006/math" xmlns:a14="http://schemas.microsoft.com/office/drawing/2010/main" xmlns:ma14="http://schemas.microsoft.com/office/mac/drawingml/2011/main" val="1"/>
             </a:ext>
           </a:extLst>
         </p:spPr>
@@ -3622,7 +3627,7 @@
           </a:prstGeom>
           <a:extLst>
             <a:ext uri="{C572A759-6A51-4108-AA02-DFA0A04FC94B}">
-              <ma14:wrappingTextBoxFlag xmlns:ma14="http://schemas.microsoft.com/office/mac/drawingml/2011/main" xmlns:a14="http://schemas.microsoft.com/office/drawing/2010/main" xmlns:m="http://schemas.openxmlformats.org/officeDocument/2006/math" xmlns="" val="1"/>
+              <ma14:wrappingTextBoxFlag xmlns="" xmlns:m="http://schemas.openxmlformats.org/officeDocument/2006/math" xmlns:a14="http://schemas.microsoft.com/office/drawing/2010/main" xmlns:ma14="http://schemas.microsoft.com/office/mac/drawingml/2011/main" val="1"/>
             </a:ext>
           </a:extLst>
         </p:spPr>
@@ -3665,7 +3670,7 @@
           </a:ln>
           <a:extLst>
             <a:ext uri="{C572A759-6A51-4108-AA02-DFA0A04FC94B}">
-              <ma14:wrappingTextBoxFlag xmlns:ma14="http://schemas.microsoft.com/office/mac/drawingml/2011/main" xmlns:a14="http://schemas.microsoft.com/office/drawing/2010/main" xmlns:m="http://schemas.openxmlformats.org/officeDocument/2006/math" xmlns="" val="1"/>
+              <ma14:wrappingTextBoxFlag xmlns="" xmlns:m="http://schemas.openxmlformats.org/officeDocument/2006/math" xmlns:a14="http://schemas.microsoft.com/office/drawing/2010/main" xmlns:ma14="http://schemas.microsoft.com/office/mac/drawingml/2011/main" val="1"/>
             </a:ext>
           </a:extLst>
         </p:spPr>
@@ -3813,7 +3818,7 @@
           </a:ln>
           <a:extLst>
             <a:ext uri="{C572A759-6A51-4108-AA02-DFA0A04FC94B}">
-              <ma14:wrappingTextBoxFlag xmlns:ma14="http://schemas.microsoft.com/office/mac/drawingml/2011/main" xmlns:a14="http://schemas.microsoft.com/office/drawing/2010/main" xmlns:m="http://schemas.openxmlformats.org/officeDocument/2006/math" xmlns="" val="1"/>
+              <ma14:wrappingTextBoxFlag xmlns="" xmlns:m="http://schemas.openxmlformats.org/officeDocument/2006/math" xmlns:a14="http://schemas.microsoft.com/office/drawing/2010/main" xmlns:ma14="http://schemas.microsoft.com/office/mac/drawingml/2011/main" val="1"/>
             </a:ext>
           </a:extLst>
         </p:spPr>
@@ -4088,7 +4093,7 @@
           </a:ln>
           <a:extLst>
             <a:ext uri="{C572A759-6A51-4108-AA02-DFA0A04FC94B}">
-              <ma14:wrappingTextBoxFlag xmlns:ma14="http://schemas.microsoft.com/office/mac/drawingml/2011/main" xmlns:a14="http://schemas.microsoft.com/office/drawing/2010/main" xmlns:m="http://schemas.openxmlformats.org/officeDocument/2006/math" xmlns="" val="1"/>
+              <ma14:wrappingTextBoxFlag xmlns="" xmlns:m="http://schemas.openxmlformats.org/officeDocument/2006/math" xmlns:a14="http://schemas.microsoft.com/office/drawing/2010/main" xmlns:ma14="http://schemas.microsoft.com/office/mac/drawingml/2011/main" val="1"/>
             </a:ext>
           </a:extLst>
         </p:spPr>
@@ -4311,7 +4316,7 @@
           </a:ln>
           <a:extLst>
             <a:ext uri="{C572A759-6A51-4108-AA02-DFA0A04FC94B}">
-              <ma14:wrappingTextBoxFlag xmlns:ma14="http://schemas.microsoft.com/office/mac/drawingml/2011/main" xmlns:a14="http://schemas.microsoft.com/office/drawing/2010/main" xmlns:m="http://schemas.openxmlformats.org/officeDocument/2006/math" xmlns="" val="1"/>
+              <ma14:wrappingTextBoxFlag xmlns="" xmlns:m="http://schemas.openxmlformats.org/officeDocument/2006/math" xmlns:a14="http://schemas.microsoft.com/office/drawing/2010/main" xmlns:ma14="http://schemas.microsoft.com/office/mac/drawingml/2011/main" val="1"/>
             </a:ext>
           </a:extLst>
         </p:spPr>
@@ -4396,7 +4401,7 @@
           </a:ln>
           <a:extLst>
             <a:ext uri="{C572A759-6A51-4108-AA02-DFA0A04FC94B}">
-              <ma14:wrappingTextBoxFlag xmlns:ma14="http://schemas.microsoft.com/office/mac/drawingml/2011/main" xmlns:a14="http://schemas.microsoft.com/office/drawing/2010/main" xmlns:m="http://schemas.openxmlformats.org/officeDocument/2006/math" xmlns="" val="1"/>
+              <ma14:wrappingTextBoxFlag xmlns="" xmlns:m="http://schemas.openxmlformats.org/officeDocument/2006/math" xmlns:a14="http://schemas.microsoft.com/office/drawing/2010/main" xmlns:ma14="http://schemas.microsoft.com/office/mac/drawingml/2011/main" val="1"/>
             </a:ext>
           </a:extLst>
         </p:spPr>
@@ -4556,7 +4561,7 @@
           </a:ln>
           <a:extLst>
             <a:ext uri="{C572A759-6A51-4108-AA02-DFA0A04FC94B}">
-              <ma14:wrappingTextBoxFlag xmlns:ma14="http://schemas.microsoft.com/office/mac/drawingml/2011/main" xmlns:a14="http://schemas.microsoft.com/office/drawing/2010/main" xmlns:m="http://schemas.openxmlformats.org/officeDocument/2006/math" xmlns="" val="1"/>
+              <ma14:wrappingTextBoxFlag xmlns="" xmlns:m="http://schemas.openxmlformats.org/officeDocument/2006/math" xmlns:a14="http://schemas.microsoft.com/office/drawing/2010/main" xmlns:ma14="http://schemas.microsoft.com/office/mac/drawingml/2011/main" val="1"/>
             </a:ext>
           </a:extLst>
         </p:spPr>
@@ -4723,7 +4728,7 @@
           </a:ln>
           <a:extLst>
             <a:ext uri="{C572A759-6A51-4108-AA02-DFA0A04FC94B}">
-              <ma14:wrappingTextBoxFlag xmlns:ma14="http://schemas.microsoft.com/office/mac/drawingml/2011/main" xmlns:a14="http://schemas.microsoft.com/office/drawing/2010/main" xmlns:m="http://schemas.openxmlformats.org/officeDocument/2006/math" xmlns="" val="1"/>
+              <ma14:wrappingTextBoxFlag xmlns="" xmlns:m="http://schemas.openxmlformats.org/officeDocument/2006/math" xmlns:a14="http://schemas.microsoft.com/office/drawing/2010/main" xmlns:ma14="http://schemas.microsoft.com/office/mac/drawingml/2011/main" val="1"/>
             </a:ext>
           </a:extLst>
         </p:spPr>
@@ -4915,7 +4920,7 @@
             <a:pPr lvl="1" algn="just"/>
             <a:r>
               <a:rPr lang="pt-PT" dirty="0"/>
-              <a:t>Implementação de raiz da Componente Cliente (Aplicação Web </a:t>
+              <a:t>Implementação de raiz a Componente Cliente (Aplicação Web </a:t>
             </a:r>
             <a:r>
               <a:rPr lang="pt-PT" i="1" dirty="0"/>
@@ -4959,7 +4964,7 @@
           </a:ln>
           <a:extLst>
             <a:ext uri="{C572A759-6A51-4108-AA02-DFA0A04FC94B}">
-              <ma14:wrappingTextBoxFlag xmlns:ma14="http://schemas.microsoft.com/office/mac/drawingml/2011/main" xmlns:a14="http://schemas.microsoft.com/office/drawing/2010/main" xmlns:m="http://schemas.openxmlformats.org/officeDocument/2006/math" xmlns="" val="1"/>
+              <ma14:wrappingTextBoxFlag xmlns="" xmlns:m="http://schemas.openxmlformats.org/officeDocument/2006/math" xmlns:a14="http://schemas.microsoft.com/office/drawing/2010/main" xmlns:ma14="http://schemas.microsoft.com/office/mac/drawingml/2011/main" val="1"/>
             </a:ext>
           </a:extLst>
         </p:spPr>
@@ -5153,7 +5158,7 @@
           </a:ln>
           <a:extLst>
             <a:ext uri="{C572A759-6A51-4108-AA02-DFA0A04FC94B}">
-              <ma14:wrappingTextBoxFlag xmlns:ma14="http://schemas.microsoft.com/office/mac/drawingml/2011/main" xmlns:a14="http://schemas.microsoft.com/office/drawing/2010/main" xmlns:m="http://schemas.openxmlformats.org/officeDocument/2006/math" xmlns="" val="1"/>
+              <ma14:wrappingTextBoxFlag xmlns="" xmlns:m="http://schemas.openxmlformats.org/officeDocument/2006/math" xmlns:a14="http://schemas.microsoft.com/office/drawing/2010/main" xmlns:ma14="http://schemas.microsoft.com/office/mac/drawingml/2011/main" val="1"/>
             </a:ext>
           </a:extLst>
         </p:spPr>
@@ -5280,22 +5285,124 @@
           <a:lstStyle/>
           <a:p>
             <a:r>
-              <a:t>Melhoria da interface gráfica na aplicação cliente</a:t>
-            </a:r>
-          </a:p>
-          <a:p>
-            <a:r>
-              <a:t>Melhoria do tratamento de erros na aplicação cliente</a:t>
-            </a:r>
-          </a:p>
-          <a:p>
-            <a:r>
-              <a:rPr i="1"/>
+              <a:rPr dirty="0" err="1"/>
+              <a:t>Melhoria</a:t>
+            </a:r>
+            <a:r>
+              <a:rPr dirty="0"/>
+              <a:t> da interface </a:t>
+            </a:r>
+            <a:r>
+              <a:rPr dirty="0" err="1"/>
+              <a:t>gráfica</a:t>
+            </a:r>
+            <a:r>
+              <a:rPr dirty="0"/>
+              <a:t> </a:t>
+            </a:r>
+            <a:r>
+              <a:rPr dirty="0" err="1"/>
+              <a:t>na</a:t>
+            </a:r>
+            <a:r>
+              <a:rPr dirty="0"/>
+              <a:t> </a:t>
+            </a:r>
+            <a:r>
+              <a:rPr dirty="0" err="1"/>
+              <a:t>aplicação</a:t>
+            </a:r>
+            <a:r>
+              <a:rPr dirty="0"/>
+              <a:t> </a:t>
+            </a:r>
+            <a:r>
+              <a:rPr dirty="0" err="1"/>
+              <a:t>cliente</a:t>
+            </a:r>
+            <a:endParaRPr dirty="0"/>
+          </a:p>
+          <a:p>
+            <a:r>
+              <a:rPr dirty="0" err="1"/>
+              <a:t>Melhoria</a:t>
+            </a:r>
+            <a:r>
+              <a:rPr dirty="0"/>
+              <a:t> do </a:t>
+            </a:r>
+            <a:r>
+              <a:rPr dirty="0" err="1"/>
+              <a:t>tratamento</a:t>
+            </a:r>
+            <a:r>
+              <a:rPr dirty="0"/>
+              <a:t> de </a:t>
+            </a:r>
+            <a:r>
+              <a:rPr dirty="0" err="1"/>
+              <a:t>erros</a:t>
+            </a:r>
+            <a:r>
+              <a:rPr dirty="0"/>
+              <a:t> </a:t>
+            </a:r>
+            <a:r>
+              <a:rPr dirty="0" err="1"/>
+              <a:t>na</a:t>
+            </a:r>
+            <a:r>
+              <a:rPr dirty="0"/>
+              <a:t> </a:t>
+            </a:r>
+            <a:r>
+              <a:rPr dirty="0" err="1"/>
+              <a:t>aplicação</a:t>
+            </a:r>
+            <a:r>
+              <a:rPr dirty="0"/>
+              <a:t> </a:t>
+            </a:r>
+            <a:r>
+              <a:rPr dirty="0" err="1"/>
+              <a:t>cliente</a:t>
+            </a:r>
+            <a:endParaRPr dirty="0"/>
+          </a:p>
+          <a:p>
+            <a:r>
+              <a:rPr i="1" dirty="0"/>
               <a:t>Deployment</a:t>
             </a:r>
             <a:r>
-              <a:t> das aplicações cliente e servidor</a:t>
-            </a:r>
+              <a:rPr dirty="0"/>
+              <a:t> das </a:t>
+            </a:r>
+            <a:r>
+              <a:rPr dirty="0" err="1"/>
+              <a:t>aplicações</a:t>
+            </a:r>
+            <a:r>
+              <a:rPr dirty="0"/>
+              <a:t> </a:t>
+            </a:r>
+            <a:r>
+              <a:rPr dirty="0" err="1"/>
+              <a:t>cliente</a:t>
+            </a:r>
+            <a:r>
+              <a:rPr dirty="0"/>
+              <a:t> e </a:t>
+            </a:r>
+            <a:r>
+              <a:rPr dirty="0" err="1"/>
+              <a:t>servidor</a:t>
+            </a:r>
+            <a:r>
+              <a:rPr lang="pt-PT" dirty="0"/>
+              <a:t>as</a:t>
+            </a:r>
+            <a:endParaRPr dirty="0"/>
           </a:p>
         </p:txBody>
       </p:sp>
@@ -5318,7 +5425,7 @@
           </a:ln>
           <a:extLst>
             <a:ext uri="{C572A759-6A51-4108-AA02-DFA0A04FC94B}">
-              <ma14:wrappingTextBoxFlag xmlns:ma14="http://schemas.microsoft.com/office/mac/drawingml/2011/main" xmlns:a14="http://schemas.microsoft.com/office/drawing/2010/main" xmlns:m="http://schemas.openxmlformats.org/officeDocument/2006/math" xmlns="" val="1"/>
+              <ma14:wrappingTextBoxFlag xmlns="" xmlns:m="http://schemas.openxmlformats.org/officeDocument/2006/math" xmlns:a14="http://schemas.microsoft.com/office/drawing/2010/main" xmlns:ma14="http://schemas.microsoft.com/office/mac/drawingml/2011/main" val="1"/>
             </a:ext>
           </a:extLst>
         </p:spPr>
@@ -5480,7 +5587,7 @@
           </a:ln>
           <a:extLst>
             <a:ext uri="{C572A759-6A51-4108-AA02-DFA0A04FC94B}">
-              <ma14:wrappingTextBoxFlag xmlns:ma14="http://schemas.microsoft.com/office/mac/drawingml/2011/main" xmlns:a14="http://schemas.microsoft.com/office/drawing/2010/main" xmlns:m="http://schemas.openxmlformats.org/officeDocument/2006/math" xmlns="" val="1"/>
+              <ma14:wrappingTextBoxFlag xmlns="" xmlns:m="http://schemas.openxmlformats.org/officeDocument/2006/math" xmlns:a14="http://schemas.microsoft.com/office/drawing/2010/main" xmlns:ma14="http://schemas.microsoft.com/office/mac/drawingml/2011/main" val="1"/>
             </a:ext>
           </a:extLst>
         </p:spPr>
@@ -5898,7 +6005,7 @@
           </a:ln>
           <a:extLst>
             <a:ext uri="{C572A759-6A51-4108-AA02-DFA0A04FC94B}">
-              <ma14:wrappingTextBoxFlag xmlns:ma14="http://schemas.microsoft.com/office/mac/drawingml/2011/main" xmlns:a14="http://schemas.microsoft.com/office/drawing/2010/main" xmlns:m="http://schemas.openxmlformats.org/officeDocument/2006/math" xmlns="" val="1"/>
+              <ma14:wrappingTextBoxFlag xmlns="" xmlns:m="http://schemas.openxmlformats.org/officeDocument/2006/math" xmlns:a14="http://schemas.microsoft.com/office/drawing/2010/main" xmlns:ma14="http://schemas.microsoft.com/office/mac/drawingml/2011/main" val="1"/>
             </a:ext>
           </a:extLst>
         </p:spPr>
@@ -6050,7 +6157,7 @@
           </a:ln>
           <a:extLst>
             <a:ext uri="{C572A759-6A51-4108-AA02-DFA0A04FC94B}">
-              <ma14:wrappingTextBoxFlag xmlns:ma14="http://schemas.microsoft.com/office/mac/drawingml/2011/main" xmlns:a14="http://schemas.microsoft.com/office/drawing/2010/main" xmlns:m="http://schemas.openxmlformats.org/officeDocument/2006/math" xmlns="" val="1"/>
+              <ma14:wrappingTextBoxFlag xmlns="" xmlns:m="http://schemas.openxmlformats.org/officeDocument/2006/math" xmlns:a14="http://schemas.microsoft.com/office/drawing/2010/main" xmlns:ma14="http://schemas.microsoft.com/office/mac/drawingml/2011/main" val="1"/>
             </a:ext>
           </a:extLst>
         </p:spPr>
@@ -6200,20 +6307,161 @@
           <a:p>
             <a:pPr algn="just"/>
             <a:r>
-              <a:t>Desenvolvimento de um sistema de informação que permita realizar a administração de sondas e análise de dados provenientes das mesmas </a:t>
+              <a:rPr dirty="0" err="1"/>
+              <a:t>Desenvolv</a:t>
+            </a:r>
+            <a:r>
+              <a:rPr lang="pt-PT" dirty="0" err="1"/>
+              <a:t>er</a:t>
+            </a:r>
+            <a:r>
+              <a:rPr dirty="0"/>
+              <a:t> um </a:t>
+            </a:r>
+            <a:r>
+              <a:rPr dirty="0" err="1"/>
+              <a:t>sistema</a:t>
+            </a:r>
+            <a:r>
+              <a:rPr dirty="0"/>
+              <a:t> de </a:t>
+            </a:r>
+            <a:r>
+              <a:rPr dirty="0" err="1"/>
+              <a:t>informação</a:t>
+            </a:r>
+            <a:r>
+              <a:rPr dirty="0"/>
+              <a:t> que </a:t>
+            </a:r>
+            <a:r>
+              <a:rPr dirty="0" err="1"/>
+              <a:t>permita</a:t>
+            </a:r>
+            <a:r>
+              <a:rPr dirty="0"/>
+              <a:t> </a:t>
+            </a:r>
+            <a:r>
+              <a:rPr dirty="0" err="1"/>
+              <a:t>realizar</a:t>
+            </a:r>
+            <a:r>
+              <a:rPr dirty="0"/>
+              <a:t> a </a:t>
+            </a:r>
+            <a:r>
+              <a:rPr dirty="0" err="1"/>
+              <a:t>administração</a:t>
+            </a:r>
+            <a:r>
+              <a:rPr dirty="0"/>
+              <a:t> de </a:t>
+            </a:r>
+            <a:r>
+              <a:rPr dirty="0" err="1"/>
+              <a:t>sondas</a:t>
+            </a:r>
+            <a:r>
+              <a:rPr dirty="0"/>
+              <a:t> e </a:t>
+            </a:r>
+            <a:r>
+              <a:rPr dirty="0" err="1"/>
+              <a:t>análise</a:t>
+            </a:r>
+            <a:r>
+              <a:rPr dirty="0"/>
+              <a:t> de dados </a:t>
+            </a:r>
+            <a:r>
+              <a:rPr dirty="0" err="1"/>
+              <a:t>provenientes</a:t>
+            </a:r>
+            <a:r>
+              <a:rPr dirty="0"/>
+              <a:t> das </a:t>
+            </a:r>
+            <a:r>
+              <a:rPr dirty="0" err="1"/>
+              <a:t>mesmas</a:t>
+            </a:r>
+            <a:r>
+              <a:rPr dirty="0"/>
+              <a:t> </a:t>
             </a:r>
           </a:p>
           <a:p>
             <a:pPr algn="just"/>
             <a:r>
-              <a:t>Observação fácil e objectiva dos dados e administração do sistema</a:t>
-            </a:r>
+              <a:rPr dirty="0" err="1"/>
+              <a:t>Observação</a:t>
+            </a:r>
+            <a:r>
+              <a:rPr dirty="0"/>
+              <a:t> </a:t>
+            </a:r>
+            <a:r>
+              <a:rPr dirty="0" err="1"/>
+              <a:t>fácil</a:t>
+            </a:r>
+            <a:r>
+              <a:rPr dirty="0"/>
+              <a:t> e </a:t>
+            </a:r>
+            <a:r>
+              <a:rPr dirty="0" err="1"/>
+              <a:t>objectiva</a:t>
+            </a:r>
+            <a:r>
+              <a:rPr dirty="0"/>
+              <a:t> dos dados e </a:t>
+            </a:r>
+            <a:r>
+              <a:rPr dirty="0" err="1"/>
+              <a:t>administração</a:t>
+            </a:r>
+            <a:r>
+              <a:rPr dirty="0"/>
+              <a:t> do </a:t>
+            </a:r>
+            <a:r>
+              <a:rPr dirty="0" err="1"/>
+              <a:t>sistema</a:t>
+            </a:r>
+            <a:endParaRPr dirty="0"/>
           </a:p>
           <a:p>
             <a:pPr algn="just"/>
             <a:r>
-              <a:t>Assegurar a gestão do equipamento e de configurações</a:t>
-            </a:r>
+              <a:rPr dirty="0" err="1"/>
+              <a:t>Assegurar</a:t>
+            </a:r>
+            <a:r>
+              <a:rPr dirty="0"/>
+              <a:t> a </a:t>
+            </a:r>
+            <a:r>
+              <a:rPr dirty="0" err="1"/>
+              <a:t>gestão</a:t>
+            </a:r>
+            <a:r>
+              <a:rPr dirty="0"/>
+              <a:t> do </a:t>
+            </a:r>
+            <a:r>
+              <a:rPr dirty="0" err="1"/>
+              <a:t>equipamento</a:t>
+            </a:r>
+            <a:r>
+              <a:rPr dirty="0"/>
+              <a:t> e de </a:t>
+            </a:r>
+            <a:r>
+              <a:rPr dirty="0" err="1"/>
+              <a:t>configurações</a:t>
+            </a:r>
+            <a:endParaRPr dirty="0"/>
           </a:p>
         </p:txBody>
       </p:sp>
@@ -6236,7 +6484,7 @@
           </a:ln>
           <a:extLst>
             <a:ext uri="{C572A759-6A51-4108-AA02-DFA0A04FC94B}">
-              <ma14:wrappingTextBoxFlag xmlns:ma14="http://schemas.microsoft.com/office/mac/drawingml/2011/main" xmlns:a14="http://schemas.microsoft.com/office/drawing/2010/main" xmlns:m="http://schemas.openxmlformats.org/officeDocument/2006/math" xmlns="" val="1"/>
+              <ma14:wrappingTextBoxFlag xmlns="" xmlns:m="http://schemas.openxmlformats.org/officeDocument/2006/math" xmlns:a14="http://schemas.microsoft.com/office/drawing/2010/main" xmlns:ma14="http://schemas.microsoft.com/office/mac/drawingml/2011/main" val="1"/>
             </a:ext>
           </a:extLst>
         </p:spPr>
@@ -6329,7 +6577,12 @@
           </a:lstStyle>
           <a:p>
             <a:r>
-              <a:t>Diagrama da Arquitectura do Sistema</a:t>
+              <a:rPr dirty="0" err="1"/>
+              <a:t>Arquitectura</a:t>
+            </a:r>
+            <a:r>
+              <a:rPr dirty="0"/>
+              <a:t> do Sistema</a:t>
             </a:r>
           </a:p>
         </p:txBody>
@@ -6353,7 +6606,7 @@
           </a:ln>
           <a:extLst>
             <a:ext uri="{C572A759-6A51-4108-AA02-DFA0A04FC94B}">
-              <ma14:wrappingTextBoxFlag xmlns:ma14="http://schemas.microsoft.com/office/mac/drawingml/2011/main" xmlns:a14="http://schemas.microsoft.com/office/drawing/2010/main" xmlns:m="http://schemas.openxmlformats.org/officeDocument/2006/math" xmlns="" val="1"/>
+              <ma14:wrappingTextBoxFlag xmlns="" xmlns:m="http://schemas.openxmlformats.org/officeDocument/2006/math" xmlns:a14="http://schemas.microsoft.com/office/drawing/2010/main" xmlns:ma14="http://schemas.microsoft.com/office/mac/drawingml/2011/main" val="1"/>
             </a:ext>
           </a:extLst>
         </p:spPr>
@@ -6520,7 +6773,7 @@
           </a:ln>
           <a:extLst>
             <a:ext uri="{C572A759-6A51-4108-AA02-DFA0A04FC94B}">
-              <ma14:wrappingTextBoxFlag xmlns:ma14="http://schemas.microsoft.com/office/mac/drawingml/2011/main" xmlns:a14="http://schemas.microsoft.com/office/drawing/2010/main" xmlns:m="http://schemas.openxmlformats.org/officeDocument/2006/math" xmlns="" val="1"/>
+              <ma14:wrappingTextBoxFlag xmlns="" xmlns:m="http://schemas.openxmlformats.org/officeDocument/2006/math" xmlns:a14="http://schemas.microsoft.com/office/drawing/2010/main" xmlns:ma14="http://schemas.microsoft.com/office/mac/drawingml/2011/main" val="1"/>
             </a:ext>
           </a:extLst>
         </p:spPr>
@@ -6745,7 +6998,7 @@
           </a:ln>
           <a:extLst>
             <a:ext uri="{C572A759-6A51-4108-AA02-DFA0A04FC94B}">
-              <ma14:wrappingTextBoxFlag xmlns:ma14="http://schemas.microsoft.com/office/mac/drawingml/2011/main" xmlns:a14="http://schemas.microsoft.com/office/drawing/2010/main" xmlns:m="http://schemas.openxmlformats.org/officeDocument/2006/math" xmlns="" val="1"/>
+              <ma14:wrappingTextBoxFlag xmlns="" xmlns:m="http://schemas.openxmlformats.org/officeDocument/2006/math" xmlns:a14="http://schemas.microsoft.com/office/drawing/2010/main" xmlns:ma14="http://schemas.microsoft.com/office/mac/drawingml/2011/main" val="1"/>
             </a:ext>
           </a:extLst>
         </p:spPr>
@@ -6912,7 +7165,7 @@
           </a:ln>
           <a:extLst>
             <a:ext uri="{C572A759-6A51-4108-AA02-DFA0A04FC94B}">
-              <ma14:wrappingTextBoxFlag xmlns:ma14="http://schemas.microsoft.com/office/mac/drawingml/2011/main" xmlns:a14="http://schemas.microsoft.com/office/drawing/2010/main" xmlns:m="http://schemas.openxmlformats.org/officeDocument/2006/math" xmlns="" val="1"/>
+              <ma14:wrappingTextBoxFlag xmlns="" xmlns:m="http://schemas.openxmlformats.org/officeDocument/2006/math" xmlns:a14="http://schemas.microsoft.com/office/drawing/2010/main" xmlns:ma14="http://schemas.microsoft.com/office/mac/drawingml/2011/main" val="1"/>
             </a:ext>
           </a:extLst>
         </p:spPr>
